--- a/day2/commandline.pptx
+++ b/day2/commandline.pptx
@@ -5,7 +5,7 @@
     <p:sldMasterId id="2147483660" r:id="rId1"/>
   </p:sldMasterIdLst>
   <p:notesMasterIdLst>
-    <p:notesMasterId r:id="rId21"/>
+    <p:notesMasterId r:id="rId46"/>
   </p:notesMasterIdLst>
   <p:sldIdLst>
     <p:sldId id="256" r:id="rId2"/>
@@ -25,8 +25,33 @@
     <p:sldId id="270" r:id="rId16"/>
     <p:sldId id="271" r:id="rId17"/>
     <p:sldId id="353" r:id="rId18"/>
-    <p:sldId id="354" r:id="rId19"/>
-    <p:sldId id="355" r:id="rId20"/>
+    <p:sldId id="356" r:id="rId19"/>
+    <p:sldId id="363" r:id="rId20"/>
+    <p:sldId id="369" r:id="rId21"/>
+    <p:sldId id="365" r:id="rId22"/>
+    <p:sldId id="367" r:id="rId23"/>
+    <p:sldId id="368" r:id="rId24"/>
+    <p:sldId id="370" r:id="rId25"/>
+    <p:sldId id="371" r:id="rId26"/>
+    <p:sldId id="373" r:id="rId27"/>
+    <p:sldId id="375" r:id="rId28"/>
+    <p:sldId id="376" r:id="rId29"/>
+    <p:sldId id="377" r:id="rId30"/>
+    <p:sldId id="379" r:id="rId31"/>
+    <p:sldId id="380" r:id="rId32"/>
+    <p:sldId id="381" r:id="rId33"/>
+    <p:sldId id="382" r:id="rId34"/>
+    <p:sldId id="383" r:id="rId35"/>
+    <p:sldId id="384" r:id="rId36"/>
+    <p:sldId id="385" r:id="rId37"/>
+    <p:sldId id="386" r:id="rId38"/>
+    <p:sldId id="387" r:id="rId39"/>
+    <p:sldId id="388" r:id="rId40"/>
+    <p:sldId id="389" r:id="rId41"/>
+    <p:sldId id="393" r:id="rId42"/>
+    <p:sldId id="394" r:id="rId43"/>
+    <p:sldId id="390" r:id="rId44"/>
+    <p:sldId id="391" r:id="rId45"/>
   </p:sldIdLst>
   <p:sldSz cx="9144000" cy="6858000" type="screen4x3"/>
   <p:notesSz cx="6858000" cy="9144000"/>
@@ -226,7 +251,7 @@
           <a:p>
             <a:fld id="{F833E4A7-8C8F-0444-B05A-6DE0ED7B35B0}" type="datetimeFigureOut">
               <a:rPr lang="en-US" smtClean="0"/>
-              <a:t>5/16/17</a:t>
+              <a:t>5/24/17</a:t>
             </a:fld>
             <a:endParaRPr lang="en-US"/>
           </a:p>
@@ -594,6 +619,846 @@
 </p:notes>
 </file>
 
+<file path=ppt/notesSlides/notesSlide10.xml><?xml version="1.0" encoding="utf-8"?>
+<p:notes xmlns:a="http://schemas.openxmlformats.org/drawingml/2006/main" xmlns:r="http://schemas.openxmlformats.org/officeDocument/2006/relationships" xmlns:p="http://schemas.openxmlformats.org/presentationml/2006/main">
+  <p:cSld>
+    <p:spTree>
+      <p:nvGrpSpPr>
+        <p:cNvPr id="1" name=""/>
+        <p:cNvGrpSpPr/>
+        <p:nvPr/>
+      </p:nvGrpSpPr>
+      <p:grpSpPr>
+        <a:xfrm>
+          <a:off x="0" y="0"/>
+          <a:ext cx="0" cy="0"/>
+          <a:chOff x="0" y="0"/>
+          <a:chExt cx="0" cy="0"/>
+        </a:xfrm>
+      </p:grpSpPr>
+      <p:sp>
+        <p:nvSpPr>
+          <p:cNvPr id="2" name="Slide Image Placeholder 1"/>
+          <p:cNvSpPr>
+            <a:spLocks noGrp="1" noRot="1" noChangeAspect="1"/>
+          </p:cNvSpPr>
+          <p:nvPr>
+            <p:ph type="sldImg"/>
+          </p:nvPr>
+        </p:nvSpPr>
+        <p:spPr/>
+      </p:sp>
+      <p:sp>
+        <p:nvSpPr>
+          <p:cNvPr id="3" name="Notes Placeholder 2"/>
+          <p:cNvSpPr>
+            <a:spLocks noGrp="1"/>
+          </p:cNvSpPr>
+          <p:nvPr>
+            <p:ph type="body" idx="1"/>
+          </p:nvPr>
+        </p:nvSpPr>
+        <p:spPr/>
+        <p:txBody>
+          <a:bodyPr/>
+          <a:lstStyle/>
+          <a:p>
+            <a:endParaRPr lang="en-US"/>
+          </a:p>
+        </p:txBody>
+      </p:sp>
+      <p:sp>
+        <p:nvSpPr>
+          <p:cNvPr id="4" name="Slide Number Placeholder 3"/>
+          <p:cNvSpPr>
+            <a:spLocks noGrp="1"/>
+          </p:cNvSpPr>
+          <p:nvPr>
+            <p:ph type="sldNum" sz="quarter" idx="10"/>
+          </p:nvPr>
+        </p:nvSpPr>
+        <p:spPr/>
+        <p:txBody>
+          <a:bodyPr/>
+          <a:lstStyle/>
+          <a:p>
+            <a:fld id="{850A63CA-6EF3-434A-8E2F-FF8FCBDA0A72}" type="slidenum">
+              <a:rPr lang="en-US" smtClean="0"/>
+              <a:t>25</a:t>
+            </a:fld>
+            <a:endParaRPr lang="en-US"/>
+          </a:p>
+        </p:txBody>
+      </p:sp>
+    </p:spTree>
+    <p:extLst>
+      <p:ext uri="{BB962C8B-B14F-4D97-AF65-F5344CB8AC3E}">
+        <p14:creationId xmlns:p14="http://schemas.microsoft.com/office/powerpoint/2010/main" val="1508424657"/>
+      </p:ext>
+    </p:extLst>
+  </p:cSld>
+  <p:clrMapOvr>
+    <a:masterClrMapping/>
+  </p:clrMapOvr>
+</p:notes>
+</file>
+
+<file path=ppt/notesSlides/notesSlide11.xml><?xml version="1.0" encoding="utf-8"?>
+<p:notes xmlns:a="http://schemas.openxmlformats.org/drawingml/2006/main" xmlns:r="http://schemas.openxmlformats.org/officeDocument/2006/relationships" xmlns:p="http://schemas.openxmlformats.org/presentationml/2006/main">
+  <p:cSld>
+    <p:spTree>
+      <p:nvGrpSpPr>
+        <p:cNvPr id="1" name=""/>
+        <p:cNvGrpSpPr/>
+        <p:nvPr/>
+      </p:nvGrpSpPr>
+      <p:grpSpPr>
+        <a:xfrm>
+          <a:off x="0" y="0"/>
+          <a:ext cx="0" cy="0"/>
+          <a:chOff x="0" y="0"/>
+          <a:chExt cx="0" cy="0"/>
+        </a:xfrm>
+      </p:grpSpPr>
+      <p:sp>
+        <p:nvSpPr>
+          <p:cNvPr id="2" name="Slide Image Placeholder 1"/>
+          <p:cNvSpPr>
+            <a:spLocks noGrp="1" noRot="1" noChangeAspect="1"/>
+          </p:cNvSpPr>
+          <p:nvPr>
+            <p:ph type="sldImg"/>
+          </p:nvPr>
+        </p:nvSpPr>
+        <p:spPr/>
+      </p:sp>
+      <p:sp>
+        <p:nvSpPr>
+          <p:cNvPr id="3" name="Notes Placeholder 2"/>
+          <p:cNvSpPr>
+            <a:spLocks noGrp="1"/>
+          </p:cNvSpPr>
+          <p:nvPr>
+            <p:ph type="body" idx="1"/>
+          </p:nvPr>
+        </p:nvSpPr>
+        <p:spPr/>
+        <p:txBody>
+          <a:bodyPr/>
+          <a:lstStyle/>
+          <a:p>
+            <a:endParaRPr lang="en-US"/>
+          </a:p>
+        </p:txBody>
+      </p:sp>
+      <p:sp>
+        <p:nvSpPr>
+          <p:cNvPr id="4" name="Slide Number Placeholder 3"/>
+          <p:cNvSpPr>
+            <a:spLocks noGrp="1"/>
+          </p:cNvSpPr>
+          <p:nvPr>
+            <p:ph type="sldNum" sz="quarter" idx="10"/>
+          </p:nvPr>
+        </p:nvSpPr>
+        <p:spPr/>
+        <p:txBody>
+          <a:bodyPr/>
+          <a:lstStyle/>
+          <a:p>
+            <a:fld id="{850A63CA-6EF3-434A-8E2F-FF8FCBDA0A72}" type="slidenum">
+              <a:rPr lang="en-US" smtClean="0"/>
+              <a:t>26</a:t>
+            </a:fld>
+            <a:endParaRPr lang="en-US"/>
+          </a:p>
+        </p:txBody>
+      </p:sp>
+    </p:spTree>
+    <p:extLst>
+      <p:ext uri="{BB962C8B-B14F-4D97-AF65-F5344CB8AC3E}">
+        <p14:creationId xmlns:p14="http://schemas.microsoft.com/office/powerpoint/2010/main" val="600401762"/>
+      </p:ext>
+    </p:extLst>
+  </p:cSld>
+  <p:clrMapOvr>
+    <a:masterClrMapping/>
+  </p:clrMapOvr>
+</p:notes>
+</file>
+
+<file path=ppt/notesSlides/notesSlide12.xml><?xml version="1.0" encoding="utf-8"?>
+<p:notes xmlns:a="http://schemas.openxmlformats.org/drawingml/2006/main" xmlns:r="http://schemas.openxmlformats.org/officeDocument/2006/relationships" xmlns:p="http://schemas.openxmlformats.org/presentationml/2006/main">
+  <p:cSld>
+    <p:spTree>
+      <p:nvGrpSpPr>
+        <p:cNvPr id="1" name=""/>
+        <p:cNvGrpSpPr/>
+        <p:nvPr/>
+      </p:nvGrpSpPr>
+      <p:grpSpPr>
+        <a:xfrm>
+          <a:off x="0" y="0"/>
+          <a:ext cx="0" cy="0"/>
+          <a:chOff x="0" y="0"/>
+          <a:chExt cx="0" cy="0"/>
+        </a:xfrm>
+      </p:grpSpPr>
+      <p:sp>
+        <p:nvSpPr>
+          <p:cNvPr id="2" name="Slide Image Placeholder 1"/>
+          <p:cNvSpPr>
+            <a:spLocks noGrp="1" noRot="1" noChangeAspect="1"/>
+          </p:cNvSpPr>
+          <p:nvPr>
+            <p:ph type="sldImg"/>
+          </p:nvPr>
+        </p:nvSpPr>
+        <p:spPr/>
+      </p:sp>
+      <p:sp>
+        <p:nvSpPr>
+          <p:cNvPr id="3" name="Notes Placeholder 2"/>
+          <p:cNvSpPr>
+            <a:spLocks noGrp="1"/>
+          </p:cNvSpPr>
+          <p:nvPr>
+            <p:ph type="body" idx="1"/>
+          </p:nvPr>
+        </p:nvSpPr>
+        <p:spPr/>
+        <p:txBody>
+          <a:bodyPr/>
+          <a:lstStyle/>
+          <a:p>
+            <a:endParaRPr lang="en-US"/>
+          </a:p>
+        </p:txBody>
+      </p:sp>
+      <p:sp>
+        <p:nvSpPr>
+          <p:cNvPr id="4" name="Slide Number Placeholder 3"/>
+          <p:cNvSpPr>
+            <a:spLocks noGrp="1"/>
+          </p:cNvSpPr>
+          <p:nvPr>
+            <p:ph type="sldNum" sz="quarter" idx="10"/>
+          </p:nvPr>
+        </p:nvSpPr>
+        <p:spPr/>
+        <p:txBody>
+          <a:bodyPr/>
+          <a:lstStyle/>
+          <a:p>
+            <a:fld id="{850A63CA-6EF3-434A-8E2F-FF8FCBDA0A72}" type="slidenum">
+              <a:rPr lang="en-US" smtClean="0"/>
+              <a:t>27</a:t>
+            </a:fld>
+            <a:endParaRPr lang="en-US"/>
+          </a:p>
+        </p:txBody>
+      </p:sp>
+    </p:spTree>
+    <p:extLst>
+      <p:ext uri="{BB962C8B-B14F-4D97-AF65-F5344CB8AC3E}">
+        <p14:creationId xmlns:p14="http://schemas.microsoft.com/office/powerpoint/2010/main" val="2109746729"/>
+      </p:ext>
+    </p:extLst>
+  </p:cSld>
+  <p:clrMapOvr>
+    <a:masterClrMapping/>
+  </p:clrMapOvr>
+</p:notes>
+</file>
+
+<file path=ppt/notesSlides/notesSlide13.xml><?xml version="1.0" encoding="utf-8"?>
+<p:notes xmlns:a="http://schemas.openxmlformats.org/drawingml/2006/main" xmlns:r="http://schemas.openxmlformats.org/officeDocument/2006/relationships" xmlns:p="http://schemas.openxmlformats.org/presentationml/2006/main">
+  <p:cSld>
+    <p:spTree>
+      <p:nvGrpSpPr>
+        <p:cNvPr id="1" name=""/>
+        <p:cNvGrpSpPr/>
+        <p:nvPr/>
+      </p:nvGrpSpPr>
+      <p:grpSpPr>
+        <a:xfrm>
+          <a:off x="0" y="0"/>
+          <a:ext cx="0" cy="0"/>
+          <a:chOff x="0" y="0"/>
+          <a:chExt cx="0" cy="0"/>
+        </a:xfrm>
+      </p:grpSpPr>
+      <p:sp>
+        <p:nvSpPr>
+          <p:cNvPr id="2" name="Slide Image Placeholder 1"/>
+          <p:cNvSpPr>
+            <a:spLocks noGrp="1" noRot="1" noChangeAspect="1"/>
+          </p:cNvSpPr>
+          <p:nvPr>
+            <p:ph type="sldImg"/>
+          </p:nvPr>
+        </p:nvSpPr>
+        <p:spPr/>
+      </p:sp>
+      <p:sp>
+        <p:nvSpPr>
+          <p:cNvPr id="3" name="Notes Placeholder 2"/>
+          <p:cNvSpPr>
+            <a:spLocks noGrp="1"/>
+          </p:cNvSpPr>
+          <p:nvPr>
+            <p:ph type="body" idx="1"/>
+          </p:nvPr>
+        </p:nvSpPr>
+        <p:spPr/>
+        <p:txBody>
+          <a:bodyPr/>
+          <a:lstStyle/>
+          <a:p>
+            <a:endParaRPr lang="en-US"/>
+          </a:p>
+        </p:txBody>
+      </p:sp>
+      <p:sp>
+        <p:nvSpPr>
+          <p:cNvPr id="4" name="Slide Number Placeholder 3"/>
+          <p:cNvSpPr>
+            <a:spLocks noGrp="1"/>
+          </p:cNvSpPr>
+          <p:nvPr>
+            <p:ph type="sldNum" sz="quarter" idx="10"/>
+          </p:nvPr>
+        </p:nvSpPr>
+        <p:spPr/>
+        <p:txBody>
+          <a:bodyPr/>
+          <a:lstStyle/>
+          <a:p>
+            <a:fld id="{850A63CA-6EF3-434A-8E2F-FF8FCBDA0A72}" type="slidenum">
+              <a:rPr lang="en-US" smtClean="0"/>
+              <a:t>28</a:t>
+            </a:fld>
+            <a:endParaRPr lang="en-US"/>
+          </a:p>
+        </p:txBody>
+      </p:sp>
+    </p:spTree>
+    <p:extLst>
+      <p:ext uri="{BB962C8B-B14F-4D97-AF65-F5344CB8AC3E}">
+        <p14:creationId xmlns:p14="http://schemas.microsoft.com/office/powerpoint/2010/main" val="901638779"/>
+      </p:ext>
+    </p:extLst>
+  </p:cSld>
+  <p:clrMapOvr>
+    <a:masterClrMapping/>
+  </p:clrMapOvr>
+</p:notes>
+</file>
+
+<file path=ppt/notesSlides/notesSlide14.xml><?xml version="1.0" encoding="utf-8"?>
+<p:notes xmlns:a="http://schemas.openxmlformats.org/drawingml/2006/main" xmlns:r="http://schemas.openxmlformats.org/officeDocument/2006/relationships" xmlns:p="http://schemas.openxmlformats.org/presentationml/2006/main">
+  <p:cSld>
+    <p:spTree>
+      <p:nvGrpSpPr>
+        <p:cNvPr id="1" name=""/>
+        <p:cNvGrpSpPr/>
+        <p:nvPr/>
+      </p:nvGrpSpPr>
+      <p:grpSpPr>
+        <a:xfrm>
+          <a:off x="0" y="0"/>
+          <a:ext cx="0" cy="0"/>
+          <a:chOff x="0" y="0"/>
+          <a:chExt cx="0" cy="0"/>
+        </a:xfrm>
+      </p:grpSpPr>
+      <p:sp>
+        <p:nvSpPr>
+          <p:cNvPr id="2" name="Slide Image Placeholder 1"/>
+          <p:cNvSpPr>
+            <a:spLocks noGrp="1" noRot="1" noChangeAspect="1"/>
+          </p:cNvSpPr>
+          <p:nvPr>
+            <p:ph type="sldImg"/>
+          </p:nvPr>
+        </p:nvSpPr>
+        <p:spPr/>
+      </p:sp>
+      <p:sp>
+        <p:nvSpPr>
+          <p:cNvPr id="3" name="Notes Placeholder 2"/>
+          <p:cNvSpPr>
+            <a:spLocks noGrp="1"/>
+          </p:cNvSpPr>
+          <p:nvPr>
+            <p:ph type="body" idx="1"/>
+          </p:nvPr>
+        </p:nvSpPr>
+        <p:spPr/>
+        <p:txBody>
+          <a:bodyPr/>
+          <a:lstStyle/>
+          <a:p>
+            <a:endParaRPr lang="en-US"/>
+          </a:p>
+        </p:txBody>
+      </p:sp>
+      <p:sp>
+        <p:nvSpPr>
+          <p:cNvPr id="4" name="Slide Number Placeholder 3"/>
+          <p:cNvSpPr>
+            <a:spLocks noGrp="1"/>
+          </p:cNvSpPr>
+          <p:nvPr>
+            <p:ph type="sldNum" sz="quarter" idx="10"/>
+          </p:nvPr>
+        </p:nvSpPr>
+        <p:spPr/>
+        <p:txBody>
+          <a:bodyPr/>
+          <a:lstStyle/>
+          <a:p>
+            <a:fld id="{850A63CA-6EF3-434A-8E2F-FF8FCBDA0A72}" type="slidenum">
+              <a:rPr lang="en-US" smtClean="0"/>
+              <a:t>29</a:t>
+            </a:fld>
+            <a:endParaRPr lang="en-US"/>
+          </a:p>
+        </p:txBody>
+      </p:sp>
+    </p:spTree>
+    <p:extLst>
+      <p:ext uri="{BB962C8B-B14F-4D97-AF65-F5344CB8AC3E}">
+        <p14:creationId xmlns:p14="http://schemas.microsoft.com/office/powerpoint/2010/main" val="128990008"/>
+      </p:ext>
+    </p:extLst>
+  </p:cSld>
+  <p:clrMapOvr>
+    <a:masterClrMapping/>
+  </p:clrMapOvr>
+</p:notes>
+</file>
+
+<file path=ppt/notesSlides/notesSlide15.xml><?xml version="1.0" encoding="utf-8"?>
+<p:notes xmlns:a="http://schemas.openxmlformats.org/drawingml/2006/main" xmlns:r="http://schemas.openxmlformats.org/officeDocument/2006/relationships" xmlns:p="http://schemas.openxmlformats.org/presentationml/2006/main">
+  <p:cSld>
+    <p:spTree>
+      <p:nvGrpSpPr>
+        <p:cNvPr id="1" name=""/>
+        <p:cNvGrpSpPr/>
+        <p:nvPr/>
+      </p:nvGrpSpPr>
+      <p:grpSpPr>
+        <a:xfrm>
+          <a:off x="0" y="0"/>
+          <a:ext cx="0" cy="0"/>
+          <a:chOff x="0" y="0"/>
+          <a:chExt cx="0" cy="0"/>
+        </a:xfrm>
+      </p:grpSpPr>
+      <p:sp>
+        <p:nvSpPr>
+          <p:cNvPr id="2" name="Slide Image Placeholder 1"/>
+          <p:cNvSpPr>
+            <a:spLocks noGrp="1" noRot="1" noChangeAspect="1"/>
+          </p:cNvSpPr>
+          <p:nvPr>
+            <p:ph type="sldImg"/>
+          </p:nvPr>
+        </p:nvSpPr>
+        <p:spPr/>
+      </p:sp>
+      <p:sp>
+        <p:nvSpPr>
+          <p:cNvPr id="3" name="Notes Placeholder 2"/>
+          <p:cNvSpPr>
+            <a:spLocks noGrp="1"/>
+          </p:cNvSpPr>
+          <p:nvPr>
+            <p:ph type="body" idx="1"/>
+          </p:nvPr>
+        </p:nvSpPr>
+        <p:spPr/>
+        <p:txBody>
+          <a:bodyPr/>
+          <a:lstStyle/>
+          <a:p>
+            <a:endParaRPr lang="en-US"/>
+          </a:p>
+        </p:txBody>
+      </p:sp>
+      <p:sp>
+        <p:nvSpPr>
+          <p:cNvPr id="4" name="Slide Number Placeholder 3"/>
+          <p:cNvSpPr>
+            <a:spLocks noGrp="1"/>
+          </p:cNvSpPr>
+          <p:nvPr>
+            <p:ph type="sldNum" sz="quarter" idx="10"/>
+          </p:nvPr>
+        </p:nvSpPr>
+        <p:spPr/>
+        <p:txBody>
+          <a:bodyPr/>
+          <a:lstStyle/>
+          <a:p>
+            <a:fld id="{850A63CA-6EF3-434A-8E2F-FF8FCBDA0A72}" type="slidenum">
+              <a:rPr lang="en-US" smtClean="0"/>
+              <a:t>30</a:t>
+            </a:fld>
+            <a:endParaRPr lang="en-US"/>
+          </a:p>
+        </p:txBody>
+      </p:sp>
+    </p:spTree>
+    <p:extLst>
+      <p:ext uri="{BB962C8B-B14F-4D97-AF65-F5344CB8AC3E}">
+        <p14:creationId xmlns:p14="http://schemas.microsoft.com/office/powerpoint/2010/main" val="2096021249"/>
+      </p:ext>
+    </p:extLst>
+  </p:cSld>
+  <p:clrMapOvr>
+    <a:masterClrMapping/>
+  </p:clrMapOvr>
+</p:notes>
+</file>
+
+<file path=ppt/notesSlides/notesSlide16.xml><?xml version="1.0" encoding="utf-8"?>
+<p:notes xmlns:a="http://schemas.openxmlformats.org/drawingml/2006/main" xmlns:r="http://schemas.openxmlformats.org/officeDocument/2006/relationships" xmlns:p="http://schemas.openxmlformats.org/presentationml/2006/main">
+  <p:cSld>
+    <p:spTree>
+      <p:nvGrpSpPr>
+        <p:cNvPr id="1" name=""/>
+        <p:cNvGrpSpPr/>
+        <p:nvPr/>
+      </p:nvGrpSpPr>
+      <p:grpSpPr>
+        <a:xfrm>
+          <a:off x="0" y="0"/>
+          <a:ext cx="0" cy="0"/>
+          <a:chOff x="0" y="0"/>
+          <a:chExt cx="0" cy="0"/>
+        </a:xfrm>
+      </p:grpSpPr>
+      <p:sp>
+        <p:nvSpPr>
+          <p:cNvPr id="2" name="Slide Image Placeholder 1"/>
+          <p:cNvSpPr>
+            <a:spLocks noGrp="1" noRot="1" noChangeAspect="1"/>
+          </p:cNvSpPr>
+          <p:nvPr>
+            <p:ph type="sldImg"/>
+          </p:nvPr>
+        </p:nvSpPr>
+        <p:spPr/>
+      </p:sp>
+      <p:sp>
+        <p:nvSpPr>
+          <p:cNvPr id="3" name="Notes Placeholder 2"/>
+          <p:cNvSpPr>
+            <a:spLocks noGrp="1"/>
+          </p:cNvSpPr>
+          <p:nvPr>
+            <p:ph type="body" idx="1"/>
+          </p:nvPr>
+        </p:nvSpPr>
+        <p:spPr/>
+        <p:txBody>
+          <a:bodyPr/>
+          <a:lstStyle/>
+          <a:p>
+            <a:endParaRPr lang="en-US"/>
+          </a:p>
+        </p:txBody>
+      </p:sp>
+      <p:sp>
+        <p:nvSpPr>
+          <p:cNvPr id="4" name="Slide Number Placeholder 3"/>
+          <p:cNvSpPr>
+            <a:spLocks noGrp="1"/>
+          </p:cNvSpPr>
+          <p:nvPr>
+            <p:ph type="sldNum" sz="quarter" idx="10"/>
+          </p:nvPr>
+        </p:nvSpPr>
+        <p:spPr/>
+        <p:txBody>
+          <a:bodyPr/>
+          <a:lstStyle/>
+          <a:p>
+            <a:fld id="{850A63CA-6EF3-434A-8E2F-FF8FCBDA0A72}" type="slidenum">
+              <a:rPr lang="en-US" smtClean="0"/>
+              <a:t>31</a:t>
+            </a:fld>
+            <a:endParaRPr lang="en-US"/>
+          </a:p>
+        </p:txBody>
+      </p:sp>
+    </p:spTree>
+    <p:extLst>
+      <p:ext uri="{BB962C8B-B14F-4D97-AF65-F5344CB8AC3E}">
+        <p14:creationId xmlns:p14="http://schemas.microsoft.com/office/powerpoint/2010/main" val="1182499280"/>
+      </p:ext>
+    </p:extLst>
+  </p:cSld>
+  <p:clrMapOvr>
+    <a:masterClrMapping/>
+  </p:clrMapOvr>
+</p:notes>
+</file>
+
+<file path=ppt/notesSlides/notesSlide17.xml><?xml version="1.0" encoding="utf-8"?>
+<p:notes xmlns:a="http://schemas.openxmlformats.org/drawingml/2006/main" xmlns:r="http://schemas.openxmlformats.org/officeDocument/2006/relationships" xmlns:p="http://schemas.openxmlformats.org/presentationml/2006/main">
+  <p:cSld>
+    <p:spTree>
+      <p:nvGrpSpPr>
+        <p:cNvPr id="1" name=""/>
+        <p:cNvGrpSpPr/>
+        <p:nvPr/>
+      </p:nvGrpSpPr>
+      <p:grpSpPr>
+        <a:xfrm>
+          <a:off x="0" y="0"/>
+          <a:ext cx="0" cy="0"/>
+          <a:chOff x="0" y="0"/>
+          <a:chExt cx="0" cy="0"/>
+        </a:xfrm>
+      </p:grpSpPr>
+      <p:sp>
+        <p:nvSpPr>
+          <p:cNvPr id="2" name="Slide Image Placeholder 1"/>
+          <p:cNvSpPr>
+            <a:spLocks noGrp="1" noRot="1" noChangeAspect="1"/>
+          </p:cNvSpPr>
+          <p:nvPr>
+            <p:ph type="sldImg"/>
+          </p:nvPr>
+        </p:nvSpPr>
+        <p:spPr/>
+      </p:sp>
+      <p:sp>
+        <p:nvSpPr>
+          <p:cNvPr id="3" name="Notes Placeholder 2"/>
+          <p:cNvSpPr>
+            <a:spLocks noGrp="1"/>
+          </p:cNvSpPr>
+          <p:nvPr>
+            <p:ph type="body" idx="1"/>
+          </p:nvPr>
+        </p:nvSpPr>
+        <p:spPr/>
+        <p:txBody>
+          <a:bodyPr/>
+          <a:lstStyle/>
+          <a:p>
+            <a:endParaRPr lang="en-US"/>
+          </a:p>
+        </p:txBody>
+      </p:sp>
+      <p:sp>
+        <p:nvSpPr>
+          <p:cNvPr id="4" name="Slide Number Placeholder 3"/>
+          <p:cNvSpPr>
+            <a:spLocks noGrp="1"/>
+          </p:cNvSpPr>
+          <p:nvPr>
+            <p:ph type="sldNum" sz="quarter" idx="10"/>
+          </p:nvPr>
+        </p:nvSpPr>
+        <p:spPr/>
+        <p:txBody>
+          <a:bodyPr/>
+          <a:lstStyle/>
+          <a:p>
+            <a:fld id="{850A63CA-6EF3-434A-8E2F-FF8FCBDA0A72}" type="slidenum">
+              <a:rPr lang="en-US" smtClean="0"/>
+              <a:t>32</a:t>
+            </a:fld>
+            <a:endParaRPr lang="en-US"/>
+          </a:p>
+        </p:txBody>
+      </p:sp>
+    </p:spTree>
+    <p:extLst>
+      <p:ext uri="{BB962C8B-B14F-4D97-AF65-F5344CB8AC3E}">
+        <p14:creationId xmlns:p14="http://schemas.microsoft.com/office/powerpoint/2010/main" val="953015599"/>
+      </p:ext>
+    </p:extLst>
+  </p:cSld>
+  <p:clrMapOvr>
+    <a:masterClrMapping/>
+  </p:clrMapOvr>
+</p:notes>
+</file>
+
+<file path=ppt/notesSlides/notesSlide18.xml><?xml version="1.0" encoding="utf-8"?>
+<p:notes xmlns:a="http://schemas.openxmlformats.org/drawingml/2006/main" xmlns:r="http://schemas.openxmlformats.org/officeDocument/2006/relationships" xmlns:p="http://schemas.openxmlformats.org/presentationml/2006/main">
+  <p:cSld>
+    <p:spTree>
+      <p:nvGrpSpPr>
+        <p:cNvPr id="1" name=""/>
+        <p:cNvGrpSpPr/>
+        <p:nvPr/>
+      </p:nvGrpSpPr>
+      <p:grpSpPr>
+        <a:xfrm>
+          <a:off x="0" y="0"/>
+          <a:ext cx="0" cy="0"/>
+          <a:chOff x="0" y="0"/>
+          <a:chExt cx="0" cy="0"/>
+        </a:xfrm>
+      </p:grpSpPr>
+      <p:sp>
+        <p:nvSpPr>
+          <p:cNvPr id="2" name="Slide Image Placeholder 1"/>
+          <p:cNvSpPr>
+            <a:spLocks noGrp="1" noRot="1" noChangeAspect="1"/>
+          </p:cNvSpPr>
+          <p:nvPr>
+            <p:ph type="sldImg"/>
+          </p:nvPr>
+        </p:nvSpPr>
+        <p:spPr/>
+      </p:sp>
+      <p:sp>
+        <p:nvSpPr>
+          <p:cNvPr id="3" name="Notes Placeholder 2"/>
+          <p:cNvSpPr>
+            <a:spLocks noGrp="1"/>
+          </p:cNvSpPr>
+          <p:nvPr>
+            <p:ph type="body" idx="1"/>
+          </p:nvPr>
+        </p:nvSpPr>
+        <p:spPr/>
+        <p:txBody>
+          <a:bodyPr/>
+          <a:lstStyle/>
+          <a:p>
+            <a:endParaRPr lang="en-US"/>
+          </a:p>
+        </p:txBody>
+      </p:sp>
+      <p:sp>
+        <p:nvSpPr>
+          <p:cNvPr id="4" name="Slide Number Placeholder 3"/>
+          <p:cNvSpPr>
+            <a:spLocks noGrp="1"/>
+          </p:cNvSpPr>
+          <p:nvPr>
+            <p:ph type="sldNum" sz="quarter" idx="10"/>
+          </p:nvPr>
+        </p:nvSpPr>
+        <p:spPr/>
+        <p:txBody>
+          <a:bodyPr/>
+          <a:lstStyle/>
+          <a:p>
+            <a:fld id="{850A63CA-6EF3-434A-8E2F-FF8FCBDA0A72}" type="slidenum">
+              <a:rPr lang="en-US" smtClean="0"/>
+              <a:t>33</a:t>
+            </a:fld>
+            <a:endParaRPr lang="en-US"/>
+          </a:p>
+        </p:txBody>
+      </p:sp>
+    </p:spTree>
+    <p:extLst>
+      <p:ext uri="{BB962C8B-B14F-4D97-AF65-F5344CB8AC3E}">
+        <p14:creationId xmlns:p14="http://schemas.microsoft.com/office/powerpoint/2010/main" val="2125445633"/>
+      </p:ext>
+    </p:extLst>
+  </p:cSld>
+  <p:clrMapOvr>
+    <a:masterClrMapping/>
+  </p:clrMapOvr>
+</p:notes>
+</file>
+
+<file path=ppt/notesSlides/notesSlide19.xml><?xml version="1.0" encoding="utf-8"?>
+<p:notes xmlns:a="http://schemas.openxmlformats.org/drawingml/2006/main" xmlns:r="http://schemas.openxmlformats.org/officeDocument/2006/relationships" xmlns:p="http://schemas.openxmlformats.org/presentationml/2006/main">
+  <p:cSld>
+    <p:spTree>
+      <p:nvGrpSpPr>
+        <p:cNvPr id="1" name=""/>
+        <p:cNvGrpSpPr/>
+        <p:nvPr/>
+      </p:nvGrpSpPr>
+      <p:grpSpPr>
+        <a:xfrm>
+          <a:off x="0" y="0"/>
+          <a:ext cx="0" cy="0"/>
+          <a:chOff x="0" y="0"/>
+          <a:chExt cx="0" cy="0"/>
+        </a:xfrm>
+      </p:grpSpPr>
+      <p:sp>
+        <p:nvSpPr>
+          <p:cNvPr id="2" name="Slide Image Placeholder 1"/>
+          <p:cNvSpPr>
+            <a:spLocks noGrp="1" noRot="1" noChangeAspect="1"/>
+          </p:cNvSpPr>
+          <p:nvPr>
+            <p:ph type="sldImg"/>
+          </p:nvPr>
+        </p:nvSpPr>
+        <p:spPr/>
+      </p:sp>
+      <p:sp>
+        <p:nvSpPr>
+          <p:cNvPr id="3" name="Notes Placeholder 2"/>
+          <p:cNvSpPr>
+            <a:spLocks noGrp="1"/>
+          </p:cNvSpPr>
+          <p:nvPr>
+            <p:ph type="body" idx="1"/>
+          </p:nvPr>
+        </p:nvSpPr>
+        <p:spPr/>
+        <p:txBody>
+          <a:bodyPr/>
+          <a:lstStyle/>
+          <a:p>
+            <a:endParaRPr lang="en-US"/>
+          </a:p>
+        </p:txBody>
+      </p:sp>
+      <p:sp>
+        <p:nvSpPr>
+          <p:cNvPr id="4" name="Slide Number Placeholder 3"/>
+          <p:cNvSpPr>
+            <a:spLocks noGrp="1"/>
+          </p:cNvSpPr>
+          <p:nvPr>
+            <p:ph type="sldNum" sz="quarter" idx="10"/>
+          </p:nvPr>
+        </p:nvSpPr>
+        <p:spPr/>
+        <p:txBody>
+          <a:bodyPr/>
+          <a:lstStyle/>
+          <a:p>
+            <a:fld id="{850A63CA-6EF3-434A-8E2F-FF8FCBDA0A72}" type="slidenum">
+              <a:rPr lang="en-US" smtClean="0"/>
+              <a:t>34</a:t>
+            </a:fld>
+            <a:endParaRPr lang="en-US"/>
+          </a:p>
+        </p:txBody>
+      </p:sp>
+    </p:spTree>
+    <p:extLst>
+      <p:ext uri="{BB962C8B-B14F-4D97-AF65-F5344CB8AC3E}">
+        <p14:creationId xmlns:p14="http://schemas.microsoft.com/office/powerpoint/2010/main" val="147877534"/>
+      </p:ext>
+    </p:extLst>
+  </p:cSld>
+  <p:clrMapOvr>
+    <a:masterClrMapping/>
+  </p:clrMapOvr>
+</p:notes>
+</file>
+
 <file path=ppt/notesSlides/notesSlide2.xml><?xml version="1.0" encoding="utf-8"?>
 <p:notes xmlns:a="http://schemas.openxmlformats.org/drawingml/2006/main" xmlns:r="http://schemas.openxmlformats.org/officeDocument/2006/relationships" xmlns:p="http://schemas.openxmlformats.org/presentationml/2006/main">
   <p:cSld>
@@ -683,6 +1548,258 @@
     <p:extLst>
       <p:ext uri="{BB962C8B-B14F-4D97-AF65-F5344CB8AC3E}">
         <p14:creationId xmlns:p14="http://schemas.microsoft.com/office/powerpoint/2010/main" val="3104106615"/>
+      </p:ext>
+    </p:extLst>
+  </p:cSld>
+  <p:clrMapOvr>
+    <a:masterClrMapping/>
+  </p:clrMapOvr>
+</p:notes>
+</file>
+
+<file path=ppt/notesSlides/notesSlide20.xml><?xml version="1.0" encoding="utf-8"?>
+<p:notes xmlns:a="http://schemas.openxmlformats.org/drawingml/2006/main" xmlns:r="http://schemas.openxmlformats.org/officeDocument/2006/relationships" xmlns:p="http://schemas.openxmlformats.org/presentationml/2006/main">
+  <p:cSld>
+    <p:spTree>
+      <p:nvGrpSpPr>
+        <p:cNvPr id="1" name=""/>
+        <p:cNvGrpSpPr/>
+        <p:nvPr/>
+      </p:nvGrpSpPr>
+      <p:grpSpPr>
+        <a:xfrm>
+          <a:off x="0" y="0"/>
+          <a:ext cx="0" cy="0"/>
+          <a:chOff x="0" y="0"/>
+          <a:chExt cx="0" cy="0"/>
+        </a:xfrm>
+      </p:grpSpPr>
+      <p:sp>
+        <p:nvSpPr>
+          <p:cNvPr id="2" name="Slide Image Placeholder 1"/>
+          <p:cNvSpPr>
+            <a:spLocks noGrp="1" noRot="1" noChangeAspect="1"/>
+          </p:cNvSpPr>
+          <p:nvPr>
+            <p:ph type="sldImg"/>
+          </p:nvPr>
+        </p:nvSpPr>
+        <p:spPr/>
+      </p:sp>
+      <p:sp>
+        <p:nvSpPr>
+          <p:cNvPr id="3" name="Notes Placeholder 2"/>
+          <p:cNvSpPr>
+            <a:spLocks noGrp="1"/>
+          </p:cNvSpPr>
+          <p:nvPr>
+            <p:ph type="body" idx="1"/>
+          </p:nvPr>
+        </p:nvSpPr>
+        <p:spPr/>
+        <p:txBody>
+          <a:bodyPr/>
+          <a:lstStyle/>
+          <a:p>
+            <a:endParaRPr lang="en-US"/>
+          </a:p>
+        </p:txBody>
+      </p:sp>
+      <p:sp>
+        <p:nvSpPr>
+          <p:cNvPr id="4" name="Slide Number Placeholder 3"/>
+          <p:cNvSpPr>
+            <a:spLocks noGrp="1"/>
+          </p:cNvSpPr>
+          <p:nvPr>
+            <p:ph type="sldNum" sz="quarter" idx="10"/>
+          </p:nvPr>
+        </p:nvSpPr>
+        <p:spPr/>
+        <p:txBody>
+          <a:bodyPr/>
+          <a:lstStyle/>
+          <a:p>
+            <a:fld id="{850A63CA-6EF3-434A-8E2F-FF8FCBDA0A72}" type="slidenum">
+              <a:rPr lang="en-US" smtClean="0"/>
+              <a:t>35</a:t>
+            </a:fld>
+            <a:endParaRPr lang="en-US"/>
+          </a:p>
+        </p:txBody>
+      </p:sp>
+    </p:spTree>
+    <p:extLst>
+      <p:ext uri="{BB962C8B-B14F-4D97-AF65-F5344CB8AC3E}">
+        <p14:creationId xmlns:p14="http://schemas.microsoft.com/office/powerpoint/2010/main" val="1118356299"/>
+      </p:ext>
+    </p:extLst>
+  </p:cSld>
+  <p:clrMapOvr>
+    <a:masterClrMapping/>
+  </p:clrMapOvr>
+</p:notes>
+</file>
+
+<file path=ppt/notesSlides/notesSlide21.xml><?xml version="1.0" encoding="utf-8"?>
+<p:notes xmlns:a="http://schemas.openxmlformats.org/drawingml/2006/main" xmlns:r="http://schemas.openxmlformats.org/officeDocument/2006/relationships" xmlns:p="http://schemas.openxmlformats.org/presentationml/2006/main">
+  <p:cSld>
+    <p:spTree>
+      <p:nvGrpSpPr>
+        <p:cNvPr id="1" name=""/>
+        <p:cNvGrpSpPr/>
+        <p:nvPr/>
+      </p:nvGrpSpPr>
+      <p:grpSpPr>
+        <a:xfrm>
+          <a:off x="0" y="0"/>
+          <a:ext cx="0" cy="0"/>
+          <a:chOff x="0" y="0"/>
+          <a:chExt cx="0" cy="0"/>
+        </a:xfrm>
+      </p:grpSpPr>
+      <p:sp>
+        <p:nvSpPr>
+          <p:cNvPr id="2" name="Slide Image Placeholder 1"/>
+          <p:cNvSpPr>
+            <a:spLocks noGrp="1" noRot="1" noChangeAspect="1"/>
+          </p:cNvSpPr>
+          <p:nvPr>
+            <p:ph type="sldImg"/>
+          </p:nvPr>
+        </p:nvSpPr>
+        <p:spPr/>
+      </p:sp>
+      <p:sp>
+        <p:nvSpPr>
+          <p:cNvPr id="3" name="Notes Placeholder 2"/>
+          <p:cNvSpPr>
+            <a:spLocks noGrp="1"/>
+          </p:cNvSpPr>
+          <p:nvPr>
+            <p:ph type="body" idx="1"/>
+          </p:nvPr>
+        </p:nvSpPr>
+        <p:spPr/>
+        <p:txBody>
+          <a:bodyPr/>
+          <a:lstStyle/>
+          <a:p>
+            <a:endParaRPr lang="en-US"/>
+          </a:p>
+        </p:txBody>
+      </p:sp>
+      <p:sp>
+        <p:nvSpPr>
+          <p:cNvPr id="4" name="Slide Number Placeholder 3"/>
+          <p:cNvSpPr>
+            <a:spLocks noGrp="1"/>
+          </p:cNvSpPr>
+          <p:nvPr>
+            <p:ph type="sldNum" sz="quarter" idx="10"/>
+          </p:nvPr>
+        </p:nvSpPr>
+        <p:spPr/>
+        <p:txBody>
+          <a:bodyPr/>
+          <a:lstStyle/>
+          <a:p>
+            <a:fld id="{850A63CA-6EF3-434A-8E2F-FF8FCBDA0A72}" type="slidenum">
+              <a:rPr lang="en-US" smtClean="0"/>
+              <a:t>36</a:t>
+            </a:fld>
+            <a:endParaRPr lang="en-US"/>
+          </a:p>
+        </p:txBody>
+      </p:sp>
+    </p:spTree>
+    <p:extLst>
+      <p:ext uri="{BB962C8B-B14F-4D97-AF65-F5344CB8AC3E}">
+        <p14:creationId xmlns:p14="http://schemas.microsoft.com/office/powerpoint/2010/main" val="245336837"/>
+      </p:ext>
+    </p:extLst>
+  </p:cSld>
+  <p:clrMapOvr>
+    <a:masterClrMapping/>
+  </p:clrMapOvr>
+</p:notes>
+</file>
+
+<file path=ppt/notesSlides/notesSlide22.xml><?xml version="1.0" encoding="utf-8"?>
+<p:notes xmlns:a="http://schemas.openxmlformats.org/drawingml/2006/main" xmlns:r="http://schemas.openxmlformats.org/officeDocument/2006/relationships" xmlns:p="http://schemas.openxmlformats.org/presentationml/2006/main">
+  <p:cSld>
+    <p:spTree>
+      <p:nvGrpSpPr>
+        <p:cNvPr id="1" name=""/>
+        <p:cNvGrpSpPr/>
+        <p:nvPr/>
+      </p:nvGrpSpPr>
+      <p:grpSpPr>
+        <a:xfrm>
+          <a:off x="0" y="0"/>
+          <a:ext cx="0" cy="0"/>
+          <a:chOff x="0" y="0"/>
+          <a:chExt cx="0" cy="0"/>
+        </a:xfrm>
+      </p:grpSpPr>
+      <p:sp>
+        <p:nvSpPr>
+          <p:cNvPr id="2" name="Slide Image Placeholder 1"/>
+          <p:cNvSpPr>
+            <a:spLocks noGrp="1" noRot="1" noChangeAspect="1"/>
+          </p:cNvSpPr>
+          <p:nvPr>
+            <p:ph type="sldImg"/>
+          </p:nvPr>
+        </p:nvSpPr>
+        <p:spPr/>
+      </p:sp>
+      <p:sp>
+        <p:nvSpPr>
+          <p:cNvPr id="3" name="Notes Placeholder 2"/>
+          <p:cNvSpPr>
+            <a:spLocks noGrp="1"/>
+          </p:cNvSpPr>
+          <p:nvPr>
+            <p:ph type="body" idx="1"/>
+          </p:nvPr>
+        </p:nvSpPr>
+        <p:spPr/>
+        <p:txBody>
+          <a:bodyPr/>
+          <a:lstStyle/>
+          <a:p>
+            <a:endParaRPr lang="en-US" dirty="0"/>
+          </a:p>
+        </p:txBody>
+      </p:sp>
+      <p:sp>
+        <p:nvSpPr>
+          <p:cNvPr id="4" name="Slide Number Placeholder 3"/>
+          <p:cNvSpPr>
+            <a:spLocks noGrp="1"/>
+          </p:cNvSpPr>
+          <p:nvPr>
+            <p:ph type="sldNum" sz="quarter" idx="10"/>
+          </p:nvPr>
+        </p:nvSpPr>
+        <p:spPr/>
+        <p:txBody>
+          <a:bodyPr/>
+          <a:lstStyle/>
+          <a:p>
+            <a:fld id="{850A63CA-6EF3-434A-8E2F-FF8FCBDA0A72}" type="slidenum">
+              <a:rPr lang="en-US" smtClean="0"/>
+              <a:t>38</a:t>
+            </a:fld>
+            <a:endParaRPr lang="en-US"/>
+          </a:p>
+        </p:txBody>
+      </p:sp>
+    </p:spTree>
+    <p:extLst>
+      <p:ext uri="{BB962C8B-B14F-4D97-AF65-F5344CB8AC3E}">
+        <p14:creationId xmlns:p14="http://schemas.microsoft.com/office/powerpoint/2010/main" val="1729459289"/>
       </p:ext>
     </p:extLst>
   </p:cSld>
@@ -771,6 +1888,510 @@
     <p:extLst>
       <p:ext uri="{BB962C8B-B14F-4D97-AF65-F5344CB8AC3E}">
         <p14:creationId xmlns:p14="http://schemas.microsoft.com/office/powerpoint/2010/main" val="1177973372"/>
+      </p:ext>
+    </p:extLst>
+  </p:cSld>
+  <p:clrMapOvr>
+    <a:masterClrMapping/>
+  </p:clrMapOvr>
+</p:notes>
+</file>
+
+<file path=ppt/notesSlides/notesSlide4.xml><?xml version="1.0" encoding="utf-8"?>
+<p:notes xmlns:a="http://schemas.openxmlformats.org/drawingml/2006/main" xmlns:r="http://schemas.openxmlformats.org/officeDocument/2006/relationships" xmlns:p="http://schemas.openxmlformats.org/presentationml/2006/main">
+  <p:cSld>
+    <p:spTree>
+      <p:nvGrpSpPr>
+        <p:cNvPr id="1" name=""/>
+        <p:cNvGrpSpPr/>
+        <p:nvPr/>
+      </p:nvGrpSpPr>
+      <p:grpSpPr>
+        <a:xfrm>
+          <a:off x="0" y="0"/>
+          <a:ext cx="0" cy="0"/>
+          <a:chOff x="0" y="0"/>
+          <a:chExt cx="0" cy="0"/>
+        </a:xfrm>
+      </p:grpSpPr>
+      <p:sp>
+        <p:nvSpPr>
+          <p:cNvPr id="2" name="Slide Image Placeholder 1"/>
+          <p:cNvSpPr>
+            <a:spLocks noGrp="1" noRot="1" noChangeAspect="1"/>
+          </p:cNvSpPr>
+          <p:nvPr>
+            <p:ph type="sldImg"/>
+          </p:nvPr>
+        </p:nvSpPr>
+        <p:spPr/>
+      </p:sp>
+      <p:sp>
+        <p:nvSpPr>
+          <p:cNvPr id="3" name="Notes Placeholder 2"/>
+          <p:cNvSpPr>
+            <a:spLocks noGrp="1"/>
+          </p:cNvSpPr>
+          <p:nvPr>
+            <p:ph type="body" idx="1"/>
+          </p:nvPr>
+        </p:nvSpPr>
+        <p:spPr/>
+        <p:txBody>
+          <a:bodyPr/>
+          <a:lstStyle/>
+          <a:p>
+            <a:endParaRPr lang="en-US"/>
+          </a:p>
+        </p:txBody>
+      </p:sp>
+      <p:sp>
+        <p:nvSpPr>
+          <p:cNvPr id="4" name="Slide Number Placeholder 3"/>
+          <p:cNvSpPr>
+            <a:spLocks noGrp="1"/>
+          </p:cNvSpPr>
+          <p:nvPr>
+            <p:ph type="sldNum" sz="quarter" idx="10"/>
+          </p:nvPr>
+        </p:nvSpPr>
+        <p:spPr/>
+        <p:txBody>
+          <a:bodyPr/>
+          <a:lstStyle/>
+          <a:p>
+            <a:fld id="{850A63CA-6EF3-434A-8E2F-FF8FCBDA0A72}" type="slidenum">
+              <a:rPr lang="en-US" smtClean="0"/>
+              <a:t>19</a:t>
+            </a:fld>
+            <a:endParaRPr lang="en-US"/>
+          </a:p>
+        </p:txBody>
+      </p:sp>
+    </p:spTree>
+    <p:extLst>
+      <p:ext uri="{BB962C8B-B14F-4D97-AF65-F5344CB8AC3E}">
+        <p14:creationId xmlns:p14="http://schemas.microsoft.com/office/powerpoint/2010/main" val="44399408"/>
+      </p:ext>
+    </p:extLst>
+  </p:cSld>
+  <p:clrMapOvr>
+    <a:masterClrMapping/>
+  </p:clrMapOvr>
+</p:notes>
+</file>
+
+<file path=ppt/notesSlides/notesSlide5.xml><?xml version="1.0" encoding="utf-8"?>
+<p:notes xmlns:a="http://schemas.openxmlformats.org/drawingml/2006/main" xmlns:r="http://schemas.openxmlformats.org/officeDocument/2006/relationships" xmlns:p="http://schemas.openxmlformats.org/presentationml/2006/main">
+  <p:cSld>
+    <p:spTree>
+      <p:nvGrpSpPr>
+        <p:cNvPr id="1" name=""/>
+        <p:cNvGrpSpPr/>
+        <p:nvPr/>
+      </p:nvGrpSpPr>
+      <p:grpSpPr>
+        <a:xfrm>
+          <a:off x="0" y="0"/>
+          <a:ext cx="0" cy="0"/>
+          <a:chOff x="0" y="0"/>
+          <a:chExt cx="0" cy="0"/>
+        </a:xfrm>
+      </p:grpSpPr>
+      <p:sp>
+        <p:nvSpPr>
+          <p:cNvPr id="2" name="Slide Image Placeholder 1"/>
+          <p:cNvSpPr>
+            <a:spLocks noGrp="1" noRot="1" noChangeAspect="1"/>
+          </p:cNvSpPr>
+          <p:nvPr>
+            <p:ph type="sldImg"/>
+          </p:nvPr>
+        </p:nvSpPr>
+        <p:spPr/>
+      </p:sp>
+      <p:sp>
+        <p:nvSpPr>
+          <p:cNvPr id="3" name="Notes Placeholder 2"/>
+          <p:cNvSpPr>
+            <a:spLocks noGrp="1"/>
+          </p:cNvSpPr>
+          <p:nvPr>
+            <p:ph type="body" idx="1"/>
+          </p:nvPr>
+        </p:nvSpPr>
+        <p:spPr/>
+        <p:txBody>
+          <a:bodyPr/>
+          <a:lstStyle/>
+          <a:p>
+            <a:endParaRPr lang="en-US"/>
+          </a:p>
+        </p:txBody>
+      </p:sp>
+      <p:sp>
+        <p:nvSpPr>
+          <p:cNvPr id="4" name="Slide Number Placeholder 3"/>
+          <p:cNvSpPr>
+            <a:spLocks noGrp="1"/>
+          </p:cNvSpPr>
+          <p:nvPr>
+            <p:ph type="sldNum" sz="quarter" idx="10"/>
+          </p:nvPr>
+        </p:nvSpPr>
+        <p:spPr/>
+        <p:txBody>
+          <a:bodyPr/>
+          <a:lstStyle/>
+          <a:p>
+            <a:fld id="{850A63CA-6EF3-434A-8E2F-FF8FCBDA0A72}" type="slidenum">
+              <a:rPr lang="en-US" smtClean="0"/>
+              <a:t>20</a:t>
+            </a:fld>
+            <a:endParaRPr lang="en-US"/>
+          </a:p>
+        </p:txBody>
+      </p:sp>
+    </p:spTree>
+    <p:extLst>
+      <p:ext uri="{BB962C8B-B14F-4D97-AF65-F5344CB8AC3E}">
+        <p14:creationId xmlns:p14="http://schemas.microsoft.com/office/powerpoint/2010/main" val="1609574449"/>
+      </p:ext>
+    </p:extLst>
+  </p:cSld>
+  <p:clrMapOvr>
+    <a:masterClrMapping/>
+  </p:clrMapOvr>
+</p:notes>
+</file>
+
+<file path=ppt/notesSlides/notesSlide6.xml><?xml version="1.0" encoding="utf-8"?>
+<p:notes xmlns:a="http://schemas.openxmlformats.org/drawingml/2006/main" xmlns:r="http://schemas.openxmlformats.org/officeDocument/2006/relationships" xmlns:p="http://schemas.openxmlformats.org/presentationml/2006/main">
+  <p:cSld>
+    <p:spTree>
+      <p:nvGrpSpPr>
+        <p:cNvPr id="1" name=""/>
+        <p:cNvGrpSpPr/>
+        <p:nvPr/>
+      </p:nvGrpSpPr>
+      <p:grpSpPr>
+        <a:xfrm>
+          <a:off x="0" y="0"/>
+          <a:ext cx="0" cy="0"/>
+          <a:chOff x="0" y="0"/>
+          <a:chExt cx="0" cy="0"/>
+        </a:xfrm>
+      </p:grpSpPr>
+      <p:sp>
+        <p:nvSpPr>
+          <p:cNvPr id="2" name="Slide Image Placeholder 1"/>
+          <p:cNvSpPr>
+            <a:spLocks noGrp="1" noRot="1" noChangeAspect="1"/>
+          </p:cNvSpPr>
+          <p:nvPr>
+            <p:ph type="sldImg"/>
+          </p:nvPr>
+        </p:nvSpPr>
+        <p:spPr/>
+      </p:sp>
+      <p:sp>
+        <p:nvSpPr>
+          <p:cNvPr id="3" name="Notes Placeholder 2"/>
+          <p:cNvSpPr>
+            <a:spLocks noGrp="1"/>
+          </p:cNvSpPr>
+          <p:nvPr>
+            <p:ph type="body" idx="1"/>
+          </p:nvPr>
+        </p:nvSpPr>
+        <p:spPr/>
+        <p:txBody>
+          <a:bodyPr/>
+          <a:lstStyle/>
+          <a:p>
+            <a:endParaRPr lang="en-US"/>
+          </a:p>
+        </p:txBody>
+      </p:sp>
+      <p:sp>
+        <p:nvSpPr>
+          <p:cNvPr id="4" name="Slide Number Placeholder 3"/>
+          <p:cNvSpPr>
+            <a:spLocks noGrp="1"/>
+          </p:cNvSpPr>
+          <p:nvPr>
+            <p:ph type="sldNum" sz="quarter" idx="10"/>
+          </p:nvPr>
+        </p:nvSpPr>
+        <p:spPr/>
+        <p:txBody>
+          <a:bodyPr/>
+          <a:lstStyle/>
+          <a:p>
+            <a:fld id="{850A63CA-6EF3-434A-8E2F-FF8FCBDA0A72}" type="slidenum">
+              <a:rPr lang="en-US" smtClean="0"/>
+              <a:t>21</a:t>
+            </a:fld>
+            <a:endParaRPr lang="en-US"/>
+          </a:p>
+        </p:txBody>
+      </p:sp>
+    </p:spTree>
+    <p:extLst>
+      <p:ext uri="{BB962C8B-B14F-4D97-AF65-F5344CB8AC3E}">
+        <p14:creationId xmlns:p14="http://schemas.microsoft.com/office/powerpoint/2010/main" val="953656713"/>
+      </p:ext>
+    </p:extLst>
+  </p:cSld>
+  <p:clrMapOvr>
+    <a:masterClrMapping/>
+  </p:clrMapOvr>
+</p:notes>
+</file>
+
+<file path=ppt/notesSlides/notesSlide7.xml><?xml version="1.0" encoding="utf-8"?>
+<p:notes xmlns:a="http://schemas.openxmlformats.org/drawingml/2006/main" xmlns:r="http://schemas.openxmlformats.org/officeDocument/2006/relationships" xmlns:p="http://schemas.openxmlformats.org/presentationml/2006/main">
+  <p:cSld>
+    <p:spTree>
+      <p:nvGrpSpPr>
+        <p:cNvPr id="1" name=""/>
+        <p:cNvGrpSpPr/>
+        <p:nvPr/>
+      </p:nvGrpSpPr>
+      <p:grpSpPr>
+        <a:xfrm>
+          <a:off x="0" y="0"/>
+          <a:ext cx="0" cy="0"/>
+          <a:chOff x="0" y="0"/>
+          <a:chExt cx="0" cy="0"/>
+        </a:xfrm>
+      </p:grpSpPr>
+      <p:sp>
+        <p:nvSpPr>
+          <p:cNvPr id="2" name="Slide Image Placeholder 1"/>
+          <p:cNvSpPr>
+            <a:spLocks noGrp="1" noRot="1" noChangeAspect="1"/>
+          </p:cNvSpPr>
+          <p:nvPr>
+            <p:ph type="sldImg"/>
+          </p:nvPr>
+        </p:nvSpPr>
+        <p:spPr/>
+      </p:sp>
+      <p:sp>
+        <p:nvSpPr>
+          <p:cNvPr id="3" name="Notes Placeholder 2"/>
+          <p:cNvSpPr>
+            <a:spLocks noGrp="1"/>
+          </p:cNvSpPr>
+          <p:nvPr>
+            <p:ph type="body" idx="1"/>
+          </p:nvPr>
+        </p:nvSpPr>
+        <p:spPr/>
+        <p:txBody>
+          <a:bodyPr/>
+          <a:lstStyle/>
+          <a:p>
+            <a:endParaRPr lang="en-US"/>
+          </a:p>
+        </p:txBody>
+      </p:sp>
+      <p:sp>
+        <p:nvSpPr>
+          <p:cNvPr id="4" name="Slide Number Placeholder 3"/>
+          <p:cNvSpPr>
+            <a:spLocks noGrp="1"/>
+          </p:cNvSpPr>
+          <p:nvPr>
+            <p:ph type="sldNum" sz="quarter" idx="10"/>
+          </p:nvPr>
+        </p:nvSpPr>
+        <p:spPr/>
+        <p:txBody>
+          <a:bodyPr/>
+          <a:lstStyle/>
+          <a:p>
+            <a:fld id="{850A63CA-6EF3-434A-8E2F-FF8FCBDA0A72}" type="slidenum">
+              <a:rPr lang="en-US" smtClean="0"/>
+              <a:t>22</a:t>
+            </a:fld>
+            <a:endParaRPr lang="en-US"/>
+          </a:p>
+        </p:txBody>
+      </p:sp>
+    </p:spTree>
+    <p:extLst>
+      <p:ext uri="{BB962C8B-B14F-4D97-AF65-F5344CB8AC3E}">
+        <p14:creationId xmlns:p14="http://schemas.microsoft.com/office/powerpoint/2010/main" val="2057686155"/>
+      </p:ext>
+    </p:extLst>
+  </p:cSld>
+  <p:clrMapOvr>
+    <a:masterClrMapping/>
+  </p:clrMapOvr>
+</p:notes>
+</file>
+
+<file path=ppt/notesSlides/notesSlide8.xml><?xml version="1.0" encoding="utf-8"?>
+<p:notes xmlns:a="http://schemas.openxmlformats.org/drawingml/2006/main" xmlns:r="http://schemas.openxmlformats.org/officeDocument/2006/relationships" xmlns:p="http://schemas.openxmlformats.org/presentationml/2006/main">
+  <p:cSld>
+    <p:spTree>
+      <p:nvGrpSpPr>
+        <p:cNvPr id="1" name=""/>
+        <p:cNvGrpSpPr/>
+        <p:nvPr/>
+      </p:nvGrpSpPr>
+      <p:grpSpPr>
+        <a:xfrm>
+          <a:off x="0" y="0"/>
+          <a:ext cx="0" cy="0"/>
+          <a:chOff x="0" y="0"/>
+          <a:chExt cx="0" cy="0"/>
+        </a:xfrm>
+      </p:grpSpPr>
+      <p:sp>
+        <p:nvSpPr>
+          <p:cNvPr id="2" name="Slide Image Placeholder 1"/>
+          <p:cNvSpPr>
+            <a:spLocks noGrp="1" noRot="1" noChangeAspect="1"/>
+          </p:cNvSpPr>
+          <p:nvPr>
+            <p:ph type="sldImg"/>
+          </p:nvPr>
+        </p:nvSpPr>
+        <p:spPr/>
+      </p:sp>
+      <p:sp>
+        <p:nvSpPr>
+          <p:cNvPr id="3" name="Notes Placeholder 2"/>
+          <p:cNvSpPr>
+            <a:spLocks noGrp="1"/>
+          </p:cNvSpPr>
+          <p:nvPr>
+            <p:ph type="body" idx="1"/>
+          </p:nvPr>
+        </p:nvSpPr>
+        <p:spPr/>
+        <p:txBody>
+          <a:bodyPr/>
+          <a:lstStyle/>
+          <a:p>
+            <a:endParaRPr lang="en-US"/>
+          </a:p>
+        </p:txBody>
+      </p:sp>
+      <p:sp>
+        <p:nvSpPr>
+          <p:cNvPr id="4" name="Slide Number Placeholder 3"/>
+          <p:cNvSpPr>
+            <a:spLocks noGrp="1"/>
+          </p:cNvSpPr>
+          <p:nvPr>
+            <p:ph type="sldNum" sz="quarter" idx="10"/>
+          </p:nvPr>
+        </p:nvSpPr>
+        <p:spPr/>
+        <p:txBody>
+          <a:bodyPr/>
+          <a:lstStyle/>
+          <a:p>
+            <a:fld id="{850A63CA-6EF3-434A-8E2F-FF8FCBDA0A72}" type="slidenum">
+              <a:rPr lang="en-US" smtClean="0"/>
+              <a:t>23</a:t>
+            </a:fld>
+            <a:endParaRPr lang="en-US"/>
+          </a:p>
+        </p:txBody>
+      </p:sp>
+    </p:spTree>
+    <p:extLst>
+      <p:ext uri="{BB962C8B-B14F-4D97-AF65-F5344CB8AC3E}">
+        <p14:creationId xmlns:p14="http://schemas.microsoft.com/office/powerpoint/2010/main" val="1524826801"/>
+      </p:ext>
+    </p:extLst>
+  </p:cSld>
+  <p:clrMapOvr>
+    <a:masterClrMapping/>
+  </p:clrMapOvr>
+</p:notes>
+</file>
+
+<file path=ppt/notesSlides/notesSlide9.xml><?xml version="1.0" encoding="utf-8"?>
+<p:notes xmlns:a="http://schemas.openxmlformats.org/drawingml/2006/main" xmlns:r="http://schemas.openxmlformats.org/officeDocument/2006/relationships" xmlns:p="http://schemas.openxmlformats.org/presentationml/2006/main">
+  <p:cSld>
+    <p:spTree>
+      <p:nvGrpSpPr>
+        <p:cNvPr id="1" name=""/>
+        <p:cNvGrpSpPr/>
+        <p:nvPr/>
+      </p:nvGrpSpPr>
+      <p:grpSpPr>
+        <a:xfrm>
+          <a:off x="0" y="0"/>
+          <a:ext cx="0" cy="0"/>
+          <a:chOff x="0" y="0"/>
+          <a:chExt cx="0" cy="0"/>
+        </a:xfrm>
+      </p:grpSpPr>
+      <p:sp>
+        <p:nvSpPr>
+          <p:cNvPr id="2" name="Slide Image Placeholder 1"/>
+          <p:cNvSpPr>
+            <a:spLocks noGrp="1" noRot="1" noChangeAspect="1"/>
+          </p:cNvSpPr>
+          <p:nvPr>
+            <p:ph type="sldImg"/>
+          </p:nvPr>
+        </p:nvSpPr>
+        <p:spPr/>
+      </p:sp>
+      <p:sp>
+        <p:nvSpPr>
+          <p:cNvPr id="3" name="Notes Placeholder 2"/>
+          <p:cNvSpPr>
+            <a:spLocks noGrp="1"/>
+          </p:cNvSpPr>
+          <p:nvPr>
+            <p:ph type="body" idx="1"/>
+          </p:nvPr>
+        </p:nvSpPr>
+        <p:spPr/>
+        <p:txBody>
+          <a:bodyPr/>
+          <a:lstStyle/>
+          <a:p>
+            <a:endParaRPr lang="en-US"/>
+          </a:p>
+        </p:txBody>
+      </p:sp>
+      <p:sp>
+        <p:nvSpPr>
+          <p:cNvPr id="4" name="Slide Number Placeholder 3"/>
+          <p:cNvSpPr>
+            <a:spLocks noGrp="1"/>
+          </p:cNvSpPr>
+          <p:nvPr>
+            <p:ph type="sldNum" sz="quarter" idx="10"/>
+          </p:nvPr>
+        </p:nvSpPr>
+        <p:spPr/>
+        <p:txBody>
+          <a:bodyPr/>
+          <a:lstStyle/>
+          <a:p>
+            <a:fld id="{850A63CA-6EF3-434A-8E2F-FF8FCBDA0A72}" type="slidenum">
+              <a:rPr lang="en-US" smtClean="0"/>
+              <a:t>24</a:t>
+            </a:fld>
+            <a:endParaRPr lang="en-US"/>
+          </a:p>
+        </p:txBody>
+      </p:sp>
+    </p:spTree>
+    <p:extLst>
+      <p:ext uri="{BB962C8B-B14F-4D97-AF65-F5344CB8AC3E}">
+        <p14:creationId xmlns:p14="http://schemas.microsoft.com/office/powerpoint/2010/main" val="2137130470"/>
       </p:ext>
     </p:extLst>
   </p:cSld>
@@ -973,7 +2594,7 @@
           <a:p>
             <a:fld id="{CAF647BD-C221-1844-9ED2-A7F7759EF665}" type="datetimeFigureOut">
               <a:rPr lang="en-US" smtClean="0"/>
-              <a:t>5/16/17</a:t>
+              <a:t>5/24/17</a:t>
             </a:fld>
             <a:endParaRPr lang="en-US"/>
           </a:p>
@@ -1238,7 +2859,7 @@
           <a:p>
             <a:fld id="{CAF647BD-C221-1844-9ED2-A7F7759EF665}" type="datetimeFigureOut">
               <a:rPr lang="en-US" smtClean="0"/>
-              <a:t>5/16/17</a:t>
+              <a:t>5/24/17</a:t>
             </a:fld>
             <a:endParaRPr lang="en-US"/>
           </a:p>
@@ -1413,7 +3034,7 @@
           <a:p>
             <a:fld id="{CAF647BD-C221-1844-9ED2-A7F7759EF665}" type="datetimeFigureOut">
               <a:rPr lang="en-US" smtClean="0"/>
-              <a:t>5/16/17</a:t>
+              <a:t>5/24/17</a:t>
             </a:fld>
             <a:endParaRPr lang="en-US"/>
           </a:p>
@@ -1578,7 +3199,7 @@
           <a:p>
             <a:fld id="{CAF647BD-C221-1844-9ED2-A7F7759EF665}" type="datetimeFigureOut">
               <a:rPr lang="en-US" smtClean="0"/>
-              <a:t>5/16/17</a:t>
+              <a:t>5/24/17</a:t>
             </a:fld>
             <a:endParaRPr lang="en-US"/>
           </a:p>
@@ -1827,7 +3448,7 @@
           <a:p>
             <a:fld id="{CAF647BD-C221-1844-9ED2-A7F7759EF665}" type="datetimeFigureOut">
               <a:rPr lang="en-US" smtClean="0"/>
-              <a:t>5/16/17</a:t>
+              <a:t>5/24/17</a:t>
             </a:fld>
             <a:endParaRPr lang="en-US"/>
           </a:p>
@@ -2110,7 +3731,7 @@
           <a:p>
             <a:fld id="{CAF647BD-C221-1844-9ED2-A7F7759EF665}" type="datetimeFigureOut">
               <a:rPr lang="en-US" smtClean="0"/>
-              <a:t>5/16/17</a:t>
+              <a:t>5/24/17</a:t>
             </a:fld>
             <a:endParaRPr lang="en-US"/>
           </a:p>
@@ -2549,7 +4170,7 @@
           <a:p>
             <a:fld id="{CAF647BD-C221-1844-9ED2-A7F7759EF665}" type="datetimeFigureOut">
               <a:rPr lang="en-US" smtClean="0"/>
-              <a:t>5/16/17</a:t>
+              <a:t>5/24/17</a:t>
             </a:fld>
             <a:endParaRPr lang="en-US"/>
           </a:p>
@@ -2662,7 +4283,7 @@
           <a:p>
             <a:fld id="{CAF647BD-C221-1844-9ED2-A7F7759EF665}" type="datetimeFigureOut">
               <a:rPr lang="en-US" smtClean="0"/>
-              <a:t>5/16/17</a:t>
+              <a:t>5/24/17</a:t>
             </a:fld>
             <a:endParaRPr lang="en-US"/>
           </a:p>
@@ -2752,7 +4373,7 @@
           <a:p>
             <a:fld id="{CAF647BD-C221-1844-9ED2-A7F7759EF665}" type="datetimeFigureOut">
               <a:rPr lang="en-US" smtClean="0"/>
-              <a:t>5/16/17</a:t>
+              <a:t>5/24/17</a:t>
             </a:fld>
             <a:endParaRPr lang="en-US"/>
           </a:p>
@@ -2994,7 +4615,7 @@
           <a:p>
             <a:fld id="{CAF647BD-C221-1844-9ED2-A7F7759EF665}" type="datetimeFigureOut">
               <a:rPr lang="en-US" smtClean="0"/>
-              <a:t>5/16/17</a:t>
+              <a:t>5/24/17</a:t>
             </a:fld>
             <a:endParaRPr lang="en-US"/>
           </a:p>
@@ -3288,7 +4909,7 @@
           <a:p>
             <a:fld id="{CAF647BD-C221-1844-9ED2-A7F7759EF665}" type="datetimeFigureOut">
               <a:rPr lang="en-US" smtClean="0"/>
-              <a:t>5/16/17</a:t>
+              <a:t>5/24/17</a:t>
             </a:fld>
             <a:endParaRPr lang="en-US"/>
           </a:p>
@@ -3582,7 +5203,7 @@
           <a:p>
             <a:fld id="{CAF647BD-C221-1844-9ED2-A7F7759EF665}" type="datetimeFigureOut">
               <a:rPr lang="en-US" smtClean="0"/>
-              <a:t>5/16/17</a:t>
+              <a:t>5/24/17</a:t>
             </a:fld>
             <a:endParaRPr lang="en-US"/>
           </a:p>
@@ -4102,13 +5723,13 @@
         </p:nvSpPr>
         <p:spPr>
           <a:xfrm>
-            <a:off x="457199" y="4800599"/>
-            <a:ext cx="8491415" cy="1578709"/>
+            <a:off x="242888" y="4914899"/>
+            <a:ext cx="8691439" cy="1578709"/>
           </a:xfrm>
         </p:spPr>
         <p:txBody>
           <a:bodyPr>
-            <a:normAutofit fontScale="55000" lnSpcReduction="20000"/>
+            <a:normAutofit fontScale="70000" lnSpcReduction="20000"/>
           </a:bodyPr>
           <a:lstStyle/>
           <a:p>
@@ -4123,25 +5744,26 @@
           <a:p>
             <a:r>
               <a:rPr lang="en-US" dirty="0" smtClean="0"/>
-              <a:t>Big data in biology summer school, 2015</a:t>
-            </a:r>
-          </a:p>
-          <a:p>
-            <a:r>
-              <a:rPr lang="en-US" dirty="0"/>
-              <a:t>Center for computational biology and bioinformatics </a:t>
-            </a:r>
-          </a:p>
-          <a:p>
+              <a:t>Ecological Functional Genomics Workshop</a:t>
+            </a:r>
+          </a:p>
+          <a:p>
+            <a:r>
+              <a:rPr lang="en-US" dirty="0" err="1" smtClean="0"/>
+              <a:t>Lacawac</a:t>
+            </a:r>
             <a:r>
               <a:rPr lang="en-US" dirty="0" smtClean="0"/>
-              <a:t>University of Texas at </a:t>
-            </a:r>
-            <a:r>
-              <a:rPr lang="en-US" dirty="0" err="1" smtClean="0"/>
-              <a:t>austin</a:t>
-            </a:r>
-            <a:endParaRPr lang="en-US" dirty="0" smtClean="0"/>
+              <a:t> Sanctuary, May 24-26</a:t>
+            </a:r>
+            <a:r>
+              <a:rPr lang="en-US" baseline="30000" dirty="0" smtClean="0"/>
+              <a:t>th</a:t>
+            </a:r>
+            <a:r>
+              <a:rPr lang="en-US" dirty="0" smtClean="0"/>
+              <a:t> 2017</a:t>
+            </a:r>
           </a:p>
         </p:txBody>
       </p:sp>
@@ -6546,7 +8168,7 @@
           <a:p>
             <a:r>
               <a:rPr lang="en-US" dirty="0" smtClean="0"/>
-              <a:t>why learn computer programming?</a:t>
+              <a:t>Regular expressions </a:t>
             </a:r>
             <a:endParaRPr lang="en-US" dirty="0"/>
           </a:p>
@@ -6565,7 +8187,7 @@
         <p:spPr/>
         <p:txBody>
           <a:bodyPr>
-            <a:normAutofit/>
+            <a:normAutofit fontScale="92500" lnSpcReduction="10000"/>
           </a:bodyPr>
           <a:lstStyle/>
           <a:p>
@@ -6574,9 +8196,14 @@
               <a:buChar char="•"/>
             </a:pPr>
             <a:r>
+              <a:rPr lang="en-US" sz="3600" i="1" dirty="0" smtClean="0"/>
+              <a:t>Pattern-based </a:t>
+            </a:r>
+            <a:r>
               <a:rPr lang="en-US" sz="3600" dirty="0" smtClean="0"/>
-              <a:t>Speed </a:t>
-            </a:r>
+              <a:t>search and replace</a:t>
+            </a:r>
+            <a:endParaRPr lang="en-US" sz="3600" i="1" dirty="0" smtClean="0"/>
           </a:p>
           <a:p>
             <a:pPr marL="571500" indent="-571500">
@@ -6592,7 +8219,24 @@
             </a:pPr>
             <a:r>
               <a:rPr lang="en-US" sz="3600" dirty="0" smtClean="0"/>
-              <a:t>Automation</a:t>
+              <a:t>Extremely powerful beyond all reason</a:t>
+            </a:r>
+          </a:p>
+          <a:p>
+            <a:pPr marL="571500" indent="-571500">
+              <a:buFont typeface="Arial"/>
+              <a:buChar char="•"/>
+            </a:pPr>
+            <a:endParaRPr lang="en-US" sz="3600" dirty="0"/>
+          </a:p>
+          <a:p>
+            <a:pPr marL="571500" indent="-571500">
+              <a:buFont typeface="Arial"/>
+              <a:buChar char="•"/>
+            </a:pPr>
+            <a:r>
+              <a:rPr lang="en-US" sz="3600" dirty="0" smtClean="0"/>
+              <a:t>Excellent for text file manipulation!</a:t>
             </a:r>
           </a:p>
           <a:p>
@@ -6602,23 +8246,12 @@
             </a:pPr>
             <a:endParaRPr lang="en-US" sz="3600" dirty="0" smtClean="0"/>
           </a:p>
-          <a:p>
-            <a:pPr marL="571500" indent="-571500">
-              <a:buFont typeface="Arial"/>
-              <a:buChar char="•"/>
-            </a:pPr>
-            <a:r>
-              <a:rPr lang="en-US" sz="3600" dirty="0" smtClean="0"/>
-              <a:t>Repeatability</a:t>
-            </a:r>
-            <a:endParaRPr lang="en-US" sz="3600" dirty="0"/>
-          </a:p>
         </p:txBody>
       </p:sp>
     </p:spTree>
     <p:extLst>
       <p:ext uri="{BB962C8B-B14F-4D97-AF65-F5344CB8AC3E}">
-        <p14:creationId xmlns:p14="http://schemas.microsoft.com/office/powerpoint/2010/main" val="327152197"/>
+        <p14:creationId xmlns:p14="http://schemas.microsoft.com/office/powerpoint/2010/main" val="398549915"/>
       </p:ext>
     </p:extLst>
   </p:cSld>
@@ -6662,11 +8295,8 @@
           <a:p>
             <a:r>
               <a:rPr lang="en-US" dirty="0" smtClean="0"/>
-              <a:t>why learn python?</a:t>
-            </a:r>
-            <a:br>
-              <a:rPr lang="en-US" dirty="0" smtClean="0"/>
-            </a:br>
+              <a:t>Regular expressions</a:t>
+            </a:r>
             <a:endParaRPr lang="en-US" dirty="0"/>
           </a:p>
         </p:txBody>
@@ -6681,86 +8311,184 @@
             <p:ph idx="1"/>
           </p:nvPr>
         </p:nvSpPr>
-        <p:spPr/>
+        <p:spPr>
+          <a:xfrm>
+            <a:off x="457200" y="1752601"/>
+            <a:ext cx="7620000" cy="3005138"/>
+          </a:xfrm>
+        </p:spPr>
         <p:txBody>
           <a:bodyPr>
             <a:normAutofit/>
           </a:bodyPr>
           <a:lstStyle/>
           <a:p>
-            <a:pPr marL="571500" indent="-571500">
-              <a:buFont typeface="Arial"/>
-              <a:buChar char="•"/>
-            </a:pPr>
-            <a:r>
-              <a:rPr lang="en-US" sz="2400" dirty="0" smtClean="0"/>
-              <a:t>Higher-level language with extensive functionality</a:t>
-            </a:r>
-          </a:p>
-          <a:p>
-            <a:pPr marL="1028700" lvl="1" indent="-571500">
-              <a:buFont typeface="Arial"/>
-              <a:buChar char="•"/>
-            </a:pPr>
-            <a:r>
-              <a:rPr lang="en-US" sz="2000" dirty="0" smtClean="0"/>
-              <a:t>Well-documented</a:t>
-            </a:r>
-          </a:p>
-          <a:p>
-            <a:pPr marL="1028700" lvl="1" indent="-571500">
-              <a:buFont typeface="Arial"/>
-              <a:buChar char="•"/>
-            </a:pPr>
-            <a:r>
-              <a:rPr lang="en-US" sz="2000" dirty="0" smtClean="0"/>
-              <a:t>Widely-used</a:t>
-            </a:r>
-          </a:p>
-          <a:p>
-            <a:pPr marL="1028700" lvl="1" indent="-571500">
-              <a:buFont typeface="Arial"/>
-              <a:buChar char="•"/>
-            </a:pPr>
-            <a:r>
-              <a:rPr lang="en-US" sz="2000" dirty="0" smtClean="0"/>
-              <a:t>Very readable and user-friendly</a:t>
-            </a:r>
-          </a:p>
-          <a:p>
-            <a:pPr marL="1028700" lvl="1" indent="-571500">
-              <a:buFont typeface="Arial"/>
-              <a:buChar char="•"/>
-            </a:pPr>
-            <a:r>
-              <a:rPr lang="en-US" sz="2000" dirty="0" smtClean="0"/>
-              <a:t>Excellent for handling text and files</a:t>
-            </a:r>
-          </a:p>
-          <a:p>
-            <a:pPr marL="1028700" lvl="1" indent="-571500">
-              <a:buFont typeface="Arial"/>
-              <a:buChar char="•"/>
-            </a:pPr>
-            <a:endParaRPr lang="en-US" sz="2000" dirty="0" smtClean="0"/>
-          </a:p>
-          <a:p>
-            <a:pPr marL="571500" indent="-571500">
-              <a:buFont typeface="Arial"/>
-              <a:buChar char="•"/>
-            </a:pPr>
-            <a:r>
-              <a:rPr lang="en-US" sz="2400" dirty="0" smtClean="0"/>
-              <a:t>The main drawback is speed</a:t>
-            </a:r>
-            <a:endParaRPr lang="en-US" sz="2400" dirty="0"/>
+            <a:r>
+              <a:rPr lang="en-US" dirty="0" smtClean="0">
+                <a:latin typeface="Monaco" charset="0"/>
+                <a:ea typeface="Monaco" charset="0"/>
+                <a:cs typeface="Monaco" charset="0"/>
+              </a:rPr>
+              <a:t>String</a:t>
+            </a:r>
+            <a:r>
+              <a:rPr lang="en-US" dirty="0" smtClean="0">
+                <a:latin typeface="Monaco" charset="0"/>
+                <a:ea typeface="Monaco" charset="0"/>
+                <a:cs typeface="Monaco" charset="0"/>
+              </a:rPr>
+              <a:t>: Mus </a:t>
+            </a:r>
+            <a:r>
+              <a:rPr lang="en-US" dirty="0" err="1" smtClean="0">
+                <a:latin typeface="Monaco" charset="0"/>
+                <a:ea typeface="Monaco" charset="0"/>
+                <a:cs typeface="Monaco" charset="0"/>
+              </a:rPr>
+              <a:t>musculus</a:t>
+            </a:r>
+            <a:endParaRPr lang="en-US" dirty="0" smtClean="0">
+              <a:latin typeface="Monaco" charset="0"/>
+              <a:ea typeface="Monaco" charset="0"/>
+              <a:cs typeface="Monaco" charset="0"/>
+            </a:endParaRPr>
+          </a:p>
+          <a:p>
+            <a:endParaRPr lang="en-US" dirty="0">
+              <a:latin typeface="Monaco" charset="0"/>
+              <a:ea typeface="Monaco" charset="0"/>
+              <a:cs typeface="Monaco" charset="0"/>
+            </a:endParaRPr>
+          </a:p>
+          <a:p>
+            <a:r>
+              <a:rPr lang="en-US" dirty="0" smtClean="0">
+                <a:latin typeface="Monaco" charset="0"/>
+                <a:ea typeface="Monaco" charset="0"/>
+                <a:cs typeface="Monaco" charset="0"/>
+              </a:rPr>
+              <a:t>Regex:  </a:t>
+            </a:r>
+            <a:r>
+              <a:rPr lang="en-US" dirty="0" smtClean="0">
+                <a:latin typeface="Monaco" charset="0"/>
+                <a:ea typeface="Monaco" charset="0"/>
+                <a:cs typeface="Monaco" charset="0"/>
+              </a:rPr>
+              <a:t>Mus</a:t>
+            </a:r>
+            <a:endParaRPr lang="en-US" dirty="0">
+              <a:latin typeface="Monaco" charset="0"/>
+              <a:ea typeface="Monaco" charset="0"/>
+              <a:cs typeface="Monaco" charset="0"/>
+            </a:endParaRPr>
+          </a:p>
+          <a:p>
+            <a:endParaRPr lang="en-US" dirty="0">
+              <a:latin typeface="Monaco" charset="0"/>
+              <a:ea typeface="Monaco" charset="0"/>
+              <a:cs typeface="Monaco" charset="0"/>
+            </a:endParaRPr>
+          </a:p>
+          <a:p>
+            <a:r>
+              <a:rPr lang="en-US" dirty="0" smtClean="0">
+                <a:latin typeface="Monaco" charset="0"/>
+                <a:ea typeface="Monaco" charset="0"/>
+                <a:cs typeface="Monaco" charset="0"/>
+              </a:rPr>
+              <a:t>Match:  </a:t>
+            </a:r>
+            <a:r>
+              <a:rPr lang="en-US" dirty="0">
+                <a:latin typeface="Monaco" charset="0"/>
+                <a:ea typeface="Monaco" charset="0"/>
+                <a:cs typeface="Monaco" charset="0"/>
+              </a:rPr>
+              <a:t>Mus </a:t>
+            </a:r>
+            <a:r>
+              <a:rPr lang="en-US" dirty="0" err="1">
+                <a:latin typeface="Monaco" charset="0"/>
+                <a:ea typeface="Monaco" charset="0"/>
+                <a:cs typeface="Monaco" charset="0"/>
+              </a:rPr>
+              <a:t>musculus</a:t>
+            </a:r>
+            <a:endParaRPr lang="en-US" dirty="0">
+              <a:latin typeface="Monaco" charset="0"/>
+              <a:ea typeface="Monaco" charset="0"/>
+              <a:cs typeface="Monaco" charset="0"/>
+            </a:endParaRPr>
+          </a:p>
+          <a:p>
+            <a:endParaRPr lang="en-US" dirty="0">
+              <a:latin typeface="Monaco" charset="0"/>
+              <a:ea typeface="Monaco" charset="0"/>
+              <a:cs typeface="Monaco" charset="0"/>
+            </a:endParaRPr>
+          </a:p>
+          <a:p>
+            <a:endParaRPr lang="en-US" dirty="0">
+              <a:latin typeface="Monaco" charset="0"/>
+              <a:ea typeface="Monaco" charset="0"/>
+              <a:cs typeface="Monaco" charset="0"/>
+            </a:endParaRPr>
+          </a:p>
+        </p:txBody>
+      </p:sp>
+      <p:sp>
+        <p:nvSpPr>
+          <p:cNvPr id="4" name="Rounded Rectangle 3"/>
+          <p:cNvSpPr/>
+          <p:nvPr/>
+        </p:nvSpPr>
+        <p:spPr>
+          <a:xfrm>
+            <a:off x="2171365" y="4124370"/>
+            <a:ext cx="770618" cy="514348"/>
+          </a:xfrm>
+          <a:prstGeom prst="roundRect">
+            <a:avLst/>
+          </a:prstGeom>
+          <a:solidFill>
+            <a:srgbClr val="FFFF00">
+              <a:alpha val="50000"/>
+            </a:srgbClr>
+          </a:solidFill>
+          <a:ln>
+            <a:noFill/>
+          </a:ln>
+        </p:spPr>
+        <p:style>
+          <a:lnRef idx="2">
+            <a:schemeClr val="accent1">
+              <a:shade val="50000"/>
+            </a:schemeClr>
+          </a:lnRef>
+          <a:fillRef idx="1">
+            <a:schemeClr val="accent1"/>
+          </a:fillRef>
+          <a:effectRef idx="0">
+            <a:schemeClr val="accent1"/>
+          </a:effectRef>
+          <a:fontRef idx="minor">
+            <a:schemeClr val="lt1"/>
+          </a:fontRef>
+        </p:style>
+        <p:txBody>
+          <a:bodyPr rtlCol="0" anchor="ctr"/>
+          <a:lstStyle/>
+          <a:p>
+            <a:pPr algn="ctr"/>
+            <a:endParaRPr lang="en-US"/>
           </a:p>
         </p:txBody>
       </p:sp>
     </p:spTree>
     <p:extLst>
       <p:ext uri="{BB962C8B-B14F-4D97-AF65-F5344CB8AC3E}">
-        <p14:creationId xmlns:p14="http://schemas.microsoft.com/office/powerpoint/2010/main" val="888838659"/>
+        <p14:creationId xmlns:p14="http://schemas.microsoft.com/office/powerpoint/2010/main" val="695344226"/>
       </p:ext>
     </p:extLst>
   </p:cSld>
@@ -6846,6 +8574,2899 @@
 </p:sld>
 </file>
 
+<file path=ppt/slides/slide20.xml><?xml version="1.0" encoding="utf-8"?>
+<p:sld xmlns:a="http://schemas.openxmlformats.org/drawingml/2006/main" xmlns:r="http://schemas.openxmlformats.org/officeDocument/2006/relationships" xmlns:p="http://schemas.openxmlformats.org/presentationml/2006/main">
+  <p:cSld>
+    <p:spTree>
+      <p:nvGrpSpPr>
+        <p:cNvPr id="1" name=""/>
+        <p:cNvGrpSpPr/>
+        <p:nvPr/>
+      </p:nvGrpSpPr>
+      <p:grpSpPr>
+        <a:xfrm>
+          <a:off x="0" y="0"/>
+          <a:ext cx="0" cy="0"/>
+          <a:chOff x="0" y="0"/>
+          <a:chExt cx="0" cy="0"/>
+        </a:xfrm>
+      </p:grpSpPr>
+      <p:sp>
+        <p:nvSpPr>
+          <p:cNvPr id="2" name="Title 1"/>
+          <p:cNvSpPr>
+            <a:spLocks noGrp="1"/>
+          </p:cNvSpPr>
+          <p:nvPr>
+            <p:ph type="title"/>
+          </p:nvPr>
+        </p:nvSpPr>
+        <p:spPr/>
+        <p:txBody>
+          <a:bodyPr/>
+          <a:lstStyle/>
+          <a:p>
+            <a:r>
+              <a:rPr lang="en-US" dirty="0" smtClean="0"/>
+              <a:t>Regular expressions</a:t>
+            </a:r>
+            <a:endParaRPr lang="en-US" dirty="0"/>
+          </a:p>
+        </p:txBody>
+      </p:sp>
+      <p:sp>
+        <p:nvSpPr>
+          <p:cNvPr id="3" name="Content Placeholder 2"/>
+          <p:cNvSpPr>
+            <a:spLocks noGrp="1"/>
+          </p:cNvSpPr>
+          <p:nvPr>
+            <p:ph idx="1"/>
+          </p:nvPr>
+        </p:nvSpPr>
+        <p:spPr>
+          <a:xfrm>
+            <a:off x="457200" y="1752601"/>
+            <a:ext cx="7620000" cy="3005138"/>
+          </a:xfrm>
+        </p:spPr>
+        <p:txBody>
+          <a:bodyPr>
+            <a:normAutofit/>
+          </a:bodyPr>
+          <a:lstStyle/>
+          <a:p>
+            <a:r>
+              <a:rPr lang="en-US" dirty="0" smtClean="0">
+                <a:latin typeface="Monaco" charset="0"/>
+                <a:ea typeface="Monaco" charset="0"/>
+                <a:cs typeface="Monaco" charset="0"/>
+              </a:rPr>
+              <a:t>String</a:t>
+            </a:r>
+            <a:r>
+              <a:rPr lang="en-US" dirty="0" smtClean="0">
+                <a:latin typeface="Monaco" charset="0"/>
+                <a:ea typeface="Monaco" charset="0"/>
+                <a:cs typeface="Monaco" charset="0"/>
+              </a:rPr>
+              <a:t>: Mus </a:t>
+            </a:r>
+            <a:r>
+              <a:rPr lang="en-US" dirty="0" err="1" smtClean="0">
+                <a:latin typeface="Monaco" charset="0"/>
+                <a:ea typeface="Monaco" charset="0"/>
+                <a:cs typeface="Monaco" charset="0"/>
+              </a:rPr>
+              <a:t>musculus</a:t>
+            </a:r>
+            <a:endParaRPr lang="en-US" dirty="0" smtClean="0">
+              <a:latin typeface="Monaco" charset="0"/>
+              <a:ea typeface="Monaco" charset="0"/>
+              <a:cs typeface="Monaco" charset="0"/>
+            </a:endParaRPr>
+          </a:p>
+          <a:p>
+            <a:endParaRPr lang="en-US" dirty="0">
+              <a:latin typeface="Monaco" charset="0"/>
+              <a:ea typeface="Monaco" charset="0"/>
+              <a:cs typeface="Monaco" charset="0"/>
+            </a:endParaRPr>
+          </a:p>
+          <a:p>
+            <a:r>
+              <a:rPr lang="en-US" dirty="0" smtClean="0">
+                <a:latin typeface="Monaco" charset="0"/>
+                <a:ea typeface="Monaco" charset="0"/>
+                <a:cs typeface="Monaco" charset="0"/>
+              </a:rPr>
+              <a:t>Regex:  </a:t>
+            </a:r>
+            <a:r>
+              <a:rPr lang="en-US" dirty="0" smtClean="0">
+                <a:latin typeface="Monaco" charset="0"/>
+                <a:ea typeface="Monaco" charset="0"/>
+                <a:cs typeface="Monaco" charset="0"/>
+              </a:rPr>
+              <a:t>M</a:t>
+            </a:r>
+            <a:r>
+              <a:rPr lang="en-US" dirty="0" smtClean="0">
+                <a:latin typeface="Monaco" charset="0"/>
+                <a:ea typeface="Monaco" charset="0"/>
+                <a:cs typeface="Monaco" charset="0"/>
+              </a:rPr>
+              <a:t>us </a:t>
+            </a:r>
+            <a:r>
+              <a:rPr lang="en-US" dirty="0" err="1" smtClean="0">
+                <a:latin typeface="Monaco" charset="0"/>
+                <a:ea typeface="Monaco" charset="0"/>
+                <a:cs typeface="Monaco" charset="0"/>
+              </a:rPr>
+              <a:t>musculus</a:t>
+            </a:r>
+            <a:endParaRPr lang="en-US" dirty="0">
+              <a:latin typeface="Monaco" charset="0"/>
+              <a:ea typeface="Monaco" charset="0"/>
+              <a:cs typeface="Monaco" charset="0"/>
+            </a:endParaRPr>
+          </a:p>
+          <a:p>
+            <a:endParaRPr lang="en-US" dirty="0">
+              <a:latin typeface="Monaco" charset="0"/>
+              <a:ea typeface="Monaco" charset="0"/>
+              <a:cs typeface="Monaco" charset="0"/>
+            </a:endParaRPr>
+          </a:p>
+          <a:p>
+            <a:r>
+              <a:rPr lang="en-US" dirty="0" smtClean="0">
+                <a:latin typeface="Monaco" charset="0"/>
+                <a:ea typeface="Monaco" charset="0"/>
+                <a:cs typeface="Monaco" charset="0"/>
+              </a:rPr>
+              <a:t>Match:  </a:t>
+            </a:r>
+            <a:r>
+              <a:rPr lang="en-US" dirty="0">
+                <a:latin typeface="Monaco" charset="0"/>
+                <a:ea typeface="Monaco" charset="0"/>
+                <a:cs typeface="Monaco" charset="0"/>
+              </a:rPr>
+              <a:t>Mus </a:t>
+            </a:r>
+            <a:r>
+              <a:rPr lang="en-US" dirty="0" err="1">
+                <a:latin typeface="Monaco" charset="0"/>
+                <a:ea typeface="Monaco" charset="0"/>
+                <a:cs typeface="Monaco" charset="0"/>
+              </a:rPr>
+              <a:t>musculus</a:t>
+            </a:r>
+            <a:endParaRPr lang="en-US" dirty="0">
+              <a:latin typeface="Monaco" charset="0"/>
+              <a:ea typeface="Monaco" charset="0"/>
+              <a:cs typeface="Monaco" charset="0"/>
+            </a:endParaRPr>
+          </a:p>
+          <a:p>
+            <a:endParaRPr lang="en-US" dirty="0">
+              <a:latin typeface="Monaco" charset="0"/>
+              <a:ea typeface="Monaco" charset="0"/>
+              <a:cs typeface="Monaco" charset="0"/>
+            </a:endParaRPr>
+          </a:p>
+          <a:p>
+            <a:endParaRPr lang="en-US" dirty="0">
+              <a:latin typeface="Monaco" charset="0"/>
+              <a:ea typeface="Monaco" charset="0"/>
+              <a:cs typeface="Monaco" charset="0"/>
+            </a:endParaRPr>
+          </a:p>
+        </p:txBody>
+      </p:sp>
+      <p:sp>
+        <p:nvSpPr>
+          <p:cNvPr id="4" name="Rounded Rectangle 3"/>
+          <p:cNvSpPr/>
+          <p:nvPr/>
+        </p:nvSpPr>
+        <p:spPr>
+          <a:xfrm>
+            <a:off x="2171365" y="4124370"/>
+            <a:ext cx="2663028" cy="514348"/>
+          </a:xfrm>
+          <a:prstGeom prst="roundRect">
+            <a:avLst/>
+          </a:prstGeom>
+          <a:solidFill>
+            <a:srgbClr val="FFFF00">
+              <a:alpha val="50000"/>
+            </a:srgbClr>
+          </a:solidFill>
+          <a:ln>
+            <a:noFill/>
+          </a:ln>
+        </p:spPr>
+        <p:style>
+          <a:lnRef idx="2">
+            <a:schemeClr val="accent1">
+              <a:shade val="50000"/>
+            </a:schemeClr>
+          </a:lnRef>
+          <a:fillRef idx="1">
+            <a:schemeClr val="accent1"/>
+          </a:fillRef>
+          <a:effectRef idx="0">
+            <a:schemeClr val="accent1"/>
+          </a:effectRef>
+          <a:fontRef idx="minor">
+            <a:schemeClr val="lt1"/>
+          </a:fontRef>
+        </p:style>
+        <p:txBody>
+          <a:bodyPr rtlCol="0" anchor="ctr"/>
+          <a:lstStyle/>
+          <a:p>
+            <a:pPr algn="ctr"/>
+            <a:endParaRPr lang="en-US"/>
+          </a:p>
+        </p:txBody>
+      </p:sp>
+    </p:spTree>
+    <p:extLst>
+      <p:ext uri="{BB962C8B-B14F-4D97-AF65-F5344CB8AC3E}">
+        <p14:creationId xmlns:p14="http://schemas.microsoft.com/office/powerpoint/2010/main" val="1401639656"/>
+      </p:ext>
+    </p:extLst>
+  </p:cSld>
+  <p:clrMapOvr>
+    <a:masterClrMapping/>
+  </p:clrMapOvr>
+</p:sld>
+</file>
+
+<file path=ppt/slides/slide21.xml><?xml version="1.0" encoding="utf-8"?>
+<p:sld xmlns:a="http://schemas.openxmlformats.org/drawingml/2006/main" xmlns:r="http://schemas.openxmlformats.org/officeDocument/2006/relationships" xmlns:p="http://schemas.openxmlformats.org/presentationml/2006/main">
+  <p:cSld>
+    <p:spTree>
+      <p:nvGrpSpPr>
+        <p:cNvPr id="1" name=""/>
+        <p:cNvGrpSpPr/>
+        <p:nvPr/>
+      </p:nvGrpSpPr>
+      <p:grpSpPr>
+        <a:xfrm>
+          <a:off x="0" y="0"/>
+          <a:ext cx="0" cy="0"/>
+          <a:chOff x="0" y="0"/>
+          <a:chExt cx="0" cy="0"/>
+        </a:xfrm>
+      </p:grpSpPr>
+      <p:sp>
+        <p:nvSpPr>
+          <p:cNvPr id="2" name="Title 1"/>
+          <p:cNvSpPr>
+            <a:spLocks noGrp="1"/>
+          </p:cNvSpPr>
+          <p:nvPr>
+            <p:ph type="title"/>
+          </p:nvPr>
+        </p:nvSpPr>
+        <p:spPr/>
+        <p:txBody>
+          <a:bodyPr/>
+          <a:lstStyle/>
+          <a:p>
+            <a:r>
+              <a:rPr lang="en-US" dirty="0" smtClean="0"/>
+              <a:t>Regular expressions</a:t>
+            </a:r>
+            <a:endParaRPr lang="en-US" dirty="0"/>
+          </a:p>
+        </p:txBody>
+      </p:sp>
+      <p:sp>
+        <p:nvSpPr>
+          <p:cNvPr id="3" name="Content Placeholder 2"/>
+          <p:cNvSpPr>
+            <a:spLocks noGrp="1"/>
+          </p:cNvSpPr>
+          <p:nvPr>
+            <p:ph idx="1"/>
+          </p:nvPr>
+        </p:nvSpPr>
+        <p:spPr>
+          <a:xfrm>
+            <a:off x="457200" y="1752601"/>
+            <a:ext cx="7620000" cy="3005138"/>
+          </a:xfrm>
+        </p:spPr>
+        <p:txBody>
+          <a:bodyPr>
+            <a:normAutofit/>
+          </a:bodyPr>
+          <a:lstStyle/>
+          <a:p>
+            <a:r>
+              <a:rPr lang="en-US" dirty="0" smtClean="0">
+                <a:latin typeface="Monaco" charset="0"/>
+                <a:ea typeface="Monaco" charset="0"/>
+                <a:cs typeface="Monaco" charset="0"/>
+              </a:rPr>
+              <a:t>String</a:t>
+            </a:r>
+            <a:r>
+              <a:rPr lang="en-US" dirty="0" smtClean="0">
+                <a:latin typeface="Monaco" charset="0"/>
+                <a:ea typeface="Monaco" charset="0"/>
+                <a:cs typeface="Monaco" charset="0"/>
+              </a:rPr>
+              <a:t>: Mus </a:t>
+            </a:r>
+            <a:r>
+              <a:rPr lang="en-US" dirty="0" err="1" smtClean="0">
+                <a:latin typeface="Monaco" charset="0"/>
+                <a:ea typeface="Monaco" charset="0"/>
+                <a:cs typeface="Monaco" charset="0"/>
+              </a:rPr>
+              <a:t>musculus</a:t>
+            </a:r>
+            <a:endParaRPr lang="en-US" dirty="0" smtClean="0">
+              <a:latin typeface="Monaco" charset="0"/>
+              <a:ea typeface="Monaco" charset="0"/>
+              <a:cs typeface="Monaco" charset="0"/>
+            </a:endParaRPr>
+          </a:p>
+          <a:p>
+            <a:endParaRPr lang="en-US" dirty="0">
+              <a:latin typeface="Monaco" charset="0"/>
+              <a:ea typeface="Monaco" charset="0"/>
+              <a:cs typeface="Monaco" charset="0"/>
+            </a:endParaRPr>
+          </a:p>
+          <a:p>
+            <a:r>
+              <a:rPr lang="en-US" dirty="0" smtClean="0">
+                <a:latin typeface="Monaco" charset="0"/>
+                <a:ea typeface="Monaco" charset="0"/>
+                <a:cs typeface="Monaco" charset="0"/>
+              </a:rPr>
+              <a:t>Regex:  </a:t>
+            </a:r>
+            <a:r>
+              <a:rPr lang="en-US" dirty="0" smtClean="0">
+                <a:solidFill>
+                  <a:srgbClr val="FF0000"/>
+                </a:solidFill>
+                <a:latin typeface="Monaco" charset="0"/>
+                <a:ea typeface="Monaco" charset="0"/>
+                <a:cs typeface="Monaco" charset="0"/>
+              </a:rPr>
+              <a:t>[</a:t>
+            </a:r>
+            <a:r>
+              <a:rPr lang="en-US" dirty="0" err="1" smtClean="0">
+                <a:solidFill>
+                  <a:srgbClr val="FF0000"/>
+                </a:solidFill>
+                <a:latin typeface="Monaco" charset="0"/>
+                <a:ea typeface="Monaco" charset="0"/>
+                <a:cs typeface="Monaco" charset="0"/>
+              </a:rPr>
+              <a:t>mM</a:t>
+            </a:r>
+            <a:r>
+              <a:rPr lang="en-US" dirty="0" smtClean="0">
+                <a:solidFill>
+                  <a:srgbClr val="FF0000"/>
+                </a:solidFill>
+                <a:latin typeface="Monaco" charset="0"/>
+                <a:ea typeface="Monaco" charset="0"/>
+                <a:cs typeface="Monaco" charset="0"/>
+              </a:rPr>
+              <a:t>]</a:t>
+            </a:r>
+            <a:r>
+              <a:rPr lang="en-US" dirty="0" smtClean="0">
+                <a:latin typeface="Monaco" charset="0"/>
+                <a:ea typeface="Monaco" charset="0"/>
+                <a:cs typeface="Monaco" charset="0"/>
+              </a:rPr>
+              <a:t>us</a:t>
+            </a:r>
+            <a:endParaRPr lang="en-US" dirty="0">
+              <a:latin typeface="Monaco" charset="0"/>
+              <a:ea typeface="Monaco" charset="0"/>
+              <a:cs typeface="Monaco" charset="0"/>
+            </a:endParaRPr>
+          </a:p>
+          <a:p>
+            <a:endParaRPr lang="en-US" dirty="0">
+              <a:latin typeface="Monaco" charset="0"/>
+              <a:ea typeface="Monaco" charset="0"/>
+              <a:cs typeface="Monaco" charset="0"/>
+            </a:endParaRPr>
+          </a:p>
+          <a:p>
+            <a:r>
+              <a:rPr lang="en-US" dirty="0" smtClean="0">
+                <a:latin typeface="Monaco" charset="0"/>
+                <a:ea typeface="Monaco" charset="0"/>
+                <a:cs typeface="Monaco" charset="0"/>
+              </a:rPr>
+              <a:t>Match:  </a:t>
+            </a:r>
+            <a:r>
+              <a:rPr lang="en-US" dirty="0">
+                <a:latin typeface="Monaco" charset="0"/>
+                <a:ea typeface="Monaco" charset="0"/>
+                <a:cs typeface="Monaco" charset="0"/>
+              </a:rPr>
+              <a:t>Mus </a:t>
+            </a:r>
+            <a:r>
+              <a:rPr lang="en-US" dirty="0" err="1">
+                <a:latin typeface="Monaco" charset="0"/>
+                <a:ea typeface="Monaco" charset="0"/>
+                <a:cs typeface="Monaco" charset="0"/>
+              </a:rPr>
+              <a:t>musculus</a:t>
+            </a:r>
+            <a:endParaRPr lang="en-US" dirty="0">
+              <a:latin typeface="Monaco" charset="0"/>
+              <a:ea typeface="Monaco" charset="0"/>
+              <a:cs typeface="Monaco" charset="0"/>
+            </a:endParaRPr>
+          </a:p>
+          <a:p>
+            <a:endParaRPr lang="en-US" dirty="0">
+              <a:latin typeface="Monaco" charset="0"/>
+              <a:ea typeface="Monaco" charset="0"/>
+              <a:cs typeface="Monaco" charset="0"/>
+            </a:endParaRPr>
+          </a:p>
+          <a:p>
+            <a:endParaRPr lang="en-US" dirty="0">
+              <a:latin typeface="Monaco" charset="0"/>
+              <a:ea typeface="Monaco" charset="0"/>
+              <a:cs typeface="Monaco" charset="0"/>
+            </a:endParaRPr>
+          </a:p>
+        </p:txBody>
+      </p:sp>
+      <p:sp>
+        <p:nvSpPr>
+          <p:cNvPr id="4" name="Rounded Rectangle 3"/>
+          <p:cNvSpPr/>
+          <p:nvPr/>
+        </p:nvSpPr>
+        <p:spPr>
+          <a:xfrm>
+            <a:off x="2171365" y="4124370"/>
+            <a:ext cx="770618" cy="514348"/>
+          </a:xfrm>
+          <a:prstGeom prst="roundRect">
+            <a:avLst/>
+          </a:prstGeom>
+          <a:solidFill>
+            <a:srgbClr val="FFFF00">
+              <a:alpha val="50000"/>
+            </a:srgbClr>
+          </a:solidFill>
+          <a:ln>
+            <a:noFill/>
+          </a:ln>
+        </p:spPr>
+        <p:style>
+          <a:lnRef idx="2">
+            <a:schemeClr val="accent1">
+              <a:shade val="50000"/>
+            </a:schemeClr>
+          </a:lnRef>
+          <a:fillRef idx="1">
+            <a:schemeClr val="accent1"/>
+          </a:fillRef>
+          <a:effectRef idx="0">
+            <a:schemeClr val="accent1"/>
+          </a:effectRef>
+          <a:fontRef idx="minor">
+            <a:schemeClr val="lt1"/>
+          </a:fontRef>
+        </p:style>
+        <p:txBody>
+          <a:bodyPr rtlCol="0" anchor="ctr"/>
+          <a:lstStyle/>
+          <a:p>
+            <a:pPr algn="ctr"/>
+            <a:endParaRPr lang="en-US"/>
+          </a:p>
+        </p:txBody>
+      </p:sp>
+      <p:sp>
+        <p:nvSpPr>
+          <p:cNvPr id="5" name="Rounded Rectangle 4"/>
+          <p:cNvSpPr/>
+          <p:nvPr/>
+        </p:nvSpPr>
+        <p:spPr>
+          <a:xfrm>
+            <a:off x="3071188" y="4124370"/>
+            <a:ext cx="697730" cy="514348"/>
+          </a:xfrm>
+          <a:prstGeom prst="roundRect">
+            <a:avLst/>
+          </a:prstGeom>
+          <a:solidFill>
+            <a:srgbClr val="FFFF00">
+              <a:alpha val="50000"/>
+            </a:srgbClr>
+          </a:solidFill>
+          <a:ln>
+            <a:noFill/>
+          </a:ln>
+        </p:spPr>
+        <p:style>
+          <a:lnRef idx="2">
+            <a:schemeClr val="accent1">
+              <a:shade val="50000"/>
+            </a:schemeClr>
+          </a:lnRef>
+          <a:fillRef idx="1">
+            <a:schemeClr val="accent1"/>
+          </a:fillRef>
+          <a:effectRef idx="0">
+            <a:schemeClr val="accent1"/>
+          </a:effectRef>
+          <a:fontRef idx="minor">
+            <a:schemeClr val="lt1"/>
+          </a:fontRef>
+        </p:style>
+        <p:txBody>
+          <a:bodyPr rtlCol="0" anchor="ctr"/>
+          <a:lstStyle/>
+          <a:p>
+            <a:pPr algn="ctr"/>
+            <a:endParaRPr lang="en-US"/>
+          </a:p>
+        </p:txBody>
+      </p:sp>
+    </p:spTree>
+    <p:extLst>
+      <p:ext uri="{BB962C8B-B14F-4D97-AF65-F5344CB8AC3E}">
+        <p14:creationId xmlns:p14="http://schemas.microsoft.com/office/powerpoint/2010/main" val="1933520331"/>
+      </p:ext>
+    </p:extLst>
+  </p:cSld>
+  <p:clrMapOvr>
+    <a:masterClrMapping/>
+  </p:clrMapOvr>
+</p:sld>
+</file>
+
+<file path=ppt/slides/slide22.xml><?xml version="1.0" encoding="utf-8"?>
+<p:sld xmlns:a="http://schemas.openxmlformats.org/drawingml/2006/main" xmlns:r="http://schemas.openxmlformats.org/officeDocument/2006/relationships" xmlns:p="http://schemas.openxmlformats.org/presentationml/2006/main">
+  <p:cSld>
+    <p:spTree>
+      <p:nvGrpSpPr>
+        <p:cNvPr id="1" name=""/>
+        <p:cNvGrpSpPr/>
+        <p:nvPr/>
+      </p:nvGrpSpPr>
+      <p:grpSpPr>
+        <a:xfrm>
+          <a:off x="0" y="0"/>
+          <a:ext cx="0" cy="0"/>
+          <a:chOff x="0" y="0"/>
+          <a:chExt cx="0" cy="0"/>
+        </a:xfrm>
+      </p:grpSpPr>
+      <p:sp>
+        <p:nvSpPr>
+          <p:cNvPr id="2" name="Title 1"/>
+          <p:cNvSpPr>
+            <a:spLocks noGrp="1"/>
+          </p:cNvSpPr>
+          <p:nvPr>
+            <p:ph type="title"/>
+          </p:nvPr>
+        </p:nvSpPr>
+        <p:spPr/>
+        <p:txBody>
+          <a:bodyPr/>
+          <a:lstStyle/>
+          <a:p>
+            <a:r>
+              <a:rPr lang="en-US" dirty="0" smtClean="0"/>
+              <a:t>Regular expressions</a:t>
+            </a:r>
+            <a:endParaRPr lang="en-US" dirty="0"/>
+          </a:p>
+        </p:txBody>
+      </p:sp>
+      <p:sp>
+        <p:nvSpPr>
+          <p:cNvPr id="3" name="Content Placeholder 2"/>
+          <p:cNvSpPr>
+            <a:spLocks noGrp="1"/>
+          </p:cNvSpPr>
+          <p:nvPr>
+            <p:ph idx="1"/>
+          </p:nvPr>
+        </p:nvSpPr>
+        <p:spPr>
+          <a:xfrm>
+            <a:off x="457200" y="1752601"/>
+            <a:ext cx="7620000" cy="3005138"/>
+          </a:xfrm>
+        </p:spPr>
+        <p:txBody>
+          <a:bodyPr>
+            <a:normAutofit/>
+          </a:bodyPr>
+          <a:lstStyle/>
+          <a:p>
+            <a:r>
+              <a:rPr lang="en-US" dirty="0" smtClean="0">
+                <a:latin typeface="Monaco" charset="0"/>
+                <a:ea typeface="Monaco" charset="0"/>
+                <a:cs typeface="Monaco" charset="0"/>
+              </a:rPr>
+              <a:t>String</a:t>
+            </a:r>
+            <a:r>
+              <a:rPr lang="en-US" dirty="0" smtClean="0">
+                <a:latin typeface="Monaco" charset="0"/>
+                <a:ea typeface="Monaco" charset="0"/>
+                <a:cs typeface="Monaco" charset="0"/>
+              </a:rPr>
+              <a:t>: Mus </a:t>
+            </a:r>
+            <a:r>
+              <a:rPr lang="en-US" dirty="0" err="1" smtClean="0">
+                <a:latin typeface="Monaco" charset="0"/>
+                <a:ea typeface="Monaco" charset="0"/>
+                <a:cs typeface="Monaco" charset="0"/>
+              </a:rPr>
+              <a:t>musculus</a:t>
+            </a:r>
+            <a:endParaRPr lang="en-US" dirty="0" smtClean="0">
+              <a:latin typeface="Monaco" charset="0"/>
+              <a:ea typeface="Monaco" charset="0"/>
+              <a:cs typeface="Monaco" charset="0"/>
+            </a:endParaRPr>
+          </a:p>
+          <a:p>
+            <a:endParaRPr lang="en-US" dirty="0">
+              <a:latin typeface="Monaco" charset="0"/>
+              <a:ea typeface="Monaco" charset="0"/>
+              <a:cs typeface="Monaco" charset="0"/>
+            </a:endParaRPr>
+          </a:p>
+          <a:p>
+            <a:r>
+              <a:rPr lang="en-US" dirty="0" smtClean="0">
+                <a:latin typeface="Monaco" charset="0"/>
+                <a:ea typeface="Monaco" charset="0"/>
+                <a:cs typeface="Monaco" charset="0"/>
+              </a:rPr>
+              <a:t>Regex:  </a:t>
+            </a:r>
+            <a:r>
+              <a:rPr lang="en-US" dirty="0" smtClean="0">
+                <a:solidFill>
+                  <a:srgbClr val="FF0000"/>
+                </a:solidFill>
+                <a:latin typeface="Monaco" charset="0"/>
+                <a:ea typeface="Monaco" charset="0"/>
+                <a:cs typeface="Monaco" charset="0"/>
+              </a:rPr>
+              <a:t>[A-</a:t>
+            </a:r>
+            <a:r>
+              <a:rPr lang="en-US" dirty="0" err="1" smtClean="0">
+                <a:solidFill>
+                  <a:srgbClr val="FF0000"/>
+                </a:solidFill>
+                <a:latin typeface="Monaco" charset="0"/>
+                <a:ea typeface="Monaco" charset="0"/>
+                <a:cs typeface="Monaco" charset="0"/>
+              </a:rPr>
+              <a:t>Za</a:t>
+            </a:r>
+            <a:r>
+              <a:rPr lang="en-US" dirty="0" smtClean="0">
+                <a:solidFill>
+                  <a:srgbClr val="FF0000"/>
+                </a:solidFill>
+                <a:latin typeface="Monaco" charset="0"/>
+                <a:ea typeface="Monaco" charset="0"/>
+                <a:cs typeface="Monaco" charset="0"/>
+              </a:rPr>
+              <a:t>-z]</a:t>
+            </a:r>
+            <a:r>
+              <a:rPr lang="en-US" dirty="0" smtClean="0">
+                <a:latin typeface="Monaco" charset="0"/>
+                <a:ea typeface="Monaco" charset="0"/>
+                <a:cs typeface="Monaco" charset="0"/>
+              </a:rPr>
+              <a:t>us</a:t>
+            </a:r>
+            <a:endParaRPr lang="en-US" dirty="0">
+              <a:latin typeface="Monaco" charset="0"/>
+              <a:ea typeface="Monaco" charset="0"/>
+              <a:cs typeface="Monaco" charset="0"/>
+            </a:endParaRPr>
+          </a:p>
+          <a:p>
+            <a:endParaRPr lang="en-US" dirty="0">
+              <a:latin typeface="Monaco" charset="0"/>
+              <a:ea typeface="Monaco" charset="0"/>
+              <a:cs typeface="Monaco" charset="0"/>
+            </a:endParaRPr>
+          </a:p>
+          <a:p>
+            <a:r>
+              <a:rPr lang="en-US" dirty="0" smtClean="0">
+                <a:latin typeface="Monaco" charset="0"/>
+                <a:ea typeface="Monaco" charset="0"/>
+                <a:cs typeface="Monaco" charset="0"/>
+              </a:rPr>
+              <a:t>Match:  </a:t>
+            </a:r>
+            <a:r>
+              <a:rPr lang="en-US" dirty="0">
+                <a:latin typeface="Monaco" charset="0"/>
+                <a:ea typeface="Monaco" charset="0"/>
+                <a:cs typeface="Monaco" charset="0"/>
+              </a:rPr>
+              <a:t>Mus </a:t>
+            </a:r>
+            <a:r>
+              <a:rPr lang="en-US" dirty="0" err="1">
+                <a:latin typeface="Monaco" charset="0"/>
+                <a:ea typeface="Monaco" charset="0"/>
+                <a:cs typeface="Monaco" charset="0"/>
+              </a:rPr>
+              <a:t>musculus</a:t>
+            </a:r>
+            <a:endParaRPr lang="en-US" dirty="0">
+              <a:latin typeface="Monaco" charset="0"/>
+              <a:ea typeface="Monaco" charset="0"/>
+              <a:cs typeface="Monaco" charset="0"/>
+            </a:endParaRPr>
+          </a:p>
+          <a:p>
+            <a:endParaRPr lang="en-US" dirty="0">
+              <a:latin typeface="Monaco" charset="0"/>
+              <a:ea typeface="Monaco" charset="0"/>
+              <a:cs typeface="Monaco" charset="0"/>
+            </a:endParaRPr>
+          </a:p>
+          <a:p>
+            <a:endParaRPr lang="en-US" dirty="0">
+              <a:latin typeface="Monaco" charset="0"/>
+              <a:ea typeface="Monaco" charset="0"/>
+              <a:cs typeface="Monaco" charset="0"/>
+            </a:endParaRPr>
+          </a:p>
+        </p:txBody>
+      </p:sp>
+      <p:sp>
+        <p:nvSpPr>
+          <p:cNvPr id="4" name="Rounded Rectangle 3"/>
+          <p:cNvSpPr/>
+          <p:nvPr/>
+        </p:nvSpPr>
+        <p:spPr>
+          <a:xfrm>
+            <a:off x="2171365" y="4124370"/>
+            <a:ext cx="770618" cy="514348"/>
+          </a:xfrm>
+          <a:prstGeom prst="roundRect">
+            <a:avLst/>
+          </a:prstGeom>
+          <a:solidFill>
+            <a:srgbClr val="FFFF00">
+              <a:alpha val="50000"/>
+            </a:srgbClr>
+          </a:solidFill>
+          <a:ln>
+            <a:noFill/>
+          </a:ln>
+        </p:spPr>
+        <p:style>
+          <a:lnRef idx="2">
+            <a:schemeClr val="accent1">
+              <a:shade val="50000"/>
+            </a:schemeClr>
+          </a:lnRef>
+          <a:fillRef idx="1">
+            <a:schemeClr val="accent1"/>
+          </a:fillRef>
+          <a:effectRef idx="0">
+            <a:schemeClr val="accent1"/>
+          </a:effectRef>
+          <a:fontRef idx="minor">
+            <a:schemeClr val="lt1"/>
+          </a:fontRef>
+        </p:style>
+        <p:txBody>
+          <a:bodyPr rtlCol="0" anchor="ctr"/>
+          <a:lstStyle/>
+          <a:p>
+            <a:pPr algn="ctr"/>
+            <a:endParaRPr lang="en-US"/>
+          </a:p>
+        </p:txBody>
+      </p:sp>
+      <p:sp>
+        <p:nvSpPr>
+          <p:cNvPr id="5" name="Rounded Rectangle 4"/>
+          <p:cNvSpPr/>
+          <p:nvPr/>
+        </p:nvSpPr>
+        <p:spPr>
+          <a:xfrm>
+            <a:off x="3071188" y="4124370"/>
+            <a:ext cx="697730" cy="514348"/>
+          </a:xfrm>
+          <a:prstGeom prst="roundRect">
+            <a:avLst/>
+          </a:prstGeom>
+          <a:solidFill>
+            <a:srgbClr val="FFFF00">
+              <a:alpha val="50000"/>
+            </a:srgbClr>
+          </a:solidFill>
+          <a:ln>
+            <a:noFill/>
+          </a:ln>
+        </p:spPr>
+        <p:style>
+          <a:lnRef idx="2">
+            <a:schemeClr val="accent1">
+              <a:shade val="50000"/>
+            </a:schemeClr>
+          </a:lnRef>
+          <a:fillRef idx="1">
+            <a:schemeClr val="accent1"/>
+          </a:fillRef>
+          <a:effectRef idx="0">
+            <a:schemeClr val="accent1"/>
+          </a:effectRef>
+          <a:fontRef idx="minor">
+            <a:schemeClr val="lt1"/>
+          </a:fontRef>
+        </p:style>
+        <p:txBody>
+          <a:bodyPr rtlCol="0" anchor="ctr"/>
+          <a:lstStyle/>
+          <a:p>
+            <a:pPr algn="ctr"/>
+            <a:endParaRPr lang="en-US"/>
+          </a:p>
+        </p:txBody>
+      </p:sp>
+      <p:sp>
+        <p:nvSpPr>
+          <p:cNvPr id="6" name="Rounded Rectangle 5"/>
+          <p:cNvSpPr/>
+          <p:nvPr/>
+        </p:nvSpPr>
+        <p:spPr>
+          <a:xfrm>
+            <a:off x="4161842" y="4103375"/>
+            <a:ext cx="697730" cy="514348"/>
+          </a:xfrm>
+          <a:prstGeom prst="roundRect">
+            <a:avLst/>
+          </a:prstGeom>
+          <a:solidFill>
+            <a:srgbClr val="FFFF00">
+              <a:alpha val="50000"/>
+            </a:srgbClr>
+          </a:solidFill>
+          <a:ln>
+            <a:noFill/>
+          </a:ln>
+        </p:spPr>
+        <p:style>
+          <a:lnRef idx="2">
+            <a:schemeClr val="accent1">
+              <a:shade val="50000"/>
+            </a:schemeClr>
+          </a:lnRef>
+          <a:fillRef idx="1">
+            <a:schemeClr val="accent1"/>
+          </a:fillRef>
+          <a:effectRef idx="0">
+            <a:schemeClr val="accent1"/>
+          </a:effectRef>
+          <a:fontRef idx="minor">
+            <a:schemeClr val="lt1"/>
+          </a:fontRef>
+        </p:style>
+        <p:txBody>
+          <a:bodyPr rtlCol="0" anchor="ctr"/>
+          <a:lstStyle/>
+          <a:p>
+            <a:pPr algn="ctr"/>
+            <a:endParaRPr lang="en-US"/>
+          </a:p>
+        </p:txBody>
+      </p:sp>
+    </p:spTree>
+    <p:extLst>
+      <p:ext uri="{BB962C8B-B14F-4D97-AF65-F5344CB8AC3E}">
+        <p14:creationId xmlns:p14="http://schemas.microsoft.com/office/powerpoint/2010/main" val="1183429746"/>
+      </p:ext>
+    </p:extLst>
+  </p:cSld>
+  <p:clrMapOvr>
+    <a:masterClrMapping/>
+  </p:clrMapOvr>
+</p:sld>
+</file>
+
+<file path=ppt/slides/slide23.xml><?xml version="1.0" encoding="utf-8"?>
+<p:sld xmlns:a="http://schemas.openxmlformats.org/drawingml/2006/main" xmlns:r="http://schemas.openxmlformats.org/officeDocument/2006/relationships" xmlns:p="http://schemas.openxmlformats.org/presentationml/2006/main">
+  <p:cSld>
+    <p:spTree>
+      <p:nvGrpSpPr>
+        <p:cNvPr id="1" name=""/>
+        <p:cNvGrpSpPr/>
+        <p:nvPr/>
+      </p:nvGrpSpPr>
+      <p:grpSpPr>
+        <a:xfrm>
+          <a:off x="0" y="0"/>
+          <a:ext cx="0" cy="0"/>
+          <a:chOff x="0" y="0"/>
+          <a:chExt cx="0" cy="0"/>
+        </a:xfrm>
+      </p:grpSpPr>
+      <p:sp>
+        <p:nvSpPr>
+          <p:cNvPr id="2" name="Title 1"/>
+          <p:cNvSpPr>
+            <a:spLocks noGrp="1"/>
+          </p:cNvSpPr>
+          <p:nvPr>
+            <p:ph type="title"/>
+          </p:nvPr>
+        </p:nvSpPr>
+        <p:spPr/>
+        <p:txBody>
+          <a:bodyPr/>
+          <a:lstStyle/>
+          <a:p>
+            <a:r>
+              <a:rPr lang="en-US" dirty="0" smtClean="0"/>
+              <a:t>Regular expressions</a:t>
+            </a:r>
+            <a:endParaRPr lang="en-US" dirty="0"/>
+          </a:p>
+        </p:txBody>
+      </p:sp>
+      <p:sp>
+        <p:nvSpPr>
+          <p:cNvPr id="3" name="Content Placeholder 2"/>
+          <p:cNvSpPr>
+            <a:spLocks noGrp="1"/>
+          </p:cNvSpPr>
+          <p:nvPr>
+            <p:ph idx="1"/>
+          </p:nvPr>
+        </p:nvSpPr>
+        <p:spPr>
+          <a:xfrm>
+            <a:off x="457200" y="1752601"/>
+            <a:ext cx="7620000" cy="3005138"/>
+          </a:xfrm>
+        </p:spPr>
+        <p:txBody>
+          <a:bodyPr>
+            <a:normAutofit/>
+          </a:bodyPr>
+          <a:lstStyle/>
+          <a:p>
+            <a:r>
+              <a:rPr lang="en-US" dirty="0" smtClean="0">
+                <a:latin typeface="Monaco" charset="0"/>
+                <a:ea typeface="Monaco" charset="0"/>
+                <a:cs typeface="Monaco" charset="0"/>
+              </a:rPr>
+              <a:t>String</a:t>
+            </a:r>
+            <a:r>
+              <a:rPr lang="en-US" dirty="0" smtClean="0">
+                <a:latin typeface="Monaco" charset="0"/>
+                <a:ea typeface="Monaco" charset="0"/>
+                <a:cs typeface="Monaco" charset="0"/>
+              </a:rPr>
+              <a:t>: Mus </a:t>
+            </a:r>
+            <a:r>
+              <a:rPr lang="en-US" dirty="0" err="1" smtClean="0">
+                <a:latin typeface="Monaco" charset="0"/>
+                <a:ea typeface="Monaco" charset="0"/>
+                <a:cs typeface="Monaco" charset="0"/>
+              </a:rPr>
+              <a:t>musculus</a:t>
+            </a:r>
+            <a:endParaRPr lang="en-US" dirty="0" smtClean="0">
+              <a:latin typeface="Monaco" charset="0"/>
+              <a:ea typeface="Monaco" charset="0"/>
+              <a:cs typeface="Monaco" charset="0"/>
+            </a:endParaRPr>
+          </a:p>
+          <a:p>
+            <a:endParaRPr lang="en-US" dirty="0">
+              <a:latin typeface="Monaco" charset="0"/>
+              <a:ea typeface="Monaco" charset="0"/>
+              <a:cs typeface="Monaco" charset="0"/>
+            </a:endParaRPr>
+          </a:p>
+          <a:p>
+            <a:r>
+              <a:rPr lang="en-US" dirty="0" smtClean="0">
+                <a:latin typeface="Monaco" charset="0"/>
+                <a:ea typeface="Monaco" charset="0"/>
+                <a:cs typeface="Monaco" charset="0"/>
+              </a:rPr>
+              <a:t>Regex:  </a:t>
+            </a:r>
+            <a:r>
+              <a:rPr lang="en-US" dirty="0" smtClean="0">
+                <a:solidFill>
+                  <a:srgbClr val="FF0000"/>
+                </a:solidFill>
+                <a:latin typeface="Monaco" charset="0"/>
+                <a:ea typeface="Monaco" charset="0"/>
+                <a:cs typeface="Monaco" charset="0"/>
+              </a:rPr>
+              <a:t>\</a:t>
+            </a:r>
+            <a:r>
+              <a:rPr lang="en-US" dirty="0" err="1" smtClean="0">
+                <a:solidFill>
+                  <a:srgbClr val="FF0000"/>
+                </a:solidFill>
+                <a:latin typeface="Monaco" charset="0"/>
+                <a:ea typeface="Monaco" charset="0"/>
+                <a:cs typeface="Monaco" charset="0"/>
+              </a:rPr>
+              <a:t>w</a:t>
+            </a:r>
+            <a:r>
+              <a:rPr lang="en-US" dirty="0" err="1" smtClean="0">
+                <a:latin typeface="Monaco" charset="0"/>
+                <a:ea typeface="Monaco" charset="0"/>
+                <a:cs typeface="Monaco" charset="0"/>
+              </a:rPr>
+              <a:t>us</a:t>
+            </a:r>
+            <a:endParaRPr lang="en-US" dirty="0">
+              <a:latin typeface="Monaco" charset="0"/>
+              <a:ea typeface="Monaco" charset="0"/>
+              <a:cs typeface="Monaco" charset="0"/>
+            </a:endParaRPr>
+          </a:p>
+          <a:p>
+            <a:endParaRPr lang="en-US" dirty="0">
+              <a:latin typeface="Monaco" charset="0"/>
+              <a:ea typeface="Monaco" charset="0"/>
+              <a:cs typeface="Monaco" charset="0"/>
+            </a:endParaRPr>
+          </a:p>
+          <a:p>
+            <a:r>
+              <a:rPr lang="en-US" dirty="0" smtClean="0">
+                <a:latin typeface="Monaco" charset="0"/>
+                <a:ea typeface="Monaco" charset="0"/>
+                <a:cs typeface="Monaco" charset="0"/>
+              </a:rPr>
+              <a:t>Match:  </a:t>
+            </a:r>
+            <a:r>
+              <a:rPr lang="en-US" dirty="0">
+                <a:latin typeface="Monaco" charset="0"/>
+                <a:ea typeface="Monaco" charset="0"/>
+                <a:cs typeface="Monaco" charset="0"/>
+              </a:rPr>
+              <a:t>Mus </a:t>
+            </a:r>
+            <a:r>
+              <a:rPr lang="en-US" dirty="0" err="1">
+                <a:latin typeface="Monaco" charset="0"/>
+                <a:ea typeface="Monaco" charset="0"/>
+                <a:cs typeface="Monaco" charset="0"/>
+              </a:rPr>
+              <a:t>musculus</a:t>
+            </a:r>
+            <a:endParaRPr lang="en-US" dirty="0">
+              <a:latin typeface="Monaco" charset="0"/>
+              <a:ea typeface="Monaco" charset="0"/>
+              <a:cs typeface="Monaco" charset="0"/>
+            </a:endParaRPr>
+          </a:p>
+          <a:p>
+            <a:endParaRPr lang="en-US" dirty="0">
+              <a:latin typeface="Monaco" charset="0"/>
+              <a:ea typeface="Monaco" charset="0"/>
+              <a:cs typeface="Monaco" charset="0"/>
+            </a:endParaRPr>
+          </a:p>
+          <a:p>
+            <a:endParaRPr lang="en-US" dirty="0">
+              <a:latin typeface="Monaco" charset="0"/>
+              <a:ea typeface="Monaco" charset="0"/>
+              <a:cs typeface="Monaco" charset="0"/>
+            </a:endParaRPr>
+          </a:p>
+        </p:txBody>
+      </p:sp>
+      <p:sp>
+        <p:nvSpPr>
+          <p:cNvPr id="4" name="Rounded Rectangle 3"/>
+          <p:cNvSpPr/>
+          <p:nvPr/>
+        </p:nvSpPr>
+        <p:spPr>
+          <a:xfrm>
+            <a:off x="2171365" y="4124370"/>
+            <a:ext cx="770618" cy="514348"/>
+          </a:xfrm>
+          <a:prstGeom prst="roundRect">
+            <a:avLst/>
+          </a:prstGeom>
+          <a:solidFill>
+            <a:srgbClr val="FFFF00">
+              <a:alpha val="50000"/>
+            </a:srgbClr>
+          </a:solidFill>
+          <a:ln>
+            <a:noFill/>
+          </a:ln>
+        </p:spPr>
+        <p:style>
+          <a:lnRef idx="2">
+            <a:schemeClr val="accent1">
+              <a:shade val="50000"/>
+            </a:schemeClr>
+          </a:lnRef>
+          <a:fillRef idx="1">
+            <a:schemeClr val="accent1"/>
+          </a:fillRef>
+          <a:effectRef idx="0">
+            <a:schemeClr val="accent1"/>
+          </a:effectRef>
+          <a:fontRef idx="minor">
+            <a:schemeClr val="lt1"/>
+          </a:fontRef>
+        </p:style>
+        <p:txBody>
+          <a:bodyPr rtlCol="0" anchor="ctr"/>
+          <a:lstStyle/>
+          <a:p>
+            <a:pPr algn="ctr"/>
+            <a:endParaRPr lang="en-US"/>
+          </a:p>
+        </p:txBody>
+      </p:sp>
+      <p:sp>
+        <p:nvSpPr>
+          <p:cNvPr id="5" name="Rounded Rectangle 4"/>
+          <p:cNvSpPr/>
+          <p:nvPr/>
+        </p:nvSpPr>
+        <p:spPr>
+          <a:xfrm>
+            <a:off x="3071188" y="4124370"/>
+            <a:ext cx="697730" cy="514348"/>
+          </a:xfrm>
+          <a:prstGeom prst="roundRect">
+            <a:avLst/>
+          </a:prstGeom>
+          <a:solidFill>
+            <a:srgbClr val="FFFF00">
+              <a:alpha val="50000"/>
+            </a:srgbClr>
+          </a:solidFill>
+          <a:ln>
+            <a:noFill/>
+          </a:ln>
+        </p:spPr>
+        <p:style>
+          <a:lnRef idx="2">
+            <a:schemeClr val="accent1">
+              <a:shade val="50000"/>
+            </a:schemeClr>
+          </a:lnRef>
+          <a:fillRef idx="1">
+            <a:schemeClr val="accent1"/>
+          </a:fillRef>
+          <a:effectRef idx="0">
+            <a:schemeClr val="accent1"/>
+          </a:effectRef>
+          <a:fontRef idx="minor">
+            <a:schemeClr val="lt1"/>
+          </a:fontRef>
+        </p:style>
+        <p:txBody>
+          <a:bodyPr rtlCol="0" anchor="ctr"/>
+          <a:lstStyle/>
+          <a:p>
+            <a:pPr algn="ctr"/>
+            <a:endParaRPr lang="en-US"/>
+          </a:p>
+        </p:txBody>
+      </p:sp>
+      <p:sp>
+        <p:nvSpPr>
+          <p:cNvPr id="6" name="Rounded Rectangle 5"/>
+          <p:cNvSpPr/>
+          <p:nvPr/>
+        </p:nvSpPr>
+        <p:spPr>
+          <a:xfrm>
+            <a:off x="4161842" y="4103375"/>
+            <a:ext cx="697730" cy="514348"/>
+          </a:xfrm>
+          <a:prstGeom prst="roundRect">
+            <a:avLst/>
+          </a:prstGeom>
+          <a:solidFill>
+            <a:srgbClr val="FFFF00">
+              <a:alpha val="50000"/>
+            </a:srgbClr>
+          </a:solidFill>
+          <a:ln>
+            <a:noFill/>
+          </a:ln>
+        </p:spPr>
+        <p:style>
+          <a:lnRef idx="2">
+            <a:schemeClr val="accent1">
+              <a:shade val="50000"/>
+            </a:schemeClr>
+          </a:lnRef>
+          <a:fillRef idx="1">
+            <a:schemeClr val="accent1"/>
+          </a:fillRef>
+          <a:effectRef idx="0">
+            <a:schemeClr val="accent1"/>
+          </a:effectRef>
+          <a:fontRef idx="minor">
+            <a:schemeClr val="lt1"/>
+          </a:fontRef>
+        </p:style>
+        <p:txBody>
+          <a:bodyPr rtlCol="0" anchor="ctr"/>
+          <a:lstStyle/>
+          <a:p>
+            <a:pPr algn="ctr"/>
+            <a:endParaRPr lang="en-US"/>
+          </a:p>
+        </p:txBody>
+      </p:sp>
+    </p:spTree>
+    <p:extLst>
+      <p:ext uri="{BB962C8B-B14F-4D97-AF65-F5344CB8AC3E}">
+        <p14:creationId xmlns:p14="http://schemas.microsoft.com/office/powerpoint/2010/main" val="861281883"/>
+      </p:ext>
+    </p:extLst>
+  </p:cSld>
+  <p:clrMapOvr>
+    <a:masterClrMapping/>
+  </p:clrMapOvr>
+</p:sld>
+</file>
+
+<file path=ppt/slides/slide24.xml><?xml version="1.0" encoding="utf-8"?>
+<p:sld xmlns:a="http://schemas.openxmlformats.org/drawingml/2006/main" xmlns:r="http://schemas.openxmlformats.org/officeDocument/2006/relationships" xmlns:p="http://schemas.openxmlformats.org/presentationml/2006/main">
+  <p:cSld>
+    <p:spTree>
+      <p:nvGrpSpPr>
+        <p:cNvPr id="1" name=""/>
+        <p:cNvGrpSpPr/>
+        <p:nvPr/>
+      </p:nvGrpSpPr>
+      <p:grpSpPr>
+        <a:xfrm>
+          <a:off x="0" y="0"/>
+          <a:ext cx="0" cy="0"/>
+          <a:chOff x="0" y="0"/>
+          <a:chExt cx="0" cy="0"/>
+        </a:xfrm>
+      </p:grpSpPr>
+      <p:sp>
+        <p:nvSpPr>
+          <p:cNvPr id="2" name="Title 1"/>
+          <p:cNvSpPr>
+            <a:spLocks noGrp="1"/>
+          </p:cNvSpPr>
+          <p:nvPr>
+            <p:ph type="title"/>
+          </p:nvPr>
+        </p:nvSpPr>
+        <p:spPr/>
+        <p:txBody>
+          <a:bodyPr/>
+          <a:lstStyle/>
+          <a:p>
+            <a:r>
+              <a:rPr lang="en-US" dirty="0" smtClean="0"/>
+              <a:t>Regular expressions</a:t>
+            </a:r>
+            <a:endParaRPr lang="en-US" dirty="0"/>
+          </a:p>
+        </p:txBody>
+      </p:sp>
+      <p:sp>
+        <p:nvSpPr>
+          <p:cNvPr id="3" name="Content Placeholder 2"/>
+          <p:cNvSpPr>
+            <a:spLocks noGrp="1"/>
+          </p:cNvSpPr>
+          <p:nvPr>
+            <p:ph idx="1"/>
+          </p:nvPr>
+        </p:nvSpPr>
+        <p:spPr>
+          <a:xfrm>
+            <a:off x="457200" y="1752601"/>
+            <a:ext cx="7620000" cy="3005138"/>
+          </a:xfrm>
+        </p:spPr>
+        <p:txBody>
+          <a:bodyPr>
+            <a:normAutofit/>
+          </a:bodyPr>
+          <a:lstStyle/>
+          <a:p>
+            <a:r>
+              <a:rPr lang="en-US" dirty="0" smtClean="0">
+                <a:latin typeface="Monaco" charset="0"/>
+                <a:ea typeface="Monaco" charset="0"/>
+                <a:cs typeface="Monaco" charset="0"/>
+              </a:rPr>
+              <a:t>String</a:t>
+            </a:r>
+            <a:r>
+              <a:rPr lang="en-US" dirty="0" smtClean="0">
+                <a:latin typeface="Monaco" charset="0"/>
+                <a:ea typeface="Monaco" charset="0"/>
+                <a:cs typeface="Monaco" charset="0"/>
+              </a:rPr>
+              <a:t>: Mus </a:t>
+            </a:r>
+            <a:r>
+              <a:rPr lang="en-US" dirty="0" err="1" smtClean="0">
+                <a:latin typeface="Monaco" charset="0"/>
+                <a:ea typeface="Monaco" charset="0"/>
+                <a:cs typeface="Monaco" charset="0"/>
+              </a:rPr>
+              <a:t>musculus</a:t>
+            </a:r>
+            <a:endParaRPr lang="en-US" dirty="0" smtClean="0">
+              <a:latin typeface="Monaco" charset="0"/>
+              <a:ea typeface="Monaco" charset="0"/>
+              <a:cs typeface="Monaco" charset="0"/>
+            </a:endParaRPr>
+          </a:p>
+          <a:p>
+            <a:endParaRPr lang="en-US" dirty="0">
+              <a:latin typeface="Monaco" charset="0"/>
+              <a:ea typeface="Monaco" charset="0"/>
+              <a:cs typeface="Monaco" charset="0"/>
+            </a:endParaRPr>
+          </a:p>
+          <a:p>
+            <a:r>
+              <a:rPr lang="en-US" dirty="0" smtClean="0">
+                <a:latin typeface="Monaco" charset="0"/>
+                <a:ea typeface="Monaco" charset="0"/>
+                <a:cs typeface="Monaco" charset="0"/>
+              </a:rPr>
+              <a:t>Regex:  </a:t>
+            </a:r>
+            <a:r>
+              <a:rPr lang="en-US" dirty="0" smtClean="0">
+                <a:solidFill>
+                  <a:srgbClr val="FF0000"/>
+                </a:solidFill>
+                <a:latin typeface="Monaco" charset="0"/>
+                <a:ea typeface="Monaco" charset="0"/>
+                <a:cs typeface="Monaco" charset="0"/>
+              </a:rPr>
+              <a:t>\w+</a:t>
+            </a:r>
+            <a:endParaRPr lang="en-US" dirty="0">
+              <a:latin typeface="Monaco" charset="0"/>
+              <a:ea typeface="Monaco" charset="0"/>
+              <a:cs typeface="Monaco" charset="0"/>
+            </a:endParaRPr>
+          </a:p>
+          <a:p>
+            <a:endParaRPr lang="en-US" dirty="0">
+              <a:latin typeface="Monaco" charset="0"/>
+              <a:ea typeface="Monaco" charset="0"/>
+              <a:cs typeface="Monaco" charset="0"/>
+            </a:endParaRPr>
+          </a:p>
+          <a:p>
+            <a:r>
+              <a:rPr lang="en-US" dirty="0" smtClean="0">
+                <a:latin typeface="Monaco" charset="0"/>
+                <a:ea typeface="Monaco" charset="0"/>
+                <a:cs typeface="Monaco" charset="0"/>
+              </a:rPr>
+              <a:t>Match:  </a:t>
+            </a:r>
+            <a:r>
+              <a:rPr lang="en-US" dirty="0">
+                <a:latin typeface="Monaco" charset="0"/>
+                <a:ea typeface="Monaco" charset="0"/>
+                <a:cs typeface="Monaco" charset="0"/>
+              </a:rPr>
+              <a:t>Mus </a:t>
+            </a:r>
+            <a:r>
+              <a:rPr lang="en-US" dirty="0" err="1">
+                <a:latin typeface="Monaco" charset="0"/>
+                <a:ea typeface="Monaco" charset="0"/>
+                <a:cs typeface="Monaco" charset="0"/>
+              </a:rPr>
+              <a:t>musculus</a:t>
+            </a:r>
+            <a:endParaRPr lang="en-US" dirty="0">
+              <a:latin typeface="Monaco" charset="0"/>
+              <a:ea typeface="Monaco" charset="0"/>
+              <a:cs typeface="Monaco" charset="0"/>
+            </a:endParaRPr>
+          </a:p>
+          <a:p>
+            <a:endParaRPr lang="en-US" dirty="0">
+              <a:latin typeface="Monaco" charset="0"/>
+              <a:ea typeface="Monaco" charset="0"/>
+              <a:cs typeface="Monaco" charset="0"/>
+            </a:endParaRPr>
+          </a:p>
+          <a:p>
+            <a:endParaRPr lang="en-US" dirty="0">
+              <a:latin typeface="Monaco" charset="0"/>
+              <a:ea typeface="Monaco" charset="0"/>
+              <a:cs typeface="Monaco" charset="0"/>
+            </a:endParaRPr>
+          </a:p>
+        </p:txBody>
+      </p:sp>
+      <p:sp>
+        <p:nvSpPr>
+          <p:cNvPr id="4" name="Rounded Rectangle 3"/>
+          <p:cNvSpPr/>
+          <p:nvPr/>
+        </p:nvSpPr>
+        <p:spPr>
+          <a:xfrm>
+            <a:off x="2171365" y="4124370"/>
+            <a:ext cx="770618" cy="514348"/>
+          </a:xfrm>
+          <a:prstGeom prst="roundRect">
+            <a:avLst/>
+          </a:prstGeom>
+          <a:solidFill>
+            <a:srgbClr val="FFFF00">
+              <a:alpha val="50000"/>
+            </a:srgbClr>
+          </a:solidFill>
+          <a:ln>
+            <a:noFill/>
+          </a:ln>
+        </p:spPr>
+        <p:style>
+          <a:lnRef idx="2">
+            <a:schemeClr val="accent1">
+              <a:shade val="50000"/>
+            </a:schemeClr>
+          </a:lnRef>
+          <a:fillRef idx="1">
+            <a:schemeClr val="accent1"/>
+          </a:fillRef>
+          <a:effectRef idx="0">
+            <a:schemeClr val="accent1"/>
+          </a:effectRef>
+          <a:fontRef idx="minor">
+            <a:schemeClr val="lt1"/>
+          </a:fontRef>
+        </p:style>
+        <p:txBody>
+          <a:bodyPr rtlCol="0" anchor="ctr"/>
+          <a:lstStyle/>
+          <a:p>
+            <a:pPr algn="ctr"/>
+            <a:endParaRPr lang="en-US"/>
+          </a:p>
+        </p:txBody>
+      </p:sp>
+      <p:sp>
+        <p:nvSpPr>
+          <p:cNvPr id="5" name="Rounded Rectangle 4"/>
+          <p:cNvSpPr/>
+          <p:nvPr/>
+        </p:nvSpPr>
+        <p:spPr>
+          <a:xfrm>
+            <a:off x="3071188" y="4124370"/>
+            <a:ext cx="1755254" cy="514348"/>
+          </a:xfrm>
+          <a:prstGeom prst="roundRect">
+            <a:avLst/>
+          </a:prstGeom>
+          <a:solidFill>
+            <a:srgbClr val="FFFF00">
+              <a:alpha val="50000"/>
+            </a:srgbClr>
+          </a:solidFill>
+          <a:ln>
+            <a:noFill/>
+          </a:ln>
+        </p:spPr>
+        <p:style>
+          <a:lnRef idx="2">
+            <a:schemeClr val="accent1">
+              <a:shade val="50000"/>
+            </a:schemeClr>
+          </a:lnRef>
+          <a:fillRef idx="1">
+            <a:schemeClr val="accent1"/>
+          </a:fillRef>
+          <a:effectRef idx="0">
+            <a:schemeClr val="accent1"/>
+          </a:effectRef>
+          <a:fontRef idx="minor">
+            <a:schemeClr val="lt1"/>
+          </a:fontRef>
+        </p:style>
+        <p:txBody>
+          <a:bodyPr rtlCol="0" anchor="ctr"/>
+          <a:lstStyle/>
+          <a:p>
+            <a:pPr algn="ctr"/>
+            <a:endParaRPr lang="en-US"/>
+          </a:p>
+        </p:txBody>
+      </p:sp>
+    </p:spTree>
+    <p:extLst>
+      <p:ext uri="{BB962C8B-B14F-4D97-AF65-F5344CB8AC3E}">
+        <p14:creationId xmlns:p14="http://schemas.microsoft.com/office/powerpoint/2010/main" val="842791205"/>
+      </p:ext>
+    </p:extLst>
+  </p:cSld>
+  <p:clrMapOvr>
+    <a:masterClrMapping/>
+  </p:clrMapOvr>
+</p:sld>
+</file>
+
+<file path=ppt/slides/slide25.xml><?xml version="1.0" encoding="utf-8"?>
+<p:sld xmlns:a="http://schemas.openxmlformats.org/drawingml/2006/main" xmlns:r="http://schemas.openxmlformats.org/officeDocument/2006/relationships" xmlns:p="http://schemas.openxmlformats.org/presentationml/2006/main">
+  <p:cSld>
+    <p:spTree>
+      <p:nvGrpSpPr>
+        <p:cNvPr id="1" name=""/>
+        <p:cNvGrpSpPr/>
+        <p:nvPr/>
+      </p:nvGrpSpPr>
+      <p:grpSpPr>
+        <a:xfrm>
+          <a:off x="0" y="0"/>
+          <a:ext cx="0" cy="0"/>
+          <a:chOff x="0" y="0"/>
+          <a:chExt cx="0" cy="0"/>
+        </a:xfrm>
+      </p:grpSpPr>
+      <p:sp>
+        <p:nvSpPr>
+          <p:cNvPr id="2" name="Title 1"/>
+          <p:cNvSpPr>
+            <a:spLocks noGrp="1"/>
+          </p:cNvSpPr>
+          <p:nvPr>
+            <p:ph type="title"/>
+          </p:nvPr>
+        </p:nvSpPr>
+        <p:spPr/>
+        <p:txBody>
+          <a:bodyPr/>
+          <a:lstStyle/>
+          <a:p>
+            <a:r>
+              <a:rPr lang="en-US" dirty="0" smtClean="0"/>
+              <a:t>Regular expressions</a:t>
+            </a:r>
+            <a:endParaRPr lang="en-US" dirty="0"/>
+          </a:p>
+        </p:txBody>
+      </p:sp>
+      <p:sp>
+        <p:nvSpPr>
+          <p:cNvPr id="3" name="Content Placeholder 2"/>
+          <p:cNvSpPr>
+            <a:spLocks noGrp="1"/>
+          </p:cNvSpPr>
+          <p:nvPr>
+            <p:ph idx="1"/>
+          </p:nvPr>
+        </p:nvSpPr>
+        <p:spPr>
+          <a:xfrm>
+            <a:off x="457200" y="1752601"/>
+            <a:ext cx="7620000" cy="3005138"/>
+          </a:xfrm>
+        </p:spPr>
+        <p:txBody>
+          <a:bodyPr>
+            <a:normAutofit/>
+          </a:bodyPr>
+          <a:lstStyle/>
+          <a:p>
+            <a:r>
+              <a:rPr lang="en-US" dirty="0" smtClean="0">
+                <a:latin typeface="Monaco" charset="0"/>
+                <a:ea typeface="Monaco" charset="0"/>
+                <a:cs typeface="Monaco" charset="0"/>
+              </a:rPr>
+              <a:t>String</a:t>
+            </a:r>
+            <a:r>
+              <a:rPr lang="en-US" dirty="0" smtClean="0">
+                <a:latin typeface="Monaco" charset="0"/>
+                <a:ea typeface="Monaco" charset="0"/>
+                <a:cs typeface="Monaco" charset="0"/>
+              </a:rPr>
+              <a:t>: Mus </a:t>
+            </a:r>
+            <a:r>
+              <a:rPr lang="en-US" dirty="0" err="1" smtClean="0">
+                <a:latin typeface="Monaco" charset="0"/>
+                <a:ea typeface="Monaco" charset="0"/>
+                <a:cs typeface="Monaco" charset="0"/>
+              </a:rPr>
+              <a:t>musculus</a:t>
+            </a:r>
+            <a:endParaRPr lang="en-US" dirty="0" smtClean="0">
+              <a:latin typeface="Monaco" charset="0"/>
+              <a:ea typeface="Monaco" charset="0"/>
+              <a:cs typeface="Monaco" charset="0"/>
+            </a:endParaRPr>
+          </a:p>
+          <a:p>
+            <a:endParaRPr lang="en-US" dirty="0">
+              <a:latin typeface="Monaco" charset="0"/>
+              <a:ea typeface="Monaco" charset="0"/>
+              <a:cs typeface="Monaco" charset="0"/>
+            </a:endParaRPr>
+          </a:p>
+          <a:p>
+            <a:r>
+              <a:rPr lang="en-US" dirty="0" smtClean="0">
+                <a:latin typeface="Monaco" charset="0"/>
+                <a:ea typeface="Monaco" charset="0"/>
+                <a:cs typeface="Monaco" charset="0"/>
+              </a:rPr>
+              <a:t>Regex:  </a:t>
+            </a:r>
+            <a:r>
+              <a:rPr lang="en-US" dirty="0" smtClean="0">
+                <a:solidFill>
+                  <a:srgbClr val="FF0000"/>
+                </a:solidFill>
+                <a:latin typeface="Monaco" charset="0"/>
+                <a:ea typeface="Monaco" charset="0"/>
+                <a:cs typeface="Monaco" charset="0"/>
+              </a:rPr>
+              <a:t>[A-Z]\w+ \w+</a:t>
+            </a:r>
+            <a:endParaRPr lang="en-US" dirty="0">
+              <a:latin typeface="Monaco" charset="0"/>
+              <a:ea typeface="Monaco" charset="0"/>
+              <a:cs typeface="Monaco" charset="0"/>
+            </a:endParaRPr>
+          </a:p>
+          <a:p>
+            <a:endParaRPr lang="en-US" dirty="0">
+              <a:latin typeface="Monaco" charset="0"/>
+              <a:ea typeface="Monaco" charset="0"/>
+              <a:cs typeface="Monaco" charset="0"/>
+            </a:endParaRPr>
+          </a:p>
+          <a:p>
+            <a:r>
+              <a:rPr lang="en-US" dirty="0" smtClean="0">
+                <a:latin typeface="Monaco" charset="0"/>
+                <a:ea typeface="Monaco" charset="0"/>
+                <a:cs typeface="Monaco" charset="0"/>
+              </a:rPr>
+              <a:t>Match:  </a:t>
+            </a:r>
+            <a:r>
+              <a:rPr lang="en-US" dirty="0">
+                <a:latin typeface="Monaco" charset="0"/>
+                <a:ea typeface="Monaco" charset="0"/>
+                <a:cs typeface="Monaco" charset="0"/>
+              </a:rPr>
+              <a:t>Mus </a:t>
+            </a:r>
+            <a:r>
+              <a:rPr lang="en-US" dirty="0" err="1">
+                <a:latin typeface="Monaco" charset="0"/>
+                <a:ea typeface="Monaco" charset="0"/>
+                <a:cs typeface="Monaco" charset="0"/>
+              </a:rPr>
+              <a:t>musculus</a:t>
+            </a:r>
+            <a:endParaRPr lang="en-US" dirty="0">
+              <a:latin typeface="Monaco" charset="0"/>
+              <a:ea typeface="Monaco" charset="0"/>
+              <a:cs typeface="Monaco" charset="0"/>
+            </a:endParaRPr>
+          </a:p>
+          <a:p>
+            <a:endParaRPr lang="en-US" dirty="0">
+              <a:latin typeface="Monaco" charset="0"/>
+              <a:ea typeface="Monaco" charset="0"/>
+              <a:cs typeface="Monaco" charset="0"/>
+            </a:endParaRPr>
+          </a:p>
+          <a:p>
+            <a:endParaRPr lang="en-US" dirty="0">
+              <a:latin typeface="Monaco" charset="0"/>
+              <a:ea typeface="Monaco" charset="0"/>
+              <a:cs typeface="Monaco" charset="0"/>
+            </a:endParaRPr>
+          </a:p>
+        </p:txBody>
+      </p:sp>
+      <p:sp>
+        <p:nvSpPr>
+          <p:cNvPr id="5" name="Rounded Rectangle 4"/>
+          <p:cNvSpPr/>
+          <p:nvPr/>
+        </p:nvSpPr>
+        <p:spPr>
+          <a:xfrm>
+            <a:off x="2186609" y="4124370"/>
+            <a:ext cx="2639833" cy="514348"/>
+          </a:xfrm>
+          <a:prstGeom prst="roundRect">
+            <a:avLst/>
+          </a:prstGeom>
+          <a:solidFill>
+            <a:srgbClr val="FFFF00">
+              <a:alpha val="50000"/>
+            </a:srgbClr>
+          </a:solidFill>
+          <a:ln>
+            <a:noFill/>
+          </a:ln>
+        </p:spPr>
+        <p:style>
+          <a:lnRef idx="2">
+            <a:schemeClr val="accent1">
+              <a:shade val="50000"/>
+            </a:schemeClr>
+          </a:lnRef>
+          <a:fillRef idx="1">
+            <a:schemeClr val="accent1"/>
+          </a:fillRef>
+          <a:effectRef idx="0">
+            <a:schemeClr val="accent1"/>
+          </a:effectRef>
+          <a:fontRef idx="minor">
+            <a:schemeClr val="lt1"/>
+          </a:fontRef>
+        </p:style>
+        <p:txBody>
+          <a:bodyPr rtlCol="0" anchor="ctr"/>
+          <a:lstStyle/>
+          <a:p>
+            <a:pPr algn="ctr"/>
+            <a:endParaRPr lang="en-US"/>
+          </a:p>
+        </p:txBody>
+      </p:sp>
+    </p:spTree>
+    <p:extLst>
+      <p:ext uri="{BB962C8B-B14F-4D97-AF65-F5344CB8AC3E}">
+        <p14:creationId xmlns:p14="http://schemas.microsoft.com/office/powerpoint/2010/main" val="1688101082"/>
+      </p:ext>
+    </p:extLst>
+  </p:cSld>
+  <p:clrMapOvr>
+    <a:masterClrMapping/>
+  </p:clrMapOvr>
+</p:sld>
+</file>
+
+<file path=ppt/slides/slide26.xml><?xml version="1.0" encoding="utf-8"?>
+<p:sld xmlns:a="http://schemas.openxmlformats.org/drawingml/2006/main" xmlns:r="http://schemas.openxmlformats.org/officeDocument/2006/relationships" xmlns:p="http://schemas.openxmlformats.org/presentationml/2006/main">
+  <p:cSld>
+    <p:spTree>
+      <p:nvGrpSpPr>
+        <p:cNvPr id="1" name=""/>
+        <p:cNvGrpSpPr/>
+        <p:nvPr/>
+      </p:nvGrpSpPr>
+      <p:grpSpPr>
+        <a:xfrm>
+          <a:off x="0" y="0"/>
+          <a:ext cx="0" cy="0"/>
+          <a:chOff x="0" y="0"/>
+          <a:chExt cx="0" cy="0"/>
+        </a:xfrm>
+      </p:grpSpPr>
+      <p:sp>
+        <p:nvSpPr>
+          <p:cNvPr id="2" name="Title 1"/>
+          <p:cNvSpPr>
+            <a:spLocks noGrp="1"/>
+          </p:cNvSpPr>
+          <p:nvPr>
+            <p:ph type="title"/>
+          </p:nvPr>
+        </p:nvSpPr>
+        <p:spPr/>
+        <p:txBody>
+          <a:bodyPr/>
+          <a:lstStyle/>
+          <a:p>
+            <a:r>
+              <a:rPr lang="en-US" dirty="0" smtClean="0"/>
+              <a:t>Regular expressions</a:t>
+            </a:r>
+            <a:endParaRPr lang="en-US" dirty="0"/>
+          </a:p>
+        </p:txBody>
+      </p:sp>
+      <p:sp>
+        <p:nvSpPr>
+          <p:cNvPr id="3" name="Content Placeholder 2"/>
+          <p:cNvSpPr>
+            <a:spLocks noGrp="1"/>
+          </p:cNvSpPr>
+          <p:nvPr>
+            <p:ph idx="1"/>
+          </p:nvPr>
+        </p:nvSpPr>
+        <p:spPr>
+          <a:xfrm>
+            <a:off x="457200" y="1752601"/>
+            <a:ext cx="7620000" cy="3005138"/>
+          </a:xfrm>
+        </p:spPr>
+        <p:txBody>
+          <a:bodyPr>
+            <a:normAutofit fontScale="77500" lnSpcReduction="20000"/>
+          </a:bodyPr>
+          <a:lstStyle/>
+          <a:p>
+            <a:r>
+              <a:rPr lang="en-US" dirty="0" smtClean="0">
+                <a:latin typeface="Monaco" charset="0"/>
+                <a:ea typeface="Monaco" charset="0"/>
+                <a:cs typeface="Monaco" charset="0"/>
+              </a:rPr>
+              <a:t>String</a:t>
+            </a:r>
+            <a:r>
+              <a:rPr lang="en-US" dirty="0" smtClean="0">
+                <a:latin typeface="Monaco" charset="0"/>
+                <a:ea typeface="Monaco" charset="0"/>
+                <a:cs typeface="Monaco" charset="0"/>
+              </a:rPr>
+              <a:t>:  Mus </a:t>
+            </a:r>
+            <a:r>
+              <a:rPr lang="en-US" dirty="0" err="1" smtClean="0">
+                <a:latin typeface="Monaco" charset="0"/>
+                <a:ea typeface="Monaco" charset="0"/>
+                <a:cs typeface="Monaco" charset="0"/>
+              </a:rPr>
+              <a:t>musculus</a:t>
+            </a:r>
+            <a:endParaRPr lang="en-US" dirty="0" smtClean="0">
+              <a:latin typeface="Monaco" charset="0"/>
+              <a:ea typeface="Monaco" charset="0"/>
+              <a:cs typeface="Monaco" charset="0"/>
+            </a:endParaRPr>
+          </a:p>
+          <a:p>
+            <a:endParaRPr lang="en-US" dirty="0">
+              <a:latin typeface="Monaco" charset="0"/>
+              <a:ea typeface="Monaco" charset="0"/>
+              <a:cs typeface="Monaco" charset="0"/>
+            </a:endParaRPr>
+          </a:p>
+          <a:p>
+            <a:r>
+              <a:rPr lang="en-US" dirty="0" smtClean="0">
+                <a:latin typeface="Monaco" charset="0"/>
+                <a:ea typeface="Monaco" charset="0"/>
+                <a:cs typeface="Monaco" charset="0"/>
+              </a:rPr>
+              <a:t>Regex:  </a:t>
+            </a:r>
+            <a:r>
+              <a:rPr lang="en-US" dirty="0" smtClean="0">
+                <a:latin typeface="Monaco" charset="0"/>
+                <a:ea typeface="Monaco" charset="0"/>
+                <a:cs typeface="Monaco" charset="0"/>
+              </a:rPr>
+              <a:t> </a:t>
+            </a:r>
+            <a:r>
+              <a:rPr lang="en-US" dirty="0" smtClean="0">
+                <a:solidFill>
+                  <a:srgbClr val="FFC000"/>
+                </a:solidFill>
+                <a:latin typeface="Monaco" charset="0"/>
+                <a:ea typeface="Monaco" charset="0"/>
+                <a:cs typeface="Monaco" charset="0"/>
+              </a:rPr>
+              <a:t>(</a:t>
+            </a:r>
+            <a:r>
+              <a:rPr lang="en-US" dirty="0" smtClean="0">
+                <a:solidFill>
+                  <a:srgbClr val="FF0000"/>
+                </a:solidFill>
+                <a:latin typeface="Monaco" charset="0"/>
+                <a:ea typeface="Monaco" charset="0"/>
+                <a:cs typeface="Monaco" charset="0"/>
+              </a:rPr>
+              <a:t>[A-Z]</a:t>
+            </a:r>
+            <a:r>
+              <a:rPr lang="en-US" dirty="0" smtClean="0">
+                <a:solidFill>
+                  <a:srgbClr val="FFC000"/>
+                </a:solidFill>
+                <a:latin typeface="Monaco" charset="0"/>
+                <a:ea typeface="Monaco" charset="0"/>
+                <a:cs typeface="Monaco" charset="0"/>
+              </a:rPr>
+              <a:t>)</a:t>
+            </a:r>
+            <a:r>
+              <a:rPr lang="en-US" dirty="0" smtClean="0">
+                <a:solidFill>
+                  <a:srgbClr val="FF0000"/>
+                </a:solidFill>
+                <a:latin typeface="Monaco" charset="0"/>
+                <a:ea typeface="Monaco" charset="0"/>
+                <a:cs typeface="Monaco" charset="0"/>
+              </a:rPr>
+              <a:t>\w+ </a:t>
+            </a:r>
+            <a:r>
+              <a:rPr lang="en-US" dirty="0" smtClean="0">
+                <a:solidFill>
+                  <a:srgbClr val="FFC000"/>
+                </a:solidFill>
+                <a:latin typeface="Monaco" charset="0"/>
+                <a:ea typeface="Monaco" charset="0"/>
+                <a:cs typeface="Monaco" charset="0"/>
+              </a:rPr>
+              <a:t>(</a:t>
+            </a:r>
+            <a:r>
+              <a:rPr lang="en-US" dirty="0" smtClean="0">
+                <a:solidFill>
+                  <a:srgbClr val="FF0000"/>
+                </a:solidFill>
+                <a:latin typeface="Monaco" charset="0"/>
+                <a:ea typeface="Monaco" charset="0"/>
+                <a:cs typeface="Monaco" charset="0"/>
+              </a:rPr>
+              <a:t>\w+</a:t>
+            </a:r>
+            <a:r>
+              <a:rPr lang="en-US" dirty="0" smtClean="0">
+                <a:solidFill>
+                  <a:srgbClr val="FFC000"/>
+                </a:solidFill>
+                <a:latin typeface="Monaco" charset="0"/>
+                <a:ea typeface="Monaco" charset="0"/>
+                <a:cs typeface="Monaco" charset="0"/>
+              </a:rPr>
+              <a:t>)</a:t>
+            </a:r>
+            <a:endParaRPr lang="en-US" dirty="0">
+              <a:solidFill>
+                <a:srgbClr val="FFC000"/>
+              </a:solidFill>
+              <a:latin typeface="Monaco" charset="0"/>
+              <a:ea typeface="Monaco" charset="0"/>
+              <a:cs typeface="Monaco" charset="0"/>
+            </a:endParaRPr>
+          </a:p>
+          <a:p>
+            <a:endParaRPr lang="en-US" dirty="0" smtClean="0">
+              <a:latin typeface="Monaco" charset="0"/>
+              <a:ea typeface="Monaco" charset="0"/>
+              <a:cs typeface="Monaco" charset="0"/>
+            </a:endParaRPr>
+          </a:p>
+          <a:p>
+            <a:r>
+              <a:rPr lang="en-US" dirty="0" smtClean="0">
+                <a:latin typeface="Monaco" charset="0"/>
+                <a:ea typeface="Monaco" charset="0"/>
+                <a:cs typeface="Monaco" charset="0"/>
+              </a:rPr>
+              <a:t>Replace: \1. \2</a:t>
+            </a:r>
+            <a:endParaRPr lang="en-US" dirty="0">
+              <a:latin typeface="Monaco" charset="0"/>
+              <a:ea typeface="Monaco" charset="0"/>
+              <a:cs typeface="Monaco" charset="0"/>
+            </a:endParaRPr>
+          </a:p>
+          <a:p>
+            <a:endParaRPr lang="en-US" dirty="0" smtClean="0">
+              <a:latin typeface="Monaco" charset="0"/>
+              <a:ea typeface="Monaco" charset="0"/>
+              <a:cs typeface="Monaco" charset="0"/>
+            </a:endParaRPr>
+          </a:p>
+          <a:p>
+            <a:r>
+              <a:rPr lang="en-US" dirty="0" smtClean="0">
+                <a:latin typeface="Monaco" charset="0"/>
+                <a:ea typeface="Monaco" charset="0"/>
+                <a:cs typeface="Monaco" charset="0"/>
+              </a:rPr>
+              <a:t>New string</a:t>
+            </a:r>
+            <a:r>
+              <a:rPr lang="en-US" dirty="0" smtClean="0">
+                <a:latin typeface="Monaco" charset="0"/>
+                <a:ea typeface="Monaco" charset="0"/>
+                <a:cs typeface="Monaco" charset="0"/>
+              </a:rPr>
+              <a:t>:  </a:t>
+            </a:r>
+            <a:r>
+              <a:rPr lang="en-US" dirty="0" smtClean="0">
+                <a:latin typeface="Monaco" charset="0"/>
+                <a:ea typeface="Monaco" charset="0"/>
+                <a:cs typeface="Monaco" charset="0"/>
+              </a:rPr>
+              <a:t>M. </a:t>
+            </a:r>
+            <a:r>
+              <a:rPr lang="en-US" dirty="0" err="1" smtClean="0">
+                <a:latin typeface="Monaco" charset="0"/>
+                <a:ea typeface="Monaco" charset="0"/>
+                <a:cs typeface="Monaco" charset="0"/>
+              </a:rPr>
+              <a:t>musculus</a:t>
+            </a:r>
+            <a:endParaRPr lang="en-US" dirty="0">
+              <a:latin typeface="Monaco" charset="0"/>
+              <a:ea typeface="Monaco" charset="0"/>
+              <a:cs typeface="Monaco" charset="0"/>
+            </a:endParaRPr>
+          </a:p>
+          <a:p>
+            <a:endParaRPr lang="en-US" dirty="0">
+              <a:latin typeface="Monaco" charset="0"/>
+              <a:ea typeface="Monaco" charset="0"/>
+              <a:cs typeface="Monaco" charset="0"/>
+            </a:endParaRPr>
+          </a:p>
+          <a:p>
+            <a:endParaRPr lang="en-US" dirty="0">
+              <a:latin typeface="Monaco" charset="0"/>
+              <a:ea typeface="Monaco" charset="0"/>
+              <a:cs typeface="Monaco" charset="0"/>
+            </a:endParaRPr>
+          </a:p>
+        </p:txBody>
+      </p:sp>
+    </p:spTree>
+    <p:extLst>
+      <p:ext uri="{BB962C8B-B14F-4D97-AF65-F5344CB8AC3E}">
+        <p14:creationId xmlns:p14="http://schemas.microsoft.com/office/powerpoint/2010/main" val="1737623045"/>
+      </p:ext>
+    </p:extLst>
+  </p:cSld>
+  <p:clrMapOvr>
+    <a:masterClrMapping/>
+  </p:clrMapOvr>
+</p:sld>
+</file>
+
+<file path=ppt/slides/slide27.xml><?xml version="1.0" encoding="utf-8"?>
+<p:sld xmlns:a="http://schemas.openxmlformats.org/drawingml/2006/main" xmlns:r="http://schemas.openxmlformats.org/officeDocument/2006/relationships" xmlns:p="http://schemas.openxmlformats.org/presentationml/2006/main">
+  <p:cSld>
+    <p:spTree>
+      <p:nvGrpSpPr>
+        <p:cNvPr id="1" name=""/>
+        <p:cNvGrpSpPr/>
+        <p:nvPr/>
+      </p:nvGrpSpPr>
+      <p:grpSpPr>
+        <a:xfrm>
+          <a:off x="0" y="0"/>
+          <a:ext cx="0" cy="0"/>
+          <a:chOff x="0" y="0"/>
+          <a:chExt cx="0" cy="0"/>
+        </a:xfrm>
+      </p:grpSpPr>
+      <p:sp>
+        <p:nvSpPr>
+          <p:cNvPr id="2" name="Title 1"/>
+          <p:cNvSpPr>
+            <a:spLocks noGrp="1"/>
+          </p:cNvSpPr>
+          <p:nvPr>
+            <p:ph type="title"/>
+          </p:nvPr>
+        </p:nvSpPr>
+        <p:spPr/>
+        <p:txBody>
+          <a:bodyPr/>
+          <a:lstStyle/>
+          <a:p>
+            <a:r>
+              <a:rPr lang="en-US" dirty="0" smtClean="0"/>
+              <a:t>Regular expressions</a:t>
+            </a:r>
+            <a:endParaRPr lang="en-US" dirty="0"/>
+          </a:p>
+        </p:txBody>
+      </p:sp>
+      <p:sp>
+        <p:nvSpPr>
+          <p:cNvPr id="3" name="Content Placeholder 2"/>
+          <p:cNvSpPr>
+            <a:spLocks noGrp="1"/>
+          </p:cNvSpPr>
+          <p:nvPr>
+            <p:ph idx="1"/>
+          </p:nvPr>
+        </p:nvSpPr>
+        <p:spPr>
+          <a:xfrm>
+            <a:off x="457200" y="1752601"/>
+            <a:ext cx="7620000" cy="3005138"/>
+          </a:xfrm>
+        </p:spPr>
+        <p:txBody>
+          <a:bodyPr>
+            <a:normAutofit/>
+          </a:bodyPr>
+          <a:lstStyle/>
+          <a:p>
+            <a:r>
+              <a:rPr lang="en-US" dirty="0" smtClean="0">
+                <a:latin typeface="Monaco" charset="0"/>
+                <a:ea typeface="Monaco" charset="0"/>
+                <a:cs typeface="Monaco" charset="0"/>
+              </a:rPr>
+              <a:t>String</a:t>
+            </a:r>
+            <a:r>
+              <a:rPr lang="en-US" dirty="0" smtClean="0">
+                <a:latin typeface="Monaco" charset="0"/>
+                <a:ea typeface="Monaco" charset="0"/>
+                <a:cs typeface="Monaco" charset="0"/>
+              </a:rPr>
+              <a:t>: 85.34 cm</a:t>
+            </a:r>
+            <a:endParaRPr lang="en-US" dirty="0" smtClean="0">
+              <a:latin typeface="Monaco" charset="0"/>
+              <a:ea typeface="Monaco" charset="0"/>
+              <a:cs typeface="Monaco" charset="0"/>
+            </a:endParaRPr>
+          </a:p>
+          <a:p>
+            <a:endParaRPr lang="en-US" dirty="0">
+              <a:latin typeface="Monaco" charset="0"/>
+              <a:ea typeface="Monaco" charset="0"/>
+              <a:cs typeface="Monaco" charset="0"/>
+            </a:endParaRPr>
+          </a:p>
+          <a:p>
+            <a:r>
+              <a:rPr lang="en-US" dirty="0" smtClean="0">
+                <a:latin typeface="Monaco" charset="0"/>
+                <a:ea typeface="Monaco" charset="0"/>
+                <a:cs typeface="Monaco" charset="0"/>
+              </a:rPr>
+              <a:t>Regex:  </a:t>
+            </a:r>
+            <a:r>
+              <a:rPr lang="en-US" dirty="0" smtClean="0">
+                <a:solidFill>
+                  <a:srgbClr val="FF0000"/>
+                </a:solidFill>
+                <a:latin typeface="Monaco" charset="0"/>
+                <a:ea typeface="Monaco" charset="0"/>
+                <a:cs typeface="Monaco" charset="0"/>
+              </a:rPr>
+              <a:t>\d+</a:t>
+            </a:r>
+            <a:endParaRPr lang="en-US" dirty="0">
+              <a:solidFill>
+                <a:srgbClr val="FF0000"/>
+              </a:solidFill>
+              <a:latin typeface="Monaco" charset="0"/>
+              <a:ea typeface="Monaco" charset="0"/>
+              <a:cs typeface="Monaco" charset="0"/>
+            </a:endParaRPr>
+          </a:p>
+          <a:p>
+            <a:endParaRPr lang="en-US" dirty="0">
+              <a:latin typeface="Monaco" charset="0"/>
+              <a:ea typeface="Monaco" charset="0"/>
+              <a:cs typeface="Monaco" charset="0"/>
+            </a:endParaRPr>
+          </a:p>
+          <a:p>
+            <a:r>
+              <a:rPr lang="en-US" dirty="0" smtClean="0">
+                <a:latin typeface="Monaco" charset="0"/>
+                <a:ea typeface="Monaco" charset="0"/>
+                <a:cs typeface="Monaco" charset="0"/>
+              </a:rPr>
+              <a:t>Match:  </a:t>
+            </a:r>
+            <a:r>
+              <a:rPr lang="en-US" dirty="0">
+                <a:latin typeface="Monaco" charset="0"/>
+                <a:ea typeface="Monaco" charset="0"/>
+                <a:cs typeface="Monaco" charset="0"/>
+              </a:rPr>
+              <a:t>85.34 </a:t>
+            </a:r>
+            <a:r>
+              <a:rPr lang="en-US" dirty="0" smtClean="0">
+                <a:latin typeface="Monaco" charset="0"/>
+                <a:ea typeface="Monaco" charset="0"/>
+                <a:cs typeface="Monaco" charset="0"/>
+              </a:rPr>
+              <a:t>cm</a:t>
+            </a:r>
+            <a:endParaRPr lang="en-US" dirty="0">
+              <a:latin typeface="Monaco" charset="0"/>
+              <a:ea typeface="Monaco" charset="0"/>
+              <a:cs typeface="Monaco" charset="0"/>
+            </a:endParaRPr>
+          </a:p>
+          <a:p>
+            <a:endParaRPr lang="en-US" dirty="0">
+              <a:latin typeface="Monaco" charset="0"/>
+              <a:ea typeface="Monaco" charset="0"/>
+              <a:cs typeface="Monaco" charset="0"/>
+            </a:endParaRPr>
+          </a:p>
+          <a:p>
+            <a:endParaRPr lang="en-US" dirty="0">
+              <a:latin typeface="Monaco" charset="0"/>
+              <a:ea typeface="Monaco" charset="0"/>
+              <a:cs typeface="Monaco" charset="0"/>
+            </a:endParaRPr>
+          </a:p>
+          <a:p>
+            <a:endParaRPr lang="en-US" dirty="0">
+              <a:latin typeface="Monaco" charset="0"/>
+              <a:ea typeface="Monaco" charset="0"/>
+              <a:cs typeface="Monaco" charset="0"/>
+            </a:endParaRPr>
+          </a:p>
+        </p:txBody>
+      </p:sp>
+      <p:sp>
+        <p:nvSpPr>
+          <p:cNvPr id="5" name="Rounded Rectangle 4"/>
+          <p:cNvSpPr/>
+          <p:nvPr/>
+        </p:nvSpPr>
+        <p:spPr>
+          <a:xfrm>
+            <a:off x="2170706" y="4124371"/>
+            <a:ext cx="572494" cy="514348"/>
+          </a:xfrm>
+          <a:prstGeom prst="roundRect">
+            <a:avLst/>
+          </a:prstGeom>
+          <a:solidFill>
+            <a:srgbClr val="FFFF00">
+              <a:alpha val="50000"/>
+            </a:srgbClr>
+          </a:solidFill>
+          <a:ln>
+            <a:noFill/>
+          </a:ln>
+        </p:spPr>
+        <p:style>
+          <a:lnRef idx="2">
+            <a:schemeClr val="accent1">
+              <a:shade val="50000"/>
+            </a:schemeClr>
+          </a:lnRef>
+          <a:fillRef idx="1">
+            <a:schemeClr val="accent1"/>
+          </a:fillRef>
+          <a:effectRef idx="0">
+            <a:schemeClr val="accent1"/>
+          </a:effectRef>
+          <a:fontRef idx="minor">
+            <a:schemeClr val="lt1"/>
+          </a:fontRef>
+        </p:style>
+        <p:txBody>
+          <a:bodyPr rtlCol="0" anchor="ctr"/>
+          <a:lstStyle/>
+          <a:p>
+            <a:pPr algn="ctr"/>
+            <a:endParaRPr lang="en-US"/>
+          </a:p>
+        </p:txBody>
+      </p:sp>
+      <p:sp>
+        <p:nvSpPr>
+          <p:cNvPr id="6" name="Rounded Rectangle 5"/>
+          <p:cNvSpPr/>
+          <p:nvPr/>
+        </p:nvSpPr>
+        <p:spPr>
+          <a:xfrm>
+            <a:off x="2863795" y="4124371"/>
+            <a:ext cx="572494" cy="514348"/>
+          </a:xfrm>
+          <a:prstGeom prst="roundRect">
+            <a:avLst/>
+          </a:prstGeom>
+          <a:solidFill>
+            <a:srgbClr val="FFFF00">
+              <a:alpha val="50000"/>
+            </a:srgbClr>
+          </a:solidFill>
+          <a:ln>
+            <a:noFill/>
+          </a:ln>
+        </p:spPr>
+        <p:style>
+          <a:lnRef idx="2">
+            <a:schemeClr val="accent1">
+              <a:shade val="50000"/>
+            </a:schemeClr>
+          </a:lnRef>
+          <a:fillRef idx="1">
+            <a:schemeClr val="accent1"/>
+          </a:fillRef>
+          <a:effectRef idx="0">
+            <a:schemeClr val="accent1"/>
+          </a:effectRef>
+          <a:fontRef idx="minor">
+            <a:schemeClr val="lt1"/>
+          </a:fontRef>
+        </p:style>
+        <p:txBody>
+          <a:bodyPr rtlCol="0" anchor="ctr"/>
+          <a:lstStyle/>
+          <a:p>
+            <a:pPr algn="ctr"/>
+            <a:endParaRPr lang="en-US"/>
+          </a:p>
+        </p:txBody>
+      </p:sp>
+    </p:spTree>
+    <p:extLst>
+      <p:ext uri="{BB962C8B-B14F-4D97-AF65-F5344CB8AC3E}">
+        <p14:creationId xmlns:p14="http://schemas.microsoft.com/office/powerpoint/2010/main" val="923286672"/>
+      </p:ext>
+    </p:extLst>
+  </p:cSld>
+  <p:clrMapOvr>
+    <a:masterClrMapping/>
+  </p:clrMapOvr>
+</p:sld>
+</file>
+
+<file path=ppt/slides/slide28.xml><?xml version="1.0" encoding="utf-8"?>
+<p:sld xmlns:a="http://schemas.openxmlformats.org/drawingml/2006/main" xmlns:r="http://schemas.openxmlformats.org/officeDocument/2006/relationships" xmlns:p="http://schemas.openxmlformats.org/presentationml/2006/main">
+  <p:cSld>
+    <p:spTree>
+      <p:nvGrpSpPr>
+        <p:cNvPr id="1" name=""/>
+        <p:cNvGrpSpPr/>
+        <p:nvPr/>
+      </p:nvGrpSpPr>
+      <p:grpSpPr>
+        <a:xfrm>
+          <a:off x="0" y="0"/>
+          <a:ext cx="0" cy="0"/>
+          <a:chOff x="0" y="0"/>
+          <a:chExt cx="0" cy="0"/>
+        </a:xfrm>
+      </p:grpSpPr>
+      <p:sp>
+        <p:nvSpPr>
+          <p:cNvPr id="2" name="Title 1"/>
+          <p:cNvSpPr>
+            <a:spLocks noGrp="1"/>
+          </p:cNvSpPr>
+          <p:nvPr>
+            <p:ph type="title"/>
+          </p:nvPr>
+        </p:nvSpPr>
+        <p:spPr/>
+        <p:txBody>
+          <a:bodyPr/>
+          <a:lstStyle/>
+          <a:p>
+            <a:r>
+              <a:rPr lang="en-US" dirty="0" smtClean="0"/>
+              <a:t>Regular expressions</a:t>
+            </a:r>
+            <a:endParaRPr lang="en-US" dirty="0"/>
+          </a:p>
+        </p:txBody>
+      </p:sp>
+      <p:sp>
+        <p:nvSpPr>
+          <p:cNvPr id="3" name="Content Placeholder 2"/>
+          <p:cNvSpPr>
+            <a:spLocks noGrp="1"/>
+          </p:cNvSpPr>
+          <p:nvPr>
+            <p:ph idx="1"/>
+          </p:nvPr>
+        </p:nvSpPr>
+        <p:spPr>
+          <a:xfrm>
+            <a:off x="457200" y="1752601"/>
+            <a:ext cx="7620000" cy="3005138"/>
+          </a:xfrm>
+        </p:spPr>
+        <p:txBody>
+          <a:bodyPr>
+            <a:normAutofit/>
+          </a:bodyPr>
+          <a:lstStyle/>
+          <a:p>
+            <a:r>
+              <a:rPr lang="en-US" dirty="0" smtClean="0">
+                <a:latin typeface="Monaco" charset="0"/>
+                <a:ea typeface="Monaco" charset="0"/>
+                <a:cs typeface="Monaco" charset="0"/>
+              </a:rPr>
+              <a:t>String</a:t>
+            </a:r>
+            <a:r>
+              <a:rPr lang="en-US" dirty="0" smtClean="0">
+                <a:latin typeface="Monaco" charset="0"/>
+                <a:ea typeface="Monaco" charset="0"/>
+                <a:cs typeface="Monaco" charset="0"/>
+              </a:rPr>
+              <a:t>: 85.34 cm</a:t>
+            </a:r>
+            <a:endParaRPr lang="en-US" dirty="0" smtClean="0">
+              <a:latin typeface="Monaco" charset="0"/>
+              <a:ea typeface="Monaco" charset="0"/>
+              <a:cs typeface="Monaco" charset="0"/>
+            </a:endParaRPr>
+          </a:p>
+          <a:p>
+            <a:endParaRPr lang="en-US" dirty="0">
+              <a:latin typeface="Monaco" charset="0"/>
+              <a:ea typeface="Monaco" charset="0"/>
+              <a:cs typeface="Monaco" charset="0"/>
+            </a:endParaRPr>
+          </a:p>
+          <a:p>
+            <a:r>
+              <a:rPr lang="en-US" dirty="0" smtClean="0">
+                <a:latin typeface="Monaco" charset="0"/>
+                <a:ea typeface="Monaco" charset="0"/>
+                <a:cs typeface="Monaco" charset="0"/>
+              </a:rPr>
+              <a:t>Regex:  </a:t>
+            </a:r>
+            <a:r>
+              <a:rPr lang="en-US" dirty="0" smtClean="0">
+                <a:solidFill>
+                  <a:srgbClr val="FF0000"/>
+                </a:solidFill>
+                <a:latin typeface="Monaco" charset="0"/>
+                <a:ea typeface="Monaco" charset="0"/>
+                <a:cs typeface="Monaco" charset="0"/>
+              </a:rPr>
+              <a:t>\d+\.\d+</a:t>
+            </a:r>
+            <a:endParaRPr lang="en-US" dirty="0">
+              <a:solidFill>
+                <a:srgbClr val="FF0000"/>
+              </a:solidFill>
+              <a:latin typeface="Monaco" charset="0"/>
+              <a:ea typeface="Monaco" charset="0"/>
+              <a:cs typeface="Monaco" charset="0"/>
+            </a:endParaRPr>
+          </a:p>
+          <a:p>
+            <a:endParaRPr lang="en-US" dirty="0">
+              <a:latin typeface="Monaco" charset="0"/>
+              <a:ea typeface="Monaco" charset="0"/>
+              <a:cs typeface="Monaco" charset="0"/>
+            </a:endParaRPr>
+          </a:p>
+          <a:p>
+            <a:r>
+              <a:rPr lang="en-US" dirty="0" smtClean="0">
+                <a:latin typeface="Monaco" charset="0"/>
+                <a:ea typeface="Monaco" charset="0"/>
+                <a:cs typeface="Monaco" charset="0"/>
+              </a:rPr>
+              <a:t>Match:  </a:t>
+            </a:r>
+            <a:r>
+              <a:rPr lang="en-US" dirty="0">
+                <a:latin typeface="Monaco" charset="0"/>
+                <a:ea typeface="Monaco" charset="0"/>
+                <a:cs typeface="Monaco" charset="0"/>
+              </a:rPr>
+              <a:t>85.34 </a:t>
+            </a:r>
+            <a:r>
+              <a:rPr lang="en-US" dirty="0" smtClean="0">
+                <a:latin typeface="Monaco" charset="0"/>
+                <a:ea typeface="Monaco" charset="0"/>
+                <a:cs typeface="Monaco" charset="0"/>
+              </a:rPr>
+              <a:t>cm</a:t>
+            </a:r>
+            <a:endParaRPr lang="en-US" dirty="0">
+              <a:latin typeface="Monaco" charset="0"/>
+              <a:ea typeface="Monaco" charset="0"/>
+              <a:cs typeface="Monaco" charset="0"/>
+            </a:endParaRPr>
+          </a:p>
+          <a:p>
+            <a:endParaRPr lang="en-US" dirty="0">
+              <a:latin typeface="Monaco" charset="0"/>
+              <a:ea typeface="Monaco" charset="0"/>
+              <a:cs typeface="Monaco" charset="0"/>
+            </a:endParaRPr>
+          </a:p>
+          <a:p>
+            <a:endParaRPr lang="en-US" dirty="0">
+              <a:latin typeface="Monaco" charset="0"/>
+              <a:ea typeface="Monaco" charset="0"/>
+              <a:cs typeface="Monaco" charset="0"/>
+            </a:endParaRPr>
+          </a:p>
+          <a:p>
+            <a:endParaRPr lang="en-US" dirty="0">
+              <a:latin typeface="Monaco" charset="0"/>
+              <a:ea typeface="Monaco" charset="0"/>
+              <a:cs typeface="Monaco" charset="0"/>
+            </a:endParaRPr>
+          </a:p>
+        </p:txBody>
+      </p:sp>
+      <p:sp>
+        <p:nvSpPr>
+          <p:cNvPr id="5" name="Rounded Rectangle 4"/>
+          <p:cNvSpPr/>
+          <p:nvPr/>
+        </p:nvSpPr>
+        <p:spPr>
+          <a:xfrm>
+            <a:off x="2170705" y="4124371"/>
+            <a:ext cx="1200647" cy="514348"/>
+          </a:xfrm>
+          <a:prstGeom prst="roundRect">
+            <a:avLst/>
+          </a:prstGeom>
+          <a:solidFill>
+            <a:srgbClr val="FFFF00">
+              <a:alpha val="50000"/>
+            </a:srgbClr>
+          </a:solidFill>
+          <a:ln>
+            <a:noFill/>
+          </a:ln>
+        </p:spPr>
+        <p:style>
+          <a:lnRef idx="2">
+            <a:schemeClr val="accent1">
+              <a:shade val="50000"/>
+            </a:schemeClr>
+          </a:lnRef>
+          <a:fillRef idx="1">
+            <a:schemeClr val="accent1"/>
+          </a:fillRef>
+          <a:effectRef idx="0">
+            <a:schemeClr val="accent1"/>
+          </a:effectRef>
+          <a:fontRef idx="minor">
+            <a:schemeClr val="lt1"/>
+          </a:fontRef>
+        </p:style>
+        <p:txBody>
+          <a:bodyPr rtlCol="0" anchor="ctr"/>
+          <a:lstStyle/>
+          <a:p>
+            <a:pPr algn="ctr"/>
+            <a:endParaRPr lang="en-US"/>
+          </a:p>
+        </p:txBody>
+      </p:sp>
+    </p:spTree>
+    <p:extLst>
+      <p:ext uri="{BB962C8B-B14F-4D97-AF65-F5344CB8AC3E}">
+        <p14:creationId xmlns:p14="http://schemas.microsoft.com/office/powerpoint/2010/main" val="1225526108"/>
+      </p:ext>
+    </p:extLst>
+  </p:cSld>
+  <p:clrMapOvr>
+    <a:masterClrMapping/>
+  </p:clrMapOvr>
+</p:sld>
+</file>
+
+<file path=ppt/slides/slide29.xml><?xml version="1.0" encoding="utf-8"?>
+<p:sld xmlns:a="http://schemas.openxmlformats.org/drawingml/2006/main" xmlns:r="http://schemas.openxmlformats.org/officeDocument/2006/relationships" xmlns:p="http://schemas.openxmlformats.org/presentationml/2006/main">
+  <p:cSld>
+    <p:spTree>
+      <p:nvGrpSpPr>
+        <p:cNvPr id="1" name=""/>
+        <p:cNvGrpSpPr/>
+        <p:nvPr/>
+      </p:nvGrpSpPr>
+      <p:grpSpPr>
+        <a:xfrm>
+          <a:off x="0" y="0"/>
+          <a:ext cx="0" cy="0"/>
+          <a:chOff x="0" y="0"/>
+          <a:chExt cx="0" cy="0"/>
+        </a:xfrm>
+      </p:grpSpPr>
+      <p:sp>
+        <p:nvSpPr>
+          <p:cNvPr id="2" name="Title 1"/>
+          <p:cNvSpPr>
+            <a:spLocks noGrp="1"/>
+          </p:cNvSpPr>
+          <p:nvPr>
+            <p:ph type="title"/>
+          </p:nvPr>
+        </p:nvSpPr>
+        <p:spPr/>
+        <p:txBody>
+          <a:bodyPr/>
+          <a:lstStyle/>
+          <a:p>
+            <a:r>
+              <a:rPr lang="en-US" dirty="0" smtClean="0"/>
+              <a:t>Regular expressions</a:t>
+            </a:r>
+            <a:endParaRPr lang="en-US" dirty="0"/>
+          </a:p>
+        </p:txBody>
+      </p:sp>
+      <p:sp>
+        <p:nvSpPr>
+          <p:cNvPr id="3" name="Content Placeholder 2"/>
+          <p:cNvSpPr>
+            <a:spLocks noGrp="1"/>
+          </p:cNvSpPr>
+          <p:nvPr>
+            <p:ph idx="1"/>
+          </p:nvPr>
+        </p:nvSpPr>
+        <p:spPr>
+          <a:xfrm>
+            <a:off x="457200" y="1752601"/>
+            <a:ext cx="7620000" cy="3005138"/>
+          </a:xfrm>
+        </p:spPr>
+        <p:txBody>
+          <a:bodyPr>
+            <a:normAutofit/>
+          </a:bodyPr>
+          <a:lstStyle/>
+          <a:p>
+            <a:r>
+              <a:rPr lang="en-US" dirty="0" smtClean="0">
+                <a:latin typeface="Monaco" charset="0"/>
+                <a:ea typeface="Monaco" charset="0"/>
+                <a:cs typeface="Monaco" charset="0"/>
+              </a:rPr>
+              <a:t>String</a:t>
+            </a:r>
+            <a:r>
+              <a:rPr lang="en-US" dirty="0" smtClean="0">
+                <a:latin typeface="Monaco" charset="0"/>
+                <a:ea typeface="Monaco" charset="0"/>
+                <a:cs typeface="Monaco" charset="0"/>
+              </a:rPr>
+              <a:t>: 85.34 cm</a:t>
+            </a:r>
+            <a:endParaRPr lang="en-US" dirty="0" smtClean="0">
+              <a:latin typeface="Monaco" charset="0"/>
+              <a:ea typeface="Monaco" charset="0"/>
+              <a:cs typeface="Monaco" charset="0"/>
+            </a:endParaRPr>
+          </a:p>
+          <a:p>
+            <a:endParaRPr lang="en-US" dirty="0">
+              <a:latin typeface="Monaco" charset="0"/>
+              <a:ea typeface="Monaco" charset="0"/>
+              <a:cs typeface="Monaco" charset="0"/>
+            </a:endParaRPr>
+          </a:p>
+          <a:p>
+            <a:r>
+              <a:rPr lang="en-US" dirty="0" smtClean="0">
+                <a:latin typeface="Monaco" charset="0"/>
+                <a:ea typeface="Monaco" charset="0"/>
+                <a:cs typeface="Monaco" charset="0"/>
+              </a:rPr>
+              <a:t>Regex:  </a:t>
+            </a:r>
+            <a:r>
+              <a:rPr lang="en-US" dirty="0" smtClean="0">
+                <a:solidFill>
+                  <a:srgbClr val="FF0000"/>
+                </a:solidFill>
+                <a:latin typeface="Monaco" charset="0"/>
+                <a:ea typeface="Monaco" charset="0"/>
+                <a:cs typeface="Monaco" charset="0"/>
+              </a:rPr>
+              <a:t>\d+\.\d+ \w+</a:t>
+            </a:r>
+            <a:endParaRPr lang="en-US" dirty="0">
+              <a:solidFill>
+                <a:srgbClr val="FF0000"/>
+              </a:solidFill>
+              <a:latin typeface="Monaco" charset="0"/>
+              <a:ea typeface="Monaco" charset="0"/>
+              <a:cs typeface="Monaco" charset="0"/>
+            </a:endParaRPr>
+          </a:p>
+          <a:p>
+            <a:endParaRPr lang="en-US" dirty="0">
+              <a:latin typeface="Monaco" charset="0"/>
+              <a:ea typeface="Monaco" charset="0"/>
+              <a:cs typeface="Monaco" charset="0"/>
+            </a:endParaRPr>
+          </a:p>
+          <a:p>
+            <a:r>
+              <a:rPr lang="en-US" dirty="0" smtClean="0">
+                <a:latin typeface="Monaco" charset="0"/>
+                <a:ea typeface="Monaco" charset="0"/>
+                <a:cs typeface="Monaco" charset="0"/>
+              </a:rPr>
+              <a:t>Match:  </a:t>
+            </a:r>
+            <a:r>
+              <a:rPr lang="en-US" dirty="0">
+                <a:latin typeface="Monaco" charset="0"/>
+                <a:ea typeface="Monaco" charset="0"/>
+                <a:cs typeface="Monaco" charset="0"/>
+              </a:rPr>
+              <a:t>85.34 </a:t>
+            </a:r>
+            <a:r>
+              <a:rPr lang="en-US" dirty="0" smtClean="0">
+                <a:latin typeface="Monaco" charset="0"/>
+                <a:ea typeface="Monaco" charset="0"/>
+                <a:cs typeface="Monaco" charset="0"/>
+              </a:rPr>
+              <a:t>cm</a:t>
+            </a:r>
+            <a:endParaRPr lang="en-US" dirty="0">
+              <a:latin typeface="Monaco" charset="0"/>
+              <a:ea typeface="Monaco" charset="0"/>
+              <a:cs typeface="Monaco" charset="0"/>
+            </a:endParaRPr>
+          </a:p>
+          <a:p>
+            <a:endParaRPr lang="en-US" dirty="0">
+              <a:latin typeface="Monaco" charset="0"/>
+              <a:ea typeface="Monaco" charset="0"/>
+              <a:cs typeface="Monaco" charset="0"/>
+            </a:endParaRPr>
+          </a:p>
+          <a:p>
+            <a:endParaRPr lang="en-US" dirty="0">
+              <a:latin typeface="Monaco" charset="0"/>
+              <a:ea typeface="Monaco" charset="0"/>
+              <a:cs typeface="Monaco" charset="0"/>
+            </a:endParaRPr>
+          </a:p>
+          <a:p>
+            <a:endParaRPr lang="en-US" dirty="0">
+              <a:latin typeface="Monaco" charset="0"/>
+              <a:ea typeface="Monaco" charset="0"/>
+              <a:cs typeface="Monaco" charset="0"/>
+            </a:endParaRPr>
+          </a:p>
+        </p:txBody>
+      </p:sp>
+      <p:sp>
+        <p:nvSpPr>
+          <p:cNvPr id="6" name="Rounded Rectangle 5"/>
+          <p:cNvSpPr/>
+          <p:nvPr/>
+        </p:nvSpPr>
+        <p:spPr>
+          <a:xfrm>
+            <a:off x="2194560" y="4108468"/>
+            <a:ext cx="1853980" cy="514348"/>
+          </a:xfrm>
+          <a:prstGeom prst="roundRect">
+            <a:avLst/>
+          </a:prstGeom>
+          <a:solidFill>
+            <a:srgbClr val="FFFF00">
+              <a:alpha val="50000"/>
+            </a:srgbClr>
+          </a:solidFill>
+          <a:ln>
+            <a:noFill/>
+          </a:ln>
+        </p:spPr>
+        <p:style>
+          <a:lnRef idx="2">
+            <a:schemeClr val="accent1">
+              <a:shade val="50000"/>
+            </a:schemeClr>
+          </a:lnRef>
+          <a:fillRef idx="1">
+            <a:schemeClr val="accent1"/>
+          </a:fillRef>
+          <a:effectRef idx="0">
+            <a:schemeClr val="accent1"/>
+          </a:effectRef>
+          <a:fontRef idx="minor">
+            <a:schemeClr val="lt1"/>
+          </a:fontRef>
+        </p:style>
+        <p:txBody>
+          <a:bodyPr rtlCol="0" anchor="ctr"/>
+          <a:lstStyle/>
+          <a:p>
+            <a:pPr algn="ctr"/>
+            <a:endParaRPr lang="en-US"/>
+          </a:p>
+        </p:txBody>
+      </p:sp>
+    </p:spTree>
+    <p:extLst>
+      <p:ext uri="{BB962C8B-B14F-4D97-AF65-F5344CB8AC3E}">
+        <p14:creationId xmlns:p14="http://schemas.microsoft.com/office/powerpoint/2010/main" val="1082246414"/>
+      </p:ext>
+    </p:extLst>
+  </p:cSld>
+  <p:clrMapOvr>
+    <a:masterClrMapping/>
+  </p:clrMapOvr>
+</p:sld>
+</file>
+
 <file path=ppt/slides/slide3.xml><?xml version="1.0" encoding="utf-8"?>
 <p:sld xmlns:a="http://schemas.openxmlformats.org/drawingml/2006/main" xmlns:r="http://schemas.openxmlformats.org/officeDocument/2006/relationships" xmlns:p="http://schemas.openxmlformats.org/presentationml/2006/main">
   <p:cSld>
@@ -6932,6 +11553,1870 @@
     <p:extLst>
       <p:ext uri="{BB962C8B-B14F-4D97-AF65-F5344CB8AC3E}">
         <p14:creationId xmlns:p14="http://schemas.microsoft.com/office/powerpoint/2010/main" val="2869913224"/>
+      </p:ext>
+    </p:extLst>
+  </p:cSld>
+  <p:clrMapOvr>
+    <a:masterClrMapping/>
+  </p:clrMapOvr>
+</p:sld>
+</file>
+
+<file path=ppt/slides/slide30.xml><?xml version="1.0" encoding="utf-8"?>
+<p:sld xmlns:a="http://schemas.openxmlformats.org/drawingml/2006/main" xmlns:r="http://schemas.openxmlformats.org/officeDocument/2006/relationships" xmlns:p="http://schemas.openxmlformats.org/presentationml/2006/main">
+  <p:cSld>
+    <p:spTree>
+      <p:nvGrpSpPr>
+        <p:cNvPr id="1" name=""/>
+        <p:cNvGrpSpPr/>
+        <p:nvPr/>
+      </p:nvGrpSpPr>
+      <p:grpSpPr>
+        <a:xfrm>
+          <a:off x="0" y="0"/>
+          <a:ext cx="0" cy="0"/>
+          <a:chOff x="0" y="0"/>
+          <a:chExt cx="0" cy="0"/>
+        </a:xfrm>
+      </p:grpSpPr>
+      <p:sp>
+        <p:nvSpPr>
+          <p:cNvPr id="2" name="Title 1"/>
+          <p:cNvSpPr>
+            <a:spLocks noGrp="1"/>
+          </p:cNvSpPr>
+          <p:nvPr>
+            <p:ph type="title"/>
+          </p:nvPr>
+        </p:nvSpPr>
+        <p:spPr/>
+        <p:txBody>
+          <a:bodyPr/>
+          <a:lstStyle/>
+          <a:p>
+            <a:r>
+              <a:rPr lang="en-US" dirty="0" smtClean="0"/>
+              <a:t>Regular expressions</a:t>
+            </a:r>
+            <a:endParaRPr lang="en-US" dirty="0"/>
+          </a:p>
+        </p:txBody>
+      </p:sp>
+      <p:sp>
+        <p:nvSpPr>
+          <p:cNvPr id="3" name="Content Placeholder 2"/>
+          <p:cNvSpPr>
+            <a:spLocks noGrp="1"/>
+          </p:cNvSpPr>
+          <p:nvPr>
+            <p:ph idx="1"/>
+          </p:nvPr>
+        </p:nvSpPr>
+        <p:spPr>
+          <a:xfrm>
+            <a:off x="457200" y="1752601"/>
+            <a:ext cx="7620000" cy="3005138"/>
+          </a:xfrm>
+        </p:spPr>
+        <p:txBody>
+          <a:bodyPr>
+            <a:normAutofit/>
+          </a:bodyPr>
+          <a:lstStyle/>
+          <a:p>
+            <a:r>
+              <a:rPr lang="en-US" dirty="0" smtClean="0">
+                <a:latin typeface="Monaco" charset="0"/>
+                <a:ea typeface="Monaco" charset="0"/>
+                <a:cs typeface="Monaco" charset="0"/>
+              </a:rPr>
+              <a:t>String</a:t>
+            </a:r>
+            <a:r>
+              <a:rPr lang="en-US" dirty="0" smtClean="0">
+                <a:latin typeface="Monaco" charset="0"/>
+                <a:ea typeface="Monaco" charset="0"/>
+                <a:cs typeface="Monaco" charset="0"/>
+              </a:rPr>
+              <a:t>: 85 cm</a:t>
+            </a:r>
+            <a:endParaRPr lang="en-US" dirty="0" smtClean="0">
+              <a:latin typeface="Monaco" charset="0"/>
+              <a:ea typeface="Monaco" charset="0"/>
+              <a:cs typeface="Monaco" charset="0"/>
+            </a:endParaRPr>
+          </a:p>
+          <a:p>
+            <a:endParaRPr lang="en-US" dirty="0">
+              <a:latin typeface="Monaco" charset="0"/>
+              <a:ea typeface="Monaco" charset="0"/>
+              <a:cs typeface="Monaco" charset="0"/>
+            </a:endParaRPr>
+          </a:p>
+          <a:p>
+            <a:r>
+              <a:rPr lang="en-US" dirty="0" smtClean="0">
+                <a:latin typeface="Monaco" charset="0"/>
+                <a:ea typeface="Monaco" charset="0"/>
+                <a:cs typeface="Monaco" charset="0"/>
+              </a:rPr>
+              <a:t>Regex:  </a:t>
+            </a:r>
+            <a:r>
+              <a:rPr lang="en-US" dirty="0" smtClean="0">
+                <a:solidFill>
+                  <a:srgbClr val="FF0000"/>
+                </a:solidFill>
+                <a:latin typeface="Monaco" charset="0"/>
+                <a:ea typeface="Monaco" charset="0"/>
+                <a:cs typeface="Monaco" charset="0"/>
+              </a:rPr>
+              <a:t>\d+\.\d+ \w+</a:t>
+            </a:r>
+            <a:endParaRPr lang="en-US" dirty="0">
+              <a:solidFill>
+                <a:srgbClr val="FF0000"/>
+              </a:solidFill>
+              <a:latin typeface="Monaco" charset="0"/>
+              <a:ea typeface="Monaco" charset="0"/>
+              <a:cs typeface="Monaco" charset="0"/>
+            </a:endParaRPr>
+          </a:p>
+          <a:p>
+            <a:endParaRPr lang="en-US" dirty="0">
+              <a:latin typeface="Monaco" charset="0"/>
+              <a:ea typeface="Monaco" charset="0"/>
+              <a:cs typeface="Monaco" charset="0"/>
+            </a:endParaRPr>
+          </a:p>
+          <a:p>
+            <a:r>
+              <a:rPr lang="en-US" dirty="0" smtClean="0">
+                <a:latin typeface="Monaco" charset="0"/>
+                <a:ea typeface="Monaco" charset="0"/>
+                <a:cs typeface="Monaco" charset="0"/>
+              </a:rPr>
+              <a:t>Match:  </a:t>
+            </a:r>
+            <a:r>
+              <a:rPr lang="en-US" dirty="0" smtClean="0">
+                <a:latin typeface="Monaco" charset="0"/>
+                <a:ea typeface="Monaco" charset="0"/>
+                <a:cs typeface="Monaco" charset="0"/>
+              </a:rPr>
+              <a:t>85 cm</a:t>
+            </a:r>
+            <a:endParaRPr lang="en-US" dirty="0">
+              <a:latin typeface="Monaco" charset="0"/>
+              <a:ea typeface="Monaco" charset="0"/>
+              <a:cs typeface="Monaco" charset="0"/>
+            </a:endParaRPr>
+          </a:p>
+          <a:p>
+            <a:endParaRPr lang="en-US" dirty="0">
+              <a:latin typeface="Monaco" charset="0"/>
+              <a:ea typeface="Monaco" charset="0"/>
+              <a:cs typeface="Monaco" charset="0"/>
+            </a:endParaRPr>
+          </a:p>
+          <a:p>
+            <a:endParaRPr lang="en-US" dirty="0">
+              <a:latin typeface="Monaco" charset="0"/>
+              <a:ea typeface="Monaco" charset="0"/>
+              <a:cs typeface="Monaco" charset="0"/>
+            </a:endParaRPr>
+          </a:p>
+          <a:p>
+            <a:endParaRPr lang="en-US" dirty="0">
+              <a:latin typeface="Monaco" charset="0"/>
+              <a:ea typeface="Monaco" charset="0"/>
+              <a:cs typeface="Monaco" charset="0"/>
+            </a:endParaRPr>
+          </a:p>
+        </p:txBody>
+      </p:sp>
+    </p:spTree>
+    <p:extLst>
+      <p:ext uri="{BB962C8B-B14F-4D97-AF65-F5344CB8AC3E}">
+        <p14:creationId xmlns:p14="http://schemas.microsoft.com/office/powerpoint/2010/main" val="1929371786"/>
+      </p:ext>
+    </p:extLst>
+  </p:cSld>
+  <p:clrMapOvr>
+    <a:masterClrMapping/>
+  </p:clrMapOvr>
+</p:sld>
+</file>
+
+<file path=ppt/slides/slide31.xml><?xml version="1.0" encoding="utf-8"?>
+<p:sld xmlns:a="http://schemas.openxmlformats.org/drawingml/2006/main" xmlns:r="http://schemas.openxmlformats.org/officeDocument/2006/relationships" xmlns:p="http://schemas.openxmlformats.org/presentationml/2006/main">
+  <p:cSld>
+    <p:spTree>
+      <p:nvGrpSpPr>
+        <p:cNvPr id="1" name=""/>
+        <p:cNvGrpSpPr/>
+        <p:nvPr/>
+      </p:nvGrpSpPr>
+      <p:grpSpPr>
+        <a:xfrm>
+          <a:off x="0" y="0"/>
+          <a:ext cx="0" cy="0"/>
+          <a:chOff x="0" y="0"/>
+          <a:chExt cx="0" cy="0"/>
+        </a:xfrm>
+      </p:grpSpPr>
+      <p:sp>
+        <p:nvSpPr>
+          <p:cNvPr id="2" name="Title 1"/>
+          <p:cNvSpPr>
+            <a:spLocks noGrp="1"/>
+          </p:cNvSpPr>
+          <p:nvPr>
+            <p:ph type="title"/>
+          </p:nvPr>
+        </p:nvSpPr>
+        <p:spPr/>
+        <p:txBody>
+          <a:bodyPr/>
+          <a:lstStyle/>
+          <a:p>
+            <a:r>
+              <a:rPr lang="en-US" dirty="0" smtClean="0"/>
+              <a:t>Regular expressions</a:t>
+            </a:r>
+            <a:endParaRPr lang="en-US" dirty="0"/>
+          </a:p>
+        </p:txBody>
+      </p:sp>
+      <p:sp>
+        <p:nvSpPr>
+          <p:cNvPr id="3" name="Content Placeholder 2"/>
+          <p:cNvSpPr>
+            <a:spLocks noGrp="1"/>
+          </p:cNvSpPr>
+          <p:nvPr>
+            <p:ph idx="1"/>
+          </p:nvPr>
+        </p:nvSpPr>
+        <p:spPr>
+          <a:xfrm>
+            <a:off x="457200" y="1752601"/>
+            <a:ext cx="7620000" cy="3005138"/>
+          </a:xfrm>
+        </p:spPr>
+        <p:txBody>
+          <a:bodyPr>
+            <a:normAutofit/>
+          </a:bodyPr>
+          <a:lstStyle/>
+          <a:p>
+            <a:r>
+              <a:rPr lang="en-US" dirty="0" smtClean="0">
+                <a:latin typeface="Monaco" charset="0"/>
+                <a:ea typeface="Monaco" charset="0"/>
+                <a:cs typeface="Monaco" charset="0"/>
+              </a:rPr>
+              <a:t>String</a:t>
+            </a:r>
+            <a:r>
+              <a:rPr lang="en-US" dirty="0" smtClean="0">
+                <a:latin typeface="Monaco" charset="0"/>
+                <a:ea typeface="Monaco" charset="0"/>
+                <a:cs typeface="Monaco" charset="0"/>
+              </a:rPr>
+              <a:t>: 85 cm</a:t>
+            </a:r>
+            <a:endParaRPr lang="en-US" dirty="0" smtClean="0">
+              <a:latin typeface="Monaco" charset="0"/>
+              <a:ea typeface="Monaco" charset="0"/>
+              <a:cs typeface="Monaco" charset="0"/>
+            </a:endParaRPr>
+          </a:p>
+          <a:p>
+            <a:endParaRPr lang="en-US" dirty="0">
+              <a:latin typeface="Monaco" charset="0"/>
+              <a:ea typeface="Monaco" charset="0"/>
+              <a:cs typeface="Monaco" charset="0"/>
+            </a:endParaRPr>
+          </a:p>
+          <a:p>
+            <a:r>
+              <a:rPr lang="en-US" dirty="0" smtClean="0">
+                <a:latin typeface="Monaco" charset="0"/>
+                <a:ea typeface="Monaco" charset="0"/>
+                <a:cs typeface="Monaco" charset="0"/>
+              </a:rPr>
+              <a:t>Regex:  </a:t>
+            </a:r>
+            <a:r>
+              <a:rPr lang="en-US" dirty="0" smtClean="0">
+                <a:solidFill>
+                  <a:srgbClr val="FF0000"/>
+                </a:solidFill>
+                <a:latin typeface="Monaco" charset="0"/>
+                <a:ea typeface="Monaco" charset="0"/>
+                <a:cs typeface="Monaco" charset="0"/>
+              </a:rPr>
+              <a:t>\d+\.*\d* \w+</a:t>
+            </a:r>
+            <a:endParaRPr lang="en-US" dirty="0">
+              <a:solidFill>
+                <a:srgbClr val="FF0000"/>
+              </a:solidFill>
+              <a:latin typeface="Monaco" charset="0"/>
+              <a:ea typeface="Monaco" charset="0"/>
+              <a:cs typeface="Monaco" charset="0"/>
+            </a:endParaRPr>
+          </a:p>
+          <a:p>
+            <a:endParaRPr lang="en-US" dirty="0">
+              <a:latin typeface="Monaco" charset="0"/>
+              <a:ea typeface="Monaco" charset="0"/>
+              <a:cs typeface="Monaco" charset="0"/>
+            </a:endParaRPr>
+          </a:p>
+          <a:p>
+            <a:r>
+              <a:rPr lang="en-US" dirty="0" smtClean="0">
+                <a:latin typeface="Monaco" charset="0"/>
+                <a:ea typeface="Monaco" charset="0"/>
+                <a:cs typeface="Monaco" charset="0"/>
+              </a:rPr>
+              <a:t>Match:  </a:t>
+            </a:r>
+            <a:r>
+              <a:rPr lang="en-US" dirty="0" smtClean="0">
+                <a:latin typeface="Monaco" charset="0"/>
+                <a:ea typeface="Monaco" charset="0"/>
+                <a:cs typeface="Monaco" charset="0"/>
+              </a:rPr>
+              <a:t>85 cm</a:t>
+            </a:r>
+            <a:endParaRPr lang="en-US" dirty="0">
+              <a:latin typeface="Monaco" charset="0"/>
+              <a:ea typeface="Monaco" charset="0"/>
+              <a:cs typeface="Monaco" charset="0"/>
+            </a:endParaRPr>
+          </a:p>
+          <a:p>
+            <a:endParaRPr lang="en-US" dirty="0">
+              <a:latin typeface="Monaco" charset="0"/>
+              <a:ea typeface="Monaco" charset="0"/>
+              <a:cs typeface="Monaco" charset="0"/>
+            </a:endParaRPr>
+          </a:p>
+          <a:p>
+            <a:endParaRPr lang="en-US" dirty="0">
+              <a:latin typeface="Monaco" charset="0"/>
+              <a:ea typeface="Monaco" charset="0"/>
+              <a:cs typeface="Monaco" charset="0"/>
+            </a:endParaRPr>
+          </a:p>
+          <a:p>
+            <a:endParaRPr lang="en-US" dirty="0">
+              <a:latin typeface="Monaco" charset="0"/>
+              <a:ea typeface="Monaco" charset="0"/>
+              <a:cs typeface="Monaco" charset="0"/>
+            </a:endParaRPr>
+          </a:p>
+        </p:txBody>
+      </p:sp>
+      <p:sp>
+        <p:nvSpPr>
+          <p:cNvPr id="4" name="Rounded Rectangle 3"/>
+          <p:cNvSpPr/>
+          <p:nvPr/>
+        </p:nvSpPr>
+        <p:spPr>
+          <a:xfrm>
+            <a:off x="2194560" y="4108468"/>
+            <a:ext cx="1248355" cy="514348"/>
+          </a:xfrm>
+          <a:prstGeom prst="roundRect">
+            <a:avLst/>
+          </a:prstGeom>
+          <a:solidFill>
+            <a:srgbClr val="FFFF00">
+              <a:alpha val="50000"/>
+            </a:srgbClr>
+          </a:solidFill>
+          <a:ln>
+            <a:noFill/>
+          </a:ln>
+        </p:spPr>
+        <p:style>
+          <a:lnRef idx="2">
+            <a:schemeClr val="accent1">
+              <a:shade val="50000"/>
+            </a:schemeClr>
+          </a:lnRef>
+          <a:fillRef idx="1">
+            <a:schemeClr val="accent1"/>
+          </a:fillRef>
+          <a:effectRef idx="0">
+            <a:schemeClr val="accent1"/>
+          </a:effectRef>
+          <a:fontRef idx="minor">
+            <a:schemeClr val="lt1"/>
+          </a:fontRef>
+        </p:style>
+        <p:txBody>
+          <a:bodyPr rtlCol="0" anchor="ctr"/>
+          <a:lstStyle/>
+          <a:p>
+            <a:pPr algn="ctr"/>
+            <a:endParaRPr lang="en-US"/>
+          </a:p>
+        </p:txBody>
+      </p:sp>
+    </p:spTree>
+    <p:extLst>
+      <p:ext uri="{BB962C8B-B14F-4D97-AF65-F5344CB8AC3E}">
+        <p14:creationId xmlns:p14="http://schemas.microsoft.com/office/powerpoint/2010/main" val="326019711"/>
+      </p:ext>
+    </p:extLst>
+  </p:cSld>
+  <p:clrMapOvr>
+    <a:masterClrMapping/>
+  </p:clrMapOvr>
+</p:sld>
+</file>
+
+<file path=ppt/slides/slide32.xml><?xml version="1.0" encoding="utf-8"?>
+<p:sld xmlns:a="http://schemas.openxmlformats.org/drawingml/2006/main" xmlns:r="http://schemas.openxmlformats.org/officeDocument/2006/relationships" xmlns:p="http://schemas.openxmlformats.org/presentationml/2006/main">
+  <p:cSld>
+    <p:spTree>
+      <p:nvGrpSpPr>
+        <p:cNvPr id="1" name=""/>
+        <p:cNvGrpSpPr/>
+        <p:nvPr/>
+      </p:nvGrpSpPr>
+      <p:grpSpPr>
+        <a:xfrm>
+          <a:off x="0" y="0"/>
+          <a:ext cx="0" cy="0"/>
+          <a:chOff x="0" y="0"/>
+          <a:chExt cx="0" cy="0"/>
+        </a:xfrm>
+      </p:grpSpPr>
+      <p:sp>
+        <p:nvSpPr>
+          <p:cNvPr id="2" name="Title 1"/>
+          <p:cNvSpPr>
+            <a:spLocks noGrp="1"/>
+          </p:cNvSpPr>
+          <p:nvPr>
+            <p:ph type="title"/>
+          </p:nvPr>
+        </p:nvSpPr>
+        <p:spPr/>
+        <p:txBody>
+          <a:bodyPr/>
+          <a:lstStyle/>
+          <a:p>
+            <a:r>
+              <a:rPr lang="en-US" dirty="0" smtClean="0"/>
+              <a:t>Regular expressions</a:t>
+            </a:r>
+            <a:endParaRPr lang="en-US" dirty="0"/>
+          </a:p>
+        </p:txBody>
+      </p:sp>
+      <p:sp>
+        <p:nvSpPr>
+          <p:cNvPr id="3" name="Content Placeholder 2"/>
+          <p:cNvSpPr>
+            <a:spLocks noGrp="1"/>
+          </p:cNvSpPr>
+          <p:nvPr>
+            <p:ph idx="1"/>
+          </p:nvPr>
+        </p:nvSpPr>
+        <p:spPr>
+          <a:xfrm>
+            <a:off x="457200" y="1752601"/>
+            <a:ext cx="7620000" cy="3005138"/>
+          </a:xfrm>
+        </p:spPr>
+        <p:txBody>
+          <a:bodyPr>
+            <a:normAutofit/>
+          </a:bodyPr>
+          <a:lstStyle/>
+          <a:p>
+            <a:r>
+              <a:rPr lang="en-US" dirty="0" smtClean="0">
+                <a:latin typeface="Monaco" charset="0"/>
+                <a:ea typeface="Monaco" charset="0"/>
+                <a:cs typeface="Monaco" charset="0"/>
+              </a:rPr>
+              <a:t>String</a:t>
+            </a:r>
+            <a:r>
+              <a:rPr lang="en-US" dirty="0" smtClean="0">
+                <a:latin typeface="Monaco" charset="0"/>
+                <a:ea typeface="Monaco" charset="0"/>
+                <a:cs typeface="Monaco" charset="0"/>
+              </a:rPr>
+              <a:t>: 85 cm</a:t>
+            </a:r>
+            <a:endParaRPr lang="en-US" dirty="0" smtClean="0">
+              <a:latin typeface="Monaco" charset="0"/>
+              <a:ea typeface="Monaco" charset="0"/>
+              <a:cs typeface="Monaco" charset="0"/>
+            </a:endParaRPr>
+          </a:p>
+          <a:p>
+            <a:endParaRPr lang="en-US" dirty="0">
+              <a:latin typeface="Monaco" charset="0"/>
+              <a:ea typeface="Monaco" charset="0"/>
+              <a:cs typeface="Monaco" charset="0"/>
+            </a:endParaRPr>
+          </a:p>
+          <a:p>
+            <a:r>
+              <a:rPr lang="en-US" dirty="0" smtClean="0">
+                <a:latin typeface="Monaco" charset="0"/>
+                <a:ea typeface="Monaco" charset="0"/>
+                <a:cs typeface="Monaco" charset="0"/>
+              </a:rPr>
+              <a:t>Regex:  </a:t>
+            </a:r>
+            <a:r>
+              <a:rPr lang="en-US" dirty="0" smtClean="0">
+                <a:solidFill>
+                  <a:srgbClr val="FF0000"/>
+                </a:solidFill>
+                <a:latin typeface="Monaco" charset="0"/>
+                <a:ea typeface="Monaco" charset="0"/>
+                <a:cs typeface="Monaco" charset="0"/>
+              </a:rPr>
+              <a:t>^\d</a:t>
+            </a:r>
+            <a:endParaRPr lang="en-US" dirty="0">
+              <a:solidFill>
+                <a:srgbClr val="FF0000"/>
+              </a:solidFill>
+              <a:latin typeface="Monaco" charset="0"/>
+              <a:ea typeface="Monaco" charset="0"/>
+              <a:cs typeface="Monaco" charset="0"/>
+            </a:endParaRPr>
+          </a:p>
+          <a:p>
+            <a:endParaRPr lang="en-US" dirty="0">
+              <a:latin typeface="Monaco" charset="0"/>
+              <a:ea typeface="Monaco" charset="0"/>
+              <a:cs typeface="Monaco" charset="0"/>
+            </a:endParaRPr>
+          </a:p>
+          <a:p>
+            <a:r>
+              <a:rPr lang="en-US" dirty="0" smtClean="0">
+                <a:latin typeface="Monaco" charset="0"/>
+                <a:ea typeface="Monaco" charset="0"/>
+                <a:cs typeface="Monaco" charset="0"/>
+              </a:rPr>
+              <a:t>Match:  </a:t>
+            </a:r>
+            <a:r>
+              <a:rPr lang="en-US" dirty="0" smtClean="0">
+                <a:latin typeface="Monaco" charset="0"/>
+                <a:ea typeface="Monaco" charset="0"/>
+                <a:cs typeface="Monaco" charset="0"/>
+              </a:rPr>
+              <a:t>85 cm</a:t>
+            </a:r>
+            <a:endParaRPr lang="en-US" dirty="0">
+              <a:latin typeface="Monaco" charset="0"/>
+              <a:ea typeface="Monaco" charset="0"/>
+              <a:cs typeface="Monaco" charset="0"/>
+            </a:endParaRPr>
+          </a:p>
+          <a:p>
+            <a:endParaRPr lang="en-US" dirty="0">
+              <a:latin typeface="Monaco" charset="0"/>
+              <a:ea typeface="Monaco" charset="0"/>
+              <a:cs typeface="Monaco" charset="0"/>
+            </a:endParaRPr>
+          </a:p>
+          <a:p>
+            <a:endParaRPr lang="en-US" dirty="0">
+              <a:latin typeface="Monaco" charset="0"/>
+              <a:ea typeface="Monaco" charset="0"/>
+              <a:cs typeface="Monaco" charset="0"/>
+            </a:endParaRPr>
+          </a:p>
+          <a:p>
+            <a:endParaRPr lang="en-US" dirty="0">
+              <a:latin typeface="Monaco" charset="0"/>
+              <a:ea typeface="Monaco" charset="0"/>
+              <a:cs typeface="Monaco" charset="0"/>
+            </a:endParaRPr>
+          </a:p>
+        </p:txBody>
+      </p:sp>
+      <p:sp>
+        <p:nvSpPr>
+          <p:cNvPr id="4" name="Rounded Rectangle 3"/>
+          <p:cNvSpPr/>
+          <p:nvPr/>
+        </p:nvSpPr>
+        <p:spPr>
+          <a:xfrm>
+            <a:off x="2194560" y="4108468"/>
+            <a:ext cx="286247" cy="514348"/>
+          </a:xfrm>
+          <a:prstGeom prst="roundRect">
+            <a:avLst/>
+          </a:prstGeom>
+          <a:solidFill>
+            <a:srgbClr val="FFFF00">
+              <a:alpha val="50000"/>
+            </a:srgbClr>
+          </a:solidFill>
+          <a:ln>
+            <a:noFill/>
+          </a:ln>
+        </p:spPr>
+        <p:style>
+          <a:lnRef idx="2">
+            <a:schemeClr val="accent1">
+              <a:shade val="50000"/>
+            </a:schemeClr>
+          </a:lnRef>
+          <a:fillRef idx="1">
+            <a:schemeClr val="accent1"/>
+          </a:fillRef>
+          <a:effectRef idx="0">
+            <a:schemeClr val="accent1"/>
+          </a:effectRef>
+          <a:fontRef idx="minor">
+            <a:schemeClr val="lt1"/>
+          </a:fontRef>
+        </p:style>
+        <p:txBody>
+          <a:bodyPr rtlCol="0" anchor="ctr"/>
+          <a:lstStyle/>
+          <a:p>
+            <a:pPr algn="ctr"/>
+            <a:endParaRPr lang="en-US"/>
+          </a:p>
+        </p:txBody>
+      </p:sp>
+    </p:spTree>
+    <p:extLst>
+      <p:ext uri="{BB962C8B-B14F-4D97-AF65-F5344CB8AC3E}">
+        <p14:creationId xmlns:p14="http://schemas.microsoft.com/office/powerpoint/2010/main" val="503994081"/>
+      </p:ext>
+    </p:extLst>
+  </p:cSld>
+  <p:clrMapOvr>
+    <a:masterClrMapping/>
+  </p:clrMapOvr>
+</p:sld>
+</file>
+
+<file path=ppt/slides/slide33.xml><?xml version="1.0" encoding="utf-8"?>
+<p:sld xmlns:a="http://schemas.openxmlformats.org/drawingml/2006/main" xmlns:r="http://schemas.openxmlformats.org/officeDocument/2006/relationships" xmlns:p="http://schemas.openxmlformats.org/presentationml/2006/main">
+  <p:cSld>
+    <p:spTree>
+      <p:nvGrpSpPr>
+        <p:cNvPr id="1" name=""/>
+        <p:cNvGrpSpPr/>
+        <p:nvPr/>
+      </p:nvGrpSpPr>
+      <p:grpSpPr>
+        <a:xfrm>
+          <a:off x="0" y="0"/>
+          <a:ext cx="0" cy="0"/>
+          <a:chOff x="0" y="0"/>
+          <a:chExt cx="0" cy="0"/>
+        </a:xfrm>
+      </p:grpSpPr>
+      <p:sp>
+        <p:nvSpPr>
+          <p:cNvPr id="2" name="Title 1"/>
+          <p:cNvSpPr>
+            <a:spLocks noGrp="1"/>
+          </p:cNvSpPr>
+          <p:nvPr>
+            <p:ph type="title"/>
+          </p:nvPr>
+        </p:nvSpPr>
+        <p:spPr/>
+        <p:txBody>
+          <a:bodyPr/>
+          <a:lstStyle/>
+          <a:p>
+            <a:r>
+              <a:rPr lang="en-US" dirty="0" smtClean="0"/>
+              <a:t>Regular expressions</a:t>
+            </a:r>
+            <a:endParaRPr lang="en-US" dirty="0"/>
+          </a:p>
+        </p:txBody>
+      </p:sp>
+      <p:sp>
+        <p:nvSpPr>
+          <p:cNvPr id="3" name="Content Placeholder 2"/>
+          <p:cNvSpPr>
+            <a:spLocks noGrp="1"/>
+          </p:cNvSpPr>
+          <p:nvPr>
+            <p:ph idx="1"/>
+          </p:nvPr>
+        </p:nvSpPr>
+        <p:spPr>
+          <a:xfrm>
+            <a:off x="457200" y="1752601"/>
+            <a:ext cx="7620000" cy="3005138"/>
+          </a:xfrm>
+        </p:spPr>
+        <p:txBody>
+          <a:bodyPr>
+            <a:normAutofit/>
+          </a:bodyPr>
+          <a:lstStyle/>
+          <a:p>
+            <a:r>
+              <a:rPr lang="en-US" dirty="0" smtClean="0">
+                <a:latin typeface="Monaco" charset="0"/>
+                <a:ea typeface="Monaco" charset="0"/>
+                <a:cs typeface="Monaco" charset="0"/>
+              </a:rPr>
+              <a:t>String</a:t>
+            </a:r>
+            <a:r>
+              <a:rPr lang="en-US" dirty="0" smtClean="0">
+                <a:latin typeface="Monaco" charset="0"/>
+                <a:ea typeface="Monaco" charset="0"/>
+                <a:cs typeface="Monaco" charset="0"/>
+              </a:rPr>
+              <a:t>: 85 cm</a:t>
+            </a:r>
+            <a:endParaRPr lang="en-US" dirty="0" smtClean="0">
+              <a:latin typeface="Monaco" charset="0"/>
+              <a:ea typeface="Monaco" charset="0"/>
+              <a:cs typeface="Monaco" charset="0"/>
+            </a:endParaRPr>
+          </a:p>
+          <a:p>
+            <a:endParaRPr lang="en-US" dirty="0">
+              <a:latin typeface="Monaco" charset="0"/>
+              <a:ea typeface="Monaco" charset="0"/>
+              <a:cs typeface="Monaco" charset="0"/>
+            </a:endParaRPr>
+          </a:p>
+          <a:p>
+            <a:r>
+              <a:rPr lang="en-US" dirty="0" smtClean="0">
+                <a:latin typeface="Monaco" charset="0"/>
+                <a:ea typeface="Monaco" charset="0"/>
+                <a:cs typeface="Monaco" charset="0"/>
+              </a:rPr>
+              <a:t>Regex:  </a:t>
+            </a:r>
+            <a:r>
+              <a:rPr lang="en-US" dirty="0" smtClean="0">
+                <a:solidFill>
+                  <a:srgbClr val="FF0000"/>
+                </a:solidFill>
+                <a:latin typeface="Monaco" charset="0"/>
+                <a:ea typeface="Monaco" charset="0"/>
+                <a:cs typeface="Monaco" charset="0"/>
+              </a:rPr>
+              <a:t>\</a:t>
+            </a:r>
+            <a:r>
+              <a:rPr lang="en-US" dirty="0" smtClean="0">
+                <a:solidFill>
+                  <a:srgbClr val="FF0000"/>
+                </a:solidFill>
+                <a:latin typeface="Monaco" charset="0"/>
+                <a:ea typeface="Monaco" charset="0"/>
+                <a:cs typeface="Monaco" charset="0"/>
+              </a:rPr>
+              <a:t>w$</a:t>
+            </a:r>
+            <a:endParaRPr lang="en-US" dirty="0">
+              <a:solidFill>
+                <a:srgbClr val="FF0000"/>
+              </a:solidFill>
+              <a:latin typeface="Monaco" charset="0"/>
+              <a:ea typeface="Monaco" charset="0"/>
+              <a:cs typeface="Monaco" charset="0"/>
+            </a:endParaRPr>
+          </a:p>
+          <a:p>
+            <a:endParaRPr lang="en-US" dirty="0">
+              <a:latin typeface="Monaco" charset="0"/>
+              <a:ea typeface="Monaco" charset="0"/>
+              <a:cs typeface="Monaco" charset="0"/>
+            </a:endParaRPr>
+          </a:p>
+          <a:p>
+            <a:r>
+              <a:rPr lang="en-US" dirty="0" smtClean="0">
+                <a:latin typeface="Monaco" charset="0"/>
+                <a:ea typeface="Monaco" charset="0"/>
+                <a:cs typeface="Monaco" charset="0"/>
+              </a:rPr>
+              <a:t>Match:  </a:t>
+            </a:r>
+            <a:r>
+              <a:rPr lang="en-US" dirty="0" smtClean="0">
+                <a:latin typeface="Monaco" charset="0"/>
+                <a:ea typeface="Monaco" charset="0"/>
+                <a:cs typeface="Monaco" charset="0"/>
+              </a:rPr>
+              <a:t>85 cm</a:t>
+            </a:r>
+            <a:endParaRPr lang="en-US" dirty="0">
+              <a:latin typeface="Monaco" charset="0"/>
+              <a:ea typeface="Monaco" charset="0"/>
+              <a:cs typeface="Monaco" charset="0"/>
+            </a:endParaRPr>
+          </a:p>
+          <a:p>
+            <a:endParaRPr lang="en-US" dirty="0">
+              <a:latin typeface="Monaco" charset="0"/>
+              <a:ea typeface="Monaco" charset="0"/>
+              <a:cs typeface="Monaco" charset="0"/>
+            </a:endParaRPr>
+          </a:p>
+          <a:p>
+            <a:endParaRPr lang="en-US" dirty="0">
+              <a:latin typeface="Monaco" charset="0"/>
+              <a:ea typeface="Monaco" charset="0"/>
+              <a:cs typeface="Monaco" charset="0"/>
+            </a:endParaRPr>
+          </a:p>
+          <a:p>
+            <a:endParaRPr lang="en-US" dirty="0">
+              <a:latin typeface="Monaco" charset="0"/>
+              <a:ea typeface="Monaco" charset="0"/>
+              <a:cs typeface="Monaco" charset="0"/>
+            </a:endParaRPr>
+          </a:p>
+        </p:txBody>
+      </p:sp>
+      <p:sp>
+        <p:nvSpPr>
+          <p:cNvPr id="4" name="Rounded Rectangle 3"/>
+          <p:cNvSpPr/>
+          <p:nvPr/>
+        </p:nvSpPr>
+        <p:spPr>
+          <a:xfrm>
+            <a:off x="3093057" y="4116419"/>
+            <a:ext cx="286247" cy="514348"/>
+          </a:xfrm>
+          <a:prstGeom prst="roundRect">
+            <a:avLst/>
+          </a:prstGeom>
+          <a:solidFill>
+            <a:srgbClr val="FFFF00">
+              <a:alpha val="50000"/>
+            </a:srgbClr>
+          </a:solidFill>
+          <a:ln>
+            <a:noFill/>
+          </a:ln>
+        </p:spPr>
+        <p:style>
+          <a:lnRef idx="2">
+            <a:schemeClr val="accent1">
+              <a:shade val="50000"/>
+            </a:schemeClr>
+          </a:lnRef>
+          <a:fillRef idx="1">
+            <a:schemeClr val="accent1"/>
+          </a:fillRef>
+          <a:effectRef idx="0">
+            <a:schemeClr val="accent1"/>
+          </a:effectRef>
+          <a:fontRef idx="minor">
+            <a:schemeClr val="lt1"/>
+          </a:fontRef>
+        </p:style>
+        <p:txBody>
+          <a:bodyPr rtlCol="0" anchor="ctr"/>
+          <a:lstStyle/>
+          <a:p>
+            <a:pPr algn="ctr"/>
+            <a:endParaRPr lang="en-US"/>
+          </a:p>
+        </p:txBody>
+      </p:sp>
+    </p:spTree>
+    <p:extLst>
+      <p:ext uri="{BB962C8B-B14F-4D97-AF65-F5344CB8AC3E}">
+        <p14:creationId xmlns:p14="http://schemas.microsoft.com/office/powerpoint/2010/main" val="1597163298"/>
+      </p:ext>
+    </p:extLst>
+  </p:cSld>
+  <p:clrMapOvr>
+    <a:masterClrMapping/>
+  </p:clrMapOvr>
+</p:sld>
+</file>
+
+<file path=ppt/slides/slide34.xml><?xml version="1.0" encoding="utf-8"?>
+<p:sld xmlns:a="http://schemas.openxmlformats.org/drawingml/2006/main" xmlns:r="http://schemas.openxmlformats.org/officeDocument/2006/relationships" xmlns:p="http://schemas.openxmlformats.org/presentationml/2006/main">
+  <p:cSld>
+    <p:spTree>
+      <p:nvGrpSpPr>
+        <p:cNvPr id="1" name=""/>
+        <p:cNvGrpSpPr/>
+        <p:nvPr/>
+      </p:nvGrpSpPr>
+      <p:grpSpPr>
+        <a:xfrm>
+          <a:off x="0" y="0"/>
+          <a:ext cx="0" cy="0"/>
+          <a:chOff x="0" y="0"/>
+          <a:chExt cx="0" cy="0"/>
+        </a:xfrm>
+      </p:grpSpPr>
+      <p:sp>
+        <p:nvSpPr>
+          <p:cNvPr id="2" name="Title 1"/>
+          <p:cNvSpPr>
+            <a:spLocks noGrp="1"/>
+          </p:cNvSpPr>
+          <p:nvPr>
+            <p:ph type="title"/>
+          </p:nvPr>
+        </p:nvSpPr>
+        <p:spPr/>
+        <p:txBody>
+          <a:bodyPr/>
+          <a:lstStyle/>
+          <a:p>
+            <a:r>
+              <a:rPr lang="en-US" dirty="0" smtClean="0"/>
+              <a:t>Regular expressions</a:t>
+            </a:r>
+            <a:endParaRPr lang="en-US" dirty="0"/>
+          </a:p>
+        </p:txBody>
+      </p:sp>
+      <p:sp>
+        <p:nvSpPr>
+          <p:cNvPr id="3" name="Content Placeholder 2"/>
+          <p:cNvSpPr>
+            <a:spLocks noGrp="1"/>
+          </p:cNvSpPr>
+          <p:nvPr>
+            <p:ph idx="1"/>
+          </p:nvPr>
+        </p:nvSpPr>
+        <p:spPr>
+          <a:xfrm>
+            <a:off x="457200" y="1752601"/>
+            <a:ext cx="7620000" cy="3005138"/>
+          </a:xfrm>
+        </p:spPr>
+        <p:txBody>
+          <a:bodyPr>
+            <a:normAutofit fontScale="77500" lnSpcReduction="20000"/>
+          </a:bodyPr>
+          <a:lstStyle/>
+          <a:p>
+            <a:r>
+              <a:rPr lang="en-US" dirty="0" smtClean="0">
+                <a:latin typeface="Monaco" charset="0"/>
+                <a:ea typeface="Monaco" charset="0"/>
+                <a:cs typeface="Monaco" charset="0"/>
+              </a:rPr>
+              <a:t>String</a:t>
+            </a:r>
+            <a:r>
+              <a:rPr lang="en-US" dirty="0" smtClean="0">
+                <a:latin typeface="Monaco" charset="0"/>
+                <a:ea typeface="Monaco" charset="0"/>
+                <a:cs typeface="Monaco" charset="0"/>
+              </a:rPr>
+              <a:t>: 85.341234 cm</a:t>
+            </a:r>
+            <a:endParaRPr lang="en-US" dirty="0" smtClean="0">
+              <a:latin typeface="Monaco" charset="0"/>
+              <a:ea typeface="Monaco" charset="0"/>
+              <a:cs typeface="Monaco" charset="0"/>
+            </a:endParaRPr>
+          </a:p>
+          <a:p>
+            <a:endParaRPr lang="en-US" dirty="0">
+              <a:latin typeface="Monaco" charset="0"/>
+              <a:ea typeface="Monaco" charset="0"/>
+              <a:cs typeface="Monaco" charset="0"/>
+            </a:endParaRPr>
+          </a:p>
+          <a:p>
+            <a:r>
+              <a:rPr lang="en-US" dirty="0" smtClean="0">
+                <a:latin typeface="Monaco" charset="0"/>
+                <a:ea typeface="Monaco" charset="0"/>
+                <a:cs typeface="Monaco" charset="0"/>
+              </a:rPr>
+              <a:t>Regex:  </a:t>
+            </a:r>
+            <a:r>
+              <a:rPr lang="en-US" dirty="0" smtClean="0">
+                <a:solidFill>
+                  <a:srgbClr val="FFC000"/>
+                </a:solidFill>
+                <a:latin typeface="Monaco" charset="0"/>
+                <a:ea typeface="Monaco" charset="0"/>
+                <a:cs typeface="Monaco" charset="0"/>
+              </a:rPr>
+              <a:t>(</a:t>
+            </a:r>
+            <a:r>
+              <a:rPr lang="en-US" dirty="0" smtClean="0">
+                <a:solidFill>
+                  <a:srgbClr val="FF0000"/>
+                </a:solidFill>
+                <a:latin typeface="Monaco" charset="0"/>
+                <a:ea typeface="Monaco" charset="0"/>
+                <a:cs typeface="Monaco" charset="0"/>
+              </a:rPr>
+              <a:t>\d+\.\d{3}</a:t>
+            </a:r>
+            <a:r>
+              <a:rPr lang="en-US" dirty="0" smtClean="0">
+                <a:solidFill>
+                  <a:srgbClr val="FFC000"/>
+                </a:solidFill>
+                <a:latin typeface="Monaco" charset="0"/>
+                <a:ea typeface="Monaco" charset="0"/>
+                <a:cs typeface="Monaco" charset="0"/>
+              </a:rPr>
+              <a:t>)</a:t>
+            </a:r>
+            <a:r>
+              <a:rPr lang="en-US" dirty="0" smtClean="0">
+                <a:solidFill>
+                  <a:srgbClr val="FF0000"/>
+                </a:solidFill>
+                <a:latin typeface="Monaco" charset="0"/>
+                <a:ea typeface="Monaco" charset="0"/>
+                <a:cs typeface="Monaco" charset="0"/>
+              </a:rPr>
+              <a:t>\d+ cm</a:t>
+            </a:r>
+            <a:endParaRPr lang="en-US" dirty="0">
+              <a:solidFill>
+                <a:srgbClr val="FF0000"/>
+              </a:solidFill>
+              <a:latin typeface="Monaco" charset="0"/>
+              <a:ea typeface="Monaco" charset="0"/>
+              <a:cs typeface="Monaco" charset="0"/>
+            </a:endParaRPr>
+          </a:p>
+          <a:p>
+            <a:endParaRPr lang="en-US" dirty="0">
+              <a:latin typeface="Monaco" charset="0"/>
+              <a:ea typeface="Monaco" charset="0"/>
+              <a:cs typeface="Monaco" charset="0"/>
+            </a:endParaRPr>
+          </a:p>
+          <a:p>
+            <a:r>
+              <a:rPr lang="en-US" dirty="0" smtClean="0">
+                <a:latin typeface="Monaco" charset="0"/>
+                <a:ea typeface="Monaco" charset="0"/>
+                <a:cs typeface="Monaco" charset="0"/>
+              </a:rPr>
+              <a:t>Replace: \1</a:t>
+            </a:r>
+          </a:p>
+          <a:p>
+            <a:endParaRPr lang="en-US" dirty="0" smtClean="0">
+              <a:latin typeface="Monaco" charset="0"/>
+              <a:ea typeface="Monaco" charset="0"/>
+              <a:cs typeface="Monaco" charset="0"/>
+            </a:endParaRPr>
+          </a:p>
+          <a:p>
+            <a:r>
+              <a:rPr lang="en-US" dirty="0" smtClean="0">
+                <a:latin typeface="Monaco" charset="0"/>
+                <a:ea typeface="Monaco" charset="0"/>
+                <a:cs typeface="Monaco" charset="0"/>
+              </a:rPr>
+              <a:t>New string: 85.341</a:t>
+            </a:r>
+            <a:endParaRPr lang="en-US" dirty="0">
+              <a:latin typeface="Monaco" charset="0"/>
+              <a:ea typeface="Monaco" charset="0"/>
+              <a:cs typeface="Monaco" charset="0"/>
+            </a:endParaRPr>
+          </a:p>
+          <a:p>
+            <a:endParaRPr lang="en-US" dirty="0">
+              <a:latin typeface="Monaco" charset="0"/>
+              <a:ea typeface="Monaco" charset="0"/>
+              <a:cs typeface="Monaco" charset="0"/>
+            </a:endParaRPr>
+          </a:p>
+          <a:p>
+            <a:endParaRPr lang="en-US" dirty="0">
+              <a:latin typeface="Monaco" charset="0"/>
+              <a:ea typeface="Monaco" charset="0"/>
+              <a:cs typeface="Monaco" charset="0"/>
+            </a:endParaRPr>
+          </a:p>
+        </p:txBody>
+      </p:sp>
+    </p:spTree>
+    <p:extLst>
+      <p:ext uri="{BB962C8B-B14F-4D97-AF65-F5344CB8AC3E}">
+        <p14:creationId xmlns:p14="http://schemas.microsoft.com/office/powerpoint/2010/main" val="1547341872"/>
+      </p:ext>
+    </p:extLst>
+  </p:cSld>
+  <p:clrMapOvr>
+    <a:masterClrMapping/>
+  </p:clrMapOvr>
+</p:sld>
+</file>
+
+<file path=ppt/slides/slide35.xml><?xml version="1.0" encoding="utf-8"?>
+<p:sld xmlns:a="http://schemas.openxmlformats.org/drawingml/2006/main" xmlns:r="http://schemas.openxmlformats.org/officeDocument/2006/relationships" xmlns:p="http://schemas.openxmlformats.org/presentationml/2006/main">
+  <p:cSld>
+    <p:spTree>
+      <p:nvGrpSpPr>
+        <p:cNvPr id="1" name=""/>
+        <p:cNvGrpSpPr/>
+        <p:nvPr/>
+      </p:nvGrpSpPr>
+      <p:grpSpPr>
+        <a:xfrm>
+          <a:off x="0" y="0"/>
+          <a:ext cx="0" cy="0"/>
+          <a:chOff x="0" y="0"/>
+          <a:chExt cx="0" cy="0"/>
+        </a:xfrm>
+      </p:grpSpPr>
+      <p:sp>
+        <p:nvSpPr>
+          <p:cNvPr id="2" name="Title 1"/>
+          <p:cNvSpPr>
+            <a:spLocks noGrp="1"/>
+          </p:cNvSpPr>
+          <p:nvPr>
+            <p:ph type="title"/>
+          </p:nvPr>
+        </p:nvSpPr>
+        <p:spPr/>
+        <p:txBody>
+          <a:bodyPr/>
+          <a:lstStyle/>
+          <a:p>
+            <a:r>
+              <a:rPr lang="en-US" dirty="0" smtClean="0"/>
+              <a:t>Regular expressions</a:t>
+            </a:r>
+            <a:endParaRPr lang="en-US" dirty="0"/>
+          </a:p>
+        </p:txBody>
+      </p:sp>
+      <p:sp>
+        <p:nvSpPr>
+          <p:cNvPr id="3" name="Content Placeholder 2"/>
+          <p:cNvSpPr>
+            <a:spLocks noGrp="1"/>
+          </p:cNvSpPr>
+          <p:nvPr>
+            <p:ph idx="1"/>
+          </p:nvPr>
+        </p:nvSpPr>
+        <p:spPr>
+          <a:xfrm>
+            <a:off x="457200" y="1752601"/>
+            <a:ext cx="7620000" cy="3005138"/>
+          </a:xfrm>
+        </p:spPr>
+        <p:txBody>
+          <a:bodyPr>
+            <a:normAutofit fontScale="77500" lnSpcReduction="20000"/>
+          </a:bodyPr>
+          <a:lstStyle/>
+          <a:p>
+            <a:r>
+              <a:rPr lang="en-US" dirty="0" smtClean="0">
+                <a:latin typeface="Monaco" charset="0"/>
+                <a:ea typeface="Monaco" charset="0"/>
+                <a:cs typeface="Monaco" charset="0"/>
+              </a:rPr>
+              <a:t>String</a:t>
+            </a:r>
+            <a:r>
+              <a:rPr lang="en-US" dirty="0" smtClean="0">
+                <a:latin typeface="Monaco" charset="0"/>
+                <a:ea typeface="Monaco" charset="0"/>
+                <a:cs typeface="Monaco" charset="0"/>
+              </a:rPr>
+              <a:t>: 85.34 cm</a:t>
+            </a:r>
+            <a:endParaRPr lang="en-US" dirty="0" smtClean="0">
+              <a:latin typeface="Monaco" charset="0"/>
+              <a:ea typeface="Monaco" charset="0"/>
+              <a:cs typeface="Monaco" charset="0"/>
+            </a:endParaRPr>
+          </a:p>
+          <a:p>
+            <a:endParaRPr lang="en-US" dirty="0">
+              <a:latin typeface="Monaco" charset="0"/>
+              <a:ea typeface="Monaco" charset="0"/>
+              <a:cs typeface="Monaco" charset="0"/>
+            </a:endParaRPr>
+          </a:p>
+          <a:p>
+            <a:r>
+              <a:rPr lang="en-US" dirty="0" smtClean="0">
+                <a:latin typeface="Monaco" charset="0"/>
+                <a:ea typeface="Monaco" charset="0"/>
+                <a:cs typeface="Monaco" charset="0"/>
+              </a:rPr>
+              <a:t>Regex:  </a:t>
+            </a:r>
+            <a:r>
+              <a:rPr lang="en-US" dirty="0" smtClean="0">
+                <a:solidFill>
+                  <a:srgbClr val="FFC000"/>
+                </a:solidFill>
+                <a:latin typeface="Monaco" charset="0"/>
+                <a:ea typeface="Monaco" charset="0"/>
+                <a:cs typeface="Monaco" charset="0"/>
+              </a:rPr>
+              <a:t>(</a:t>
+            </a:r>
+            <a:r>
+              <a:rPr lang="en-US" dirty="0" smtClean="0">
+                <a:solidFill>
+                  <a:srgbClr val="FF0000"/>
+                </a:solidFill>
+                <a:latin typeface="Monaco" charset="0"/>
+                <a:ea typeface="Monaco" charset="0"/>
+                <a:cs typeface="Monaco" charset="0"/>
+              </a:rPr>
+              <a:t>\d+\.\d{3}</a:t>
+            </a:r>
+            <a:r>
+              <a:rPr lang="en-US" dirty="0" smtClean="0">
+                <a:solidFill>
+                  <a:srgbClr val="FFC000"/>
+                </a:solidFill>
+                <a:latin typeface="Monaco" charset="0"/>
+                <a:ea typeface="Monaco" charset="0"/>
+                <a:cs typeface="Monaco" charset="0"/>
+              </a:rPr>
+              <a:t>)</a:t>
+            </a:r>
+            <a:r>
+              <a:rPr lang="en-US" dirty="0" smtClean="0">
+                <a:solidFill>
+                  <a:srgbClr val="FF0000"/>
+                </a:solidFill>
+                <a:latin typeface="Monaco" charset="0"/>
+                <a:ea typeface="Monaco" charset="0"/>
+                <a:cs typeface="Monaco" charset="0"/>
+              </a:rPr>
+              <a:t>\d+ cm</a:t>
+            </a:r>
+            <a:endParaRPr lang="en-US" dirty="0">
+              <a:solidFill>
+                <a:srgbClr val="FF0000"/>
+              </a:solidFill>
+              <a:latin typeface="Monaco" charset="0"/>
+              <a:ea typeface="Monaco" charset="0"/>
+              <a:cs typeface="Monaco" charset="0"/>
+            </a:endParaRPr>
+          </a:p>
+          <a:p>
+            <a:endParaRPr lang="en-US" dirty="0">
+              <a:latin typeface="Monaco" charset="0"/>
+              <a:ea typeface="Monaco" charset="0"/>
+              <a:cs typeface="Monaco" charset="0"/>
+            </a:endParaRPr>
+          </a:p>
+          <a:p>
+            <a:r>
+              <a:rPr lang="en-US" dirty="0" smtClean="0">
+                <a:latin typeface="Monaco" charset="0"/>
+                <a:ea typeface="Monaco" charset="0"/>
+                <a:cs typeface="Monaco" charset="0"/>
+              </a:rPr>
+              <a:t>Replace: \1</a:t>
+            </a:r>
+          </a:p>
+          <a:p>
+            <a:endParaRPr lang="en-US" dirty="0" smtClean="0">
+              <a:latin typeface="Monaco" charset="0"/>
+              <a:ea typeface="Monaco" charset="0"/>
+              <a:cs typeface="Monaco" charset="0"/>
+            </a:endParaRPr>
+          </a:p>
+          <a:p>
+            <a:r>
+              <a:rPr lang="en-US" dirty="0" smtClean="0">
+                <a:latin typeface="Monaco" charset="0"/>
+                <a:ea typeface="Monaco" charset="0"/>
+                <a:cs typeface="Monaco" charset="0"/>
+              </a:rPr>
+              <a:t>New string: ?????</a:t>
+            </a:r>
+            <a:endParaRPr lang="en-US" dirty="0">
+              <a:latin typeface="Monaco" charset="0"/>
+              <a:ea typeface="Monaco" charset="0"/>
+              <a:cs typeface="Monaco" charset="0"/>
+            </a:endParaRPr>
+          </a:p>
+          <a:p>
+            <a:endParaRPr lang="en-US" dirty="0">
+              <a:latin typeface="Monaco" charset="0"/>
+              <a:ea typeface="Monaco" charset="0"/>
+              <a:cs typeface="Monaco" charset="0"/>
+            </a:endParaRPr>
+          </a:p>
+          <a:p>
+            <a:endParaRPr lang="en-US" dirty="0">
+              <a:latin typeface="Monaco" charset="0"/>
+              <a:ea typeface="Monaco" charset="0"/>
+              <a:cs typeface="Monaco" charset="0"/>
+            </a:endParaRPr>
+          </a:p>
+        </p:txBody>
+      </p:sp>
+    </p:spTree>
+    <p:extLst>
+      <p:ext uri="{BB962C8B-B14F-4D97-AF65-F5344CB8AC3E}">
+        <p14:creationId xmlns:p14="http://schemas.microsoft.com/office/powerpoint/2010/main" val="466438607"/>
+      </p:ext>
+    </p:extLst>
+  </p:cSld>
+  <p:clrMapOvr>
+    <a:masterClrMapping/>
+  </p:clrMapOvr>
+</p:sld>
+</file>
+
+<file path=ppt/slides/slide36.xml><?xml version="1.0" encoding="utf-8"?>
+<p:sld xmlns:a="http://schemas.openxmlformats.org/drawingml/2006/main" xmlns:r="http://schemas.openxmlformats.org/officeDocument/2006/relationships" xmlns:p="http://schemas.openxmlformats.org/presentationml/2006/main">
+  <p:cSld>
+    <p:spTree>
+      <p:nvGrpSpPr>
+        <p:cNvPr id="1" name=""/>
+        <p:cNvGrpSpPr/>
+        <p:nvPr/>
+      </p:nvGrpSpPr>
+      <p:grpSpPr>
+        <a:xfrm>
+          <a:off x="0" y="0"/>
+          <a:ext cx="0" cy="0"/>
+          <a:chOff x="0" y="0"/>
+          <a:chExt cx="0" cy="0"/>
+        </a:xfrm>
+      </p:grpSpPr>
+      <p:sp>
+        <p:nvSpPr>
+          <p:cNvPr id="2" name="Title 1"/>
+          <p:cNvSpPr>
+            <a:spLocks noGrp="1"/>
+          </p:cNvSpPr>
+          <p:nvPr>
+            <p:ph type="title"/>
+          </p:nvPr>
+        </p:nvSpPr>
+        <p:spPr/>
+        <p:txBody>
+          <a:bodyPr/>
+          <a:lstStyle/>
+          <a:p>
+            <a:r>
+              <a:rPr lang="en-US" dirty="0" smtClean="0"/>
+              <a:t>Exercise</a:t>
+            </a:r>
+            <a:endParaRPr lang="en-US" dirty="0"/>
+          </a:p>
+        </p:txBody>
+      </p:sp>
+      <p:sp>
+        <p:nvSpPr>
+          <p:cNvPr id="3" name="Content Placeholder 2"/>
+          <p:cNvSpPr>
+            <a:spLocks noGrp="1"/>
+          </p:cNvSpPr>
+          <p:nvPr>
+            <p:ph idx="1"/>
+          </p:nvPr>
+        </p:nvSpPr>
+        <p:spPr>
+          <a:xfrm>
+            <a:off x="457200" y="1752601"/>
+            <a:ext cx="7620000" cy="3005138"/>
+          </a:xfrm>
+        </p:spPr>
+        <p:txBody>
+          <a:bodyPr>
+            <a:normAutofit fontScale="70000" lnSpcReduction="20000"/>
+          </a:bodyPr>
+          <a:lstStyle/>
+          <a:p>
+            <a:r>
+              <a:rPr lang="en-US" dirty="0" smtClean="0">
+                <a:ea typeface="Monaco" charset="0"/>
+                <a:cs typeface="Monaco" charset="0"/>
+              </a:rPr>
+              <a:t>Come up with a regular expression to convert the following text:</a:t>
+            </a:r>
+          </a:p>
+          <a:p>
+            <a:endParaRPr lang="en-US" dirty="0">
+              <a:latin typeface="Monaco" charset="0"/>
+              <a:ea typeface="Monaco" charset="0"/>
+              <a:cs typeface="Monaco" charset="0"/>
+            </a:endParaRPr>
+          </a:p>
+          <a:p>
+            <a:r>
+              <a:rPr lang="en-US" dirty="0" smtClean="0">
+                <a:latin typeface="Monaco" charset="0"/>
+                <a:ea typeface="Monaco" charset="0"/>
+                <a:cs typeface="Monaco" charset="0"/>
+              </a:rPr>
+              <a:t>85.34 cm			</a:t>
+            </a:r>
+            <a:r>
+              <a:rPr lang="en-US" dirty="0" smtClean="0">
+                <a:solidFill>
+                  <a:srgbClr val="FF0000"/>
+                </a:solidFill>
+                <a:latin typeface="Monaco" charset="0"/>
+                <a:ea typeface="Monaco" charset="0"/>
+                <a:cs typeface="Monaco" charset="0"/>
+              </a:rPr>
+              <a:t>85.3 cm</a:t>
+            </a:r>
+          </a:p>
+          <a:p>
+            <a:r>
+              <a:rPr lang="en-US" dirty="0" smtClean="0">
+                <a:latin typeface="Monaco" charset="0"/>
+                <a:ea typeface="Monaco" charset="0"/>
+                <a:cs typeface="Monaco" charset="0"/>
+              </a:rPr>
+              <a:t>85.678 cm               </a:t>
+            </a:r>
+            <a:r>
+              <a:rPr lang="en-US" dirty="0" smtClean="0">
+                <a:solidFill>
+                  <a:srgbClr val="FF0000"/>
+                </a:solidFill>
+                <a:latin typeface="Monaco" charset="0"/>
+                <a:ea typeface="Monaco" charset="0"/>
+                <a:cs typeface="Monaco" charset="0"/>
+              </a:rPr>
+              <a:t>85.6 cm</a:t>
+            </a:r>
+          </a:p>
+          <a:p>
+            <a:r>
+              <a:rPr lang="en-US" dirty="0" smtClean="0">
+                <a:latin typeface="Monaco" charset="0"/>
+                <a:ea typeface="Monaco" charset="0"/>
+                <a:cs typeface="Monaco" charset="0"/>
+              </a:rPr>
+              <a:t>923.1115 cm             </a:t>
+            </a:r>
+            <a:r>
+              <a:rPr lang="en-US" dirty="0" smtClean="0">
+                <a:solidFill>
+                  <a:srgbClr val="FF0000"/>
+                </a:solidFill>
+                <a:latin typeface="Monaco" charset="0"/>
+                <a:ea typeface="Monaco" charset="0"/>
+                <a:cs typeface="Monaco" charset="0"/>
+              </a:rPr>
+              <a:t>923.1 cm</a:t>
+            </a:r>
+          </a:p>
+          <a:p>
+            <a:r>
+              <a:rPr lang="en-US" dirty="0" smtClean="0">
+                <a:latin typeface="Monaco" charset="0"/>
+                <a:ea typeface="Monaco" charset="0"/>
+                <a:cs typeface="Monaco" charset="0"/>
+              </a:rPr>
+              <a:t>1.95 cm                 </a:t>
+            </a:r>
+            <a:r>
+              <a:rPr lang="en-US" dirty="0" smtClean="0">
+                <a:solidFill>
+                  <a:srgbClr val="FF0000"/>
+                </a:solidFill>
+                <a:latin typeface="Monaco" charset="0"/>
+                <a:ea typeface="Monaco" charset="0"/>
+                <a:cs typeface="Monaco" charset="0"/>
+              </a:rPr>
+              <a:t>1.9 cm</a:t>
+            </a:r>
+          </a:p>
+          <a:p>
+            <a:r>
+              <a:rPr lang="en-US" dirty="0" smtClean="0">
+                <a:latin typeface="Monaco" charset="0"/>
+                <a:ea typeface="Monaco" charset="0"/>
+                <a:cs typeface="Monaco" charset="0"/>
+              </a:rPr>
+              <a:t>6 cm                    </a:t>
+            </a:r>
+            <a:r>
+              <a:rPr lang="en-US" dirty="0" smtClean="0">
+                <a:solidFill>
+                  <a:srgbClr val="FF0000"/>
+                </a:solidFill>
+                <a:latin typeface="Monaco" charset="0"/>
+                <a:ea typeface="Monaco" charset="0"/>
+                <a:cs typeface="Monaco" charset="0"/>
+              </a:rPr>
+              <a:t>6 cm</a:t>
+            </a:r>
+          </a:p>
+          <a:p>
+            <a:endParaRPr lang="en-US" dirty="0">
+              <a:latin typeface="Monaco" charset="0"/>
+              <a:ea typeface="Monaco" charset="0"/>
+              <a:cs typeface="Monaco" charset="0"/>
+            </a:endParaRPr>
+          </a:p>
+          <a:p>
+            <a:endParaRPr lang="en-US" dirty="0">
+              <a:latin typeface="Monaco" charset="0"/>
+              <a:ea typeface="Monaco" charset="0"/>
+              <a:cs typeface="Monaco" charset="0"/>
+            </a:endParaRPr>
+          </a:p>
+        </p:txBody>
+      </p:sp>
+    </p:spTree>
+    <p:extLst>
+      <p:ext uri="{BB962C8B-B14F-4D97-AF65-F5344CB8AC3E}">
+        <p14:creationId xmlns:p14="http://schemas.microsoft.com/office/powerpoint/2010/main" val="1121990792"/>
+      </p:ext>
+    </p:extLst>
+  </p:cSld>
+  <p:clrMapOvr>
+    <a:masterClrMapping/>
+  </p:clrMapOvr>
+</p:sld>
+</file>
+
+<file path=ppt/slides/slide37.xml><?xml version="1.0" encoding="utf-8"?>
+<p:sld xmlns:a="http://schemas.openxmlformats.org/drawingml/2006/main" xmlns:r="http://schemas.openxmlformats.org/officeDocument/2006/relationships" xmlns:p="http://schemas.openxmlformats.org/presentationml/2006/main">
+  <p:cSld>
+    <p:spTree>
+      <p:nvGrpSpPr>
+        <p:cNvPr id="1" name=""/>
+        <p:cNvGrpSpPr/>
+        <p:nvPr/>
+      </p:nvGrpSpPr>
+      <p:grpSpPr>
+        <a:xfrm>
+          <a:off x="0" y="0"/>
+          <a:ext cx="0" cy="0"/>
+          <a:chOff x="0" y="0"/>
+          <a:chExt cx="0" cy="0"/>
+        </a:xfrm>
+      </p:grpSpPr>
+      <p:sp>
+        <p:nvSpPr>
+          <p:cNvPr id="2" name="Title 1"/>
+          <p:cNvSpPr>
+            <a:spLocks noGrp="1"/>
+          </p:cNvSpPr>
+          <p:nvPr>
+            <p:ph type="title"/>
+          </p:nvPr>
+        </p:nvSpPr>
+        <p:spPr>
+          <a:xfrm>
+            <a:off x="2230714" y="3087537"/>
+            <a:ext cx="4688183" cy="692215"/>
+          </a:xfrm>
+        </p:spPr>
+        <p:txBody>
+          <a:bodyPr/>
+          <a:lstStyle/>
+          <a:p>
+            <a:r>
+              <a:rPr lang="en-US" dirty="0" smtClean="0"/>
+              <a:t>exercise break</a:t>
+            </a:r>
+            <a:endParaRPr lang="en-US" dirty="0"/>
+          </a:p>
+        </p:txBody>
+      </p:sp>
+    </p:spTree>
+    <p:extLst>
+      <p:ext uri="{BB962C8B-B14F-4D97-AF65-F5344CB8AC3E}">
+        <p14:creationId xmlns:p14="http://schemas.microsoft.com/office/powerpoint/2010/main" val="2036437392"/>
+      </p:ext>
+    </p:extLst>
+  </p:cSld>
+  <p:clrMapOvr>
+    <a:masterClrMapping/>
+  </p:clrMapOvr>
+</p:sld>
+</file>
+
+<file path=ppt/slides/slide38.xml><?xml version="1.0" encoding="utf-8"?>
+<p:sld xmlns:a="http://schemas.openxmlformats.org/drawingml/2006/main" xmlns:r="http://schemas.openxmlformats.org/officeDocument/2006/relationships" xmlns:p="http://schemas.openxmlformats.org/presentationml/2006/main">
+  <p:cSld>
+    <p:spTree>
+      <p:nvGrpSpPr>
+        <p:cNvPr id="1" name=""/>
+        <p:cNvGrpSpPr/>
+        <p:nvPr/>
+      </p:nvGrpSpPr>
+      <p:grpSpPr>
+        <a:xfrm>
+          <a:off x="0" y="0"/>
+          <a:ext cx="0" cy="0"/>
+          <a:chOff x="0" y="0"/>
+          <a:chExt cx="0" cy="0"/>
+        </a:xfrm>
+      </p:grpSpPr>
+      <p:sp>
+        <p:nvSpPr>
+          <p:cNvPr id="2" name="Title 1"/>
+          <p:cNvSpPr>
+            <a:spLocks noGrp="1"/>
+          </p:cNvSpPr>
+          <p:nvPr>
+            <p:ph type="title"/>
+          </p:nvPr>
+        </p:nvSpPr>
+        <p:spPr/>
+        <p:txBody>
+          <a:bodyPr/>
+          <a:lstStyle/>
+          <a:p>
+            <a:r>
+              <a:rPr lang="en-US" dirty="0" smtClean="0"/>
+              <a:t>Installing software</a:t>
+            </a:r>
+            <a:endParaRPr lang="en-US" dirty="0"/>
+          </a:p>
+        </p:txBody>
+      </p:sp>
+      <p:sp>
+        <p:nvSpPr>
+          <p:cNvPr id="3" name="Content Placeholder 2"/>
+          <p:cNvSpPr>
+            <a:spLocks noGrp="1"/>
+          </p:cNvSpPr>
+          <p:nvPr>
+            <p:ph idx="1"/>
+          </p:nvPr>
+        </p:nvSpPr>
+        <p:spPr/>
+        <p:txBody>
+          <a:bodyPr/>
+          <a:lstStyle/>
+          <a:p>
+            <a:pPr marL="457200" indent="-457200">
+              <a:buFont typeface="Arial" charset="0"/>
+              <a:buChar char="•"/>
+            </a:pPr>
+            <a:r>
+              <a:rPr lang="en-US" dirty="0" smtClean="0"/>
+              <a:t>You may (will) one day have to install new software via the command line</a:t>
+            </a:r>
+          </a:p>
+          <a:p>
+            <a:pPr marL="457200" indent="-457200">
+              <a:buFont typeface="Arial" charset="0"/>
+              <a:buChar char="•"/>
+            </a:pPr>
+            <a:endParaRPr lang="en-US" dirty="0"/>
+          </a:p>
+          <a:p>
+            <a:pPr marL="457200" indent="-457200">
+              <a:buFont typeface="Arial" charset="0"/>
+              <a:buChar char="•"/>
+            </a:pPr>
+            <a:endParaRPr lang="en-US" dirty="0" smtClean="0"/>
+          </a:p>
+          <a:p>
+            <a:pPr marL="457200" indent="-457200">
+              <a:buFont typeface="Arial" charset="0"/>
+              <a:buChar char="•"/>
+            </a:pPr>
+            <a:r>
+              <a:rPr lang="en-US" dirty="0" smtClean="0"/>
+              <a:t>Remember your PATH? It’s an </a:t>
+            </a:r>
+            <a:r>
+              <a:rPr lang="en-US" i="1" dirty="0" smtClean="0"/>
+              <a:t>environment variable</a:t>
+            </a:r>
+            <a:r>
+              <a:rPr lang="en-US" dirty="0" smtClean="0"/>
+              <a:t> in UNIX systems. </a:t>
+            </a:r>
+          </a:p>
+          <a:p>
+            <a:pPr marL="457200" indent="-457200">
+              <a:buFont typeface="Arial" charset="0"/>
+              <a:buChar char="•"/>
+            </a:pPr>
+            <a:endParaRPr lang="en-US" dirty="0"/>
+          </a:p>
+        </p:txBody>
+      </p:sp>
+    </p:spTree>
+    <p:extLst>
+      <p:ext uri="{BB962C8B-B14F-4D97-AF65-F5344CB8AC3E}">
+        <p14:creationId xmlns:p14="http://schemas.microsoft.com/office/powerpoint/2010/main" val="622531734"/>
+      </p:ext>
+    </p:extLst>
+  </p:cSld>
+  <p:clrMapOvr>
+    <a:masterClrMapping/>
+  </p:clrMapOvr>
+</p:sld>
+</file>
+
+<file path=ppt/slides/slide39.xml><?xml version="1.0" encoding="utf-8"?>
+<p:sld xmlns:a="http://schemas.openxmlformats.org/drawingml/2006/main" xmlns:r="http://schemas.openxmlformats.org/officeDocument/2006/relationships" xmlns:p="http://schemas.openxmlformats.org/presentationml/2006/main">
+  <p:cSld>
+    <p:spTree>
+      <p:nvGrpSpPr>
+        <p:cNvPr id="1" name=""/>
+        <p:cNvGrpSpPr/>
+        <p:nvPr/>
+      </p:nvGrpSpPr>
+      <p:grpSpPr>
+        <a:xfrm>
+          <a:off x="0" y="0"/>
+          <a:ext cx="0" cy="0"/>
+          <a:chOff x="0" y="0"/>
+          <a:chExt cx="0" cy="0"/>
+        </a:xfrm>
+      </p:grpSpPr>
+      <p:sp>
+        <p:nvSpPr>
+          <p:cNvPr id="2" name="Title 1"/>
+          <p:cNvSpPr>
+            <a:spLocks noGrp="1"/>
+          </p:cNvSpPr>
+          <p:nvPr>
+            <p:ph type="title"/>
+          </p:nvPr>
+        </p:nvSpPr>
+        <p:spPr/>
+        <p:txBody>
+          <a:bodyPr/>
+          <a:lstStyle/>
+          <a:p>
+            <a:r>
+              <a:rPr lang="en-US" dirty="0" smtClean="0"/>
+              <a:t>Example: Installing </a:t>
+            </a:r>
+            <a:r>
+              <a:rPr lang="en-US" dirty="0" err="1" smtClean="0"/>
+              <a:t>mafft</a:t>
+            </a:r>
+            <a:endParaRPr lang="en-US" dirty="0"/>
+          </a:p>
+        </p:txBody>
+      </p:sp>
+      <p:sp>
+        <p:nvSpPr>
+          <p:cNvPr id="3" name="Content Placeholder 2"/>
+          <p:cNvSpPr>
+            <a:spLocks noGrp="1"/>
+          </p:cNvSpPr>
+          <p:nvPr>
+            <p:ph idx="1"/>
+          </p:nvPr>
+        </p:nvSpPr>
+        <p:spPr/>
+        <p:txBody>
+          <a:bodyPr/>
+          <a:lstStyle/>
+          <a:p>
+            <a:pPr marL="457200" indent="-457200">
+              <a:buFont typeface="Arial" charset="0"/>
+              <a:buChar char="•"/>
+            </a:pPr>
+            <a:r>
+              <a:rPr lang="en-US" dirty="0" smtClean="0"/>
+              <a:t>MAFFT is a multiple-sequence alignment software</a:t>
+            </a:r>
+          </a:p>
+          <a:p>
+            <a:pPr marL="914400" lvl="1" indent="-457200">
+              <a:buFont typeface="Arial" charset="0"/>
+              <a:buChar char="•"/>
+            </a:pPr>
+            <a:r>
+              <a:rPr lang="en-US" dirty="0" smtClean="0"/>
+              <a:t>It uses the standard </a:t>
+            </a:r>
+            <a:r>
+              <a:rPr lang="en-US" b="1" i="1" u="sng" dirty="0" smtClean="0"/>
+              <a:t>make</a:t>
+            </a:r>
+            <a:r>
+              <a:rPr lang="en-US" dirty="0"/>
+              <a:t> </a:t>
+            </a:r>
+            <a:r>
+              <a:rPr lang="en-US" dirty="0" smtClean="0"/>
+              <a:t>utility</a:t>
+            </a:r>
+            <a:endParaRPr lang="en-US" i="1" dirty="0"/>
+          </a:p>
+        </p:txBody>
+      </p:sp>
+      <p:pic>
+        <p:nvPicPr>
+          <p:cNvPr id="4" name="Picture 3"/>
+          <p:cNvPicPr>
+            <a:picLocks noChangeAspect="1"/>
+          </p:cNvPicPr>
+          <p:nvPr/>
+        </p:nvPicPr>
+        <p:blipFill>
+          <a:blip r:embed="rId2">
+            <a:extLst>
+              <a:ext uri="{28A0092B-C50C-407E-A947-70E740481C1C}">
+                <a14:useLocalDpi xmlns:a14="http://schemas.microsoft.com/office/drawing/2010/main" val="0"/>
+              </a:ext>
+            </a:extLst>
+          </a:blip>
+          <a:stretch>
+            <a:fillRect/>
+          </a:stretch>
+        </p:blipFill>
+        <p:spPr>
+          <a:xfrm>
+            <a:off x="762001" y="3417017"/>
+            <a:ext cx="7315199" cy="3280480"/>
+          </a:xfrm>
+          <a:prstGeom prst="rect">
+            <a:avLst/>
+          </a:prstGeom>
+        </p:spPr>
+      </p:pic>
+    </p:spTree>
+    <p:extLst>
+      <p:ext uri="{BB962C8B-B14F-4D97-AF65-F5344CB8AC3E}">
+        <p14:creationId xmlns:p14="http://schemas.microsoft.com/office/powerpoint/2010/main" val="1089721444"/>
       </p:ext>
     </p:extLst>
   </p:cSld>
@@ -7098,6 +13583,1655 @@
     <p:extLst>
       <p:ext uri="{BB962C8B-B14F-4D97-AF65-F5344CB8AC3E}">
         <p14:creationId xmlns:p14="http://schemas.microsoft.com/office/powerpoint/2010/main" val="4193269872"/>
+      </p:ext>
+    </p:extLst>
+  </p:cSld>
+  <p:clrMapOvr>
+    <a:masterClrMapping/>
+  </p:clrMapOvr>
+</p:sld>
+</file>
+
+<file path=ppt/slides/slide40.xml><?xml version="1.0" encoding="utf-8"?>
+<p:sld xmlns:a="http://schemas.openxmlformats.org/drawingml/2006/main" xmlns:r="http://schemas.openxmlformats.org/officeDocument/2006/relationships" xmlns:p="http://schemas.openxmlformats.org/presentationml/2006/main">
+  <p:cSld>
+    <p:spTree>
+      <p:nvGrpSpPr>
+        <p:cNvPr id="1" name=""/>
+        <p:cNvGrpSpPr/>
+        <p:nvPr/>
+      </p:nvGrpSpPr>
+      <p:grpSpPr>
+        <a:xfrm>
+          <a:off x="0" y="0"/>
+          <a:ext cx="0" cy="0"/>
+          <a:chOff x="0" y="0"/>
+          <a:chExt cx="0" cy="0"/>
+        </a:xfrm>
+      </p:grpSpPr>
+      <p:sp>
+        <p:nvSpPr>
+          <p:cNvPr id="2" name="Title 1"/>
+          <p:cNvSpPr>
+            <a:spLocks noGrp="1"/>
+          </p:cNvSpPr>
+          <p:nvPr>
+            <p:ph type="title"/>
+          </p:nvPr>
+        </p:nvSpPr>
+        <p:spPr/>
+        <p:txBody>
+          <a:bodyPr/>
+          <a:lstStyle/>
+          <a:p>
+            <a:r>
+              <a:rPr lang="en-US" dirty="0" smtClean="0"/>
+              <a:t>The Make approach</a:t>
+            </a:r>
+            <a:endParaRPr lang="en-US" dirty="0"/>
+          </a:p>
+        </p:txBody>
+      </p:sp>
+      <p:sp>
+        <p:nvSpPr>
+          <p:cNvPr id="3" name="Content Placeholder 2"/>
+          <p:cNvSpPr>
+            <a:spLocks noGrp="1"/>
+          </p:cNvSpPr>
+          <p:nvPr>
+            <p:ph idx="1"/>
+          </p:nvPr>
+        </p:nvSpPr>
+        <p:spPr>
+          <a:xfrm>
+            <a:off x="457200" y="1752600"/>
+            <a:ext cx="8101584" cy="4373563"/>
+          </a:xfrm>
+        </p:spPr>
+        <p:txBody>
+          <a:bodyPr/>
+          <a:lstStyle/>
+          <a:p>
+            <a:pPr marL="514350" marR="0" lvl="0" indent="-514350" defTabSz="914400" eaLnBrk="1" fontAlgn="auto" latinLnBrk="0" hangingPunct="1">
+              <a:lnSpc>
+                <a:spcPct val="100000"/>
+              </a:lnSpc>
+              <a:spcBef>
+                <a:spcPts val="0"/>
+              </a:spcBef>
+              <a:spcAft>
+                <a:spcPts val="0"/>
+              </a:spcAft>
+              <a:buClrTx/>
+              <a:buSzTx/>
+              <a:buFont typeface="+mj-lt"/>
+              <a:buAutoNum type="arabicPeriod"/>
+              <a:tabLst/>
+              <a:defRPr/>
+            </a:pPr>
+            <a:r>
+              <a:rPr lang="en-US" dirty="0" smtClean="0"/>
+              <a:t>Download and unzip/</a:t>
+            </a:r>
+            <a:r>
+              <a:rPr lang="en-US" dirty="0" err="1" smtClean="0"/>
+              <a:t>untar</a:t>
+            </a:r>
+            <a:r>
+              <a:rPr lang="en-US" dirty="0" smtClean="0"/>
+              <a:t> the source code</a:t>
+            </a:r>
+          </a:p>
+          <a:p>
+            <a:pPr marL="514350" marR="0" lvl="0" indent="-514350" defTabSz="914400" eaLnBrk="1" fontAlgn="auto" latinLnBrk="0" hangingPunct="1">
+              <a:lnSpc>
+                <a:spcPct val="100000"/>
+              </a:lnSpc>
+              <a:spcBef>
+                <a:spcPts val="0"/>
+              </a:spcBef>
+              <a:spcAft>
+                <a:spcPts val="0"/>
+              </a:spcAft>
+              <a:buClrTx/>
+              <a:buSzTx/>
+              <a:buFont typeface="+mj-lt"/>
+              <a:buAutoNum type="arabicPeriod"/>
+              <a:tabLst/>
+              <a:defRPr/>
+            </a:pPr>
+            <a:endParaRPr lang="en-US" dirty="0" smtClean="0"/>
+          </a:p>
+          <a:p>
+            <a:pPr marL="514350" marR="0" lvl="0" indent="-514350" defTabSz="914400" eaLnBrk="1" fontAlgn="auto" latinLnBrk="0" hangingPunct="1">
+              <a:lnSpc>
+                <a:spcPct val="100000"/>
+              </a:lnSpc>
+              <a:spcBef>
+                <a:spcPts val="0"/>
+              </a:spcBef>
+              <a:spcAft>
+                <a:spcPts val="0"/>
+              </a:spcAft>
+              <a:buClrTx/>
+              <a:buSzTx/>
+              <a:buFont typeface="+mj-lt"/>
+              <a:buAutoNum type="arabicPeriod"/>
+              <a:tabLst/>
+              <a:defRPr/>
+            </a:pPr>
+            <a:r>
+              <a:rPr lang="en-US" dirty="0" smtClean="0"/>
+              <a:t>Navigate into the source code directory with </a:t>
+            </a:r>
+            <a:r>
+              <a:rPr lang="en-US" dirty="0" smtClean="0">
+                <a:latin typeface="Monaco" charset="0"/>
+                <a:ea typeface="Monaco" charset="0"/>
+                <a:cs typeface="Monaco" charset="0"/>
+              </a:rPr>
+              <a:t>cd</a:t>
+            </a:r>
+          </a:p>
+          <a:p>
+            <a:pPr marL="514350" marR="0" lvl="0" indent="-514350" defTabSz="914400" eaLnBrk="1" fontAlgn="auto" latinLnBrk="0" hangingPunct="1">
+              <a:lnSpc>
+                <a:spcPct val="100000"/>
+              </a:lnSpc>
+              <a:spcBef>
+                <a:spcPts val="0"/>
+              </a:spcBef>
+              <a:spcAft>
+                <a:spcPts val="0"/>
+              </a:spcAft>
+              <a:buClrTx/>
+              <a:buSzTx/>
+              <a:buFont typeface="+mj-lt"/>
+              <a:buAutoNum type="arabicPeriod"/>
+              <a:tabLst/>
+              <a:defRPr/>
+            </a:pPr>
+            <a:endParaRPr lang="en-US" dirty="0" smtClean="0">
+              <a:latin typeface="Monaco" charset="0"/>
+              <a:ea typeface="Monaco" charset="0"/>
+              <a:cs typeface="Monaco" charset="0"/>
+            </a:endParaRPr>
+          </a:p>
+          <a:p>
+            <a:pPr marL="514350" lvl="0" indent="-514350">
+              <a:spcBef>
+                <a:spcPts val="0"/>
+              </a:spcBef>
+              <a:spcAft>
+                <a:spcPts val="0"/>
+              </a:spcAft>
+              <a:buFont typeface="+mj-lt"/>
+              <a:buAutoNum type="arabicPeriod"/>
+            </a:pPr>
+            <a:r>
+              <a:rPr lang="en-US" i="1" dirty="0" smtClean="0">
+                <a:ea typeface="Monaco" charset="0"/>
+                <a:cs typeface="Monaco" charset="0"/>
+              </a:rPr>
+              <a:t>Read the </a:t>
+            </a:r>
+            <a:r>
+              <a:rPr lang="en-US" dirty="0" smtClean="0">
+                <a:latin typeface="Monaco" charset="0"/>
+                <a:ea typeface="Monaco" charset="0"/>
+                <a:cs typeface="Monaco" charset="0"/>
+              </a:rPr>
+              <a:t>README </a:t>
+            </a:r>
+            <a:r>
+              <a:rPr lang="en-US" i="1" dirty="0" smtClean="0">
+                <a:ea typeface="Monaco" charset="0"/>
+                <a:cs typeface="Monaco" charset="0"/>
+              </a:rPr>
+              <a:t>(check also for </a:t>
+            </a:r>
+            <a:r>
+              <a:rPr lang="en-US" dirty="0" smtClean="0">
+                <a:latin typeface="Monaco" charset="0"/>
+                <a:ea typeface="Monaco" charset="0"/>
+                <a:cs typeface="Monaco" charset="0"/>
+              </a:rPr>
+              <a:t>INSTALL</a:t>
+            </a:r>
+            <a:r>
+              <a:rPr lang="en-US" i="1" dirty="0" smtClean="0">
+                <a:ea typeface="Monaco" charset="0"/>
+                <a:cs typeface="Monaco" charset="0"/>
+              </a:rPr>
+              <a:t>)</a:t>
+            </a:r>
+            <a:r>
+              <a:rPr lang="en-US" dirty="0" smtClean="0">
+                <a:latin typeface="Monaco" charset="0"/>
+                <a:ea typeface="Monaco" charset="0"/>
+                <a:cs typeface="Monaco" charset="0"/>
+              </a:rPr>
+              <a:t> </a:t>
+            </a:r>
+          </a:p>
+          <a:p>
+            <a:pPr marL="514350" marR="0" lvl="0" indent="-514350" defTabSz="914400" eaLnBrk="1" fontAlgn="auto" latinLnBrk="0" hangingPunct="1">
+              <a:lnSpc>
+                <a:spcPct val="100000"/>
+              </a:lnSpc>
+              <a:spcBef>
+                <a:spcPts val="0"/>
+              </a:spcBef>
+              <a:spcAft>
+                <a:spcPts val="0"/>
+              </a:spcAft>
+              <a:buClrTx/>
+              <a:buSzTx/>
+              <a:buFont typeface="+mj-lt"/>
+              <a:buAutoNum type="arabicPeriod"/>
+              <a:tabLst/>
+              <a:defRPr/>
+            </a:pPr>
+            <a:endParaRPr lang="en-US" i="1" dirty="0">
+              <a:ea typeface="Monaco" charset="0"/>
+              <a:cs typeface="Monaco" charset="0"/>
+            </a:endParaRPr>
+          </a:p>
+          <a:p>
+            <a:pPr marL="514350" marR="0" lvl="0" indent="-514350" defTabSz="914400" eaLnBrk="1" fontAlgn="auto" latinLnBrk="0" hangingPunct="1">
+              <a:lnSpc>
+                <a:spcPct val="100000"/>
+              </a:lnSpc>
+              <a:spcBef>
+                <a:spcPts val="0"/>
+              </a:spcBef>
+              <a:spcAft>
+                <a:spcPts val="0"/>
+              </a:spcAft>
+              <a:buClrTx/>
+              <a:buSzTx/>
+              <a:buFont typeface="+mj-lt"/>
+              <a:buAutoNum type="arabicPeriod"/>
+              <a:tabLst/>
+              <a:defRPr/>
+            </a:pPr>
+            <a:r>
+              <a:rPr lang="en-US" dirty="0" smtClean="0">
+                <a:ea typeface="Monaco" charset="0"/>
+                <a:cs typeface="Monaco" charset="0"/>
+              </a:rPr>
+              <a:t>Run:</a:t>
+            </a:r>
+          </a:p>
+          <a:p>
+            <a:pPr marL="514350" marR="0" lvl="0" indent="-514350" defTabSz="914400" eaLnBrk="1" fontAlgn="auto" latinLnBrk="0" hangingPunct="1">
+              <a:lnSpc>
+                <a:spcPct val="100000"/>
+              </a:lnSpc>
+              <a:spcBef>
+                <a:spcPts val="0"/>
+              </a:spcBef>
+              <a:spcAft>
+                <a:spcPts val="0"/>
+              </a:spcAft>
+              <a:buClrTx/>
+              <a:buSzTx/>
+              <a:buFont typeface="+mj-lt"/>
+              <a:buAutoNum type="arabicPeriod"/>
+              <a:tabLst/>
+              <a:defRPr/>
+            </a:pPr>
+            <a:endParaRPr lang="en-US" i="1" dirty="0" smtClean="0">
+              <a:ea typeface="Monaco" charset="0"/>
+              <a:cs typeface="Monaco" charset="0"/>
+            </a:endParaRPr>
+          </a:p>
+        </p:txBody>
+      </p:sp>
+      <p:sp>
+        <p:nvSpPr>
+          <p:cNvPr id="4" name="TextBox 3"/>
+          <p:cNvSpPr txBox="1"/>
+          <p:nvPr/>
+        </p:nvSpPr>
+        <p:spPr>
+          <a:xfrm>
+            <a:off x="1408176" y="5585004"/>
+            <a:ext cx="7406640" cy="769441"/>
+          </a:xfrm>
+          <a:prstGeom prst="rect">
+            <a:avLst/>
+          </a:prstGeom>
+          <a:noFill/>
+        </p:spPr>
+        <p:txBody>
+          <a:bodyPr wrap="square" rtlCol="0">
+            <a:spAutoFit/>
+          </a:bodyPr>
+          <a:lstStyle/>
+          <a:p>
+            <a:r>
+              <a:rPr lang="en-US" sz="2200" dirty="0" smtClean="0">
+                <a:latin typeface="Monaco" charset="0"/>
+                <a:ea typeface="Monaco" charset="0"/>
+                <a:cs typeface="Monaco" charset="0"/>
+              </a:rPr>
+              <a:t>make         # compiles the </a:t>
+            </a:r>
+            <a:r>
+              <a:rPr lang="en-US" sz="2200" dirty="0" smtClean="0">
+                <a:solidFill>
+                  <a:srgbClr val="FF0000"/>
+                </a:solidFill>
+                <a:latin typeface="Monaco" charset="0"/>
+                <a:ea typeface="Monaco" charset="0"/>
+                <a:cs typeface="Monaco" charset="0"/>
+              </a:rPr>
+              <a:t>executable</a:t>
+            </a:r>
+          </a:p>
+          <a:p>
+            <a:r>
+              <a:rPr lang="en-US" sz="2200" dirty="0" smtClean="0">
+                <a:latin typeface="Monaco" charset="0"/>
+                <a:ea typeface="Monaco" charset="0"/>
+                <a:cs typeface="Monaco" charset="0"/>
+              </a:rPr>
+              <a:t>make install # moves exec to path</a:t>
+            </a:r>
+            <a:endParaRPr lang="en-US" sz="2200" dirty="0">
+              <a:latin typeface="Monaco" charset="0"/>
+              <a:ea typeface="Monaco" charset="0"/>
+              <a:cs typeface="Monaco" charset="0"/>
+            </a:endParaRPr>
+          </a:p>
+        </p:txBody>
+      </p:sp>
+    </p:spTree>
+    <p:extLst>
+      <p:ext uri="{BB962C8B-B14F-4D97-AF65-F5344CB8AC3E}">
+        <p14:creationId xmlns:p14="http://schemas.microsoft.com/office/powerpoint/2010/main" val="608795040"/>
+      </p:ext>
+    </p:extLst>
+  </p:cSld>
+  <p:clrMapOvr>
+    <a:masterClrMapping/>
+  </p:clrMapOvr>
+</p:sld>
+</file>
+
+<file path=ppt/slides/slide41.xml><?xml version="1.0" encoding="utf-8"?>
+<p:sld xmlns:a="http://schemas.openxmlformats.org/drawingml/2006/main" xmlns:r="http://schemas.openxmlformats.org/officeDocument/2006/relationships" xmlns:p="http://schemas.openxmlformats.org/presentationml/2006/main">
+  <p:cSld>
+    <p:spTree>
+      <p:nvGrpSpPr>
+        <p:cNvPr id="1" name=""/>
+        <p:cNvGrpSpPr/>
+        <p:nvPr/>
+      </p:nvGrpSpPr>
+      <p:grpSpPr>
+        <a:xfrm>
+          <a:off x="0" y="0"/>
+          <a:ext cx="0" cy="0"/>
+          <a:chOff x="0" y="0"/>
+          <a:chExt cx="0" cy="0"/>
+        </a:xfrm>
+      </p:grpSpPr>
+      <p:sp>
+        <p:nvSpPr>
+          <p:cNvPr id="2" name="Title 1"/>
+          <p:cNvSpPr>
+            <a:spLocks noGrp="1"/>
+          </p:cNvSpPr>
+          <p:nvPr>
+            <p:ph type="title"/>
+          </p:nvPr>
+        </p:nvSpPr>
+        <p:spPr/>
+        <p:txBody>
+          <a:bodyPr/>
+          <a:lstStyle/>
+          <a:p>
+            <a:r>
+              <a:rPr lang="en-US" dirty="0" smtClean="0"/>
+              <a:t>The Make approach</a:t>
+            </a:r>
+            <a:endParaRPr lang="en-US" dirty="0"/>
+          </a:p>
+        </p:txBody>
+      </p:sp>
+      <p:sp>
+        <p:nvSpPr>
+          <p:cNvPr id="3" name="Content Placeholder 2"/>
+          <p:cNvSpPr>
+            <a:spLocks noGrp="1"/>
+          </p:cNvSpPr>
+          <p:nvPr>
+            <p:ph idx="1"/>
+          </p:nvPr>
+        </p:nvSpPr>
+        <p:spPr>
+          <a:xfrm>
+            <a:off x="457200" y="1752600"/>
+            <a:ext cx="8101584" cy="4373563"/>
+          </a:xfrm>
+        </p:spPr>
+        <p:txBody>
+          <a:bodyPr/>
+          <a:lstStyle/>
+          <a:p>
+            <a:pPr marL="514350" marR="0" lvl="0" indent="-514350" defTabSz="914400" eaLnBrk="1" fontAlgn="auto" latinLnBrk="0" hangingPunct="1">
+              <a:lnSpc>
+                <a:spcPct val="100000"/>
+              </a:lnSpc>
+              <a:spcBef>
+                <a:spcPts val="0"/>
+              </a:spcBef>
+              <a:spcAft>
+                <a:spcPts val="0"/>
+              </a:spcAft>
+              <a:buClrTx/>
+              <a:buSzTx/>
+              <a:buFont typeface="+mj-lt"/>
+              <a:buAutoNum type="arabicPeriod"/>
+              <a:tabLst/>
+              <a:defRPr/>
+            </a:pPr>
+            <a:r>
+              <a:rPr lang="en-US" dirty="0" smtClean="0"/>
+              <a:t>Download and unzip/</a:t>
+            </a:r>
+            <a:r>
+              <a:rPr lang="en-US" dirty="0" err="1" smtClean="0"/>
+              <a:t>untar</a:t>
+            </a:r>
+            <a:r>
+              <a:rPr lang="en-US" dirty="0" smtClean="0"/>
+              <a:t> the source code</a:t>
+            </a:r>
+          </a:p>
+          <a:p>
+            <a:pPr marL="514350" marR="0" lvl="0" indent="-514350" defTabSz="914400" eaLnBrk="1" fontAlgn="auto" latinLnBrk="0" hangingPunct="1">
+              <a:lnSpc>
+                <a:spcPct val="100000"/>
+              </a:lnSpc>
+              <a:spcBef>
+                <a:spcPts val="0"/>
+              </a:spcBef>
+              <a:spcAft>
+                <a:spcPts val="0"/>
+              </a:spcAft>
+              <a:buClrTx/>
+              <a:buSzTx/>
+              <a:buFont typeface="+mj-lt"/>
+              <a:buAutoNum type="arabicPeriod"/>
+              <a:tabLst/>
+              <a:defRPr/>
+            </a:pPr>
+            <a:endParaRPr lang="en-US" dirty="0" smtClean="0"/>
+          </a:p>
+          <a:p>
+            <a:pPr marL="514350" marR="0" lvl="0" indent="-514350" defTabSz="914400" eaLnBrk="1" fontAlgn="auto" latinLnBrk="0" hangingPunct="1">
+              <a:lnSpc>
+                <a:spcPct val="100000"/>
+              </a:lnSpc>
+              <a:spcBef>
+                <a:spcPts val="0"/>
+              </a:spcBef>
+              <a:spcAft>
+                <a:spcPts val="0"/>
+              </a:spcAft>
+              <a:buClrTx/>
+              <a:buSzTx/>
+              <a:buFont typeface="+mj-lt"/>
+              <a:buAutoNum type="arabicPeriod"/>
+              <a:tabLst/>
+              <a:defRPr/>
+            </a:pPr>
+            <a:r>
+              <a:rPr lang="en-US" dirty="0" smtClean="0"/>
+              <a:t>Navigate into the source code directory with </a:t>
+            </a:r>
+            <a:r>
+              <a:rPr lang="en-US" dirty="0" smtClean="0">
+                <a:latin typeface="Monaco" charset="0"/>
+                <a:ea typeface="Monaco" charset="0"/>
+                <a:cs typeface="Monaco" charset="0"/>
+              </a:rPr>
+              <a:t>cd</a:t>
+            </a:r>
+          </a:p>
+          <a:p>
+            <a:pPr marL="514350" marR="0" lvl="0" indent="-514350" defTabSz="914400" eaLnBrk="1" fontAlgn="auto" latinLnBrk="0" hangingPunct="1">
+              <a:lnSpc>
+                <a:spcPct val="100000"/>
+              </a:lnSpc>
+              <a:spcBef>
+                <a:spcPts val="0"/>
+              </a:spcBef>
+              <a:spcAft>
+                <a:spcPts val="0"/>
+              </a:spcAft>
+              <a:buClrTx/>
+              <a:buSzTx/>
+              <a:buFont typeface="+mj-lt"/>
+              <a:buAutoNum type="arabicPeriod"/>
+              <a:tabLst/>
+              <a:defRPr/>
+            </a:pPr>
+            <a:endParaRPr lang="en-US" dirty="0" smtClean="0">
+              <a:latin typeface="Monaco" charset="0"/>
+              <a:ea typeface="Monaco" charset="0"/>
+              <a:cs typeface="Monaco" charset="0"/>
+            </a:endParaRPr>
+          </a:p>
+          <a:p>
+            <a:pPr marL="514350" lvl="0" indent="-514350">
+              <a:spcBef>
+                <a:spcPts val="0"/>
+              </a:spcBef>
+              <a:spcAft>
+                <a:spcPts val="0"/>
+              </a:spcAft>
+              <a:buFont typeface="+mj-lt"/>
+              <a:buAutoNum type="arabicPeriod"/>
+            </a:pPr>
+            <a:r>
+              <a:rPr lang="en-US" i="1" dirty="0" smtClean="0">
+                <a:ea typeface="Monaco" charset="0"/>
+                <a:cs typeface="Monaco" charset="0"/>
+              </a:rPr>
+              <a:t>Read the </a:t>
+            </a:r>
+            <a:r>
+              <a:rPr lang="en-US" dirty="0" smtClean="0">
+                <a:latin typeface="Monaco" charset="0"/>
+                <a:ea typeface="Monaco" charset="0"/>
+                <a:cs typeface="Monaco" charset="0"/>
+              </a:rPr>
+              <a:t>README </a:t>
+            </a:r>
+            <a:r>
+              <a:rPr lang="en-US" i="1" dirty="0" smtClean="0">
+                <a:ea typeface="Monaco" charset="0"/>
+                <a:cs typeface="Monaco" charset="0"/>
+              </a:rPr>
+              <a:t>(check also for </a:t>
+            </a:r>
+            <a:r>
+              <a:rPr lang="en-US" dirty="0" smtClean="0">
+                <a:latin typeface="Monaco" charset="0"/>
+                <a:ea typeface="Monaco" charset="0"/>
+                <a:cs typeface="Monaco" charset="0"/>
+              </a:rPr>
+              <a:t>INSTALL</a:t>
+            </a:r>
+            <a:r>
+              <a:rPr lang="en-US" i="1" dirty="0" smtClean="0">
+                <a:ea typeface="Monaco" charset="0"/>
+                <a:cs typeface="Monaco" charset="0"/>
+              </a:rPr>
+              <a:t>)</a:t>
+            </a:r>
+            <a:r>
+              <a:rPr lang="en-US" dirty="0" smtClean="0">
+                <a:latin typeface="Monaco" charset="0"/>
+                <a:ea typeface="Monaco" charset="0"/>
+                <a:cs typeface="Monaco" charset="0"/>
+              </a:rPr>
+              <a:t> </a:t>
+            </a:r>
+          </a:p>
+          <a:p>
+            <a:pPr marL="514350" marR="0" lvl="0" indent="-514350" defTabSz="914400" eaLnBrk="1" fontAlgn="auto" latinLnBrk="0" hangingPunct="1">
+              <a:lnSpc>
+                <a:spcPct val="100000"/>
+              </a:lnSpc>
+              <a:spcBef>
+                <a:spcPts val="0"/>
+              </a:spcBef>
+              <a:spcAft>
+                <a:spcPts val="0"/>
+              </a:spcAft>
+              <a:buClrTx/>
+              <a:buSzTx/>
+              <a:buFont typeface="+mj-lt"/>
+              <a:buAutoNum type="arabicPeriod"/>
+              <a:tabLst/>
+              <a:defRPr/>
+            </a:pPr>
+            <a:endParaRPr lang="en-US" i="1" dirty="0">
+              <a:ea typeface="Monaco" charset="0"/>
+              <a:cs typeface="Monaco" charset="0"/>
+            </a:endParaRPr>
+          </a:p>
+          <a:p>
+            <a:pPr marL="514350" marR="0" lvl="0" indent="-514350" defTabSz="914400" eaLnBrk="1" fontAlgn="auto" latinLnBrk="0" hangingPunct="1">
+              <a:lnSpc>
+                <a:spcPct val="100000"/>
+              </a:lnSpc>
+              <a:spcBef>
+                <a:spcPts val="0"/>
+              </a:spcBef>
+              <a:spcAft>
+                <a:spcPts val="0"/>
+              </a:spcAft>
+              <a:buClrTx/>
+              <a:buSzTx/>
+              <a:buFont typeface="+mj-lt"/>
+              <a:buAutoNum type="arabicPeriod"/>
+              <a:tabLst/>
+              <a:defRPr/>
+            </a:pPr>
+            <a:r>
+              <a:rPr lang="en-US" dirty="0" smtClean="0">
+                <a:ea typeface="Monaco" charset="0"/>
+                <a:cs typeface="Monaco" charset="0"/>
+              </a:rPr>
+              <a:t>Run:</a:t>
+            </a:r>
+          </a:p>
+          <a:p>
+            <a:pPr marL="514350" marR="0" lvl="0" indent="-514350" defTabSz="914400" eaLnBrk="1" fontAlgn="auto" latinLnBrk="0" hangingPunct="1">
+              <a:lnSpc>
+                <a:spcPct val="100000"/>
+              </a:lnSpc>
+              <a:spcBef>
+                <a:spcPts val="0"/>
+              </a:spcBef>
+              <a:spcAft>
+                <a:spcPts val="0"/>
+              </a:spcAft>
+              <a:buClrTx/>
+              <a:buSzTx/>
+              <a:buFont typeface="+mj-lt"/>
+              <a:buAutoNum type="arabicPeriod"/>
+              <a:tabLst/>
+              <a:defRPr/>
+            </a:pPr>
+            <a:endParaRPr lang="en-US" i="1" dirty="0" smtClean="0">
+              <a:ea typeface="Monaco" charset="0"/>
+              <a:cs typeface="Monaco" charset="0"/>
+            </a:endParaRPr>
+          </a:p>
+        </p:txBody>
+      </p:sp>
+      <p:sp>
+        <p:nvSpPr>
+          <p:cNvPr id="4" name="TextBox 3"/>
+          <p:cNvSpPr txBox="1"/>
+          <p:nvPr/>
+        </p:nvSpPr>
+        <p:spPr>
+          <a:xfrm>
+            <a:off x="1408176" y="5429329"/>
+            <a:ext cx="7406640" cy="1107996"/>
+          </a:xfrm>
+          <a:prstGeom prst="rect">
+            <a:avLst/>
+          </a:prstGeom>
+          <a:noFill/>
+        </p:spPr>
+        <p:txBody>
+          <a:bodyPr wrap="square" rtlCol="0">
+            <a:spAutoFit/>
+          </a:bodyPr>
+          <a:lstStyle/>
+          <a:p>
+            <a:r>
+              <a:rPr lang="en-US" sz="2200" dirty="0" smtClean="0">
+                <a:latin typeface="Monaco" charset="0"/>
+                <a:ea typeface="Monaco" charset="0"/>
+                <a:cs typeface="Monaco" charset="0"/>
+              </a:rPr>
+              <a:t>make         # compiles the </a:t>
+            </a:r>
+            <a:r>
+              <a:rPr lang="en-US" sz="2200" dirty="0" smtClean="0">
+                <a:solidFill>
+                  <a:srgbClr val="FF0000"/>
+                </a:solidFill>
+                <a:latin typeface="Monaco" charset="0"/>
+                <a:ea typeface="Monaco" charset="0"/>
+                <a:cs typeface="Monaco" charset="0"/>
+              </a:rPr>
+              <a:t>executable</a:t>
+            </a:r>
+          </a:p>
+          <a:p>
+            <a:r>
+              <a:rPr lang="en-US" sz="2200" strike="sngStrike" dirty="0">
+                <a:latin typeface="Monaco" charset="0"/>
+                <a:ea typeface="Monaco" charset="0"/>
+                <a:cs typeface="Monaco" charset="0"/>
+              </a:rPr>
+              <a:t>m</a:t>
+            </a:r>
+            <a:r>
+              <a:rPr lang="en-US" sz="2200" strike="sngStrike" dirty="0" smtClean="0">
+                <a:latin typeface="Monaco" charset="0"/>
+                <a:ea typeface="Monaco" charset="0"/>
+                <a:cs typeface="Monaco" charset="0"/>
+              </a:rPr>
+              <a:t>ake install </a:t>
+            </a:r>
+          </a:p>
+          <a:p>
+            <a:r>
+              <a:rPr lang="en-US" sz="2200" dirty="0" err="1" smtClean="0">
+                <a:latin typeface="Monaco" charset="0"/>
+                <a:ea typeface="Monaco" charset="0"/>
+                <a:cs typeface="Monaco" charset="0"/>
+              </a:rPr>
+              <a:t>sudo</a:t>
+            </a:r>
+            <a:r>
+              <a:rPr lang="en-US" sz="2200" dirty="0" smtClean="0">
+                <a:latin typeface="Monaco" charset="0"/>
+                <a:ea typeface="Monaco" charset="0"/>
+                <a:cs typeface="Monaco" charset="0"/>
+              </a:rPr>
+              <a:t> make install # moves exec to path</a:t>
+            </a:r>
+            <a:endParaRPr lang="en-US" sz="2200" dirty="0">
+              <a:latin typeface="Monaco" charset="0"/>
+              <a:ea typeface="Monaco" charset="0"/>
+              <a:cs typeface="Monaco" charset="0"/>
+            </a:endParaRPr>
+          </a:p>
+        </p:txBody>
+      </p:sp>
+    </p:spTree>
+    <p:extLst>
+      <p:ext uri="{BB962C8B-B14F-4D97-AF65-F5344CB8AC3E}">
+        <p14:creationId xmlns:p14="http://schemas.microsoft.com/office/powerpoint/2010/main" val="392767364"/>
+      </p:ext>
+    </p:extLst>
+  </p:cSld>
+  <p:clrMapOvr>
+    <a:masterClrMapping/>
+  </p:clrMapOvr>
+</p:sld>
+</file>
+
+<file path=ppt/slides/slide42.xml><?xml version="1.0" encoding="utf-8"?>
+<p:sld xmlns:a="http://schemas.openxmlformats.org/drawingml/2006/main" xmlns:r="http://schemas.openxmlformats.org/officeDocument/2006/relationships" xmlns:p="http://schemas.openxmlformats.org/presentationml/2006/main">
+  <p:cSld>
+    <p:spTree>
+      <p:nvGrpSpPr>
+        <p:cNvPr id="1" name=""/>
+        <p:cNvGrpSpPr/>
+        <p:nvPr/>
+      </p:nvGrpSpPr>
+      <p:grpSpPr>
+        <a:xfrm>
+          <a:off x="0" y="0"/>
+          <a:ext cx="0" cy="0"/>
+          <a:chOff x="0" y="0"/>
+          <a:chExt cx="0" cy="0"/>
+        </a:xfrm>
+      </p:grpSpPr>
+      <p:sp>
+        <p:nvSpPr>
+          <p:cNvPr id="2" name="Title 1"/>
+          <p:cNvSpPr>
+            <a:spLocks noGrp="1"/>
+          </p:cNvSpPr>
+          <p:nvPr>
+            <p:ph type="title"/>
+          </p:nvPr>
+        </p:nvSpPr>
+        <p:spPr/>
+        <p:txBody>
+          <a:bodyPr/>
+          <a:lstStyle/>
+          <a:p>
+            <a:r>
+              <a:rPr lang="en-US" dirty="0" smtClean="0"/>
+              <a:t>The Make approach</a:t>
+            </a:r>
+            <a:endParaRPr lang="en-US" dirty="0"/>
+          </a:p>
+        </p:txBody>
+      </p:sp>
+      <p:sp>
+        <p:nvSpPr>
+          <p:cNvPr id="3" name="Content Placeholder 2"/>
+          <p:cNvSpPr>
+            <a:spLocks noGrp="1"/>
+          </p:cNvSpPr>
+          <p:nvPr>
+            <p:ph idx="1"/>
+          </p:nvPr>
+        </p:nvSpPr>
+        <p:spPr>
+          <a:xfrm>
+            <a:off x="457200" y="1752600"/>
+            <a:ext cx="8101584" cy="4373563"/>
+          </a:xfrm>
+        </p:spPr>
+        <p:txBody>
+          <a:bodyPr/>
+          <a:lstStyle/>
+          <a:p>
+            <a:pPr marL="514350" marR="0" lvl="0" indent="-514350" defTabSz="914400" eaLnBrk="1" fontAlgn="auto" latinLnBrk="0" hangingPunct="1">
+              <a:lnSpc>
+                <a:spcPct val="100000"/>
+              </a:lnSpc>
+              <a:spcBef>
+                <a:spcPts val="0"/>
+              </a:spcBef>
+              <a:spcAft>
+                <a:spcPts val="0"/>
+              </a:spcAft>
+              <a:buClrTx/>
+              <a:buSzTx/>
+              <a:buFont typeface="+mj-lt"/>
+              <a:buAutoNum type="arabicPeriod"/>
+              <a:tabLst/>
+              <a:defRPr/>
+            </a:pPr>
+            <a:r>
+              <a:rPr lang="en-US" dirty="0" smtClean="0"/>
+              <a:t>Download and unzip/</a:t>
+            </a:r>
+            <a:r>
+              <a:rPr lang="en-US" dirty="0" err="1" smtClean="0"/>
+              <a:t>untar</a:t>
+            </a:r>
+            <a:r>
+              <a:rPr lang="en-US" dirty="0" smtClean="0"/>
+              <a:t> the source code</a:t>
+            </a:r>
+          </a:p>
+          <a:p>
+            <a:pPr marL="514350" marR="0" lvl="0" indent="-514350" defTabSz="914400" eaLnBrk="1" fontAlgn="auto" latinLnBrk="0" hangingPunct="1">
+              <a:lnSpc>
+                <a:spcPct val="100000"/>
+              </a:lnSpc>
+              <a:spcBef>
+                <a:spcPts val="0"/>
+              </a:spcBef>
+              <a:spcAft>
+                <a:spcPts val="0"/>
+              </a:spcAft>
+              <a:buClrTx/>
+              <a:buSzTx/>
+              <a:buFont typeface="+mj-lt"/>
+              <a:buAutoNum type="arabicPeriod"/>
+              <a:tabLst/>
+              <a:defRPr/>
+            </a:pPr>
+            <a:endParaRPr lang="en-US" dirty="0" smtClean="0"/>
+          </a:p>
+          <a:p>
+            <a:pPr marL="514350" marR="0" lvl="0" indent="-514350" defTabSz="914400" eaLnBrk="1" fontAlgn="auto" latinLnBrk="0" hangingPunct="1">
+              <a:lnSpc>
+                <a:spcPct val="100000"/>
+              </a:lnSpc>
+              <a:spcBef>
+                <a:spcPts val="0"/>
+              </a:spcBef>
+              <a:spcAft>
+                <a:spcPts val="0"/>
+              </a:spcAft>
+              <a:buClrTx/>
+              <a:buSzTx/>
+              <a:buFont typeface="+mj-lt"/>
+              <a:buAutoNum type="arabicPeriod"/>
+              <a:tabLst/>
+              <a:defRPr/>
+            </a:pPr>
+            <a:r>
+              <a:rPr lang="en-US" dirty="0" smtClean="0"/>
+              <a:t>Navigate into the source code directory with </a:t>
+            </a:r>
+            <a:r>
+              <a:rPr lang="en-US" dirty="0" smtClean="0">
+                <a:latin typeface="Monaco" charset="0"/>
+                <a:ea typeface="Monaco" charset="0"/>
+                <a:cs typeface="Monaco" charset="0"/>
+              </a:rPr>
+              <a:t>cd</a:t>
+            </a:r>
+          </a:p>
+          <a:p>
+            <a:pPr marL="514350" marR="0" lvl="0" indent="-514350" defTabSz="914400" eaLnBrk="1" fontAlgn="auto" latinLnBrk="0" hangingPunct="1">
+              <a:lnSpc>
+                <a:spcPct val="100000"/>
+              </a:lnSpc>
+              <a:spcBef>
+                <a:spcPts val="0"/>
+              </a:spcBef>
+              <a:spcAft>
+                <a:spcPts val="0"/>
+              </a:spcAft>
+              <a:buClrTx/>
+              <a:buSzTx/>
+              <a:buFont typeface="+mj-lt"/>
+              <a:buAutoNum type="arabicPeriod"/>
+              <a:tabLst/>
+              <a:defRPr/>
+            </a:pPr>
+            <a:endParaRPr lang="en-US" dirty="0" smtClean="0">
+              <a:latin typeface="Monaco" charset="0"/>
+              <a:ea typeface="Monaco" charset="0"/>
+              <a:cs typeface="Monaco" charset="0"/>
+            </a:endParaRPr>
+          </a:p>
+          <a:p>
+            <a:pPr marL="514350" lvl="0" indent="-514350">
+              <a:spcBef>
+                <a:spcPts val="0"/>
+              </a:spcBef>
+              <a:spcAft>
+                <a:spcPts val="0"/>
+              </a:spcAft>
+              <a:buFont typeface="+mj-lt"/>
+              <a:buAutoNum type="arabicPeriod"/>
+            </a:pPr>
+            <a:r>
+              <a:rPr lang="en-US" i="1" dirty="0" smtClean="0">
+                <a:ea typeface="Monaco" charset="0"/>
+                <a:cs typeface="Monaco" charset="0"/>
+              </a:rPr>
+              <a:t>Read the </a:t>
+            </a:r>
+            <a:r>
+              <a:rPr lang="en-US" dirty="0" smtClean="0">
+                <a:latin typeface="Monaco" charset="0"/>
+                <a:ea typeface="Monaco" charset="0"/>
+                <a:cs typeface="Monaco" charset="0"/>
+              </a:rPr>
+              <a:t>README </a:t>
+            </a:r>
+            <a:r>
+              <a:rPr lang="en-US" i="1" dirty="0" smtClean="0">
+                <a:ea typeface="Monaco" charset="0"/>
+                <a:cs typeface="Monaco" charset="0"/>
+              </a:rPr>
+              <a:t>(check also for </a:t>
+            </a:r>
+            <a:r>
+              <a:rPr lang="en-US" dirty="0" smtClean="0">
+                <a:latin typeface="Monaco" charset="0"/>
+                <a:ea typeface="Monaco" charset="0"/>
+                <a:cs typeface="Monaco" charset="0"/>
+              </a:rPr>
+              <a:t>INSTALL</a:t>
+            </a:r>
+            <a:r>
+              <a:rPr lang="en-US" i="1" dirty="0" smtClean="0">
+                <a:ea typeface="Monaco" charset="0"/>
+                <a:cs typeface="Monaco" charset="0"/>
+              </a:rPr>
+              <a:t>)</a:t>
+            </a:r>
+            <a:r>
+              <a:rPr lang="en-US" dirty="0" smtClean="0">
+                <a:latin typeface="Monaco" charset="0"/>
+                <a:ea typeface="Monaco" charset="0"/>
+                <a:cs typeface="Monaco" charset="0"/>
+              </a:rPr>
+              <a:t> </a:t>
+            </a:r>
+          </a:p>
+          <a:p>
+            <a:pPr marL="514350" marR="0" lvl="0" indent="-514350" defTabSz="914400" eaLnBrk="1" fontAlgn="auto" latinLnBrk="0" hangingPunct="1">
+              <a:lnSpc>
+                <a:spcPct val="100000"/>
+              </a:lnSpc>
+              <a:spcBef>
+                <a:spcPts val="0"/>
+              </a:spcBef>
+              <a:spcAft>
+                <a:spcPts val="0"/>
+              </a:spcAft>
+              <a:buClrTx/>
+              <a:buSzTx/>
+              <a:buFont typeface="+mj-lt"/>
+              <a:buAutoNum type="arabicPeriod"/>
+              <a:tabLst/>
+              <a:defRPr/>
+            </a:pPr>
+            <a:endParaRPr lang="en-US" i="1" dirty="0">
+              <a:ea typeface="Monaco" charset="0"/>
+              <a:cs typeface="Monaco" charset="0"/>
+            </a:endParaRPr>
+          </a:p>
+          <a:p>
+            <a:pPr marL="514350" marR="0" lvl="0" indent="-514350" defTabSz="914400" eaLnBrk="1" fontAlgn="auto" latinLnBrk="0" hangingPunct="1">
+              <a:lnSpc>
+                <a:spcPct val="100000"/>
+              </a:lnSpc>
+              <a:spcBef>
+                <a:spcPts val="0"/>
+              </a:spcBef>
+              <a:spcAft>
+                <a:spcPts val="0"/>
+              </a:spcAft>
+              <a:buClrTx/>
+              <a:buSzTx/>
+              <a:buFont typeface="+mj-lt"/>
+              <a:buAutoNum type="arabicPeriod"/>
+              <a:tabLst/>
+              <a:defRPr/>
+            </a:pPr>
+            <a:r>
+              <a:rPr lang="en-US" dirty="0" smtClean="0">
+                <a:ea typeface="Monaco" charset="0"/>
+                <a:cs typeface="Monaco" charset="0"/>
+              </a:rPr>
+              <a:t>Run:</a:t>
+            </a:r>
+          </a:p>
+          <a:p>
+            <a:pPr marL="514350" marR="0" lvl="0" indent="-514350" defTabSz="914400" eaLnBrk="1" fontAlgn="auto" latinLnBrk="0" hangingPunct="1">
+              <a:lnSpc>
+                <a:spcPct val="100000"/>
+              </a:lnSpc>
+              <a:spcBef>
+                <a:spcPts val="0"/>
+              </a:spcBef>
+              <a:spcAft>
+                <a:spcPts val="0"/>
+              </a:spcAft>
+              <a:buClrTx/>
+              <a:buSzTx/>
+              <a:buFont typeface="+mj-lt"/>
+              <a:buAutoNum type="arabicPeriod"/>
+              <a:tabLst/>
+              <a:defRPr/>
+            </a:pPr>
+            <a:endParaRPr lang="en-US" i="1" dirty="0" smtClean="0">
+              <a:ea typeface="Monaco" charset="0"/>
+              <a:cs typeface="Monaco" charset="0"/>
+            </a:endParaRPr>
+          </a:p>
+        </p:txBody>
+      </p:sp>
+      <p:sp>
+        <p:nvSpPr>
+          <p:cNvPr id="4" name="TextBox 3"/>
+          <p:cNvSpPr txBox="1"/>
+          <p:nvPr/>
+        </p:nvSpPr>
+        <p:spPr>
+          <a:xfrm>
+            <a:off x="1408176" y="5209873"/>
+            <a:ext cx="7406640" cy="1446550"/>
+          </a:xfrm>
+          <a:prstGeom prst="rect">
+            <a:avLst/>
+          </a:prstGeom>
+          <a:noFill/>
+        </p:spPr>
+        <p:txBody>
+          <a:bodyPr wrap="square" rtlCol="0">
+            <a:spAutoFit/>
+          </a:bodyPr>
+          <a:lstStyle/>
+          <a:p>
+            <a:r>
+              <a:rPr lang="en-US" sz="2200" dirty="0" smtClean="0">
+                <a:latin typeface="Monaco" charset="0"/>
+                <a:ea typeface="Monaco" charset="0"/>
+                <a:cs typeface="Monaco" charset="0"/>
+              </a:rPr>
+              <a:t>./configure  # only sometimes, see README! </a:t>
+            </a:r>
+          </a:p>
+          <a:p>
+            <a:r>
+              <a:rPr lang="en-US" sz="2200" dirty="0" smtClean="0">
+                <a:latin typeface="Monaco" charset="0"/>
+                <a:ea typeface="Monaco" charset="0"/>
+                <a:cs typeface="Monaco" charset="0"/>
+              </a:rPr>
+              <a:t>make         # compiles the </a:t>
+            </a:r>
+            <a:r>
+              <a:rPr lang="en-US" sz="2200" dirty="0" smtClean="0">
+                <a:solidFill>
+                  <a:srgbClr val="FF0000"/>
+                </a:solidFill>
+                <a:latin typeface="Monaco" charset="0"/>
+                <a:ea typeface="Monaco" charset="0"/>
+                <a:cs typeface="Monaco" charset="0"/>
+              </a:rPr>
+              <a:t>executable</a:t>
+            </a:r>
+          </a:p>
+          <a:p>
+            <a:r>
+              <a:rPr lang="en-US" sz="2200" strike="sngStrike" dirty="0">
+                <a:latin typeface="Monaco" charset="0"/>
+                <a:ea typeface="Monaco" charset="0"/>
+                <a:cs typeface="Monaco" charset="0"/>
+              </a:rPr>
+              <a:t>m</a:t>
+            </a:r>
+            <a:r>
+              <a:rPr lang="en-US" sz="2200" strike="sngStrike" dirty="0" smtClean="0">
+                <a:latin typeface="Monaco" charset="0"/>
+                <a:ea typeface="Monaco" charset="0"/>
+                <a:cs typeface="Monaco" charset="0"/>
+              </a:rPr>
+              <a:t>ake install </a:t>
+            </a:r>
+          </a:p>
+          <a:p>
+            <a:r>
+              <a:rPr lang="en-US" sz="2200" dirty="0" err="1" smtClean="0">
+                <a:latin typeface="Monaco" charset="0"/>
+                <a:ea typeface="Monaco" charset="0"/>
+                <a:cs typeface="Monaco" charset="0"/>
+              </a:rPr>
+              <a:t>sudo</a:t>
+            </a:r>
+            <a:r>
+              <a:rPr lang="en-US" sz="2200" dirty="0" smtClean="0">
+                <a:latin typeface="Monaco" charset="0"/>
+                <a:ea typeface="Monaco" charset="0"/>
+                <a:cs typeface="Monaco" charset="0"/>
+              </a:rPr>
+              <a:t> make install. # moves exec to path</a:t>
+            </a:r>
+            <a:endParaRPr lang="en-US" sz="2200" dirty="0">
+              <a:latin typeface="Monaco" charset="0"/>
+              <a:ea typeface="Monaco" charset="0"/>
+              <a:cs typeface="Monaco" charset="0"/>
+            </a:endParaRPr>
+          </a:p>
+        </p:txBody>
+      </p:sp>
+    </p:spTree>
+    <p:extLst>
+      <p:ext uri="{BB962C8B-B14F-4D97-AF65-F5344CB8AC3E}">
+        <p14:creationId xmlns:p14="http://schemas.microsoft.com/office/powerpoint/2010/main" val="1012684973"/>
+      </p:ext>
+    </p:extLst>
+  </p:cSld>
+  <p:clrMapOvr>
+    <a:masterClrMapping/>
+  </p:clrMapOvr>
+</p:sld>
+</file>
+
+<file path=ppt/slides/slide43.xml><?xml version="1.0" encoding="utf-8"?>
+<p:sld xmlns:a="http://schemas.openxmlformats.org/drawingml/2006/main" xmlns:r="http://schemas.openxmlformats.org/officeDocument/2006/relationships" xmlns:p="http://schemas.openxmlformats.org/presentationml/2006/main">
+  <p:cSld>
+    <p:spTree>
+      <p:nvGrpSpPr>
+        <p:cNvPr id="1" name=""/>
+        <p:cNvGrpSpPr/>
+        <p:nvPr/>
+      </p:nvGrpSpPr>
+      <p:grpSpPr>
+        <a:xfrm>
+          <a:off x="0" y="0"/>
+          <a:ext cx="0" cy="0"/>
+          <a:chOff x="0" y="0"/>
+          <a:chExt cx="0" cy="0"/>
+        </a:xfrm>
+      </p:grpSpPr>
+      <p:sp>
+        <p:nvSpPr>
+          <p:cNvPr id="2" name="Title 1"/>
+          <p:cNvSpPr>
+            <a:spLocks noGrp="1"/>
+          </p:cNvSpPr>
+          <p:nvPr>
+            <p:ph type="title"/>
+          </p:nvPr>
+        </p:nvSpPr>
+        <p:spPr/>
+        <p:txBody>
+          <a:bodyPr/>
+          <a:lstStyle/>
+          <a:p>
+            <a:r>
+              <a:rPr lang="en-US" dirty="0" smtClean="0"/>
+              <a:t>The path environment variable</a:t>
+            </a:r>
+            <a:endParaRPr lang="en-US" dirty="0"/>
+          </a:p>
+        </p:txBody>
+      </p:sp>
+      <p:pic>
+        <p:nvPicPr>
+          <p:cNvPr id="4" name="Picture 3"/>
+          <p:cNvPicPr>
+            <a:picLocks noChangeAspect="1"/>
+          </p:cNvPicPr>
+          <p:nvPr/>
+        </p:nvPicPr>
+        <p:blipFill>
+          <a:blip r:embed="rId2">
+            <a:extLst>
+              <a:ext uri="{28A0092B-C50C-407E-A947-70E740481C1C}">
+                <a14:useLocalDpi xmlns:a14="http://schemas.microsoft.com/office/drawing/2010/main" val="0"/>
+              </a:ext>
+            </a:extLst>
+          </a:blip>
+          <a:stretch>
+            <a:fillRect/>
+          </a:stretch>
+        </p:blipFill>
+        <p:spPr>
+          <a:xfrm>
+            <a:off x="166870" y="2249424"/>
+            <a:ext cx="8581163" cy="2670048"/>
+          </a:xfrm>
+          <a:prstGeom prst="rect">
+            <a:avLst/>
+          </a:prstGeom>
+        </p:spPr>
+      </p:pic>
+      <p:sp>
+        <p:nvSpPr>
+          <p:cNvPr id="5" name="Rectangle 4"/>
+          <p:cNvSpPr/>
+          <p:nvPr/>
+        </p:nvSpPr>
+        <p:spPr>
+          <a:xfrm>
+            <a:off x="4626864" y="2578608"/>
+            <a:ext cx="694944" cy="365760"/>
+          </a:xfrm>
+          <a:prstGeom prst="rect">
+            <a:avLst/>
+          </a:prstGeom>
+          <a:noFill/>
+          <a:ln w="63500">
+            <a:solidFill>
+              <a:srgbClr val="FF0000"/>
+            </a:solidFill>
+          </a:ln>
+        </p:spPr>
+        <p:style>
+          <a:lnRef idx="2">
+            <a:schemeClr val="accent1">
+              <a:shade val="50000"/>
+            </a:schemeClr>
+          </a:lnRef>
+          <a:fillRef idx="1">
+            <a:schemeClr val="accent1"/>
+          </a:fillRef>
+          <a:effectRef idx="0">
+            <a:schemeClr val="accent1"/>
+          </a:effectRef>
+          <a:fontRef idx="minor">
+            <a:schemeClr val="lt1"/>
+          </a:fontRef>
+        </p:style>
+        <p:txBody>
+          <a:bodyPr rtlCol="0" anchor="ctr"/>
+          <a:lstStyle/>
+          <a:p>
+            <a:pPr algn="ctr"/>
+            <a:endParaRPr lang="en-US"/>
+          </a:p>
+        </p:txBody>
+      </p:sp>
+      <p:sp>
+        <p:nvSpPr>
+          <p:cNvPr id="6" name="TextBox 5"/>
+          <p:cNvSpPr txBox="1"/>
+          <p:nvPr/>
+        </p:nvSpPr>
+        <p:spPr>
+          <a:xfrm>
+            <a:off x="166870" y="5063569"/>
+            <a:ext cx="3710186" cy="2123658"/>
+          </a:xfrm>
+          <a:prstGeom prst="rect">
+            <a:avLst/>
+          </a:prstGeom>
+          <a:noFill/>
+        </p:spPr>
+        <p:txBody>
+          <a:bodyPr wrap="square" rtlCol="0">
+            <a:spAutoFit/>
+          </a:bodyPr>
+          <a:lstStyle/>
+          <a:p>
+            <a:r>
+              <a:rPr lang="en-US" sz="2200" dirty="0" smtClean="0">
+                <a:latin typeface="Monaco" charset="0"/>
+                <a:ea typeface="Monaco" charset="0"/>
+                <a:cs typeface="Monaco" charset="0"/>
+              </a:rPr>
+              <a:t># Define a variable</a:t>
+            </a:r>
+          </a:p>
+          <a:p>
+            <a:r>
+              <a:rPr lang="en-US" sz="2200" dirty="0" smtClean="0">
+                <a:latin typeface="Monaco" charset="0"/>
+                <a:ea typeface="Monaco" charset="0"/>
+                <a:cs typeface="Monaco" charset="0"/>
+              </a:rPr>
+              <a:t>VAR=6</a:t>
+            </a:r>
+          </a:p>
+          <a:p>
+            <a:endParaRPr lang="en-US" sz="2200" dirty="0">
+              <a:latin typeface="Monaco" charset="0"/>
+              <a:ea typeface="Monaco" charset="0"/>
+              <a:cs typeface="Monaco" charset="0"/>
+            </a:endParaRPr>
+          </a:p>
+          <a:p>
+            <a:r>
+              <a:rPr lang="en-US" sz="2200" dirty="0" smtClean="0">
+                <a:latin typeface="Monaco" charset="0"/>
+                <a:ea typeface="Monaco" charset="0"/>
+                <a:cs typeface="Monaco" charset="0"/>
+              </a:rPr>
+              <a:t># Print variable </a:t>
+            </a:r>
+          </a:p>
+          <a:p>
+            <a:r>
+              <a:rPr lang="en-US" sz="2200" dirty="0" smtClean="0">
+                <a:latin typeface="Monaco" charset="0"/>
+                <a:ea typeface="Monaco" charset="0"/>
+                <a:cs typeface="Monaco" charset="0"/>
+              </a:rPr>
+              <a:t>echo $VAR</a:t>
+            </a:r>
+          </a:p>
+          <a:p>
+            <a:endParaRPr lang="en-US" sz="2200" dirty="0">
+              <a:latin typeface="Monaco" charset="0"/>
+              <a:ea typeface="Monaco" charset="0"/>
+              <a:cs typeface="Monaco" charset="0"/>
+            </a:endParaRPr>
+          </a:p>
+        </p:txBody>
+      </p:sp>
+    </p:spTree>
+    <p:extLst>
+      <p:ext uri="{BB962C8B-B14F-4D97-AF65-F5344CB8AC3E}">
+        <p14:creationId xmlns:p14="http://schemas.microsoft.com/office/powerpoint/2010/main" val="1997353528"/>
+      </p:ext>
+    </p:extLst>
+  </p:cSld>
+  <p:clrMapOvr>
+    <a:masterClrMapping/>
+  </p:clrMapOvr>
+</p:sld>
+</file>
+
+<file path=ppt/slides/slide44.xml><?xml version="1.0" encoding="utf-8"?>
+<p:sld xmlns:a="http://schemas.openxmlformats.org/drawingml/2006/main" xmlns:r="http://schemas.openxmlformats.org/officeDocument/2006/relationships" xmlns:p="http://schemas.openxmlformats.org/presentationml/2006/main">
+  <p:cSld>
+    <p:spTree>
+      <p:nvGrpSpPr>
+        <p:cNvPr id="1" name=""/>
+        <p:cNvGrpSpPr/>
+        <p:nvPr/>
+      </p:nvGrpSpPr>
+      <p:grpSpPr>
+        <a:xfrm>
+          <a:off x="0" y="0"/>
+          <a:ext cx="0" cy="0"/>
+          <a:chOff x="0" y="0"/>
+          <a:chExt cx="0" cy="0"/>
+        </a:xfrm>
+      </p:grpSpPr>
+      <p:sp>
+        <p:nvSpPr>
+          <p:cNvPr id="2" name="Title 1"/>
+          <p:cNvSpPr>
+            <a:spLocks noGrp="1"/>
+          </p:cNvSpPr>
+          <p:nvPr>
+            <p:ph type="title"/>
+          </p:nvPr>
+        </p:nvSpPr>
+        <p:spPr/>
+        <p:txBody>
+          <a:bodyPr/>
+          <a:lstStyle/>
+          <a:p>
+            <a:r>
+              <a:rPr lang="en-US" dirty="0" smtClean="0"/>
+              <a:t>Adding to the path variable</a:t>
+            </a:r>
+            <a:endParaRPr lang="en-US" dirty="0"/>
+          </a:p>
+        </p:txBody>
+      </p:sp>
+      <p:sp>
+        <p:nvSpPr>
+          <p:cNvPr id="3" name="Content Placeholder 2"/>
+          <p:cNvSpPr>
+            <a:spLocks noGrp="1"/>
+          </p:cNvSpPr>
+          <p:nvPr>
+            <p:ph idx="1"/>
+          </p:nvPr>
+        </p:nvSpPr>
+        <p:spPr>
+          <a:xfrm>
+            <a:off x="0" y="1770888"/>
+            <a:ext cx="8723376" cy="4373563"/>
+          </a:xfrm>
+        </p:spPr>
+        <p:txBody>
+          <a:bodyPr/>
+          <a:lstStyle/>
+          <a:p>
+            <a:r>
+              <a:rPr lang="en-US" dirty="0" smtClean="0"/>
+              <a:t>Generally, this variable lives in </a:t>
+            </a:r>
+            <a:r>
+              <a:rPr lang="en-US" dirty="0" smtClean="0">
+                <a:latin typeface="Monaco" charset="0"/>
+                <a:ea typeface="Monaco" charset="0"/>
+                <a:cs typeface="Monaco" charset="0"/>
+              </a:rPr>
+              <a:t>~/.</a:t>
+            </a:r>
+            <a:r>
+              <a:rPr lang="en-US" dirty="0" err="1" smtClean="0">
+                <a:latin typeface="Monaco" charset="0"/>
+                <a:ea typeface="Monaco" charset="0"/>
+                <a:cs typeface="Monaco" charset="0"/>
+              </a:rPr>
+              <a:t>bash_profile</a:t>
+            </a:r>
+            <a:r>
+              <a:rPr lang="en-US" dirty="0" smtClean="0">
+                <a:latin typeface="Monaco" charset="0"/>
+                <a:ea typeface="Monaco" charset="0"/>
+                <a:cs typeface="Monaco" charset="0"/>
+              </a:rPr>
+              <a:t> </a:t>
+            </a:r>
+            <a:r>
+              <a:rPr lang="en-US" dirty="0" smtClean="0"/>
+              <a:t>or  </a:t>
+            </a:r>
+            <a:r>
+              <a:rPr lang="en-US" dirty="0" smtClean="0">
+                <a:latin typeface="Monaco" charset="0"/>
+                <a:ea typeface="Monaco" charset="0"/>
+                <a:cs typeface="Monaco" charset="0"/>
+              </a:rPr>
+              <a:t>~/.profile</a:t>
+            </a:r>
+          </a:p>
+          <a:p>
+            <a:pPr marL="914400" lvl="1" indent="-457200">
+              <a:buFont typeface="Arial" charset="0"/>
+              <a:buChar char="•"/>
+            </a:pPr>
+            <a:r>
+              <a:rPr lang="en-US" dirty="0" smtClean="0">
+                <a:latin typeface="Arial" charset="0"/>
+                <a:ea typeface="Arial" charset="0"/>
+                <a:cs typeface="Arial" charset="0"/>
+              </a:rPr>
+              <a:t>Hidden file in home directory</a:t>
+            </a:r>
+          </a:p>
+          <a:p>
+            <a:pPr marL="914400" lvl="1" indent="-457200">
+              <a:buFont typeface="Arial" charset="0"/>
+              <a:buChar char="•"/>
+            </a:pPr>
+            <a:endParaRPr lang="en-US" dirty="0">
+              <a:latin typeface="Arial" charset="0"/>
+              <a:ea typeface="Arial" charset="0"/>
+              <a:cs typeface="Arial" charset="0"/>
+            </a:endParaRPr>
+          </a:p>
+          <a:p>
+            <a:pPr marL="514350" indent="-514350">
+              <a:buFont typeface="+mj-lt"/>
+              <a:buAutoNum type="arabicPeriod"/>
+            </a:pPr>
+            <a:r>
+              <a:rPr lang="en-US" dirty="0" smtClean="0">
+                <a:latin typeface="Arial" charset="0"/>
+                <a:ea typeface="Arial" charset="0"/>
+                <a:cs typeface="Arial" charset="0"/>
+              </a:rPr>
+              <a:t>Modify:     </a:t>
+            </a:r>
+            <a:r>
+              <a:rPr lang="en-US" sz="2400" dirty="0" smtClean="0">
+                <a:latin typeface="Monaco" charset="0"/>
+                <a:ea typeface="Monaco" charset="0"/>
+                <a:cs typeface="Monaco" charset="0"/>
+              </a:rPr>
+              <a:t>export </a:t>
+            </a:r>
+            <a:r>
+              <a:rPr lang="en-US" sz="2400" dirty="0">
+                <a:latin typeface="Monaco" charset="0"/>
+                <a:ea typeface="Monaco" charset="0"/>
+                <a:cs typeface="Monaco" charset="0"/>
+              </a:rPr>
+              <a:t>PATH=</a:t>
+            </a:r>
+            <a:r>
+              <a:rPr lang="en-US" sz="2400" dirty="0">
+                <a:solidFill>
+                  <a:srgbClr val="FF0000"/>
+                </a:solidFill>
+                <a:latin typeface="Monaco" charset="0"/>
+                <a:ea typeface="Monaco" charset="0"/>
+                <a:cs typeface="Monaco" charset="0"/>
+              </a:rPr>
+              <a:t>/new/path/to/add</a:t>
+            </a:r>
+            <a:r>
+              <a:rPr lang="en-US" sz="2400" dirty="0">
+                <a:solidFill>
+                  <a:srgbClr val="00B0F0"/>
+                </a:solidFill>
+                <a:latin typeface="Monaco" charset="0"/>
+                <a:ea typeface="Monaco" charset="0"/>
+                <a:cs typeface="Monaco" charset="0"/>
+              </a:rPr>
+              <a:t>:</a:t>
+            </a:r>
+            <a:r>
+              <a:rPr lang="en-US" sz="2400" dirty="0">
+                <a:solidFill>
+                  <a:srgbClr val="FFC000"/>
+                </a:solidFill>
+                <a:latin typeface="Monaco" charset="0"/>
+                <a:ea typeface="Monaco" charset="0"/>
+                <a:cs typeface="Monaco" charset="0"/>
+              </a:rPr>
+              <a:t>$PATH</a:t>
+            </a:r>
+            <a:endParaRPr lang="en-US" sz="2400" dirty="0" smtClean="0">
+              <a:latin typeface="Arial" charset="0"/>
+              <a:ea typeface="Arial" charset="0"/>
+              <a:cs typeface="Arial" charset="0"/>
+            </a:endParaRPr>
+          </a:p>
+          <a:p>
+            <a:pPr marL="514350" indent="-514350">
+              <a:buFont typeface="+mj-lt"/>
+              <a:buAutoNum type="arabicPeriod"/>
+            </a:pPr>
+            <a:r>
+              <a:rPr lang="en-US" dirty="0" smtClean="0">
+                <a:latin typeface="Arial" charset="0"/>
+                <a:ea typeface="Arial" charset="0"/>
+                <a:cs typeface="Arial" charset="0"/>
+              </a:rPr>
+              <a:t>Save with command: </a:t>
+            </a:r>
+            <a:r>
+              <a:rPr lang="en-US" sz="2400" dirty="0" smtClean="0">
+                <a:latin typeface="Monaco" charset="0"/>
+                <a:ea typeface="Monaco" charset="0"/>
+                <a:cs typeface="Monaco" charset="0"/>
+              </a:rPr>
+              <a:t>source ~/.</a:t>
+            </a:r>
+            <a:r>
+              <a:rPr lang="en-US" sz="2400" dirty="0" err="1" smtClean="0">
+                <a:latin typeface="Monaco" charset="0"/>
+                <a:ea typeface="Monaco" charset="0"/>
+                <a:cs typeface="Monaco" charset="0"/>
+              </a:rPr>
+              <a:t>bash_profile</a:t>
+            </a:r>
+            <a:endParaRPr lang="en-US" sz="2400" dirty="0" smtClean="0">
+              <a:latin typeface="Monaco" charset="0"/>
+              <a:ea typeface="Monaco" charset="0"/>
+              <a:cs typeface="Monaco" charset="0"/>
+            </a:endParaRPr>
+          </a:p>
+          <a:p>
+            <a:pPr marL="457200" indent="-457200">
+              <a:buFont typeface="Arial" charset="0"/>
+              <a:buChar char="•"/>
+            </a:pPr>
+            <a:endParaRPr lang="en-US" dirty="0" smtClean="0">
+              <a:latin typeface="Monaco" charset="0"/>
+              <a:ea typeface="Monaco" charset="0"/>
+              <a:cs typeface="Monaco" charset="0"/>
+            </a:endParaRPr>
+          </a:p>
+          <a:p>
+            <a:pPr marL="457200" indent="-457200">
+              <a:buFont typeface="Arial" charset="0"/>
+              <a:buChar char="•"/>
+            </a:pPr>
+            <a:endParaRPr lang="en-US" dirty="0">
+              <a:latin typeface="Monaco" charset="0"/>
+              <a:ea typeface="Monaco" charset="0"/>
+              <a:cs typeface="Monaco" charset="0"/>
+            </a:endParaRPr>
+          </a:p>
+          <a:p>
+            <a:pPr marL="457200" indent="-457200">
+              <a:buFont typeface="Arial" charset="0"/>
+              <a:buChar char="•"/>
+            </a:pPr>
+            <a:endParaRPr lang="en-US" dirty="0">
+              <a:latin typeface="Monaco" charset="0"/>
+              <a:ea typeface="Monaco" charset="0"/>
+              <a:cs typeface="Monaco" charset="0"/>
+            </a:endParaRPr>
+          </a:p>
+        </p:txBody>
+      </p:sp>
+    </p:spTree>
+    <p:extLst>
+      <p:ext uri="{BB962C8B-B14F-4D97-AF65-F5344CB8AC3E}">
+        <p14:creationId xmlns:p14="http://schemas.microsoft.com/office/powerpoint/2010/main" val="1084781988"/>
       </p:ext>
     </p:extLst>
   </p:cSld>

--- a/day2/commandline.pptx
+++ b/day2/commandline.pptx
@@ -5,7 +5,7 @@
     <p:sldMasterId id="2147483660" r:id="rId1"/>
   </p:sldMasterIdLst>
   <p:notesMasterIdLst>
-    <p:notesMasterId r:id="rId46"/>
+    <p:notesMasterId r:id="rId47"/>
   </p:notesMasterIdLst>
   <p:sldIdLst>
     <p:sldId id="256" r:id="rId2"/>
@@ -23,35 +23,36 @@
     <p:sldId id="267" r:id="rId14"/>
     <p:sldId id="268" r:id="rId15"/>
     <p:sldId id="270" r:id="rId16"/>
-    <p:sldId id="271" r:id="rId17"/>
-    <p:sldId id="353" r:id="rId18"/>
+    <p:sldId id="395" r:id="rId17"/>
+    <p:sldId id="271" r:id="rId18"/>
     <p:sldId id="356" r:id="rId19"/>
-    <p:sldId id="363" r:id="rId20"/>
-    <p:sldId id="369" r:id="rId21"/>
-    <p:sldId id="365" r:id="rId22"/>
-    <p:sldId id="367" r:id="rId23"/>
-    <p:sldId id="368" r:id="rId24"/>
-    <p:sldId id="370" r:id="rId25"/>
-    <p:sldId id="371" r:id="rId26"/>
-    <p:sldId id="373" r:id="rId27"/>
-    <p:sldId id="375" r:id="rId28"/>
-    <p:sldId id="376" r:id="rId29"/>
-    <p:sldId id="377" r:id="rId30"/>
-    <p:sldId id="379" r:id="rId31"/>
-    <p:sldId id="380" r:id="rId32"/>
-    <p:sldId id="381" r:id="rId33"/>
-    <p:sldId id="382" r:id="rId34"/>
-    <p:sldId id="383" r:id="rId35"/>
-    <p:sldId id="384" r:id="rId36"/>
-    <p:sldId id="385" r:id="rId37"/>
-    <p:sldId id="386" r:id="rId38"/>
-    <p:sldId id="387" r:id="rId39"/>
-    <p:sldId id="388" r:id="rId40"/>
-    <p:sldId id="389" r:id="rId41"/>
-    <p:sldId id="393" r:id="rId42"/>
-    <p:sldId id="394" r:id="rId43"/>
-    <p:sldId id="390" r:id="rId44"/>
-    <p:sldId id="391" r:id="rId45"/>
+    <p:sldId id="396" r:id="rId20"/>
+    <p:sldId id="363" r:id="rId21"/>
+    <p:sldId id="369" r:id="rId22"/>
+    <p:sldId id="365" r:id="rId23"/>
+    <p:sldId id="367" r:id="rId24"/>
+    <p:sldId id="368" r:id="rId25"/>
+    <p:sldId id="370" r:id="rId26"/>
+    <p:sldId id="371" r:id="rId27"/>
+    <p:sldId id="373" r:id="rId28"/>
+    <p:sldId id="375" r:id="rId29"/>
+    <p:sldId id="376" r:id="rId30"/>
+    <p:sldId id="377" r:id="rId31"/>
+    <p:sldId id="379" r:id="rId32"/>
+    <p:sldId id="380" r:id="rId33"/>
+    <p:sldId id="381" r:id="rId34"/>
+    <p:sldId id="382" r:id="rId35"/>
+    <p:sldId id="383" r:id="rId36"/>
+    <p:sldId id="384" r:id="rId37"/>
+    <p:sldId id="385" r:id="rId38"/>
+    <p:sldId id="386" r:id="rId39"/>
+    <p:sldId id="387" r:id="rId40"/>
+    <p:sldId id="388" r:id="rId41"/>
+    <p:sldId id="389" r:id="rId42"/>
+    <p:sldId id="393" r:id="rId43"/>
+    <p:sldId id="394" r:id="rId44"/>
+    <p:sldId id="390" r:id="rId45"/>
+    <p:sldId id="391" r:id="rId46"/>
   </p:sldIdLst>
   <p:sldSz cx="9144000" cy="6858000" type="screen4x3"/>
   <p:notesSz cx="6858000" cy="9144000"/>
@@ -251,7 +252,7 @@
           <a:p>
             <a:fld id="{F833E4A7-8C8F-0444-B05A-6DE0ED7B35B0}" type="datetimeFigureOut">
               <a:rPr lang="en-US" smtClean="0"/>
-              <a:t>5/24/17</a:t>
+              <a:t>5/25/17</a:t>
             </a:fld>
             <a:endParaRPr lang="en-US"/>
           </a:p>
@@ -684,7 +685,7 @@
           <a:p>
             <a:fld id="{850A63CA-6EF3-434A-8E2F-FF8FCBDA0A72}" type="slidenum">
               <a:rPr lang="en-US" smtClean="0"/>
-              <a:t>25</a:t>
+              <a:t>26</a:t>
             </a:fld>
             <a:endParaRPr lang="en-US"/>
           </a:p>
@@ -768,7 +769,7 @@
           <a:p>
             <a:fld id="{850A63CA-6EF3-434A-8E2F-FF8FCBDA0A72}" type="slidenum">
               <a:rPr lang="en-US" smtClean="0"/>
-              <a:t>26</a:t>
+              <a:t>27</a:t>
             </a:fld>
             <a:endParaRPr lang="en-US"/>
           </a:p>
@@ -852,7 +853,7 @@
           <a:p>
             <a:fld id="{850A63CA-6EF3-434A-8E2F-FF8FCBDA0A72}" type="slidenum">
               <a:rPr lang="en-US" smtClean="0"/>
-              <a:t>27</a:t>
+              <a:t>28</a:t>
             </a:fld>
             <a:endParaRPr lang="en-US"/>
           </a:p>
@@ -936,7 +937,7 @@
           <a:p>
             <a:fld id="{850A63CA-6EF3-434A-8E2F-FF8FCBDA0A72}" type="slidenum">
               <a:rPr lang="en-US" smtClean="0"/>
-              <a:t>28</a:t>
+              <a:t>29</a:t>
             </a:fld>
             <a:endParaRPr lang="en-US"/>
           </a:p>
@@ -1020,7 +1021,7 @@
           <a:p>
             <a:fld id="{850A63CA-6EF3-434A-8E2F-FF8FCBDA0A72}" type="slidenum">
               <a:rPr lang="en-US" smtClean="0"/>
-              <a:t>29</a:t>
+              <a:t>30</a:t>
             </a:fld>
             <a:endParaRPr lang="en-US"/>
           </a:p>
@@ -1104,7 +1105,7 @@
           <a:p>
             <a:fld id="{850A63CA-6EF3-434A-8E2F-FF8FCBDA0A72}" type="slidenum">
               <a:rPr lang="en-US" smtClean="0"/>
-              <a:t>30</a:t>
+              <a:t>31</a:t>
             </a:fld>
             <a:endParaRPr lang="en-US"/>
           </a:p>
@@ -1188,7 +1189,7 @@
           <a:p>
             <a:fld id="{850A63CA-6EF3-434A-8E2F-FF8FCBDA0A72}" type="slidenum">
               <a:rPr lang="en-US" smtClean="0"/>
-              <a:t>31</a:t>
+              <a:t>32</a:t>
             </a:fld>
             <a:endParaRPr lang="en-US"/>
           </a:p>
@@ -1272,7 +1273,7 @@
           <a:p>
             <a:fld id="{850A63CA-6EF3-434A-8E2F-FF8FCBDA0A72}" type="slidenum">
               <a:rPr lang="en-US" smtClean="0"/>
-              <a:t>32</a:t>
+              <a:t>33</a:t>
             </a:fld>
             <a:endParaRPr lang="en-US"/>
           </a:p>
@@ -1356,7 +1357,7 @@
           <a:p>
             <a:fld id="{850A63CA-6EF3-434A-8E2F-FF8FCBDA0A72}" type="slidenum">
               <a:rPr lang="en-US" smtClean="0"/>
-              <a:t>33</a:t>
+              <a:t>34</a:t>
             </a:fld>
             <a:endParaRPr lang="en-US"/>
           </a:p>
@@ -1440,7 +1441,7 @@
           <a:p>
             <a:fld id="{850A63CA-6EF3-434A-8E2F-FF8FCBDA0A72}" type="slidenum">
               <a:rPr lang="en-US" smtClean="0"/>
-              <a:t>34</a:t>
+              <a:t>35</a:t>
             </a:fld>
             <a:endParaRPr lang="en-US"/>
           </a:p>
@@ -1622,7 +1623,7 @@
           <a:p>
             <a:fld id="{850A63CA-6EF3-434A-8E2F-FF8FCBDA0A72}" type="slidenum">
               <a:rPr lang="en-US" smtClean="0"/>
-              <a:t>35</a:t>
+              <a:t>36</a:t>
             </a:fld>
             <a:endParaRPr lang="en-US"/>
           </a:p>
@@ -1706,7 +1707,7 @@
           <a:p>
             <a:fld id="{850A63CA-6EF3-434A-8E2F-FF8FCBDA0A72}" type="slidenum">
               <a:rPr lang="en-US" smtClean="0"/>
-              <a:t>36</a:t>
+              <a:t>37</a:t>
             </a:fld>
             <a:endParaRPr lang="en-US"/>
           </a:p>
@@ -1790,7 +1791,7 @@
           <a:p>
             <a:fld id="{850A63CA-6EF3-434A-8E2F-FF8FCBDA0A72}" type="slidenum">
               <a:rPr lang="en-US" smtClean="0"/>
-              <a:t>38</a:t>
+              <a:t>39</a:t>
             </a:fld>
             <a:endParaRPr lang="en-US"/>
           </a:p>
@@ -1878,7 +1879,7 @@
           <a:p>
             <a:fld id="{850A63CA-6EF3-434A-8E2F-FF8FCBDA0A72}" type="slidenum">
               <a:rPr lang="en-US" smtClean="0"/>
-              <a:t>16</a:t>
+              <a:t>17</a:t>
             </a:fld>
             <a:endParaRPr lang="en-US"/>
           </a:p>
@@ -1962,7 +1963,7 @@
           <a:p>
             <a:fld id="{850A63CA-6EF3-434A-8E2F-FF8FCBDA0A72}" type="slidenum">
               <a:rPr lang="en-US" smtClean="0"/>
-              <a:t>19</a:t>
+              <a:t>20</a:t>
             </a:fld>
             <a:endParaRPr lang="en-US"/>
           </a:p>
@@ -2046,7 +2047,7 @@
           <a:p>
             <a:fld id="{850A63CA-6EF3-434A-8E2F-FF8FCBDA0A72}" type="slidenum">
               <a:rPr lang="en-US" smtClean="0"/>
-              <a:t>20</a:t>
+              <a:t>21</a:t>
             </a:fld>
             <a:endParaRPr lang="en-US"/>
           </a:p>
@@ -2130,7 +2131,7 @@
           <a:p>
             <a:fld id="{850A63CA-6EF3-434A-8E2F-FF8FCBDA0A72}" type="slidenum">
               <a:rPr lang="en-US" smtClean="0"/>
-              <a:t>21</a:t>
+              <a:t>22</a:t>
             </a:fld>
             <a:endParaRPr lang="en-US"/>
           </a:p>
@@ -2214,7 +2215,7 @@
           <a:p>
             <a:fld id="{850A63CA-6EF3-434A-8E2F-FF8FCBDA0A72}" type="slidenum">
               <a:rPr lang="en-US" smtClean="0"/>
-              <a:t>22</a:t>
+              <a:t>23</a:t>
             </a:fld>
             <a:endParaRPr lang="en-US"/>
           </a:p>
@@ -2298,7 +2299,7 @@
           <a:p>
             <a:fld id="{850A63CA-6EF3-434A-8E2F-FF8FCBDA0A72}" type="slidenum">
               <a:rPr lang="en-US" smtClean="0"/>
-              <a:t>23</a:t>
+              <a:t>24</a:t>
             </a:fld>
             <a:endParaRPr lang="en-US"/>
           </a:p>
@@ -2382,7 +2383,7 @@
           <a:p>
             <a:fld id="{850A63CA-6EF3-434A-8E2F-FF8FCBDA0A72}" type="slidenum">
               <a:rPr lang="en-US" smtClean="0"/>
-              <a:t>24</a:t>
+              <a:t>25</a:t>
             </a:fld>
             <a:endParaRPr lang="en-US"/>
           </a:p>
@@ -2594,7 +2595,7 @@
           <a:p>
             <a:fld id="{CAF647BD-C221-1844-9ED2-A7F7759EF665}" type="datetimeFigureOut">
               <a:rPr lang="en-US" smtClean="0"/>
-              <a:t>5/24/17</a:t>
+              <a:t>5/25/17</a:t>
             </a:fld>
             <a:endParaRPr lang="en-US"/>
           </a:p>
@@ -2859,7 +2860,7 @@
           <a:p>
             <a:fld id="{CAF647BD-C221-1844-9ED2-A7F7759EF665}" type="datetimeFigureOut">
               <a:rPr lang="en-US" smtClean="0"/>
-              <a:t>5/24/17</a:t>
+              <a:t>5/25/17</a:t>
             </a:fld>
             <a:endParaRPr lang="en-US"/>
           </a:p>
@@ -3034,7 +3035,7 @@
           <a:p>
             <a:fld id="{CAF647BD-C221-1844-9ED2-A7F7759EF665}" type="datetimeFigureOut">
               <a:rPr lang="en-US" smtClean="0"/>
-              <a:t>5/24/17</a:t>
+              <a:t>5/25/17</a:t>
             </a:fld>
             <a:endParaRPr lang="en-US"/>
           </a:p>
@@ -3199,7 +3200,7 @@
           <a:p>
             <a:fld id="{CAF647BD-C221-1844-9ED2-A7F7759EF665}" type="datetimeFigureOut">
               <a:rPr lang="en-US" smtClean="0"/>
-              <a:t>5/24/17</a:t>
+              <a:t>5/25/17</a:t>
             </a:fld>
             <a:endParaRPr lang="en-US"/>
           </a:p>
@@ -3448,7 +3449,7 @@
           <a:p>
             <a:fld id="{CAF647BD-C221-1844-9ED2-A7F7759EF665}" type="datetimeFigureOut">
               <a:rPr lang="en-US" smtClean="0"/>
-              <a:t>5/24/17</a:t>
+              <a:t>5/25/17</a:t>
             </a:fld>
             <a:endParaRPr lang="en-US"/>
           </a:p>
@@ -3731,7 +3732,7 @@
           <a:p>
             <a:fld id="{CAF647BD-C221-1844-9ED2-A7F7759EF665}" type="datetimeFigureOut">
               <a:rPr lang="en-US" smtClean="0"/>
-              <a:t>5/24/17</a:t>
+              <a:t>5/25/17</a:t>
             </a:fld>
             <a:endParaRPr lang="en-US"/>
           </a:p>
@@ -4170,7 +4171,7 @@
           <a:p>
             <a:fld id="{CAF647BD-C221-1844-9ED2-A7F7759EF665}" type="datetimeFigureOut">
               <a:rPr lang="en-US" smtClean="0"/>
-              <a:t>5/24/17</a:t>
+              <a:t>5/25/17</a:t>
             </a:fld>
             <a:endParaRPr lang="en-US"/>
           </a:p>
@@ -4283,7 +4284,7 @@
           <a:p>
             <a:fld id="{CAF647BD-C221-1844-9ED2-A7F7759EF665}" type="datetimeFigureOut">
               <a:rPr lang="en-US" smtClean="0"/>
-              <a:t>5/24/17</a:t>
+              <a:t>5/25/17</a:t>
             </a:fld>
             <a:endParaRPr lang="en-US"/>
           </a:p>
@@ -4373,7 +4374,7 @@
           <a:p>
             <a:fld id="{CAF647BD-C221-1844-9ED2-A7F7759EF665}" type="datetimeFigureOut">
               <a:rPr lang="en-US" smtClean="0"/>
-              <a:t>5/24/17</a:t>
+              <a:t>5/25/17</a:t>
             </a:fld>
             <a:endParaRPr lang="en-US"/>
           </a:p>
@@ -4615,7 +4616,7 @@
           <a:p>
             <a:fld id="{CAF647BD-C221-1844-9ED2-A7F7759EF665}" type="datetimeFigureOut">
               <a:rPr lang="en-US" smtClean="0"/>
-              <a:t>5/24/17</a:t>
+              <a:t>5/25/17</a:t>
             </a:fld>
             <a:endParaRPr lang="en-US"/>
           </a:p>
@@ -4909,7 +4910,7 @@
           <a:p>
             <a:fld id="{CAF647BD-C221-1844-9ED2-A7F7759EF665}" type="datetimeFigureOut">
               <a:rPr lang="en-US" smtClean="0"/>
-              <a:t>5/24/17</a:t>
+              <a:t>5/25/17</a:t>
             </a:fld>
             <a:endParaRPr lang="en-US"/>
           </a:p>
@@ -5203,7 +5204,7 @@
           <a:p>
             <a:fld id="{CAF647BD-C221-1844-9ED2-A7F7759EF665}" type="datetimeFigureOut">
               <a:rPr lang="en-US" smtClean="0"/>
-              <a:t>5/24/17</a:t>
+              <a:t>5/25/17</a:t>
             </a:fld>
             <a:endParaRPr lang="en-US"/>
           </a:p>
@@ -7274,8 +7275,35 @@
             </a:r>
             <a:r>
               <a:rPr lang="en-US" i="1" dirty="0" smtClean="0"/>
-              <a:t>little computer programs</a:t>
-            </a:r>
+              <a:t>little computer </a:t>
+            </a:r>
+            <a:r>
+              <a:rPr lang="en-US" i="1" dirty="0" smtClean="0"/>
+              <a:t>programs</a:t>
+            </a:r>
+          </a:p>
+          <a:p>
+            <a:pPr marL="457200" indent="-457200">
+              <a:buFont typeface="Arial"/>
+              <a:buChar char="•"/>
+            </a:pPr>
+            <a:r>
+              <a:rPr lang="en-US" dirty="0" smtClean="0"/>
+              <a:t>Their behavior can be modified or specified with </a:t>
+            </a:r>
+            <a:r>
+              <a:rPr lang="en-US" u="sng" dirty="0" smtClean="0"/>
+              <a:t>flags</a:t>
+            </a:r>
+            <a:r>
+              <a:rPr lang="en-US" dirty="0" smtClean="0"/>
+              <a:t> and </a:t>
+            </a:r>
+            <a:r>
+              <a:rPr lang="en-US" u="sng" dirty="0" smtClean="0"/>
+              <a:t>arguments</a:t>
+            </a:r>
+            <a:endParaRPr lang="en-US" dirty="0" smtClean="0"/>
           </a:p>
           <a:p>
             <a:endParaRPr lang="en-US" dirty="0" smtClean="0"/>
@@ -7343,6 +7371,70 @@
 
 <file path=ppt/slides/slide16.xml><?xml version="1.0" encoding="utf-8"?>
 <p:sld xmlns:a="http://schemas.openxmlformats.org/drawingml/2006/main" xmlns:r="http://schemas.openxmlformats.org/officeDocument/2006/relationships" xmlns:p="http://schemas.openxmlformats.org/presentationml/2006/main">
+  <p:cSld>
+    <p:spTree>
+      <p:nvGrpSpPr>
+        <p:cNvPr id="1" name=""/>
+        <p:cNvGrpSpPr/>
+        <p:nvPr/>
+      </p:nvGrpSpPr>
+      <p:grpSpPr>
+        <a:xfrm>
+          <a:off x="0" y="0"/>
+          <a:ext cx="0" cy="0"/>
+          <a:chOff x="0" y="0"/>
+          <a:chExt cx="0" cy="0"/>
+        </a:xfrm>
+      </p:grpSpPr>
+      <p:sp>
+        <p:nvSpPr>
+          <p:cNvPr id="2" name="Title 1"/>
+          <p:cNvSpPr>
+            <a:spLocks noGrp="1"/>
+          </p:cNvSpPr>
+          <p:nvPr>
+            <p:ph type="title"/>
+          </p:nvPr>
+        </p:nvSpPr>
+        <p:spPr>
+          <a:xfrm>
+            <a:off x="640080" y="2502321"/>
+            <a:ext cx="8083296" cy="1100415"/>
+          </a:xfrm>
+        </p:spPr>
+        <p:txBody>
+          <a:bodyPr>
+            <a:normAutofit/>
+          </a:bodyPr>
+          <a:lstStyle/>
+          <a:p>
+            <a:r>
+              <a:rPr lang="en-US" dirty="0" smtClean="0"/>
+              <a:t>DEMO </a:t>
+            </a:r>
+            <a:r>
+              <a:rPr lang="en-US" smtClean="0"/>
+              <a:t>and exercise BREAK</a:t>
+            </a:r>
+            <a:endParaRPr lang="en-US" dirty="0"/>
+          </a:p>
+        </p:txBody>
+      </p:sp>
+    </p:spTree>
+    <p:extLst>
+      <p:ext uri="{BB962C8B-B14F-4D97-AF65-F5344CB8AC3E}">
+        <p14:creationId xmlns:p14="http://schemas.microsoft.com/office/powerpoint/2010/main" val="156181686"/>
+      </p:ext>
+    </p:extLst>
+  </p:cSld>
+  <p:clrMapOvr>
+    <a:masterClrMapping/>
+  </p:clrMapOvr>
+</p:sld>
+</file>
+
+<file path=ppt/slides/slide17.xml><?xml version="1.0" encoding="utf-8"?>
+<p:sld xmlns:a="http://schemas.openxmlformats.org/drawingml/2006/main" xmlns:r="http://schemas.openxmlformats.org/officeDocument/2006/relationships" xmlns:p="http://schemas.openxmlformats.org/presentationml/2006/main" show="0">
   <p:cSld>
     <p:spTree>
       <p:nvGrpSpPr>
@@ -8066,64 +8158,14 @@
   <p:clrMapOvr>
     <a:masterClrMapping/>
   </p:clrMapOvr>
-</p:sld>
-</file>
-
-<file path=ppt/slides/slide17.xml><?xml version="1.0" encoding="utf-8"?>
-<p:sld xmlns:a="http://schemas.openxmlformats.org/drawingml/2006/main" xmlns:r="http://schemas.openxmlformats.org/officeDocument/2006/relationships" xmlns:p="http://schemas.openxmlformats.org/presentationml/2006/main">
-  <p:cSld>
-    <p:spTree>
-      <p:nvGrpSpPr>
-        <p:cNvPr id="1" name=""/>
-        <p:cNvGrpSpPr/>
-        <p:nvPr/>
-      </p:nvGrpSpPr>
-      <p:grpSpPr>
-        <a:xfrm>
-          <a:off x="0" y="0"/>
-          <a:ext cx="0" cy="0"/>
-          <a:chOff x="0" y="0"/>
-          <a:chExt cx="0" cy="0"/>
-        </a:xfrm>
-      </p:grpSpPr>
-      <p:sp>
-        <p:nvSpPr>
-          <p:cNvPr id="2" name="Title 1"/>
-          <p:cNvSpPr>
-            <a:spLocks noGrp="1"/>
-          </p:cNvSpPr>
-          <p:nvPr>
-            <p:ph type="title"/>
-          </p:nvPr>
-        </p:nvSpPr>
-        <p:spPr>
-          <a:xfrm>
-            <a:off x="2230714" y="3087537"/>
-            <a:ext cx="4688183" cy="692215"/>
-          </a:xfrm>
-        </p:spPr>
-        <p:txBody>
-          <a:bodyPr/>
-          <a:lstStyle/>
-          <a:p>
-            <a:r>
-              <a:rPr lang="en-US" dirty="0" smtClean="0"/>
-              <a:t>exercise break</a:t>
-            </a:r>
-            <a:endParaRPr lang="en-US" dirty="0"/>
-          </a:p>
-        </p:txBody>
-      </p:sp>
-    </p:spTree>
-    <p:extLst>
-      <p:ext uri="{BB962C8B-B14F-4D97-AF65-F5344CB8AC3E}">
-        <p14:creationId xmlns:p14="http://schemas.microsoft.com/office/powerpoint/2010/main" val="1115991121"/>
-      </p:ext>
-    </p:extLst>
-  </p:cSld>
-  <p:clrMapOvr>
-    <a:masterClrMapping/>
-  </p:clrMapOvr>
+  <mc:AlternateContent xmlns:mc="http://schemas.openxmlformats.org/markup-compatibility/2006">
+    <mc:Choice xmlns:p14="http://schemas.microsoft.com/office/powerpoint/2010/main" Requires="p14">
+      <p:transition spd="slow" p14:dur="2000"/>
+    </mc:Choice>
+    <mc:Fallback>
+      <p:transition spd="slow"/>
+    </mc:Fallback>
+  </mc:AlternateContent>
 </p:sld>
 </file>
 
@@ -8236,7 +8278,19 @@
             </a:pPr>
             <a:r>
               <a:rPr lang="en-US" sz="3600" dirty="0" smtClean="0"/>
-              <a:t>Excellent for text file manipulation!</a:t>
+              <a:t>Excellent for </a:t>
+            </a:r>
+            <a:r>
+              <a:rPr lang="en-US" sz="3600" smtClean="0"/>
+              <a:t>text </a:t>
+            </a:r>
+            <a:r>
+              <a:rPr lang="en-US" sz="3600" smtClean="0"/>
+              <a:t>(file) </a:t>
+            </a:r>
+            <a:r>
+              <a:rPr lang="en-US" sz="3600" dirty="0" smtClean="0"/>
+              <a:t>manipulation!</a:t>
             </a:r>
           </a:p>
           <a:p>
@@ -8295,6 +8349,305 @@
           <a:p>
             <a:r>
               <a:rPr lang="en-US" dirty="0" smtClean="0"/>
+              <a:t>critical </a:t>
+            </a:r>
+            <a:r>
+              <a:rPr lang="en-US" dirty="0" err="1" smtClean="0"/>
+              <a:t>psa</a:t>
+            </a:r>
+            <a:r>
+              <a:rPr lang="en-US" dirty="0" smtClean="0"/>
+              <a:t>: text editors</a:t>
+            </a:r>
+            <a:endParaRPr lang="en-US" dirty="0"/>
+          </a:p>
+        </p:txBody>
+      </p:sp>
+      <p:sp>
+        <p:nvSpPr>
+          <p:cNvPr id="3" name="Content Placeholder 2"/>
+          <p:cNvSpPr>
+            <a:spLocks noGrp="1"/>
+          </p:cNvSpPr>
+          <p:nvPr>
+            <p:ph idx="1"/>
+          </p:nvPr>
+        </p:nvSpPr>
+        <p:spPr/>
+        <p:txBody>
+          <a:bodyPr>
+            <a:normAutofit fontScale="92500" lnSpcReduction="10000"/>
+          </a:bodyPr>
+          <a:lstStyle/>
+          <a:p>
+            <a:pPr marL="457200" indent="-457200">
+              <a:buFont typeface="Arial" charset="0"/>
+              <a:buChar char="•"/>
+            </a:pPr>
+            <a:r>
+              <a:rPr lang="en-US" dirty="0" smtClean="0"/>
+              <a:t>Microsoft Word is not a text editor!!!!!!! I’m so serious!!!</a:t>
+            </a:r>
+            <a:endParaRPr lang="en-US" dirty="0"/>
+          </a:p>
+          <a:p>
+            <a:pPr marL="457200" indent="-457200">
+              <a:buFont typeface="Arial" charset="0"/>
+              <a:buChar char="•"/>
+            </a:pPr>
+            <a:r>
+              <a:rPr lang="en-US" dirty="0" smtClean="0"/>
+              <a:t>GUI</a:t>
+            </a:r>
+          </a:p>
+          <a:p>
+            <a:pPr marL="914400" lvl="1" indent="-457200">
+              <a:buFont typeface="Arial" charset="0"/>
+              <a:buChar char="•"/>
+            </a:pPr>
+            <a:r>
+              <a:rPr lang="en-US" strike="sngStrike" dirty="0" err="1" smtClean="0"/>
+              <a:t>TextEdit</a:t>
+            </a:r>
+            <a:r>
+              <a:rPr lang="en-US" strike="sngStrike" dirty="0" smtClean="0"/>
+              <a:t> and Notepad</a:t>
+            </a:r>
+          </a:p>
+          <a:p>
+            <a:pPr marL="914400" lvl="1" indent="-457200">
+              <a:buFont typeface="Arial" charset="0"/>
+              <a:buChar char="•"/>
+            </a:pPr>
+            <a:r>
+              <a:rPr lang="en-US" dirty="0" err="1" smtClean="0"/>
+              <a:t>Textwrangler</a:t>
+            </a:r>
+            <a:r>
+              <a:rPr lang="en-US" dirty="0" smtClean="0"/>
+              <a:t>/BBEdit for Macs</a:t>
+            </a:r>
+          </a:p>
+          <a:p>
+            <a:pPr marL="914400" lvl="1" indent="-457200">
+              <a:buFont typeface="Arial" charset="0"/>
+              <a:buChar char="•"/>
+            </a:pPr>
+            <a:r>
+              <a:rPr lang="en-US" dirty="0" smtClean="0"/>
+              <a:t>Sublime 3 for everyone else</a:t>
+            </a:r>
+          </a:p>
+          <a:p>
+            <a:pPr marL="914400" lvl="1" indent="-457200">
+              <a:buFont typeface="Arial" charset="0"/>
+              <a:buChar char="•"/>
+            </a:pPr>
+            <a:r>
+              <a:rPr lang="en-US" dirty="0" smtClean="0"/>
+              <a:t>Newer, awesome one called Atom (but still buggy)</a:t>
+            </a:r>
+          </a:p>
+          <a:p>
+            <a:pPr marL="457200" indent="-457200">
+              <a:buFont typeface="Arial" charset="0"/>
+              <a:buChar char="•"/>
+            </a:pPr>
+            <a:r>
+              <a:rPr lang="en-US" dirty="0" smtClean="0"/>
+              <a:t>CLI</a:t>
+            </a:r>
+          </a:p>
+          <a:p>
+            <a:pPr marL="914400" lvl="1" indent="-457200">
+              <a:buFont typeface="Arial" charset="0"/>
+              <a:buChar char="•"/>
+            </a:pPr>
+            <a:r>
+              <a:rPr lang="en-US" dirty="0" smtClean="0"/>
+              <a:t>Vim/vi, </a:t>
+            </a:r>
+            <a:r>
+              <a:rPr lang="en-US" dirty="0" err="1" smtClean="0"/>
+              <a:t>emacs</a:t>
+            </a:r>
+            <a:r>
+              <a:rPr lang="en-US" dirty="0" smtClean="0"/>
+              <a:t>, </a:t>
+            </a:r>
+            <a:r>
+              <a:rPr lang="en-US" dirty="0" err="1" smtClean="0"/>
+              <a:t>nano</a:t>
+            </a:r>
+            <a:r>
+              <a:rPr lang="en-US" dirty="0" smtClean="0"/>
+              <a:t>, </a:t>
+            </a:r>
+            <a:r>
+              <a:rPr lang="en-US" dirty="0" err="1" smtClean="0"/>
+              <a:t>pico</a:t>
+            </a:r>
+            <a:r>
+              <a:rPr lang="en-US" dirty="0" smtClean="0"/>
+              <a:t> (b/c puns)</a:t>
+            </a:r>
+          </a:p>
+          <a:p>
+            <a:pPr marL="914400" lvl="1" indent="-457200">
+              <a:buFont typeface="Arial" charset="0"/>
+              <a:buChar char="•"/>
+            </a:pPr>
+            <a:r>
+              <a:rPr lang="en-US" dirty="0">
+                <a:hlinkClick r:id="rId2"/>
+              </a:rPr>
+              <a:t>https://</a:t>
+            </a:r>
+            <a:r>
+              <a:rPr lang="en-US" dirty="0" err="1">
+                <a:hlinkClick r:id="rId2"/>
+              </a:rPr>
+              <a:t>en.wikipedia.org</a:t>
+            </a:r>
+            <a:r>
+              <a:rPr lang="en-US" dirty="0">
+                <a:hlinkClick r:id="rId2"/>
+              </a:rPr>
+              <a:t>/wiki/</a:t>
+            </a:r>
+            <a:r>
+              <a:rPr lang="en-US" dirty="0" err="1">
+                <a:hlinkClick r:id="rId2"/>
+              </a:rPr>
+              <a:t>Editor_war</a:t>
+            </a:r>
+            <a:endParaRPr lang="en-US" dirty="0"/>
+          </a:p>
+        </p:txBody>
+      </p:sp>
+    </p:spTree>
+    <p:extLst>
+      <p:ext uri="{BB962C8B-B14F-4D97-AF65-F5344CB8AC3E}">
+        <p14:creationId xmlns:p14="http://schemas.microsoft.com/office/powerpoint/2010/main" val="1992654216"/>
+      </p:ext>
+    </p:extLst>
+  </p:cSld>
+  <p:clrMapOvr>
+    <a:masterClrMapping/>
+  </p:clrMapOvr>
+</p:sld>
+</file>
+
+<file path=ppt/slides/slide2.xml><?xml version="1.0" encoding="utf-8"?>
+<p:sld xmlns:a="http://schemas.openxmlformats.org/drawingml/2006/main" xmlns:r="http://schemas.openxmlformats.org/officeDocument/2006/relationships" xmlns:p="http://schemas.openxmlformats.org/presentationml/2006/main">
+  <p:cSld>
+    <p:spTree>
+      <p:nvGrpSpPr>
+        <p:cNvPr id="1" name=""/>
+        <p:cNvGrpSpPr/>
+        <p:nvPr/>
+      </p:nvGrpSpPr>
+      <p:grpSpPr>
+        <a:xfrm>
+          <a:off x="0" y="0"/>
+          <a:ext cx="0" cy="0"/>
+          <a:chOff x="0" y="0"/>
+          <a:chExt cx="0" cy="0"/>
+        </a:xfrm>
+      </p:grpSpPr>
+      <p:sp>
+        <p:nvSpPr>
+          <p:cNvPr id="2" name="Title 1"/>
+          <p:cNvSpPr>
+            <a:spLocks noGrp="1"/>
+          </p:cNvSpPr>
+          <p:nvPr>
+            <p:ph type="title"/>
+          </p:nvPr>
+        </p:nvSpPr>
+        <p:spPr/>
+        <p:txBody>
+          <a:bodyPr/>
+          <a:lstStyle/>
+          <a:p>
+            <a:r>
+              <a:rPr lang="en-US" dirty="0" smtClean="0"/>
+              <a:t>computers are stupid</a:t>
+            </a:r>
+            <a:endParaRPr lang="en-US" dirty="0"/>
+          </a:p>
+        </p:txBody>
+      </p:sp>
+      <p:sp>
+        <p:nvSpPr>
+          <p:cNvPr id="3" name="Content Placeholder 2"/>
+          <p:cNvSpPr>
+            <a:spLocks noGrp="1"/>
+          </p:cNvSpPr>
+          <p:nvPr>
+            <p:ph idx="1"/>
+          </p:nvPr>
+        </p:nvSpPr>
+        <p:spPr/>
+        <p:txBody>
+          <a:bodyPr/>
+          <a:lstStyle/>
+          <a:p>
+            <a:r>
+              <a:rPr lang="en-US" dirty="0" smtClean="0"/>
+              <a:t>No, really.</a:t>
+            </a:r>
+            <a:endParaRPr lang="en-US" dirty="0"/>
+          </a:p>
+        </p:txBody>
+      </p:sp>
+    </p:spTree>
+    <p:extLst>
+      <p:ext uri="{BB962C8B-B14F-4D97-AF65-F5344CB8AC3E}">
+        <p14:creationId xmlns:p14="http://schemas.microsoft.com/office/powerpoint/2010/main" val="2512607414"/>
+      </p:ext>
+    </p:extLst>
+  </p:cSld>
+  <p:clrMapOvr>
+    <a:masterClrMapping/>
+  </p:clrMapOvr>
+</p:sld>
+</file>
+
+<file path=ppt/slides/slide20.xml><?xml version="1.0" encoding="utf-8"?>
+<p:sld xmlns:a="http://schemas.openxmlformats.org/drawingml/2006/main" xmlns:r="http://schemas.openxmlformats.org/officeDocument/2006/relationships" xmlns:p="http://schemas.openxmlformats.org/presentationml/2006/main">
+  <p:cSld>
+    <p:spTree>
+      <p:nvGrpSpPr>
+        <p:cNvPr id="1" name=""/>
+        <p:cNvGrpSpPr/>
+        <p:nvPr/>
+      </p:nvGrpSpPr>
+      <p:grpSpPr>
+        <a:xfrm>
+          <a:off x="0" y="0"/>
+          <a:ext cx="0" cy="0"/>
+          <a:chOff x="0" y="0"/>
+          <a:chExt cx="0" cy="0"/>
+        </a:xfrm>
+      </p:grpSpPr>
+      <p:sp>
+        <p:nvSpPr>
+          <p:cNvPr id="2" name="Title 1"/>
+          <p:cNvSpPr>
+            <a:spLocks noGrp="1"/>
+          </p:cNvSpPr>
+          <p:nvPr>
+            <p:ph type="title"/>
+          </p:nvPr>
+        </p:nvSpPr>
+        <p:spPr/>
+        <p:txBody>
+          <a:bodyPr/>
+          <a:lstStyle/>
+          <a:p>
+            <a:r>
+              <a:rPr lang="en-US" dirty="0" smtClean="0"/>
               <a:t>Regular expressions</a:t>
             </a:r>
             <a:endParaRPr lang="en-US" dirty="0"/>
@@ -8329,15 +8682,7 @@
                 <a:ea typeface="Monaco" charset="0"/>
                 <a:cs typeface="Monaco" charset="0"/>
               </a:rPr>
-              <a:t>String</a:t>
-            </a:r>
-            <a:r>
-              <a:rPr lang="en-US" dirty="0" smtClean="0">
-                <a:latin typeface="Monaco" charset="0"/>
-                <a:ea typeface="Monaco" charset="0"/>
-                <a:cs typeface="Monaco" charset="0"/>
-              </a:rPr>
-              <a:t>: Mus </a:t>
+              <a:t>String: Mus </a:t>
             </a:r>
             <a:r>
               <a:rPr lang="en-US" dirty="0" err="1" smtClean="0">
@@ -8367,15 +8712,7 @@
                 <a:ea typeface="Monaco" charset="0"/>
                 <a:cs typeface="Monaco" charset="0"/>
               </a:rPr>
-              <a:t>Regex:  </a:t>
-            </a:r>
-            <a:r>
-              <a:rPr lang="en-US" dirty="0" smtClean="0">
-                <a:latin typeface="Monaco" charset="0"/>
-                <a:ea typeface="Monaco" charset="0"/>
-                <a:cs typeface="Monaco" charset="0"/>
-              </a:rPr>
-              <a:t>Mus</a:t>
+              <a:t>Regex:  Mus</a:t>
             </a:r>
             <a:endParaRPr lang="en-US" dirty="0">
               <a:latin typeface="Monaco" charset="0"/>
@@ -8498,7 +8835,7 @@
 </p:sld>
 </file>
 
-<file path=ppt/slides/slide2.xml><?xml version="1.0" encoding="utf-8"?>
+<file path=ppt/slides/slide21.xml><?xml version="1.0" encoding="utf-8"?>
 <p:sld xmlns:a="http://schemas.openxmlformats.org/drawingml/2006/main" xmlns:r="http://schemas.openxmlformats.org/officeDocument/2006/relationships" xmlns:p="http://schemas.openxmlformats.org/presentationml/2006/main">
   <p:cSld>
     <p:spTree>
@@ -8532,82 +8869,6 @@
           <a:p>
             <a:r>
               <a:rPr lang="en-US" dirty="0" smtClean="0"/>
-              <a:t>computers are stupid</a:t>
-            </a:r>
-            <a:endParaRPr lang="en-US" dirty="0"/>
-          </a:p>
-        </p:txBody>
-      </p:sp>
-      <p:sp>
-        <p:nvSpPr>
-          <p:cNvPr id="3" name="Content Placeholder 2"/>
-          <p:cNvSpPr>
-            <a:spLocks noGrp="1"/>
-          </p:cNvSpPr>
-          <p:nvPr>
-            <p:ph idx="1"/>
-          </p:nvPr>
-        </p:nvSpPr>
-        <p:spPr/>
-        <p:txBody>
-          <a:bodyPr/>
-          <a:lstStyle/>
-          <a:p>
-            <a:r>
-              <a:rPr lang="en-US" dirty="0" smtClean="0"/>
-              <a:t>No, really.</a:t>
-            </a:r>
-            <a:endParaRPr lang="en-US" dirty="0"/>
-          </a:p>
-        </p:txBody>
-      </p:sp>
-    </p:spTree>
-    <p:extLst>
-      <p:ext uri="{BB962C8B-B14F-4D97-AF65-F5344CB8AC3E}">
-        <p14:creationId xmlns:p14="http://schemas.microsoft.com/office/powerpoint/2010/main" val="2512607414"/>
-      </p:ext>
-    </p:extLst>
-  </p:cSld>
-  <p:clrMapOvr>
-    <a:masterClrMapping/>
-  </p:clrMapOvr>
-</p:sld>
-</file>
-
-<file path=ppt/slides/slide20.xml><?xml version="1.0" encoding="utf-8"?>
-<p:sld xmlns:a="http://schemas.openxmlformats.org/drawingml/2006/main" xmlns:r="http://schemas.openxmlformats.org/officeDocument/2006/relationships" xmlns:p="http://schemas.openxmlformats.org/presentationml/2006/main">
-  <p:cSld>
-    <p:spTree>
-      <p:nvGrpSpPr>
-        <p:cNvPr id="1" name=""/>
-        <p:cNvGrpSpPr/>
-        <p:nvPr/>
-      </p:nvGrpSpPr>
-      <p:grpSpPr>
-        <a:xfrm>
-          <a:off x="0" y="0"/>
-          <a:ext cx="0" cy="0"/>
-          <a:chOff x="0" y="0"/>
-          <a:chExt cx="0" cy="0"/>
-        </a:xfrm>
-      </p:grpSpPr>
-      <p:sp>
-        <p:nvSpPr>
-          <p:cNvPr id="2" name="Title 1"/>
-          <p:cNvSpPr>
-            <a:spLocks noGrp="1"/>
-          </p:cNvSpPr>
-          <p:nvPr>
-            <p:ph type="title"/>
-          </p:nvPr>
-        </p:nvSpPr>
-        <p:spPr/>
-        <p:txBody>
-          <a:bodyPr/>
-          <a:lstStyle/>
-          <a:p>
-            <a:r>
-              <a:rPr lang="en-US" dirty="0" smtClean="0"/>
               <a:t>Regular expressions</a:t>
             </a:r>
             <a:endParaRPr lang="en-US" dirty="0"/>
@@ -8642,15 +8903,7 @@
                 <a:ea typeface="Monaco" charset="0"/>
                 <a:cs typeface="Monaco" charset="0"/>
               </a:rPr>
-              <a:t>String</a:t>
-            </a:r>
-            <a:r>
-              <a:rPr lang="en-US" dirty="0" smtClean="0">
-                <a:latin typeface="Monaco" charset="0"/>
-                <a:ea typeface="Monaco" charset="0"/>
-                <a:cs typeface="Monaco" charset="0"/>
-              </a:rPr>
-              <a:t>: Mus </a:t>
+              <a:t>String: Mus </a:t>
             </a:r>
             <a:r>
               <a:rPr lang="en-US" dirty="0" err="1" smtClean="0">
@@ -8680,23 +8933,7 @@
                 <a:ea typeface="Monaco" charset="0"/>
                 <a:cs typeface="Monaco" charset="0"/>
               </a:rPr>
-              <a:t>Regex:  </a:t>
-            </a:r>
-            <a:r>
-              <a:rPr lang="en-US" dirty="0" smtClean="0">
-                <a:latin typeface="Monaco" charset="0"/>
-                <a:ea typeface="Monaco" charset="0"/>
-                <a:cs typeface="Monaco" charset="0"/>
-              </a:rPr>
-              <a:t>M</a:t>
-            </a:r>
-            <a:r>
-              <a:rPr lang="en-US" dirty="0" smtClean="0">
-                <a:latin typeface="Monaco" charset="0"/>
-                <a:ea typeface="Monaco" charset="0"/>
-                <a:cs typeface="Monaco" charset="0"/>
-              </a:rPr>
-              <a:t>us </a:t>
+              <a:t>Regex:  Mus </a:t>
             </a:r>
             <a:r>
               <a:rPr lang="en-US" dirty="0" err="1" smtClean="0">
@@ -8827,7 +9064,7 @@
 </p:sld>
 </file>
 
-<file path=ppt/slides/slide21.xml><?xml version="1.0" encoding="utf-8"?>
+<file path=ppt/slides/slide22.xml><?xml version="1.0" encoding="utf-8"?>
 <p:sld xmlns:a="http://schemas.openxmlformats.org/drawingml/2006/main" xmlns:r="http://schemas.openxmlformats.org/officeDocument/2006/relationships" xmlns:p="http://schemas.openxmlformats.org/presentationml/2006/main">
   <p:cSld>
     <p:spTree>
@@ -8895,15 +9132,7 @@
                 <a:ea typeface="Monaco" charset="0"/>
                 <a:cs typeface="Monaco" charset="0"/>
               </a:rPr>
-              <a:t>String</a:t>
-            </a:r>
-            <a:r>
-              <a:rPr lang="en-US" dirty="0" smtClean="0">
-                <a:latin typeface="Monaco" charset="0"/>
-                <a:ea typeface="Monaco" charset="0"/>
-                <a:cs typeface="Monaco" charset="0"/>
-              </a:rPr>
-              <a:t>: Mus </a:t>
+              <a:t>String: Mus </a:t>
             </a:r>
             <a:r>
               <a:rPr lang="en-US" dirty="0" err="1" smtClean="0">
@@ -9145,7 +9374,7 @@
 </p:sld>
 </file>
 
-<file path=ppt/slides/slide22.xml><?xml version="1.0" encoding="utf-8"?>
+<file path=ppt/slides/slide23.xml><?xml version="1.0" encoding="utf-8"?>
 <p:sld xmlns:a="http://schemas.openxmlformats.org/drawingml/2006/main" xmlns:r="http://schemas.openxmlformats.org/officeDocument/2006/relationships" xmlns:p="http://schemas.openxmlformats.org/presentationml/2006/main">
   <p:cSld>
     <p:spTree>
@@ -9213,15 +9442,7 @@
                 <a:ea typeface="Monaco" charset="0"/>
                 <a:cs typeface="Monaco" charset="0"/>
               </a:rPr>
-              <a:t>String</a:t>
-            </a:r>
-            <a:r>
-              <a:rPr lang="en-US" dirty="0" smtClean="0">
-                <a:latin typeface="Monaco" charset="0"/>
-                <a:ea typeface="Monaco" charset="0"/>
-                <a:cs typeface="Monaco" charset="0"/>
-              </a:rPr>
-              <a:t>: Mus </a:t>
+              <a:t>String: Mus </a:t>
             </a:r>
             <a:r>
               <a:rPr lang="en-US" dirty="0" err="1" smtClean="0">
@@ -9511,7 +9732,7 @@
 </p:sld>
 </file>
 
-<file path=ppt/slides/slide23.xml><?xml version="1.0" encoding="utf-8"?>
+<file path=ppt/slides/slide24.xml><?xml version="1.0" encoding="utf-8"?>
 <p:sld xmlns:a="http://schemas.openxmlformats.org/drawingml/2006/main" xmlns:r="http://schemas.openxmlformats.org/officeDocument/2006/relationships" xmlns:p="http://schemas.openxmlformats.org/presentationml/2006/main">
   <p:cSld>
     <p:spTree>
@@ -9579,15 +9800,7 @@
                 <a:ea typeface="Monaco" charset="0"/>
                 <a:cs typeface="Monaco" charset="0"/>
               </a:rPr>
-              <a:t>String</a:t>
-            </a:r>
-            <a:r>
-              <a:rPr lang="en-US" dirty="0" smtClean="0">
-                <a:latin typeface="Monaco" charset="0"/>
-                <a:ea typeface="Monaco" charset="0"/>
-                <a:cs typeface="Monaco" charset="0"/>
-              </a:rPr>
-              <a:t>: Mus </a:t>
+              <a:t>String: Mus </a:t>
             </a:r>
             <a:r>
               <a:rPr lang="en-US" dirty="0" err="1" smtClean="0">
@@ -9866,7 +10079,7 @@
 </p:sld>
 </file>
 
-<file path=ppt/slides/slide24.xml><?xml version="1.0" encoding="utf-8"?>
+<file path=ppt/slides/slide25.xml><?xml version="1.0" encoding="utf-8"?>
 <p:sld xmlns:a="http://schemas.openxmlformats.org/drawingml/2006/main" xmlns:r="http://schemas.openxmlformats.org/officeDocument/2006/relationships" xmlns:p="http://schemas.openxmlformats.org/presentationml/2006/main">
   <p:cSld>
     <p:spTree>
@@ -9934,15 +10147,7 @@
                 <a:ea typeface="Monaco" charset="0"/>
                 <a:cs typeface="Monaco" charset="0"/>
               </a:rPr>
-              <a:t>String</a:t>
-            </a:r>
-            <a:r>
-              <a:rPr lang="en-US" dirty="0" smtClean="0">
-                <a:latin typeface="Monaco" charset="0"/>
-                <a:ea typeface="Monaco" charset="0"/>
-                <a:cs typeface="Monaco" charset="0"/>
-              </a:rPr>
-              <a:t>: Mus </a:t>
+              <a:t>String: Mus </a:t>
             </a:r>
             <a:r>
               <a:rPr lang="en-US" dirty="0" err="1" smtClean="0">
@@ -10154,7 +10359,7 @@
 </p:sld>
 </file>
 
-<file path=ppt/slides/slide25.xml><?xml version="1.0" encoding="utf-8"?>
+<file path=ppt/slides/slide26.xml><?xml version="1.0" encoding="utf-8"?>
 <p:sld xmlns:a="http://schemas.openxmlformats.org/drawingml/2006/main" xmlns:r="http://schemas.openxmlformats.org/officeDocument/2006/relationships" xmlns:p="http://schemas.openxmlformats.org/presentationml/2006/main">
   <p:cSld>
     <p:spTree>
@@ -10222,15 +10427,7 @@
                 <a:ea typeface="Monaco" charset="0"/>
                 <a:cs typeface="Monaco" charset="0"/>
               </a:rPr>
-              <a:t>String</a:t>
-            </a:r>
-            <a:r>
-              <a:rPr lang="en-US" dirty="0" smtClean="0">
-                <a:latin typeface="Monaco" charset="0"/>
-                <a:ea typeface="Monaco" charset="0"/>
-                <a:cs typeface="Monaco" charset="0"/>
-              </a:rPr>
-              <a:t>: Mus </a:t>
+              <a:t>String: Mus </a:t>
             </a:r>
             <a:r>
               <a:rPr lang="en-US" dirty="0" err="1" smtClean="0">
@@ -10394,305 +10591,6 @@
 </p:sld>
 </file>
 
-<file path=ppt/slides/slide26.xml><?xml version="1.0" encoding="utf-8"?>
-<p:sld xmlns:a="http://schemas.openxmlformats.org/drawingml/2006/main" xmlns:r="http://schemas.openxmlformats.org/officeDocument/2006/relationships" xmlns:p="http://schemas.openxmlformats.org/presentationml/2006/main">
-  <p:cSld>
-    <p:spTree>
-      <p:nvGrpSpPr>
-        <p:cNvPr id="1" name=""/>
-        <p:cNvGrpSpPr/>
-        <p:nvPr/>
-      </p:nvGrpSpPr>
-      <p:grpSpPr>
-        <a:xfrm>
-          <a:off x="0" y="0"/>
-          <a:ext cx="0" cy="0"/>
-          <a:chOff x="0" y="0"/>
-          <a:chExt cx="0" cy="0"/>
-        </a:xfrm>
-      </p:grpSpPr>
-      <p:sp>
-        <p:nvSpPr>
-          <p:cNvPr id="2" name="Title 1"/>
-          <p:cNvSpPr>
-            <a:spLocks noGrp="1"/>
-          </p:cNvSpPr>
-          <p:nvPr>
-            <p:ph type="title"/>
-          </p:nvPr>
-        </p:nvSpPr>
-        <p:spPr/>
-        <p:txBody>
-          <a:bodyPr/>
-          <a:lstStyle/>
-          <a:p>
-            <a:r>
-              <a:rPr lang="en-US" dirty="0" smtClean="0"/>
-              <a:t>Regular expressions</a:t>
-            </a:r>
-            <a:endParaRPr lang="en-US" dirty="0"/>
-          </a:p>
-        </p:txBody>
-      </p:sp>
-      <p:sp>
-        <p:nvSpPr>
-          <p:cNvPr id="3" name="Content Placeholder 2"/>
-          <p:cNvSpPr>
-            <a:spLocks noGrp="1"/>
-          </p:cNvSpPr>
-          <p:nvPr>
-            <p:ph idx="1"/>
-          </p:nvPr>
-        </p:nvSpPr>
-        <p:spPr>
-          <a:xfrm>
-            <a:off x="457200" y="1752601"/>
-            <a:ext cx="7620000" cy="3005138"/>
-          </a:xfrm>
-        </p:spPr>
-        <p:txBody>
-          <a:bodyPr>
-            <a:normAutofit fontScale="77500" lnSpcReduction="20000"/>
-          </a:bodyPr>
-          <a:lstStyle/>
-          <a:p>
-            <a:r>
-              <a:rPr lang="en-US" dirty="0" smtClean="0">
-                <a:latin typeface="Monaco" charset="0"/>
-                <a:ea typeface="Monaco" charset="0"/>
-                <a:cs typeface="Monaco" charset="0"/>
-              </a:rPr>
-              <a:t>String</a:t>
-            </a:r>
-            <a:r>
-              <a:rPr lang="en-US" dirty="0" smtClean="0">
-                <a:latin typeface="Monaco" charset="0"/>
-                <a:ea typeface="Monaco" charset="0"/>
-                <a:cs typeface="Monaco" charset="0"/>
-              </a:rPr>
-              <a:t>:  Mus </a:t>
-            </a:r>
-            <a:r>
-              <a:rPr lang="en-US" dirty="0" err="1" smtClean="0">
-                <a:latin typeface="Monaco" charset="0"/>
-                <a:ea typeface="Monaco" charset="0"/>
-                <a:cs typeface="Monaco" charset="0"/>
-              </a:rPr>
-              <a:t>musculus</a:t>
-            </a:r>
-            <a:endParaRPr lang="en-US" dirty="0" smtClean="0">
-              <a:latin typeface="Monaco" charset="0"/>
-              <a:ea typeface="Monaco" charset="0"/>
-              <a:cs typeface="Monaco" charset="0"/>
-            </a:endParaRPr>
-          </a:p>
-          <a:p>
-            <a:endParaRPr lang="en-US" dirty="0">
-              <a:latin typeface="Monaco" charset="0"/>
-              <a:ea typeface="Monaco" charset="0"/>
-              <a:cs typeface="Monaco" charset="0"/>
-            </a:endParaRPr>
-          </a:p>
-          <a:p>
-            <a:r>
-              <a:rPr lang="en-US" dirty="0" smtClean="0">
-                <a:latin typeface="Monaco" charset="0"/>
-                <a:ea typeface="Monaco" charset="0"/>
-                <a:cs typeface="Monaco" charset="0"/>
-              </a:rPr>
-              <a:t>Regex:  </a:t>
-            </a:r>
-            <a:r>
-              <a:rPr lang="en-US" dirty="0" smtClean="0">
-                <a:latin typeface="Monaco" charset="0"/>
-                <a:ea typeface="Monaco" charset="0"/>
-                <a:cs typeface="Monaco" charset="0"/>
-              </a:rPr>
-              <a:t> </a:t>
-            </a:r>
-            <a:r>
-              <a:rPr lang="en-US" dirty="0" smtClean="0">
-                <a:solidFill>
-                  <a:srgbClr val="FFC000"/>
-                </a:solidFill>
-                <a:latin typeface="Monaco" charset="0"/>
-                <a:ea typeface="Monaco" charset="0"/>
-                <a:cs typeface="Monaco" charset="0"/>
-              </a:rPr>
-              <a:t>(</a:t>
-            </a:r>
-            <a:r>
-              <a:rPr lang="en-US" dirty="0" smtClean="0">
-                <a:solidFill>
-                  <a:srgbClr val="FF0000"/>
-                </a:solidFill>
-                <a:latin typeface="Monaco" charset="0"/>
-                <a:ea typeface="Monaco" charset="0"/>
-                <a:cs typeface="Monaco" charset="0"/>
-              </a:rPr>
-              <a:t>[A-Z]</a:t>
-            </a:r>
-            <a:r>
-              <a:rPr lang="en-US" dirty="0" smtClean="0">
-                <a:solidFill>
-                  <a:srgbClr val="FFC000"/>
-                </a:solidFill>
-                <a:latin typeface="Monaco" charset="0"/>
-                <a:ea typeface="Monaco" charset="0"/>
-                <a:cs typeface="Monaco" charset="0"/>
-              </a:rPr>
-              <a:t>)</a:t>
-            </a:r>
-            <a:r>
-              <a:rPr lang="en-US" dirty="0" smtClean="0">
-                <a:solidFill>
-                  <a:srgbClr val="FF0000"/>
-                </a:solidFill>
-                <a:latin typeface="Monaco" charset="0"/>
-                <a:ea typeface="Monaco" charset="0"/>
-                <a:cs typeface="Monaco" charset="0"/>
-              </a:rPr>
-              <a:t>\w+ </a:t>
-            </a:r>
-            <a:r>
-              <a:rPr lang="en-US" dirty="0" smtClean="0">
-                <a:solidFill>
-                  <a:srgbClr val="FFC000"/>
-                </a:solidFill>
-                <a:latin typeface="Monaco" charset="0"/>
-                <a:ea typeface="Monaco" charset="0"/>
-                <a:cs typeface="Monaco" charset="0"/>
-              </a:rPr>
-              <a:t>(</a:t>
-            </a:r>
-            <a:r>
-              <a:rPr lang="en-US" dirty="0" smtClean="0">
-                <a:solidFill>
-                  <a:srgbClr val="FF0000"/>
-                </a:solidFill>
-                <a:latin typeface="Monaco" charset="0"/>
-                <a:ea typeface="Monaco" charset="0"/>
-                <a:cs typeface="Monaco" charset="0"/>
-              </a:rPr>
-              <a:t>\w+</a:t>
-            </a:r>
-            <a:r>
-              <a:rPr lang="en-US" dirty="0" smtClean="0">
-                <a:solidFill>
-                  <a:srgbClr val="FFC000"/>
-                </a:solidFill>
-                <a:latin typeface="Monaco" charset="0"/>
-                <a:ea typeface="Monaco" charset="0"/>
-                <a:cs typeface="Monaco" charset="0"/>
-              </a:rPr>
-              <a:t>)</a:t>
-            </a:r>
-            <a:endParaRPr lang="en-US" dirty="0">
-              <a:solidFill>
-                <a:srgbClr val="FFC000"/>
-              </a:solidFill>
-              <a:latin typeface="Monaco" charset="0"/>
-              <a:ea typeface="Monaco" charset="0"/>
-              <a:cs typeface="Monaco" charset="0"/>
-            </a:endParaRPr>
-          </a:p>
-          <a:p>
-            <a:endParaRPr lang="en-US" dirty="0" smtClean="0">
-              <a:latin typeface="Monaco" charset="0"/>
-              <a:ea typeface="Monaco" charset="0"/>
-              <a:cs typeface="Monaco" charset="0"/>
-            </a:endParaRPr>
-          </a:p>
-          <a:p>
-            <a:r>
-              <a:rPr lang="en-US" dirty="0" smtClean="0">
-                <a:latin typeface="Monaco" charset="0"/>
-                <a:ea typeface="Monaco" charset="0"/>
-                <a:cs typeface="Monaco" charset="0"/>
-              </a:rPr>
-              <a:t>Replace: \1. \2</a:t>
-            </a:r>
-            <a:endParaRPr lang="en-US" dirty="0">
-              <a:latin typeface="Monaco" charset="0"/>
-              <a:ea typeface="Monaco" charset="0"/>
-              <a:cs typeface="Monaco" charset="0"/>
-            </a:endParaRPr>
-          </a:p>
-          <a:p>
-            <a:endParaRPr lang="en-US" dirty="0" smtClean="0">
-              <a:latin typeface="Monaco" charset="0"/>
-              <a:ea typeface="Monaco" charset="0"/>
-              <a:cs typeface="Monaco" charset="0"/>
-            </a:endParaRPr>
-          </a:p>
-          <a:p>
-            <a:r>
-              <a:rPr lang="en-US" dirty="0" smtClean="0">
-                <a:latin typeface="Monaco" charset="0"/>
-                <a:ea typeface="Monaco" charset="0"/>
-                <a:cs typeface="Monaco" charset="0"/>
-              </a:rPr>
-              <a:t>New string</a:t>
-            </a:r>
-            <a:r>
-              <a:rPr lang="en-US" dirty="0" smtClean="0">
-                <a:latin typeface="Monaco" charset="0"/>
-                <a:ea typeface="Monaco" charset="0"/>
-                <a:cs typeface="Monaco" charset="0"/>
-              </a:rPr>
-              <a:t>:  </a:t>
-            </a:r>
-            <a:r>
-              <a:rPr lang="en-US" dirty="0" smtClean="0">
-                <a:latin typeface="Monaco" charset="0"/>
-                <a:ea typeface="Monaco" charset="0"/>
-                <a:cs typeface="Monaco" charset="0"/>
-              </a:rPr>
-              <a:t>M. </a:t>
-            </a:r>
-            <a:r>
-              <a:rPr lang="en-US" dirty="0" err="1" smtClean="0">
-                <a:latin typeface="Monaco" charset="0"/>
-                <a:ea typeface="Monaco" charset="0"/>
-                <a:cs typeface="Monaco" charset="0"/>
-              </a:rPr>
-              <a:t>musculus</a:t>
-            </a:r>
-            <a:endParaRPr lang="en-US" dirty="0">
-              <a:latin typeface="Monaco" charset="0"/>
-              <a:ea typeface="Monaco" charset="0"/>
-              <a:cs typeface="Monaco" charset="0"/>
-            </a:endParaRPr>
-          </a:p>
-          <a:p>
-            <a:endParaRPr lang="en-US" dirty="0">
-              <a:latin typeface="Monaco" charset="0"/>
-              <a:ea typeface="Monaco" charset="0"/>
-              <a:cs typeface="Monaco" charset="0"/>
-            </a:endParaRPr>
-          </a:p>
-          <a:p>
-            <a:endParaRPr lang="en-US" dirty="0">
-              <a:latin typeface="Monaco" charset="0"/>
-              <a:ea typeface="Monaco" charset="0"/>
-              <a:cs typeface="Monaco" charset="0"/>
-            </a:endParaRPr>
-          </a:p>
-        </p:txBody>
-      </p:sp>
-    </p:spTree>
-    <p:extLst>
-      <p:ext uri="{BB962C8B-B14F-4D97-AF65-F5344CB8AC3E}">
-        <p14:creationId xmlns:p14="http://schemas.microsoft.com/office/powerpoint/2010/main" val="1737623045"/>
-      </p:ext>
-    </p:extLst>
-  </p:cSld>
-  <p:clrMapOvr>
-    <a:masterClrMapping/>
-  </p:clrMapOvr>
-</p:sld>
-</file>
-
 <file path=ppt/slides/slide27.xml><?xml version="1.0" encoding="utf-8"?>
 <p:sld xmlns:a="http://schemas.openxmlformats.org/drawingml/2006/main" xmlns:r="http://schemas.openxmlformats.org/officeDocument/2006/relationships" xmlns:p="http://schemas.openxmlformats.org/presentationml/2006/main">
   <p:cSld>
@@ -10751,7 +10649,7 @@
         </p:spPr>
         <p:txBody>
           <a:bodyPr>
-            <a:normAutofit/>
+            <a:normAutofit fontScale="77500" lnSpcReduction="20000"/>
           </a:bodyPr>
           <a:lstStyle/>
           <a:p>
@@ -10761,21 +10659,275 @@
                 <a:ea typeface="Monaco" charset="0"/>
                 <a:cs typeface="Monaco" charset="0"/>
               </a:rPr>
-              <a:t>String</a:t>
-            </a:r>
-            <a:r>
-              <a:rPr lang="en-US" dirty="0" smtClean="0">
-                <a:latin typeface="Monaco" charset="0"/>
-                <a:ea typeface="Monaco" charset="0"/>
-                <a:cs typeface="Monaco" charset="0"/>
-              </a:rPr>
-              <a:t>: 85.34 cm</a:t>
+              <a:t>String:  Mus </a:t>
+            </a:r>
+            <a:r>
+              <a:rPr lang="en-US" dirty="0" err="1" smtClean="0">
+                <a:latin typeface="Monaco" charset="0"/>
+                <a:ea typeface="Monaco" charset="0"/>
+                <a:cs typeface="Monaco" charset="0"/>
+              </a:rPr>
+              <a:t>musculus</a:t>
             </a:r>
             <a:endParaRPr lang="en-US" dirty="0" smtClean="0">
               <a:latin typeface="Monaco" charset="0"/>
               <a:ea typeface="Monaco" charset="0"/>
               <a:cs typeface="Monaco" charset="0"/>
             </a:endParaRPr>
+          </a:p>
+          <a:p>
+            <a:endParaRPr lang="en-US" dirty="0">
+              <a:latin typeface="Monaco" charset="0"/>
+              <a:ea typeface="Monaco" charset="0"/>
+              <a:cs typeface="Monaco" charset="0"/>
+            </a:endParaRPr>
+          </a:p>
+          <a:p>
+            <a:r>
+              <a:rPr lang="en-US" dirty="0" smtClean="0">
+                <a:latin typeface="Monaco" charset="0"/>
+                <a:ea typeface="Monaco" charset="0"/>
+                <a:cs typeface="Monaco" charset="0"/>
+              </a:rPr>
+              <a:t>Regex:   </a:t>
+            </a:r>
+            <a:r>
+              <a:rPr lang="en-US" dirty="0" smtClean="0">
+                <a:solidFill>
+                  <a:srgbClr val="FFC000"/>
+                </a:solidFill>
+                <a:latin typeface="Monaco" charset="0"/>
+                <a:ea typeface="Monaco" charset="0"/>
+                <a:cs typeface="Monaco" charset="0"/>
+              </a:rPr>
+              <a:t>(</a:t>
+            </a:r>
+            <a:r>
+              <a:rPr lang="en-US" dirty="0" smtClean="0">
+                <a:solidFill>
+                  <a:srgbClr val="FF0000"/>
+                </a:solidFill>
+                <a:latin typeface="Monaco" charset="0"/>
+                <a:ea typeface="Monaco" charset="0"/>
+                <a:cs typeface="Monaco" charset="0"/>
+              </a:rPr>
+              <a:t>[A-Z]</a:t>
+            </a:r>
+            <a:r>
+              <a:rPr lang="en-US" dirty="0" smtClean="0">
+                <a:solidFill>
+                  <a:srgbClr val="FFC000"/>
+                </a:solidFill>
+                <a:latin typeface="Monaco" charset="0"/>
+                <a:ea typeface="Monaco" charset="0"/>
+                <a:cs typeface="Monaco" charset="0"/>
+              </a:rPr>
+              <a:t>)</a:t>
+            </a:r>
+            <a:r>
+              <a:rPr lang="en-US" dirty="0" smtClean="0">
+                <a:solidFill>
+                  <a:srgbClr val="FF0000"/>
+                </a:solidFill>
+                <a:latin typeface="Monaco" charset="0"/>
+                <a:ea typeface="Monaco" charset="0"/>
+                <a:cs typeface="Monaco" charset="0"/>
+              </a:rPr>
+              <a:t>\w+ </a:t>
+            </a:r>
+            <a:r>
+              <a:rPr lang="en-US" dirty="0" smtClean="0">
+                <a:solidFill>
+                  <a:srgbClr val="FFC000"/>
+                </a:solidFill>
+                <a:latin typeface="Monaco" charset="0"/>
+                <a:ea typeface="Monaco" charset="0"/>
+                <a:cs typeface="Monaco" charset="0"/>
+              </a:rPr>
+              <a:t>(</a:t>
+            </a:r>
+            <a:r>
+              <a:rPr lang="en-US" dirty="0" smtClean="0">
+                <a:solidFill>
+                  <a:srgbClr val="FF0000"/>
+                </a:solidFill>
+                <a:latin typeface="Monaco" charset="0"/>
+                <a:ea typeface="Monaco" charset="0"/>
+                <a:cs typeface="Monaco" charset="0"/>
+              </a:rPr>
+              <a:t>\w+</a:t>
+            </a:r>
+            <a:r>
+              <a:rPr lang="en-US" dirty="0" smtClean="0">
+                <a:solidFill>
+                  <a:srgbClr val="FFC000"/>
+                </a:solidFill>
+                <a:latin typeface="Monaco" charset="0"/>
+                <a:ea typeface="Monaco" charset="0"/>
+                <a:cs typeface="Monaco" charset="0"/>
+              </a:rPr>
+              <a:t>)</a:t>
+            </a:r>
+            <a:endParaRPr lang="en-US" dirty="0">
+              <a:solidFill>
+                <a:srgbClr val="FFC000"/>
+              </a:solidFill>
+              <a:latin typeface="Monaco" charset="0"/>
+              <a:ea typeface="Monaco" charset="0"/>
+              <a:cs typeface="Monaco" charset="0"/>
+            </a:endParaRPr>
+          </a:p>
+          <a:p>
+            <a:endParaRPr lang="en-US" dirty="0" smtClean="0">
+              <a:latin typeface="Monaco" charset="0"/>
+              <a:ea typeface="Monaco" charset="0"/>
+              <a:cs typeface="Monaco" charset="0"/>
+            </a:endParaRPr>
+          </a:p>
+          <a:p>
+            <a:r>
+              <a:rPr lang="en-US" dirty="0" smtClean="0">
+                <a:latin typeface="Monaco" charset="0"/>
+                <a:ea typeface="Monaco" charset="0"/>
+                <a:cs typeface="Monaco" charset="0"/>
+              </a:rPr>
+              <a:t>Replace: \1. \2</a:t>
+            </a:r>
+            <a:endParaRPr lang="en-US" dirty="0">
+              <a:latin typeface="Monaco" charset="0"/>
+              <a:ea typeface="Monaco" charset="0"/>
+              <a:cs typeface="Monaco" charset="0"/>
+            </a:endParaRPr>
+          </a:p>
+          <a:p>
+            <a:endParaRPr lang="en-US" dirty="0" smtClean="0">
+              <a:latin typeface="Monaco" charset="0"/>
+              <a:ea typeface="Monaco" charset="0"/>
+              <a:cs typeface="Monaco" charset="0"/>
+            </a:endParaRPr>
+          </a:p>
+          <a:p>
+            <a:r>
+              <a:rPr lang="en-US" dirty="0" smtClean="0">
+                <a:latin typeface="Monaco" charset="0"/>
+                <a:ea typeface="Monaco" charset="0"/>
+                <a:cs typeface="Monaco" charset="0"/>
+              </a:rPr>
+              <a:t>New string:  M. </a:t>
+            </a:r>
+            <a:r>
+              <a:rPr lang="en-US" dirty="0" err="1" smtClean="0">
+                <a:latin typeface="Monaco" charset="0"/>
+                <a:ea typeface="Monaco" charset="0"/>
+                <a:cs typeface="Monaco" charset="0"/>
+              </a:rPr>
+              <a:t>musculus</a:t>
+            </a:r>
+            <a:endParaRPr lang="en-US" dirty="0">
+              <a:latin typeface="Monaco" charset="0"/>
+              <a:ea typeface="Monaco" charset="0"/>
+              <a:cs typeface="Monaco" charset="0"/>
+            </a:endParaRPr>
+          </a:p>
+          <a:p>
+            <a:endParaRPr lang="en-US" dirty="0">
+              <a:latin typeface="Monaco" charset="0"/>
+              <a:ea typeface="Monaco" charset="0"/>
+              <a:cs typeface="Monaco" charset="0"/>
+            </a:endParaRPr>
+          </a:p>
+          <a:p>
+            <a:endParaRPr lang="en-US" dirty="0">
+              <a:latin typeface="Monaco" charset="0"/>
+              <a:ea typeface="Monaco" charset="0"/>
+              <a:cs typeface="Monaco" charset="0"/>
+            </a:endParaRPr>
+          </a:p>
+        </p:txBody>
+      </p:sp>
+    </p:spTree>
+    <p:extLst>
+      <p:ext uri="{BB962C8B-B14F-4D97-AF65-F5344CB8AC3E}">
+        <p14:creationId xmlns:p14="http://schemas.microsoft.com/office/powerpoint/2010/main" val="1737623045"/>
+      </p:ext>
+    </p:extLst>
+  </p:cSld>
+  <p:clrMapOvr>
+    <a:masterClrMapping/>
+  </p:clrMapOvr>
+</p:sld>
+</file>
+
+<file path=ppt/slides/slide28.xml><?xml version="1.0" encoding="utf-8"?>
+<p:sld xmlns:a="http://schemas.openxmlformats.org/drawingml/2006/main" xmlns:r="http://schemas.openxmlformats.org/officeDocument/2006/relationships" xmlns:p="http://schemas.openxmlformats.org/presentationml/2006/main">
+  <p:cSld>
+    <p:spTree>
+      <p:nvGrpSpPr>
+        <p:cNvPr id="1" name=""/>
+        <p:cNvGrpSpPr/>
+        <p:nvPr/>
+      </p:nvGrpSpPr>
+      <p:grpSpPr>
+        <a:xfrm>
+          <a:off x="0" y="0"/>
+          <a:ext cx="0" cy="0"/>
+          <a:chOff x="0" y="0"/>
+          <a:chExt cx="0" cy="0"/>
+        </a:xfrm>
+      </p:grpSpPr>
+      <p:sp>
+        <p:nvSpPr>
+          <p:cNvPr id="2" name="Title 1"/>
+          <p:cNvSpPr>
+            <a:spLocks noGrp="1"/>
+          </p:cNvSpPr>
+          <p:nvPr>
+            <p:ph type="title"/>
+          </p:nvPr>
+        </p:nvSpPr>
+        <p:spPr/>
+        <p:txBody>
+          <a:bodyPr/>
+          <a:lstStyle/>
+          <a:p>
+            <a:r>
+              <a:rPr lang="en-US" dirty="0" smtClean="0"/>
+              <a:t>Regular expressions</a:t>
+            </a:r>
+            <a:endParaRPr lang="en-US" dirty="0"/>
+          </a:p>
+        </p:txBody>
+      </p:sp>
+      <p:sp>
+        <p:nvSpPr>
+          <p:cNvPr id="3" name="Content Placeholder 2"/>
+          <p:cNvSpPr>
+            <a:spLocks noGrp="1"/>
+          </p:cNvSpPr>
+          <p:nvPr>
+            <p:ph idx="1"/>
+          </p:nvPr>
+        </p:nvSpPr>
+        <p:spPr>
+          <a:xfrm>
+            <a:off x="457200" y="1752601"/>
+            <a:ext cx="7620000" cy="3005138"/>
+          </a:xfrm>
+        </p:spPr>
+        <p:txBody>
+          <a:bodyPr>
+            <a:normAutofit/>
+          </a:bodyPr>
+          <a:lstStyle/>
+          <a:p>
+            <a:r>
+              <a:rPr lang="en-US" dirty="0" smtClean="0">
+                <a:latin typeface="Monaco" charset="0"/>
+                <a:ea typeface="Monaco" charset="0"/>
+                <a:cs typeface="Monaco" charset="0"/>
+              </a:rPr>
+              <a:t>String: 85.34 cm</a:t>
+            </a:r>
           </a:p>
           <a:p>
             <a:endParaRPr lang="en-US" dirty="0">
@@ -10983,7 +11135,7 @@
 </p:sld>
 </file>
 
-<file path=ppt/slides/slide28.xml><?xml version="1.0" encoding="utf-8"?>
+<file path=ppt/slides/slide29.xml><?xml version="1.0" encoding="utf-8"?>
 <p:sld xmlns:a="http://schemas.openxmlformats.org/drawingml/2006/main" xmlns:r="http://schemas.openxmlformats.org/officeDocument/2006/relationships" xmlns:p="http://schemas.openxmlformats.org/presentationml/2006/main">
   <p:cSld>
     <p:spTree>
@@ -11051,21 +11203,8 @@
                 <a:ea typeface="Monaco" charset="0"/>
                 <a:cs typeface="Monaco" charset="0"/>
               </a:rPr>
-              <a:t>String</a:t>
-            </a:r>
-            <a:r>
-              <a:rPr lang="en-US" dirty="0" smtClean="0">
-                <a:latin typeface="Monaco" charset="0"/>
-                <a:ea typeface="Monaco" charset="0"/>
-                <a:cs typeface="Monaco" charset="0"/>
-              </a:rPr>
-              <a:t>: 85.34 cm</a:t>
-            </a:r>
-            <a:endParaRPr lang="en-US" dirty="0" smtClean="0">
-              <a:latin typeface="Monaco" charset="0"/>
-              <a:ea typeface="Monaco" charset="0"/>
-              <a:cs typeface="Monaco" charset="0"/>
-            </a:endParaRPr>
+              <a:t>String: 85.34 cm</a:t>
+            </a:r>
           </a:p>
           <a:p>
             <a:endParaRPr lang="en-US" dirty="0">
@@ -11225,7 +11364,7 @@
 </p:sld>
 </file>
 
-<file path=ppt/slides/slide29.xml><?xml version="1.0" encoding="utf-8"?>
+<file path=ppt/slides/slide3.xml><?xml version="1.0" encoding="utf-8"?>
 <p:sld xmlns:a="http://schemas.openxmlformats.org/drawingml/2006/main" xmlns:r="http://schemas.openxmlformats.org/officeDocument/2006/relationships" xmlns:p="http://schemas.openxmlformats.org/presentationml/2006/main">
   <p:cSld>
     <p:spTree>
@@ -11259,6 +11398,101 @@
           <a:p>
             <a:r>
               <a:rPr lang="en-US" dirty="0" smtClean="0"/>
+              <a:t>Unix and the shell</a:t>
+            </a:r>
+            <a:endParaRPr lang="en-US" dirty="0"/>
+          </a:p>
+        </p:txBody>
+      </p:sp>
+      <p:sp>
+        <p:nvSpPr>
+          <p:cNvPr id="3" name="Content Placeholder 2"/>
+          <p:cNvSpPr>
+            <a:spLocks noGrp="1"/>
+          </p:cNvSpPr>
+          <p:nvPr>
+            <p:ph idx="1"/>
+          </p:nvPr>
+        </p:nvSpPr>
+        <p:spPr/>
+        <p:txBody>
+          <a:bodyPr/>
+          <a:lstStyle/>
+          <a:p>
+            <a:pPr marL="457200" indent="-457200">
+              <a:buFont typeface="Arial"/>
+              <a:buChar char="•"/>
+            </a:pPr>
+            <a:r>
+              <a:rPr lang="en-US" dirty="0" smtClean="0"/>
+              <a:t>UNIX is a computer operating system</a:t>
+            </a:r>
+          </a:p>
+          <a:p>
+            <a:pPr marL="914400" lvl="1" indent="-457200">
+              <a:buFont typeface="Arial"/>
+              <a:buChar char="•"/>
+            </a:pPr>
+            <a:r>
+              <a:rPr lang="en-US" dirty="0"/>
+              <a:t>Mac and Linux are built on UNIX, but PCs are not </a:t>
+            </a:r>
+            <a:r>
+              <a:rPr lang="en-US" dirty="0">
+                <a:sym typeface="Wingdings"/>
+              </a:rPr>
+              <a:t> (but Windows 10 now has Linux inside!)</a:t>
+            </a:r>
+          </a:p>
+        </p:txBody>
+      </p:sp>
+    </p:spTree>
+    <p:extLst>
+      <p:ext uri="{BB962C8B-B14F-4D97-AF65-F5344CB8AC3E}">
+        <p14:creationId xmlns:p14="http://schemas.microsoft.com/office/powerpoint/2010/main" val="2869913224"/>
+      </p:ext>
+    </p:extLst>
+  </p:cSld>
+  <p:clrMapOvr>
+    <a:masterClrMapping/>
+  </p:clrMapOvr>
+</p:sld>
+</file>
+
+<file path=ppt/slides/slide30.xml><?xml version="1.0" encoding="utf-8"?>
+<p:sld xmlns:a="http://schemas.openxmlformats.org/drawingml/2006/main" xmlns:r="http://schemas.openxmlformats.org/officeDocument/2006/relationships" xmlns:p="http://schemas.openxmlformats.org/presentationml/2006/main">
+  <p:cSld>
+    <p:spTree>
+      <p:nvGrpSpPr>
+        <p:cNvPr id="1" name=""/>
+        <p:cNvGrpSpPr/>
+        <p:nvPr/>
+      </p:nvGrpSpPr>
+      <p:grpSpPr>
+        <a:xfrm>
+          <a:off x="0" y="0"/>
+          <a:ext cx="0" cy="0"/>
+          <a:chOff x="0" y="0"/>
+          <a:chExt cx="0" cy="0"/>
+        </a:xfrm>
+      </p:grpSpPr>
+      <p:sp>
+        <p:nvSpPr>
+          <p:cNvPr id="2" name="Title 1"/>
+          <p:cNvSpPr>
+            <a:spLocks noGrp="1"/>
+          </p:cNvSpPr>
+          <p:nvPr>
+            <p:ph type="title"/>
+          </p:nvPr>
+        </p:nvSpPr>
+        <p:spPr/>
+        <p:txBody>
+          <a:bodyPr/>
+          <a:lstStyle/>
+          <a:p>
+            <a:r>
+              <a:rPr lang="en-US" dirty="0" smtClean="0"/>
               <a:t>Regular expressions</a:t>
             </a:r>
             <a:endParaRPr lang="en-US" dirty="0"/>
@@ -11293,21 +11527,8 @@
                 <a:ea typeface="Monaco" charset="0"/>
                 <a:cs typeface="Monaco" charset="0"/>
               </a:rPr>
-              <a:t>String</a:t>
-            </a:r>
-            <a:r>
-              <a:rPr lang="en-US" dirty="0" smtClean="0">
-                <a:latin typeface="Monaco" charset="0"/>
-                <a:ea typeface="Monaco" charset="0"/>
-                <a:cs typeface="Monaco" charset="0"/>
-              </a:rPr>
-              <a:t>: 85.34 cm</a:t>
-            </a:r>
-            <a:endParaRPr lang="en-US" dirty="0" smtClean="0">
-              <a:latin typeface="Monaco" charset="0"/>
-              <a:ea typeface="Monaco" charset="0"/>
-              <a:cs typeface="Monaco" charset="0"/>
-            </a:endParaRPr>
+              <a:t>String: 85.34 cm</a:t>
+            </a:r>
           </a:p>
           <a:p>
             <a:endParaRPr lang="en-US" dirty="0">
@@ -11467,287 +11688,6 @@
 </p:sld>
 </file>
 
-<file path=ppt/slides/slide3.xml><?xml version="1.0" encoding="utf-8"?>
-<p:sld xmlns:a="http://schemas.openxmlformats.org/drawingml/2006/main" xmlns:r="http://schemas.openxmlformats.org/officeDocument/2006/relationships" xmlns:p="http://schemas.openxmlformats.org/presentationml/2006/main">
-  <p:cSld>
-    <p:spTree>
-      <p:nvGrpSpPr>
-        <p:cNvPr id="1" name=""/>
-        <p:cNvGrpSpPr/>
-        <p:nvPr/>
-      </p:nvGrpSpPr>
-      <p:grpSpPr>
-        <a:xfrm>
-          <a:off x="0" y="0"/>
-          <a:ext cx="0" cy="0"/>
-          <a:chOff x="0" y="0"/>
-          <a:chExt cx="0" cy="0"/>
-        </a:xfrm>
-      </p:grpSpPr>
-      <p:sp>
-        <p:nvSpPr>
-          <p:cNvPr id="2" name="Title 1"/>
-          <p:cNvSpPr>
-            <a:spLocks noGrp="1"/>
-          </p:cNvSpPr>
-          <p:nvPr>
-            <p:ph type="title"/>
-          </p:nvPr>
-        </p:nvSpPr>
-        <p:spPr/>
-        <p:txBody>
-          <a:bodyPr/>
-          <a:lstStyle/>
-          <a:p>
-            <a:r>
-              <a:rPr lang="en-US" dirty="0" smtClean="0"/>
-              <a:t>Unix and the shell</a:t>
-            </a:r>
-            <a:endParaRPr lang="en-US" dirty="0"/>
-          </a:p>
-        </p:txBody>
-      </p:sp>
-      <p:sp>
-        <p:nvSpPr>
-          <p:cNvPr id="3" name="Content Placeholder 2"/>
-          <p:cNvSpPr>
-            <a:spLocks noGrp="1"/>
-          </p:cNvSpPr>
-          <p:nvPr>
-            <p:ph idx="1"/>
-          </p:nvPr>
-        </p:nvSpPr>
-        <p:spPr/>
-        <p:txBody>
-          <a:bodyPr/>
-          <a:lstStyle/>
-          <a:p>
-            <a:pPr marL="457200" indent="-457200">
-              <a:buFont typeface="Arial"/>
-              <a:buChar char="•"/>
-            </a:pPr>
-            <a:r>
-              <a:rPr lang="en-US" dirty="0" smtClean="0"/>
-              <a:t>UNIX is a computer operating system</a:t>
-            </a:r>
-          </a:p>
-          <a:p>
-            <a:pPr marL="914400" lvl="1" indent="-457200">
-              <a:buFont typeface="Arial"/>
-              <a:buChar char="•"/>
-            </a:pPr>
-            <a:r>
-              <a:rPr lang="en-US" dirty="0"/>
-              <a:t>Mac and Linux are built on UNIX, but PCs are not </a:t>
-            </a:r>
-            <a:r>
-              <a:rPr lang="en-US" dirty="0">
-                <a:sym typeface="Wingdings"/>
-              </a:rPr>
-              <a:t> (but Windows 10 now has Linux inside!)</a:t>
-            </a:r>
-          </a:p>
-        </p:txBody>
-      </p:sp>
-    </p:spTree>
-    <p:extLst>
-      <p:ext uri="{BB962C8B-B14F-4D97-AF65-F5344CB8AC3E}">
-        <p14:creationId xmlns:p14="http://schemas.microsoft.com/office/powerpoint/2010/main" val="2869913224"/>
-      </p:ext>
-    </p:extLst>
-  </p:cSld>
-  <p:clrMapOvr>
-    <a:masterClrMapping/>
-  </p:clrMapOvr>
-</p:sld>
-</file>
-
-<file path=ppt/slides/slide30.xml><?xml version="1.0" encoding="utf-8"?>
-<p:sld xmlns:a="http://schemas.openxmlformats.org/drawingml/2006/main" xmlns:r="http://schemas.openxmlformats.org/officeDocument/2006/relationships" xmlns:p="http://schemas.openxmlformats.org/presentationml/2006/main">
-  <p:cSld>
-    <p:spTree>
-      <p:nvGrpSpPr>
-        <p:cNvPr id="1" name=""/>
-        <p:cNvGrpSpPr/>
-        <p:nvPr/>
-      </p:nvGrpSpPr>
-      <p:grpSpPr>
-        <a:xfrm>
-          <a:off x="0" y="0"/>
-          <a:ext cx="0" cy="0"/>
-          <a:chOff x="0" y="0"/>
-          <a:chExt cx="0" cy="0"/>
-        </a:xfrm>
-      </p:grpSpPr>
-      <p:sp>
-        <p:nvSpPr>
-          <p:cNvPr id="2" name="Title 1"/>
-          <p:cNvSpPr>
-            <a:spLocks noGrp="1"/>
-          </p:cNvSpPr>
-          <p:nvPr>
-            <p:ph type="title"/>
-          </p:nvPr>
-        </p:nvSpPr>
-        <p:spPr/>
-        <p:txBody>
-          <a:bodyPr/>
-          <a:lstStyle/>
-          <a:p>
-            <a:r>
-              <a:rPr lang="en-US" dirty="0" smtClean="0"/>
-              <a:t>Regular expressions</a:t>
-            </a:r>
-            <a:endParaRPr lang="en-US" dirty="0"/>
-          </a:p>
-        </p:txBody>
-      </p:sp>
-      <p:sp>
-        <p:nvSpPr>
-          <p:cNvPr id="3" name="Content Placeholder 2"/>
-          <p:cNvSpPr>
-            <a:spLocks noGrp="1"/>
-          </p:cNvSpPr>
-          <p:nvPr>
-            <p:ph idx="1"/>
-          </p:nvPr>
-        </p:nvSpPr>
-        <p:spPr>
-          <a:xfrm>
-            <a:off x="457200" y="1752601"/>
-            <a:ext cx="7620000" cy="3005138"/>
-          </a:xfrm>
-        </p:spPr>
-        <p:txBody>
-          <a:bodyPr>
-            <a:normAutofit/>
-          </a:bodyPr>
-          <a:lstStyle/>
-          <a:p>
-            <a:r>
-              <a:rPr lang="en-US" dirty="0" smtClean="0">
-                <a:latin typeface="Monaco" charset="0"/>
-                <a:ea typeface="Monaco" charset="0"/>
-                <a:cs typeface="Monaco" charset="0"/>
-              </a:rPr>
-              <a:t>String</a:t>
-            </a:r>
-            <a:r>
-              <a:rPr lang="en-US" dirty="0" smtClean="0">
-                <a:latin typeface="Monaco" charset="0"/>
-                <a:ea typeface="Monaco" charset="0"/>
-                <a:cs typeface="Monaco" charset="0"/>
-              </a:rPr>
-              <a:t>: 85 cm</a:t>
-            </a:r>
-            <a:endParaRPr lang="en-US" dirty="0" smtClean="0">
-              <a:latin typeface="Monaco" charset="0"/>
-              <a:ea typeface="Monaco" charset="0"/>
-              <a:cs typeface="Monaco" charset="0"/>
-            </a:endParaRPr>
-          </a:p>
-          <a:p>
-            <a:endParaRPr lang="en-US" dirty="0">
-              <a:latin typeface="Monaco" charset="0"/>
-              <a:ea typeface="Monaco" charset="0"/>
-              <a:cs typeface="Monaco" charset="0"/>
-            </a:endParaRPr>
-          </a:p>
-          <a:p>
-            <a:r>
-              <a:rPr lang="en-US" dirty="0" smtClean="0">
-                <a:latin typeface="Monaco" charset="0"/>
-                <a:ea typeface="Monaco" charset="0"/>
-                <a:cs typeface="Monaco" charset="0"/>
-              </a:rPr>
-              <a:t>Regex:  </a:t>
-            </a:r>
-            <a:r>
-              <a:rPr lang="en-US" dirty="0" smtClean="0">
-                <a:solidFill>
-                  <a:srgbClr val="FF0000"/>
-                </a:solidFill>
-                <a:latin typeface="Monaco" charset="0"/>
-                <a:ea typeface="Monaco" charset="0"/>
-                <a:cs typeface="Monaco" charset="0"/>
-              </a:rPr>
-              <a:t>\d+\.\d+ \w+</a:t>
-            </a:r>
-            <a:endParaRPr lang="en-US" dirty="0">
-              <a:solidFill>
-                <a:srgbClr val="FF0000"/>
-              </a:solidFill>
-              <a:latin typeface="Monaco" charset="0"/>
-              <a:ea typeface="Monaco" charset="0"/>
-              <a:cs typeface="Monaco" charset="0"/>
-            </a:endParaRPr>
-          </a:p>
-          <a:p>
-            <a:endParaRPr lang="en-US" dirty="0">
-              <a:latin typeface="Monaco" charset="0"/>
-              <a:ea typeface="Monaco" charset="0"/>
-              <a:cs typeface="Monaco" charset="0"/>
-            </a:endParaRPr>
-          </a:p>
-          <a:p>
-            <a:r>
-              <a:rPr lang="en-US" dirty="0" smtClean="0">
-                <a:latin typeface="Monaco" charset="0"/>
-                <a:ea typeface="Monaco" charset="0"/>
-                <a:cs typeface="Monaco" charset="0"/>
-              </a:rPr>
-              <a:t>Match:  </a:t>
-            </a:r>
-            <a:r>
-              <a:rPr lang="en-US" dirty="0" smtClean="0">
-                <a:latin typeface="Monaco" charset="0"/>
-                <a:ea typeface="Monaco" charset="0"/>
-                <a:cs typeface="Monaco" charset="0"/>
-              </a:rPr>
-              <a:t>85 cm</a:t>
-            </a:r>
-            <a:endParaRPr lang="en-US" dirty="0">
-              <a:latin typeface="Monaco" charset="0"/>
-              <a:ea typeface="Monaco" charset="0"/>
-              <a:cs typeface="Monaco" charset="0"/>
-            </a:endParaRPr>
-          </a:p>
-          <a:p>
-            <a:endParaRPr lang="en-US" dirty="0">
-              <a:latin typeface="Monaco" charset="0"/>
-              <a:ea typeface="Monaco" charset="0"/>
-              <a:cs typeface="Monaco" charset="0"/>
-            </a:endParaRPr>
-          </a:p>
-          <a:p>
-            <a:endParaRPr lang="en-US" dirty="0">
-              <a:latin typeface="Monaco" charset="0"/>
-              <a:ea typeface="Monaco" charset="0"/>
-              <a:cs typeface="Monaco" charset="0"/>
-            </a:endParaRPr>
-          </a:p>
-          <a:p>
-            <a:endParaRPr lang="en-US" dirty="0">
-              <a:latin typeface="Monaco" charset="0"/>
-              <a:ea typeface="Monaco" charset="0"/>
-              <a:cs typeface="Monaco" charset="0"/>
-            </a:endParaRPr>
-          </a:p>
-        </p:txBody>
-      </p:sp>
-    </p:spTree>
-    <p:extLst>
-      <p:ext uri="{BB962C8B-B14F-4D97-AF65-F5344CB8AC3E}">
-        <p14:creationId xmlns:p14="http://schemas.microsoft.com/office/powerpoint/2010/main" val="1929371786"/>
-      </p:ext>
-    </p:extLst>
-  </p:cSld>
-  <p:clrMapOvr>
-    <a:masterClrMapping/>
-  </p:clrMapOvr>
-</p:sld>
-</file>
-
 <file path=ppt/slides/slide31.xml><?xml version="1.0" encoding="utf-8"?>
 <p:sld xmlns:a="http://schemas.openxmlformats.org/drawingml/2006/main" xmlns:r="http://schemas.openxmlformats.org/officeDocument/2006/relationships" xmlns:p="http://schemas.openxmlformats.org/presentationml/2006/main">
   <p:cSld>
@@ -11816,21 +11756,8 @@
                 <a:ea typeface="Monaco" charset="0"/>
                 <a:cs typeface="Monaco" charset="0"/>
               </a:rPr>
-              <a:t>String</a:t>
-            </a:r>
-            <a:r>
-              <a:rPr lang="en-US" dirty="0" smtClean="0">
-                <a:latin typeface="Monaco" charset="0"/>
-                <a:ea typeface="Monaco" charset="0"/>
-                <a:cs typeface="Monaco" charset="0"/>
-              </a:rPr>
-              <a:t>: 85 cm</a:t>
-            </a:r>
-            <a:endParaRPr lang="en-US" dirty="0" smtClean="0">
-              <a:latin typeface="Monaco" charset="0"/>
-              <a:ea typeface="Monaco" charset="0"/>
-              <a:cs typeface="Monaco" charset="0"/>
-            </a:endParaRPr>
+              <a:t>String: 85 cm</a:t>
+            </a:r>
           </a:p>
           <a:p>
             <a:endParaRPr lang="en-US" dirty="0">
@@ -11857,7 +11784,7 @@
                 <a:ea typeface="Monaco" charset="0"/>
                 <a:cs typeface="Monaco" charset="0"/>
               </a:rPr>
-              <a:t>\d+\.*\d* \w+</a:t>
+              <a:t>\d+\.\d+ \w+</a:t>
             </a:r>
             <a:endParaRPr lang="en-US" dirty="0">
               <a:solidFill>
@@ -11882,15 +11809,172 @@
                 <a:ea typeface="Monaco" charset="0"/>
                 <a:cs typeface="Monaco" charset="0"/>
               </a:rPr>
-              <a:t>Match:  </a:t>
-            </a:r>
+              <a:t>Match:  85 cm</a:t>
+            </a:r>
+            <a:endParaRPr lang="en-US" dirty="0">
+              <a:latin typeface="Monaco" charset="0"/>
+              <a:ea typeface="Monaco" charset="0"/>
+              <a:cs typeface="Monaco" charset="0"/>
+            </a:endParaRPr>
+          </a:p>
+          <a:p>
+            <a:endParaRPr lang="en-US" dirty="0">
+              <a:latin typeface="Monaco" charset="0"/>
+              <a:ea typeface="Monaco" charset="0"/>
+              <a:cs typeface="Monaco" charset="0"/>
+            </a:endParaRPr>
+          </a:p>
+          <a:p>
+            <a:endParaRPr lang="en-US" dirty="0">
+              <a:latin typeface="Monaco" charset="0"/>
+              <a:ea typeface="Monaco" charset="0"/>
+              <a:cs typeface="Monaco" charset="0"/>
+            </a:endParaRPr>
+          </a:p>
+          <a:p>
+            <a:endParaRPr lang="en-US" dirty="0">
+              <a:latin typeface="Monaco" charset="0"/>
+              <a:ea typeface="Monaco" charset="0"/>
+              <a:cs typeface="Monaco" charset="0"/>
+            </a:endParaRPr>
+          </a:p>
+        </p:txBody>
+      </p:sp>
+    </p:spTree>
+    <p:extLst>
+      <p:ext uri="{BB962C8B-B14F-4D97-AF65-F5344CB8AC3E}">
+        <p14:creationId xmlns:p14="http://schemas.microsoft.com/office/powerpoint/2010/main" val="1929371786"/>
+      </p:ext>
+    </p:extLst>
+  </p:cSld>
+  <p:clrMapOvr>
+    <a:masterClrMapping/>
+  </p:clrMapOvr>
+</p:sld>
+</file>
+
+<file path=ppt/slides/slide32.xml><?xml version="1.0" encoding="utf-8"?>
+<p:sld xmlns:a="http://schemas.openxmlformats.org/drawingml/2006/main" xmlns:r="http://schemas.openxmlformats.org/officeDocument/2006/relationships" xmlns:p="http://schemas.openxmlformats.org/presentationml/2006/main">
+  <p:cSld>
+    <p:spTree>
+      <p:nvGrpSpPr>
+        <p:cNvPr id="1" name=""/>
+        <p:cNvGrpSpPr/>
+        <p:nvPr/>
+      </p:nvGrpSpPr>
+      <p:grpSpPr>
+        <a:xfrm>
+          <a:off x="0" y="0"/>
+          <a:ext cx="0" cy="0"/>
+          <a:chOff x="0" y="0"/>
+          <a:chExt cx="0" cy="0"/>
+        </a:xfrm>
+      </p:grpSpPr>
+      <p:sp>
+        <p:nvSpPr>
+          <p:cNvPr id="2" name="Title 1"/>
+          <p:cNvSpPr>
+            <a:spLocks noGrp="1"/>
+          </p:cNvSpPr>
+          <p:nvPr>
+            <p:ph type="title"/>
+          </p:nvPr>
+        </p:nvSpPr>
+        <p:spPr/>
+        <p:txBody>
+          <a:bodyPr/>
+          <a:lstStyle/>
+          <a:p>
+            <a:r>
+              <a:rPr lang="en-US" dirty="0" smtClean="0"/>
+              <a:t>Regular expressions</a:t>
+            </a:r>
+            <a:endParaRPr lang="en-US" dirty="0"/>
+          </a:p>
+        </p:txBody>
+      </p:sp>
+      <p:sp>
+        <p:nvSpPr>
+          <p:cNvPr id="3" name="Content Placeholder 2"/>
+          <p:cNvSpPr>
+            <a:spLocks noGrp="1"/>
+          </p:cNvSpPr>
+          <p:nvPr>
+            <p:ph idx="1"/>
+          </p:nvPr>
+        </p:nvSpPr>
+        <p:spPr>
+          <a:xfrm>
+            <a:off x="457200" y="1752601"/>
+            <a:ext cx="7620000" cy="3005138"/>
+          </a:xfrm>
+        </p:spPr>
+        <p:txBody>
+          <a:bodyPr>
+            <a:normAutofit/>
+          </a:bodyPr>
+          <a:lstStyle/>
+          <a:p>
             <a:r>
               <a:rPr lang="en-US" dirty="0" smtClean="0">
                 <a:latin typeface="Monaco" charset="0"/>
                 <a:ea typeface="Monaco" charset="0"/>
                 <a:cs typeface="Monaco" charset="0"/>
               </a:rPr>
-              <a:t>85 cm</a:t>
+              <a:t>String: 85 cm</a:t>
+            </a:r>
+          </a:p>
+          <a:p>
+            <a:endParaRPr lang="en-US" dirty="0">
+              <a:latin typeface="Monaco" charset="0"/>
+              <a:ea typeface="Monaco" charset="0"/>
+              <a:cs typeface="Monaco" charset="0"/>
+            </a:endParaRPr>
+          </a:p>
+          <a:p>
+            <a:r>
+              <a:rPr lang="en-US" dirty="0" smtClean="0">
+                <a:latin typeface="Monaco" charset="0"/>
+                <a:ea typeface="Monaco" charset="0"/>
+                <a:cs typeface="Monaco" charset="0"/>
+              </a:rPr>
+              <a:t>Regex:  </a:t>
+            </a:r>
+            <a:r>
+              <a:rPr lang="en-US" dirty="0" smtClean="0">
+                <a:solidFill>
+                  <a:srgbClr val="FF0000"/>
+                </a:solidFill>
+                <a:latin typeface="Monaco" charset="0"/>
+                <a:ea typeface="Monaco" charset="0"/>
+                <a:cs typeface="Monaco" charset="0"/>
+              </a:rPr>
+              <a:t>\d+\.*\d* \w+</a:t>
+            </a:r>
+            <a:endParaRPr lang="en-US" dirty="0">
+              <a:solidFill>
+                <a:srgbClr val="FF0000"/>
+              </a:solidFill>
+              <a:latin typeface="Monaco" charset="0"/>
+              <a:ea typeface="Monaco" charset="0"/>
+              <a:cs typeface="Monaco" charset="0"/>
+            </a:endParaRPr>
+          </a:p>
+          <a:p>
+            <a:endParaRPr lang="en-US" dirty="0">
+              <a:latin typeface="Monaco" charset="0"/>
+              <a:ea typeface="Monaco" charset="0"/>
+              <a:cs typeface="Monaco" charset="0"/>
+            </a:endParaRPr>
+          </a:p>
+          <a:p>
+            <a:r>
+              <a:rPr lang="en-US" dirty="0" smtClean="0">
+                <a:latin typeface="Monaco" charset="0"/>
+                <a:ea typeface="Monaco" charset="0"/>
+                <a:cs typeface="Monaco" charset="0"/>
+              </a:rPr>
+              <a:t>Match:  85 cm</a:t>
             </a:r>
             <a:endParaRPr lang="en-US" dirty="0">
               <a:latin typeface="Monaco" charset="0"/>
@@ -11982,7 +12066,7 @@
 </p:sld>
 </file>
 
-<file path=ppt/slides/slide32.xml><?xml version="1.0" encoding="utf-8"?>
+<file path=ppt/slides/slide33.xml><?xml version="1.0" encoding="utf-8"?>
 <p:sld xmlns:a="http://schemas.openxmlformats.org/drawingml/2006/main" xmlns:r="http://schemas.openxmlformats.org/officeDocument/2006/relationships" xmlns:p="http://schemas.openxmlformats.org/presentationml/2006/main">
   <p:cSld>
     <p:spTree>
@@ -12050,21 +12134,8 @@
                 <a:ea typeface="Monaco" charset="0"/>
                 <a:cs typeface="Monaco" charset="0"/>
               </a:rPr>
-              <a:t>String</a:t>
-            </a:r>
-            <a:r>
-              <a:rPr lang="en-US" dirty="0" smtClean="0">
-                <a:latin typeface="Monaco" charset="0"/>
-                <a:ea typeface="Monaco" charset="0"/>
-                <a:cs typeface="Monaco" charset="0"/>
-              </a:rPr>
-              <a:t>: 85 cm</a:t>
-            </a:r>
-            <a:endParaRPr lang="en-US" dirty="0" smtClean="0">
-              <a:latin typeface="Monaco" charset="0"/>
-              <a:ea typeface="Monaco" charset="0"/>
-              <a:cs typeface="Monaco" charset="0"/>
-            </a:endParaRPr>
+              <a:t>String: 85 cm</a:t>
+            </a:r>
           </a:p>
           <a:p>
             <a:endParaRPr lang="en-US" dirty="0">
@@ -12116,15 +12187,7 @@
                 <a:ea typeface="Monaco" charset="0"/>
                 <a:cs typeface="Monaco" charset="0"/>
               </a:rPr>
-              <a:t>Match:  </a:t>
-            </a:r>
-            <a:r>
-              <a:rPr lang="en-US" dirty="0" smtClean="0">
-                <a:latin typeface="Monaco" charset="0"/>
-                <a:ea typeface="Monaco" charset="0"/>
-                <a:cs typeface="Monaco" charset="0"/>
-              </a:rPr>
-              <a:t>85 cm</a:t>
+              <a:t>Match:  85 cm</a:t>
             </a:r>
             <a:endParaRPr lang="en-US" dirty="0">
               <a:latin typeface="Monaco" charset="0"/>
@@ -12216,7 +12279,7 @@
 </p:sld>
 </file>
 
-<file path=ppt/slides/slide33.xml><?xml version="1.0" encoding="utf-8"?>
+<file path=ppt/slides/slide34.xml><?xml version="1.0" encoding="utf-8"?>
 <p:sld xmlns:a="http://schemas.openxmlformats.org/drawingml/2006/main" xmlns:r="http://schemas.openxmlformats.org/officeDocument/2006/relationships" xmlns:p="http://schemas.openxmlformats.org/presentationml/2006/main">
   <p:cSld>
     <p:spTree>
@@ -12284,21 +12347,8 @@
                 <a:ea typeface="Monaco" charset="0"/>
                 <a:cs typeface="Monaco" charset="0"/>
               </a:rPr>
-              <a:t>String</a:t>
-            </a:r>
-            <a:r>
-              <a:rPr lang="en-US" dirty="0" smtClean="0">
-                <a:latin typeface="Monaco" charset="0"/>
-                <a:ea typeface="Monaco" charset="0"/>
-                <a:cs typeface="Monaco" charset="0"/>
-              </a:rPr>
-              <a:t>: 85 cm</a:t>
-            </a:r>
-            <a:endParaRPr lang="en-US" dirty="0" smtClean="0">
-              <a:latin typeface="Monaco" charset="0"/>
-              <a:ea typeface="Monaco" charset="0"/>
-              <a:cs typeface="Monaco" charset="0"/>
-            </a:endParaRPr>
+              <a:t>String: 85 cm</a:t>
+            </a:r>
           </a:p>
           <a:p>
             <a:endParaRPr lang="en-US" dirty="0">
@@ -12325,18 +12375,7 @@
                 <a:ea typeface="Monaco" charset="0"/>
                 <a:cs typeface="Monaco" charset="0"/>
               </a:rPr>
-              <a:t>\</a:t>
-            </a:r>
-            <a:r>
-              <a:rPr lang="en-US" dirty="0" smtClean="0">
-                <a:solidFill>
-                  <a:srgbClr val="FF0000"/>
-                </a:solidFill>
-                <a:latin typeface="Monaco" charset="0"/>
-                <a:ea typeface="Monaco" charset="0"/>
-                <a:cs typeface="Monaco" charset="0"/>
-              </a:rPr>
-              <a:t>w$</a:t>
+              <a:t>\w$</a:t>
             </a:r>
             <a:endParaRPr lang="en-US" dirty="0">
               <a:solidFill>
@@ -12361,15 +12400,7 @@
                 <a:ea typeface="Monaco" charset="0"/>
                 <a:cs typeface="Monaco" charset="0"/>
               </a:rPr>
-              <a:t>Match:  </a:t>
-            </a:r>
-            <a:r>
-              <a:rPr lang="en-US" dirty="0" smtClean="0">
-                <a:latin typeface="Monaco" charset="0"/>
-                <a:ea typeface="Monaco" charset="0"/>
-                <a:cs typeface="Monaco" charset="0"/>
-              </a:rPr>
-              <a:t>85 cm</a:t>
+              <a:t>Match:  85 cm</a:t>
             </a:r>
             <a:endParaRPr lang="en-US" dirty="0">
               <a:latin typeface="Monaco" charset="0"/>
@@ -12461,227 +12492,6 @@
 </p:sld>
 </file>
 
-<file path=ppt/slides/slide34.xml><?xml version="1.0" encoding="utf-8"?>
-<p:sld xmlns:a="http://schemas.openxmlformats.org/drawingml/2006/main" xmlns:r="http://schemas.openxmlformats.org/officeDocument/2006/relationships" xmlns:p="http://schemas.openxmlformats.org/presentationml/2006/main">
-  <p:cSld>
-    <p:spTree>
-      <p:nvGrpSpPr>
-        <p:cNvPr id="1" name=""/>
-        <p:cNvGrpSpPr/>
-        <p:nvPr/>
-      </p:nvGrpSpPr>
-      <p:grpSpPr>
-        <a:xfrm>
-          <a:off x="0" y="0"/>
-          <a:ext cx="0" cy="0"/>
-          <a:chOff x="0" y="0"/>
-          <a:chExt cx="0" cy="0"/>
-        </a:xfrm>
-      </p:grpSpPr>
-      <p:sp>
-        <p:nvSpPr>
-          <p:cNvPr id="2" name="Title 1"/>
-          <p:cNvSpPr>
-            <a:spLocks noGrp="1"/>
-          </p:cNvSpPr>
-          <p:nvPr>
-            <p:ph type="title"/>
-          </p:nvPr>
-        </p:nvSpPr>
-        <p:spPr/>
-        <p:txBody>
-          <a:bodyPr/>
-          <a:lstStyle/>
-          <a:p>
-            <a:r>
-              <a:rPr lang="en-US" dirty="0" smtClean="0"/>
-              <a:t>Regular expressions</a:t>
-            </a:r>
-            <a:endParaRPr lang="en-US" dirty="0"/>
-          </a:p>
-        </p:txBody>
-      </p:sp>
-      <p:sp>
-        <p:nvSpPr>
-          <p:cNvPr id="3" name="Content Placeholder 2"/>
-          <p:cNvSpPr>
-            <a:spLocks noGrp="1"/>
-          </p:cNvSpPr>
-          <p:nvPr>
-            <p:ph idx="1"/>
-          </p:nvPr>
-        </p:nvSpPr>
-        <p:spPr>
-          <a:xfrm>
-            <a:off x="457200" y="1752601"/>
-            <a:ext cx="7620000" cy="3005138"/>
-          </a:xfrm>
-        </p:spPr>
-        <p:txBody>
-          <a:bodyPr>
-            <a:normAutofit fontScale="77500" lnSpcReduction="20000"/>
-          </a:bodyPr>
-          <a:lstStyle/>
-          <a:p>
-            <a:r>
-              <a:rPr lang="en-US" dirty="0" smtClean="0">
-                <a:latin typeface="Monaco" charset="0"/>
-                <a:ea typeface="Monaco" charset="0"/>
-                <a:cs typeface="Monaco" charset="0"/>
-              </a:rPr>
-              <a:t>String</a:t>
-            </a:r>
-            <a:r>
-              <a:rPr lang="en-US" dirty="0" smtClean="0">
-                <a:latin typeface="Monaco" charset="0"/>
-                <a:ea typeface="Monaco" charset="0"/>
-                <a:cs typeface="Monaco" charset="0"/>
-              </a:rPr>
-              <a:t>: 85.341234 cm</a:t>
-            </a:r>
-            <a:endParaRPr lang="en-US" dirty="0" smtClean="0">
-              <a:latin typeface="Monaco" charset="0"/>
-              <a:ea typeface="Monaco" charset="0"/>
-              <a:cs typeface="Monaco" charset="0"/>
-            </a:endParaRPr>
-          </a:p>
-          <a:p>
-            <a:endParaRPr lang="en-US" dirty="0">
-              <a:latin typeface="Monaco" charset="0"/>
-              <a:ea typeface="Monaco" charset="0"/>
-              <a:cs typeface="Monaco" charset="0"/>
-            </a:endParaRPr>
-          </a:p>
-          <a:p>
-            <a:r>
-              <a:rPr lang="en-US" dirty="0" smtClean="0">
-                <a:latin typeface="Monaco" charset="0"/>
-                <a:ea typeface="Monaco" charset="0"/>
-                <a:cs typeface="Monaco" charset="0"/>
-              </a:rPr>
-              <a:t>Regex:  </a:t>
-            </a:r>
-            <a:r>
-              <a:rPr lang="en-US" dirty="0" smtClean="0">
-                <a:solidFill>
-                  <a:srgbClr val="FFC000"/>
-                </a:solidFill>
-                <a:latin typeface="Monaco" charset="0"/>
-                <a:ea typeface="Monaco" charset="0"/>
-                <a:cs typeface="Monaco" charset="0"/>
-              </a:rPr>
-              <a:t>(</a:t>
-            </a:r>
-            <a:r>
-              <a:rPr lang="en-US" dirty="0" smtClean="0">
-                <a:solidFill>
-                  <a:srgbClr val="FF0000"/>
-                </a:solidFill>
-                <a:latin typeface="Monaco" charset="0"/>
-                <a:ea typeface="Monaco" charset="0"/>
-                <a:cs typeface="Monaco" charset="0"/>
-              </a:rPr>
-              <a:t>\d+\.\d{3}</a:t>
-            </a:r>
-            <a:r>
-              <a:rPr lang="en-US" dirty="0" smtClean="0">
-                <a:solidFill>
-                  <a:srgbClr val="FFC000"/>
-                </a:solidFill>
-                <a:latin typeface="Monaco" charset="0"/>
-                <a:ea typeface="Monaco" charset="0"/>
-                <a:cs typeface="Monaco" charset="0"/>
-              </a:rPr>
-              <a:t>)</a:t>
-            </a:r>
-            <a:r>
-              <a:rPr lang="en-US" dirty="0" smtClean="0">
-                <a:solidFill>
-                  <a:srgbClr val="FF0000"/>
-                </a:solidFill>
-                <a:latin typeface="Monaco" charset="0"/>
-                <a:ea typeface="Monaco" charset="0"/>
-                <a:cs typeface="Monaco" charset="0"/>
-              </a:rPr>
-              <a:t>\d+ cm</a:t>
-            </a:r>
-            <a:endParaRPr lang="en-US" dirty="0">
-              <a:solidFill>
-                <a:srgbClr val="FF0000"/>
-              </a:solidFill>
-              <a:latin typeface="Monaco" charset="0"/>
-              <a:ea typeface="Monaco" charset="0"/>
-              <a:cs typeface="Monaco" charset="0"/>
-            </a:endParaRPr>
-          </a:p>
-          <a:p>
-            <a:endParaRPr lang="en-US" dirty="0">
-              <a:latin typeface="Monaco" charset="0"/>
-              <a:ea typeface="Monaco" charset="0"/>
-              <a:cs typeface="Monaco" charset="0"/>
-            </a:endParaRPr>
-          </a:p>
-          <a:p>
-            <a:r>
-              <a:rPr lang="en-US" dirty="0" smtClean="0">
-                <a:latin typeface="Monaco" charset="0"/>
-                <a:ea typeface="Monaco" charset="0"/>
-                <a:cs typeface="Monaco" charset="0"/>
-              </a:rPr>
-              <a:t>Replace: \1</a:t>
-            </a:r>
-          </a:p>
-          <a:p>
-            <a:endParaRPr lang="en-US" dirty="0" smtClean="0">
-              <a:latin typeface="Monaco" charset="0"/>
-              <a:ea typeface="Monaco" charset="0"/>
-              <a:cs typeface="Monaco" charset="0"/>
-            </a:endParaRPr>
-          </a:p>
-          <a:p>
-            <a:r>
-              <a:rPr lang="en-US" dirty="0" smtClean="0">
-                <a:latin typeface="Monaco" charset="0"/>
-                <a:ea typeface="Monaco" charset="0"/>
-                <a:cs typeface="Monaco" charset="0"/>
-              </a:rPr>
-              <a:t>New string: 85.341</a:t>
-            </a:r>
-            <a:endParaRPr lang="en-US" dirty="0">
-              <a:latin typeface="Monaco" charset="0"/>
-              <a:ea typeface="Monaco" charset="0"/>
-              <a:cs typeface="Monaco" charset="0"/>
-            </a:endParaRPr>
-          </a:p>
-          <a:p>
-            <a:endParaRPr lang="en-US" dirty="0">
-              <a:latin typeface="Monaco" charset="0"/>
-              <a:ea typeface="Monaco" charset="0"/>
-              <a:cs typeface="Monaco" charset="0"/>
-            </a:endParaRPr>
-          </a:p>
-          <a:p>
-            <a:endParaRPr lang="en-US" dirty="0">
-              <a:latin typeface="Monaco" charset="0"/>
-              <a:ea typeface="Monaco" charset="0"/>
-              <a:cs typeface="Monaco" charset="0"/>
-            </a:endParaRPr>
-          </a:p>
-        </p:txBody>
-      </p:sp>
-    </p:spTree>
-    <p:extLst>
-      <p:ext uri="{BB962C8B-B14F-4D97-AF65-F5344CB8AC3E}">
-        <p14:creationId xmlns:p14="http://schemas.microsoft.com/office/powerpoint/2010/main" val="1547341872"/>
-      </p:ext>
-    </p:extLst>
-  </p:cSld>
-  <p:clrMapOvr>
-    <a:masterClrMapping/>
-  </p:clrMapOvr>
-</p:sld>
-</file>
-
 <file path=ppt/slides/slide35.xml><?xml version="1.0" encoding="utf-8"?>
 <p:sld xmlns:a="http://schemas.openxmlformats.org/drawingml/2006/main" xmlns:r="http://schemas.openxmlformats.org/officeDocument/2006/relationships" xmlns:p="http://schemas.openxmlformats.org/presentationml/2006/main">
   <p:cSld>
@@ -12750,21 +12560,8 @@
                 <a:ea typeface="Monaco" charset="0"/>
                 <a:cs typeface="Monaco" charset="0"/>
               </a:rPr>
-              <a:t>String</a:t>
-            </a:r>
-            <a:r>
-              <a:rPr lang="en-US" dirty="0" smtClean="0">
-                <a:latin typeface="Monaco" charset="0"/>
-                <a:ea typeface="Monaco" charset="0"/>
-                <a:cs typeface="Monaco" charset="0"/>
-              </a:rPr>
-              <a:t>: 85.34 cm</a:t>
-            </a:r>
-            <a:endParaRPr lang="en-US" dirty="0" smtClean="0">
-              <a:latin typeface="Monaco" charset="0"/>
-              <a:ea typeface="Monaco" charset="0"/>
-              <a:cs typeface="Monaco" charset="0"/>
-            </a:endParaRPr>
+              <a:t>String: 85.341234 cm</a:t>
+            </a:r>
           </a:p>
           <a:p>
             <a:endParaRPr lang="en-US" dirty="0">
@@ -12866,7 +12663,7 @@
                 <a:ea typeface="Monaco" charset="0"/>
                 <a:cs typeface="Monaco" charset="0"/>
               </a:rPr>
-              <a:t>New string: ?????</a:t>
+              <a:t>New string: 85.341</a:t>
             </a:r>
             <a:endParaRPr lang="en-US" dirty="0">
               <a:latin typeface="Monaco" charset="0"/>
@@ -12893,7 +12690,7 @@
     </p:spTree>
     <p:extLst>
       <p:ext uri="{BB962C8B-B14F-4D97-AF65-F5344CB8AC3E}">
-        <p14:creationId xmlns:p14="http://schemas.microsoft.com/office/powerpoint/2010/main" val="466438607"/>
+        <p14:creationId xmlns:p14="http://schemas.microsoft.com/office/powerpoint/2010/main" val="1547341872"/>
       </p:ext>
     </p:extLst>
   </p:cSld>
@@ -12937,7 +12734,7 @@
           <a:p>
             <a:r>
               <a:rPr lang="en-US" dirty="0" smtClean="0"/>
-              <a:t>Exercise</a:t>
+              <a:t>Regular expressions</a:t>
             </a:r>
             <a:endParaRPr lang="en-US" dirty="0"/>
           </a:p>
@@ -12961,16 +12758,17 @@
         </p:spPr>
         <p:txBody>
           <a:bodyPr>
-            <a:normAutofit fontScale="70000" lnSpcReduction="20000"/>
+            <a:normAutofit fontScale="77500" lnSpcReduction="20000"/>
           </a:bodyPr>
           <a:lstStyle/>
           <a:p>
             <a:r>
               <a:rPr lang="en-US" dirty="0" smtClean="0">
-                <a:ea typeface="Monaco" charset="0"/>
-                <a:cs typeface="Monaco" charset="0"/>
-              </a:rPr>
-              <a:t>Come up with a regular expression to convert the following text:</a:t>
+                <a:latin typeface="Monaco" charset="0"/>
+                <a:ea typeface="Monaco" charset="0"/>
+                <a:cs typeface="Monaco" charset="0"/>
+              </a:rPr>
+              <a:t>String: 85.34 cm</a:t>
             </a:r>
           </a:p>
           <a:p>
@@ -12987,7 +12785,18 @@
                 <a:ea typeface="Monaco" charset="0"/>
                 <a:cs typeface="Monaco" charset="0"/>
               </a:rPr>
-              <a:t>85.34 cm			</a:t>
+              <a:t>Regex:  </a:t>
+            </a:r>
+            <a:r>
+              <a:rPr lang="en-US" dirty="0" smtClean="0">
+                <a:solidFill>
+                  <a:srgbClr val="FFC000"/>
+                </a:solidFill>
+                <a:latin typeface="Monaco" charset="0"/>
+                <a:ea typeface="Monaco" charset="0"/>
+                <a:cs typeface="Monaco" charset="0"/>
+              </a:rPr>
+              <a:t>(</a:t>
             </a:r>
             <a:r>
               <a:rPr lang="en-US" dirty="0" smtClean="0">
@@ -12998,17 +12807,18 @@
                 <a:ea typeface="Monaco" charset="0"/>
                 <a:cs typeface="Monaco" charset="0"/>
               </a:rPr>
-              <a:t>85.3 cm</a:t>
-            </a:r>
-          </a:p>
-          <a:p>
+              <a:t>\d+\.\d{3}</a:t>
+            </a:r>
             <a:r>
               <a:rPr lang="en-US" dirty="0" smtClean="0">
-                <a:latin typeface="Monaco" charset="0"/>
-                <a:ea typeface="Monaco" charset="0"/>
-                <a:cs typeface="Monaco" charset="0"/>
-              </a:rPr>
-              <a:t>85.678 cm               </a:t>
+                <a:solidFill>
+                  <a:srgbClr val="FFC000"/>
+                </a:solidFill>
+                <a:latin typeface="Monaco" charset="0"/>
+                <a:ea typeface="Monaco" charset="0"/>
+                <a:cs typeface="Monaco" charset="0"/>
+              </a:rPr>
+              <a:t>)</a:t>
             </a:r>
             <a:r>
               <a:rPr lang="en-US" dirty="0" smtClean="0">
@@ -13019,71 +12829,16 @@
                 <a:ea typeface="Monaco" charset="0"/>
                 <a:cs typeface="Monaco" charset="0"/>
               </a:rPr>
-              <a:t>85.6 cm</a:t>
-            </a:r>
-          </a:p>
-          <a:p>
-            <a:r>
-              <a:rPr lang="en-US" dirty="0" smtClean="0">
-                <a:latin typeface="Monaco" charset="0"/>
-                <a:ea typeface="Monaco" charset="0"/>
-                <a:cs typeface="Monaco" charset="0"/>
-              </a:rPr>
-              <a:t>923.1115 cm             </a:t>
-            </a:r>
-            <a:r>
-              <a:rPr lang="en-US" dirty="0" smtClean="0">
-                <a:solidFill>
-                  <a:srgbClr val="FF0000"/>
-                </a:solidFill>
-                <a:latin typeface="Monaco" charset="0"/>
-                <a:ea typeface="Monaco" charset="0"/>
-                <a:cs typeface="Monaco" charset="0"/>
-              </a:rPr>
-              <a:t>923.1 cm</a:t>
-            </a:r>
-          </a:p>
-          <a:p>
-            <a:r>
-              <a:rPr lang="en-US" dirty="0" smtClean="0">
-                <a:latin typeface="Monaco" charset="0"/>
-                <a:ea typeface="Monaco" charset="0"/>
-                <a:cs typeface="Monaco" charset="0"/>
-              </a:rPr>
-              <a:t>1.95 cm                 </a:t>
-            </a:r>
-            <a:r>
-              <a:rPr lang="en-US" dirty="0" smtClean="0">
-                <a:solidFill>
-                  <a:srgbClr val="FF0000"/>
-                </a:solidFill>
-                <a:latin typeface="Monaco" charset="0"/>
-                <a:ea typeface="Monaco" charset="0"/>
-                <a:cs typeface="Monaco" charset="0"/>
-              </a:rPr>
-              <a:t>1.9 cm</a:t>
-            </a:r>
-          </a:p>
-          <a:p>
-            <a:r>
-              <a:rPr lang="en-US" dirty="0" smtClean="0">
-                <a:latin typeface="Monaco" charset="0"/>
-                <a:ea typeface="Monaco" charset="0"/>
-                <a:cs typeface="Monaco" charset="0"/>
-              </a:rPr>
-              <a:t>6 cm                    </a:t>
-            </a:r>
-            <a:r>
-              <a:rPr lang="en-US" dirty="0" smtClean="0">
-                <a:solidFill>
-                  <a:srgbClr val="FF0000"/>
-                </a:solidFill>
-                <a:latin typeface="Monaco" charset="0"/>
-                <a:ea typeface="Monaco" charset="0"/>
-                <a:cs typeface="Monaco" charset="0"/>
-              </a:rPr>
-              <a:t>6 cm</a:t>
-            </a:r>
+              <a:t>\d+ cm</a:t>
+            </a:r>
+            <a:endParaRPr lang="en-US" dirty="0">
+              <a:solidFill>
+                <a:srgbClr val="FF0000"/>
+              </a:solidFill>
+              <a:latin typeface="Monaco" charset="0"/>
+              <a:ea typeface="Monaco" charset="0"/>
+              <a:cs typeface="Monaco" charset="0"/>
+            </a:endParaRPr>
           </a:p>
           <a:p>
             <a:endParaRPr lang="en-US" dirty="0">
@@ -13093,18 +12848,57 @@
             </a:endParaRPr>
           </a:p>
           <a:p>
+            <a:r>
+              <a:rPr lang="en-US" dirty="0" smtClean="0">
+                <a:latin typeface="Monaco" charset="0"/>
+                <a:ea typeface="Monaco" charset="0"/>
+                <a:cs typeface="Monaco" charset="0"/>
+              </a:rPr>
+              <a:t>Replace: \1</a:t>
+            </a:r>
+          </a:p>
+          <a:p>
+            <a:endParaRPr lang="en-US" dirty="0" smtClean="0">
+              <a:latin typeface="Monaco" charset="0"/>
+              <a:ea typeface="Monaco" charset="0"/>
+              <a:cs typeface="Monaco" charset="0"/>
+            </a:endParaRPr>
+          </a:p>
+          <a:p>
+            <a:r>
+              <a:rPr lang="en-US" dirty="0" smtClean="0">
+                <a:latin typeface="Monaco" charset="0"/>
+                <a:ea typeface="Monaco" charset="0"/>
+                <a:cs typeface="Monaco" charset="0"/>
+              </a:rPr>
+              <a:t>New string: ?????</a:t>
+            </a:r>
             <a:endParaRPr lang="en-US" dirty="0">
               <a:latin typeface="Monaco" charset="0"/>
               <a:ea typeface="Monaco" charset="0"/>
               <a:cs typeface="Monaco" charset="0"/>
             </a:endParaRPr>
           </a:p>
+          <a:p>
+            <a:endParaRPr lang="en-US" dirty="0">
+              <a:latin typeface="Monaco" charset="0"/>
+              <a:ea typeface="Monaco" charset="0"/>
+              <a:cs typeface="Monaco" charset="0"/>
+            </a:endParaRPr>
+          </a:p>
+          <a:p>
+            <a:endParaRPr lang="en-US" dirty="0">
+              <a:latin typeface="Monaco" charset="0"/>
+              <a:ea typeface="Monaco" charset="0"/>
+              <a:cs typeface="Monaco" charset="0"/>
+            </a:endParaRPr>
+          </a:p>
         </p:txBody>
       </p:sp>
     </p:spTree>
     <p:extLst>
       <p:ext uri="{BB962C8B-B14F-4D97-AF65-F5344CB8AC3E}">
-        <p14:creationId xmlns:p14="http://schemas.microsoft.com/office/powerpoint/2010/main" val="1121990792"/>
+        <p14:creationId xmlns:p14="http://schemas.microsoft.com/office/powerpoint/2010/main" val="466438607"/>
       </p:ext>
     </p:extLst>
   </p:cSld>
@@ -13141,28 +12935,181 @@
             <p:ph type="title"/>
           </p:nvPr>
         </p:nvSpPr>
+        <p:spPr/>
+        <p:txBody>
+          <a:bodyPr/>
+          <a:lstStyle/>
+          <a:p>
+            <a:r>
+              <a:rPr lang="en-US" dirty="0" smtClean="0"/>
+              <a:t>Exercise</a:t>
+            </a:r>
+            <a:endParaRPr lang="en-US" dirty="0"/>
+          </a:p>
+        </p:txBody>
+      </p:sp>
+      <p:sp>
+        <p:nvSpPr>
+          <p:cNvPr id="3" name="Content Placeholder 2"/>
+          <p:cNvSpPr>
+            <a:spLocks noGrp="1"/>
+          </p:cNvSpPr>
+          <p:nvPr>
+            <p:ph idx="1"/>
+          </p:nvPr>
+        </p:nvSpPr>
         <p:spPr>
           <a:xfrm>
-            <a:off x="2230714" y="3087537"/>
-            <a:ext cx="4688183" cy="692215"/>
+            <a:off x="457200" y="1752601"/>
+            <a:ext cx="7620000" cy="3005138"/>
           </a:xfrm>
         </p:spPr>
         <p:txBody>
-          <a:bodyPr/>
-          <a:lstStyle/>
-          <a:p>
-            <a:r>
-              <a:rPr lang="en-US" dirty="0" smtClean="0"/>
-              <a:t>exercise break</a:t>
-            </a:r>
-            <a:endParaRPr lang="en-US" dirty="0"/>
+          <a:bodyPr>
+            <a:normAutofit fontScale="70000" lnSpcReduction="20000"/>
+          </a:bodyPr>
+          <a:lstStyle/>
+          <a:p>
+            <a:r>
+              <a:rPr lang="en-US" dirty="0" smtClean="0">
+                <a:ea typeface="Monaco" charset="0"/>
+                <a:cs typeface="Monaco" charset="0"/>
+              </a:rPr>
+              <a:t>Come up with a regular expression to convert the following text:</a:t>
+            </a:r>
+          </a:p>
+          <a:p>
+            <a:endParaRPr lang="en-US" dirty="0">
+              <a:latin typeface="Monaco" charset="0"/>
+              <a:ea typeface="Monaco" charset="0"/>
+              <a:cs typeface="Monaco" charset="0"/>
+            </a:endParaRPr>
+          </a:p>
+          <a:p>
+            <a:r>
+              <a:rPr lang="en-US" dirty="0" smtClean="0">
+                <a:latin typeface="Monaco" charset="0"/>
+                <a:ea typeface="Monaco" charset="0"/>
+                <a:cs typeface="Monaco" charset="0"/>
+              </a:rPr>
+              <a:t>85.34 cm			</a:t>
+            </a:r>
+            <a:r>
+              <a:rPr lang="en-US" dirty="0" smtClean="0">
+                <a:solidFill>
+                  <a:srgbClr val="FF0000"/>
+                </a:solidFill>
+                <a:latin typeface="Monaco" charset="0"/>
+                <a:ea typeface="Monaco" charset="0"/>
+                <a:cs typeface="Monaco" charset="0"/>
+              </a:rPr>
+              <a:t>85.3 cm</a:t>
+            </a:r>
+          </a:p>
+          <a:p>
+            <a:r>
+              <a:rPr lang="en-US" dirty="0" smtClean="0">
+                <a:latin typeface="Monaco" charset="0"/>
+                <a:ea typeface="Monaco" charset="0"/>
+                <a:cs typeface="Monaco" charset="0"/>
+              </a:rPr>
+              <a:t>85.678 cm               </a:t>
+            </a:r>
+            <a:r>
+              <a:rPr lang="en-US" dirty="0" smtClean="0">
+                <a:solidFill>
+                  <a:srgbClr val="FF0000"/>
+                </a:solidFill>
+                <a:latin typeface="Monaco" charset="0"/>
+                <a:ea typeface="Monaco" charset="0"/>
+                <a:cs typeface="Monaco" charset="0"/>
+              </a:rPr>
+              <a:t>85.6 cm</a:t>
+            </a:r>
+          </a:p>
+          <a:p>
+            <a:r>
+              <a:rPr lang="en-US" dirty="0" smtClean="0">
+                <a:latin typeface="Monaco" charset="0"/>
+                <a:ea typeface="Monaco" charset="0"/>
+                <a:cs typeface="Monaco" charset="0"/>
+              </a:rPr>
+              <a:t>923.1115 cm             </a:t>
+            </a:r>
+            <a:r>
+              <a:rPr lang="en-US" dirty="0" smtClean="0">
+                <a:solidFill>
+                  <a:srgbClr val="FF0000"/>
+                </a:solidFill>
+                <a:latin typeface="Monaco" charset="0"/>
+                <a:ea typeface="Monaco" charset="0"/>
+                <a:cs typeface="Monaco" charset="0"/>
+              </a:rPr>
+              <a:t>923.1 cm</a:t>
+            </a:r>
+          </a:p>
+          <a:p>
+            <a:r>
+              <a:rPr lang="en-US" dirty="0" smtClean="0">
+                <a:latin typeface="Monaco" charset="0"/>
+                <a:ea typeface="Monaco" charset="0"/>
+                <a:cs typeface="Monaco" charset="0"/>
+              </a:rPr>
+              <a:t>1.95 cm                 </a:t>
+            </a:r>
+            <a:r>
+              <a:rPr lang="en-US" dirty="0" smtClean="0">
+                <a:solidFill>
+                  <a:srgbClr val="FF0000"/>
+                </a:solidFill>
+                <a:latin typeface="Monaco" charset="0"/>
+                <a:ea typeface="Monaco" charset="0"/>
+                <a:cs typeface="Monaco" charset="0"/>
+              </a:rPr>
+              <a:t>1.9 cm</a:t>
+            </a:r>
+          </a:p>
+          <a:p>
+            <a:r>
+              <a:rPr lang="en-US" dirty="0" smtClean="0">
+                <a:latin typeface="Monaco" charset="0"/>
+                <a:ea typeface="Monaco" charset="0"/>
+                <a:cs typeface="Monaco" charset="0"/>
+              </a:rPr>
+              <a:t>6 cm                    </a:t>
+            </a:r>
+            <a:r>
+              <a:rPr lang="en-US" dirty="0" smtClean="0">
+                <a:solidFill>
+                  <a:srgbClr val="FF0000"/>
+                </a:solidFill>
+                <a:latin typeface="Monaco" charset="0"/>
+                <a:ea typeface="Monaco" charset="0"/>
+                <a:cs typeface="Monaco" charset="0"/>
+              </a:rPr>
+              <a:t>6 cm</a:t>
+            </a:r>
+          </a:p>
+          <a:p>
+            <a:endParaRPr lang="en-US" dirty="0">
+              <a:latin typeface="Monaco" charset="0"/>
+              <a:ea typeface="Monaco" charset="0"/>
+              <a:cs typeface="Monaco" charset="0"/>
+            </a:endParaRPr>
+          </a:p>
+          <a:p>
+            <a:endParaRPr lang="en-US" dirty="0">
+              <a:latin typeface="Monaco" charset="0"/>
+              <a:ea typeface="Monaco" charset="0"/>
+              <a:cs typeface="Monaco" charset="0"/>
+            </a:endParaRPr>
           </a:p>
         </p:txBody>
       </p:sp>
     </p:spTree>
     <p:extLst>
       <p:ext uri="{BB962C8B-B14F-4D97-AF65-F5344CB8AC3E}">
-        <p14:creationId xmlns:p14="http://schemas.microsoft.com/office/powerpoint/2010/main" val="2036437392"/>
+        <p14:creationId xmlns:p14="http://schemas.microsoft.com/office/powerpoint/2010/main" val="1121990792"/>
       </p:ext>
     </p:extLst>
   </p:cSld>
@@ -13199,6 +13146,64 @@
             <p:ph type="title"/>
           </p:nvPr>
         </p:nvSpPr>
+        <p:spPr>
+          <a:xfrm>
+            <a:off x="2230714" y="3087537"/>
+            <a:ext cx="4688183" cy="692215"/>
+          </a:xfrm>
+        </p:spPr>
+        <p:txBody>
+          <a:bodyPr/>
+          <a:lstStyle/>
+          <a:p>
+            <a:r>
+              <a:rPr lang="en-US" dirty="0" smtClean="0"/>
+              <a:t>exercise break</a:t>
+            </a:r>
+            <a:endParaRPr lang="en-US" dirty="0"/>
+          </a:p>
+        </p:txBody>
+      </p:sp>
+    </p:spTree>
+    <p:extLst>
+      <p:ext uri="{BB962C8B-B14F-4D97-AF65-F5344CB8AC3E}">
+        <p14:creationId xmlns:p14="http://schemas.microsoft.com/office/powerpoint/2010/main" val="2036437392"/>
+      </p:ext>
+    </p:extLst>
+  </p:cSld>
+  <p:clrMapOvr>
+    <a:masterClrMapping/>
+  </p:clrMapOvr>
+</p:sld>
+</file>
+
+<file path=ppt/slides/slide39.xml><?xml version="1.0" encoding="utf-8"?>
+<p:sld xmlns:a="http://schemas.openxmlformats.org/drawingml/2006/main" xmlns:r="http://schemas.openxmlformats.org/officeDocument/2006/relationships" xmlns:p="http://schemas.openxmlformats.org/presentationml/2006/main">
+  <p:cSld>
+    <p:spTree>
+      <p:nvGrpSpPr>
+        <p:cNvPr id="1" name=""/>
+        <p:cNvGrpSpPr/>
+        <p:nvPr/>
+      </p:nvGrpSpPr>
+      <p:grpSpPr>
+        <a:xfrm>
+          <a:off x="0" y="0"/>
+          <a:ext cx="0" cy="0"/>
+          <a:chOff x="0" y="0"/>
+          <a:chExt cx="0" cy="0"/>
+        </a:xfrm>
+      </p:grpSpPr>
+      <p:sp>
+        <p:nvSpPr>
+          <p:cNvPr id="2" name="Title 1"/>
+          <p:cNvSpPr>
+            <a:spLocks noGrp="1"/>
+          </p:cNvSpPr>
+          <p:nvPr>
+            <p:ph type="title"/>
+          </p:nvPr>
+        </p:nvSpPr>
         <p:spPr/>
         <p:txBody>
           <a:bodyPr/>
@@ -13290,7 +13295,173 @@
 </p:sld>
 </file>
 
-<file path=ppt/slides/slide39.xml><?xml version="1.0" encoding="utf-8"?>
+<file path=ppt/slides/slide4.xml><?xml version="1.0" encoding="utf-8"?>
+<p:sld xmlns:a="http://schemas.openxmlformats.org/drawingml/2006/main" xmlns:r="http://schemas.openxmlformats.org/officeDocument/2006/relationships" xmlns:p="http://schemas.openxmlformats.org/presentationml/2006/main">
+  <p:cSld>
+    <p:spTree>
+      <p:nvGrpSpPr>
+        <p:cNvPr id="1" name=""/>
+        <p:cNvGrpSpPr/>
+        <p:nvPr/>
+      </p:nvGrpSpPr>
+      <p:grpSpPr>
+        <a:xfrm>
+          <a:off x="0" y="0"/>
+          <a:ext cx="0" cy="0"/>
+          <a:chOff x="0" y="0"/>
+          <a:chExt cx="0" cy="0"/>
+        </a:xfrm>
+      </p:grpSpPr>
+      <p:sp>
+        <p:nvSpPr>
+          <p:cNvPr id="3" name="Content Placeholder 2"/>
+          <p:cNvSpPr>
+            <a:spLocks noGrp="1"/>
+          </p:cNvSpPr>
+          <p:nvPr>
+            <p:ph idx="1"/>
+          </p:nvPr>
+        </p:nvSpPr>
+        <p:spPr/>
+        <p:txBody>
+          <a:bodyPr/>
+          <a:lstStyle/>
+          <a:p>
+            <a:pPr marL="457200" indent="-457200">
+              <a:buFont typeface="Arial"/>
+              <a:buChar char="•"/>
+            </a:pPr>
+            <a:r>
+              <a:rPr lang="en-US" dirty="0" smtClean="0"/>
+              <a:t>UNIX is a computer operating system</a:t>
+            </a:r>
+          </a:p>
+          <a:p>
+            <a:pPr marL="914400" lvl="1" indent="-457200">
+              <a:buFont typeface="Arial"/>
+              <a:buChar char="•"/>
+            </a:pPr>
+            <a:r>
+              <a:rPr lang="en-US" dirty="0" smtClean="0"/>
+              <a:t>Mac and Linux are built on UNIX, but PCs are not </a:t>
+            </a:r>
+            <a:r>
+              <a:rPr lang="en-US" dirty="0" smtClean="0">
+                <a:sym typeface="Wingdings"/>
+              </a:rPr>
+              <a:t> (but Windows 10 now has Linux inside!)</a:t>
+            </a:r>
+          </a:p>
+          <a:p>
+            <a:pPr marL="914400" lvl="1" indent="-457200">
+              <a:buFont typeface="Arial"/>
+              <a:buChar char="•"/>
+            </a:pPr>
+            <a:endParaRPr lang="en-US" dirty="0">
+              <a:sym typeface="Wingdings"/>
+            </a:endParaRPr>
+          </a:p>
+          <a:p>
+            <a:pPr marL="914400" lvl="1" indent="-457200">
+              <a:buFont typeface="Arial"/>
+              <a:buChar char="•"/>
+            </a:pPr>
+            <a:endParaRPr lang="en-US" dirty="0" smtClean="0">
+              <a:sym typeface="Wingdings"/>
+            </a:endParaRPr>
+          </a:p>
+          <a:p>
+            <a:pPr marL="457200" indent="-457200">
+              <a:buFont typeface="Arial"/>
+              <a:buChar char="•"/>
+            </a:pPr>
+            <a:r>
+              <a:rPr lang="en-US" dirty="0" smtClean="0">
+                <a:sym typeface="Wingdings"/>
+              </a:rPr>
+              <a:t>We interact with this system using a </a:t>
+            </a:r>
+            <a:r>
+              <a:rPr lang="en-US" i="1" dirty="0" smtClean="0">
+                <a:sym typeface="Wingdings"/>
+              </a:rPr>
+              <a:t>shell</a:t>
+            </a:r>
+            <a:r>
+              <a:rPr lang="en-US" dirty="0" smtClean="0">
+                <a:sym typeface="Wingdings"/>
+              </a:rPr>
+              <a:t>.</a:t>
+            </a:r>
+          </a:p>
+          <a:p>
+            <a:pPr marL="914400" lvl="1" indent="-457200">
+              <a:buFont typeface="Arial"/>
+              <a:buChar char="•"/>
+            </a:pPr>
+            <a:r>
+              <a:rPr lang="en-US" dirty="0" smtClean="0">
+                <a:sym typeface="Wingdings"/>
+              </a:rPr>
+              <a:t>We’ll use Bash (</a:t>
+            </a:r>
+            <a:r>
+              <a:rPr lang="en-US" dirty="0" err="1" smtClean="0">
+                <a:sym typeface="Wingdings"/>
+              </a:rPr>
+              <a:t>bourne</a:t>
+            </a:r>
+            <a:r>
+              <a:rPr lang="en-US" dirty="0" smtClean="0">
+                <a:sym typeface="Wingdings"/>
+              </a:rPr>
+              <a:t>-again shell)</a:t>
+            </a:r>
+          </a:p>
+        </p:txBody>
+      </p:sp>
+      <p:sp>
+        <p:nvSpPr>
+          <p:cNvPr id="6" name="Title 1"/>
+          <p:cNvSpPr>
+            <a:spLocks noGrp="1"/>
+          </p:cNvSpPr>
+          <p:nvPr>
+            <p:ph type="title"/>
+          </p:nvPr>
+        </p:nvSpPr>
+        <p:spPr>
+          <a:xfrm>
+            <a:off x="457199" y="152718"/>
+            <a:ext cx="7620001" cy="1371600"/>
+          </a:xfrm>
+        </p:spPr>
+        <p:txBody>
+          <a:bodyPr/>
+          <a:lstStyle/>
+          <a:p>
+            <a:r>
+              <a:rPr lang="en-US" dirty="0" smtClean="0"/>
+              <a:t>Unix and the shell</a:t>
+            </a:r>
+            <a:endParaRPr lang="en-US" dirty="0"/>
+          </a:p>
+        </p:txBody>
+      </p:sp>
+    </p:spTree>
+    <p:extLst>
+      <p:ext uri="{BB962C8B-B14F-4D97-AF65-F5344CB8AC3E}">
+        <p14:creationId xmlns:p14="http://schemas.microsoft.com/office/powerpoint/2010/main" val="4193269872"/>
+      </p:ext>
+    </p:extLst>
+  </p:cSld>
+  <p:clrMapOvr>
+    <a:masterClrMapping/>
+  </p:clrMapOvr>
+</p:sld>
+</file>
+
+<file path=ppt/slides/slide40.xml><?xml version="1.0" encoding="utf-8"?>
 <p:sld xmlns:a="http://schemas.openxmlformats.org/drawingml/2006/main" xmlns:r="http://schemas.openxmlformats.org/officeDocument/2006/relationships" xmlns:p="http://schemas.openxmlformats.org/presentationml/2006/main">
   <p:cSld>
     <p:spTree>
@@ -13426,173 +13597,7 @@
 </p:sld>
 </file>
 
-<file path=ppt/slides/slide4.xml><?xml version="1.0" encoding="utf-8"?>
-<p:sld xmlns:a="http://schemas.openxmlformats.org/drawingml/2006/main" xmlns:r="http://schemas.openxmlformats.org/officeDocument/2006/relationships" xmlns:p="http://schemas.openxmlformats.org/presentationml/2006/main">
-  <p:cSld>
-    <p:spTree>
-      <p:nvGrpSpPr>
-        <p:cNvPr id="1" name=""/>
-        <p:cNvGrpSpPr/>
-        <p:nvPr/>
-      </p:nvGrpSpPr>
-      <p:grpSpPr>
-        <a:xfrm>
-          <a:off x="0" y="0"/>
-          <a:ext cx="0" cy="0"/>
-          <a:chOff x="0" y="0"/>
-          <a:chExt cx="0" cy="0"/>
-        </a:xfrm>
-      </p:grpSpPr>
-      <p:sp>
-        <p:nvSpPr>
-          <p:cNvPr id="3" name="Content Placeholder 2"/>
-          <p:cNvSpPr>
-            <a:spLocks noGrp="1"/>
-          </p:cNvSpPr>
-          <p:nvPr>
-            <p:ph idx="1"/>
-          </p:nvPr>
-        </p:nvSpPr>
-        <p:spPr/>
-        <p:txBody>
-          <a:bodyPr/>
-          <a:lstStyle/>
-          <a:p>
-            <a:pPr marL="457200" indent="-457200">
-              <a:buFont typeface="Arial"/>
-              <a:buChar char="•"/>
-            </a:pPr>
-            <a:r>
-              <a:rPr lang="en-US" dirty="0" smtClean="0"/>
-              <a:t>UNIX is a computer operating system</a:t>
-            </a:r>
-          </a:p>
-          <a:p>
-            <a:pPr marL="914400" lvl="1" indent="-457200">
-              <a:buFont typeface="Arial"/>
-              <a:buChar char="•"/>
-            </a:pPr>
-            <a:r>
-              <a:rPr lang="en-US" dirty="0" smtClean="0"/>
-              <a:t>Mac and Linux are built on UNIX, but PCs are not </a:t>
-            </a:r>
-            <a:r>
-              <a:rPr lang="en-US" dirty="0" smtClean="0">
-                <a:sym typeface="Wingdings"/>
-              </a:rPr>
-              <a:t> (but Windows 10 now has Linux inside!)</a:t>
-            </a:r>
-          </a:p>
-          <a:p>
-            <a:pPr marL="914400" lvl="1" indent="-457200">
-              <a:buFont typeface="Arial"/>
-              <a:buChar char="•"/>
-            </a:pPr>
-            <a:endParaRPr lang="en-US" dirty="0">
-              <a:sym typeface="Wingdings"/>
-            </a:endParaRPr>
-          </a:p>
-          <a:p>
-            <a:pPr marL="914400" lvl="1" indent="-457200">
-              <a:buFont typeface="Arial"/>
-              <a:buChar char="•"/>
-            </a:pPr>
-            <a:endParaRPr lang="en-US" dirty="0" smtClean="0">
-              <a:sym typeface="Wingdings"/>
-            </a:endParaRPr>
-          </a:p>
-          <a:p>
-            <a:pPr marL="457200" indent="-457200">
-              <a:buFont typeface="Arial"/>
-              <a:buChar char="•"/>
-            </a:pPr>
-            <a:r>
-              <a:rPr lang="en-US" dirty="0" smtClean="0">
-                <a:sym typeface="Wingdings"/>
-              </a:rPr>
-              <a:t>We interact with this system using a </a:t>
-            </a:r>
-            <a:r>
-              <a:rPr lang="en-US" i="1" dirty="0" smtClean="0">
-                <a:sym typeface="Wingdings"/>
-              </a:rPr>
-              <a:t>shell</a:t>
-            </a:r>
-            <a:r>
-              <a:rPr lang="en-US" dirty="0" smtClean="0">
-                <a:sym typeface="Wingdings"/>
-              </a:rPr>
-              <a:t>.</a:t>
-            </a:r>
-          </a:p>
-          <a:p>
-            <a:pPr marL="914400" lvl="1" indent="-457200">
-              <a:buFont typeface="Arial"/>
-              <a:buChar char="•"/>
-            </a:pPr>
-            <a:r>
-              <a:rPr lang="en-US" dirty="0" smtClean="0">
-                <a:sym typeface="Wingdings"/>
-              </a:rPr>
-              <a:t>We’ll use Bash (</a:t>
-            </a:r>
-            <a:r>
-              <a:rPr lang="en-US" dirty="0" err="1" smtClean="0">
-                <a:sym typeface="Wingdings"/>
-              </a:rPr>
-              <a:t>bourne</a:t>
-            </a:r>
-            <a:r>
-              <a:rPr lang="en-US" dirty="0" smtClean="0">
-                <a:sym typeface="Wingdings"/>
-              </a:rPr>
-              <a:t>-again shell)</a:t>
-            </a:r>
-          </a:p>
-        </p:txBody>
-      </p:sp>
-      <p:sp>
-        <p:nvSpPr>
-          <p:cNvPr id="6" name="Title 1"/>
-          <p:cNvSpPr>
-            <a:spLocks noGrp="1"/>
-          </p:cNvSpPr>
-          <p:nvPr>
-            <p:ph type="title"/>
-          </p:nvPr>
-        </p:nvSpPr>
-        <p:spPr>
-          <a:xfrm>
-            <a:off x="457199" y="152718"/>
-            <a:ext cx="7620001" cy="1371600"/>
-          </a:xfrm>
-        </p:spPr>
-        <p:txBody>
-          <a:bodyPr/>
-          <a:lstStyle/>
-          <a:p>
-            <a:r>
-              <a:rPr lang="en-US" dirty="0" smtClean="0"/>
-              <a:t>Unix and the shell</a:t>
-            </a:r>
-            <a:endParaRPr lang="en-US" dirty="0"/>
-          </a:p>
-        </p:txBody>
-      </p:sp>
-    </p:spTree>
-    <p:extLst>
-      <p:ext uri="{BB962C8B-B14F-4D97-AF65-F5344CB8AC3E}">
-        <p14:creationId xmlns:p14="http://schemas.microsoft.com/office/powerpoint/2010/main" val="4193269872"/>
-      </p:ext>
-    </p:extLst>
-  </p:cSld>
-  <p:clrMapOvr>
-    <a:masterClrMapping/>
-  </p:clrMapOvr>
-</p:sld>
-</file>
-
-<file path=ppt/slides/slide40.xml><?xml version="1.0" encoding="utf-8"?>
+<file path=ppt/slides/slide41.xml><?xml version="1.0" encoding="utf-8"?>
 <p:sld xmlns:a="http://schemas.openxmlformats.org/drawingml/2006/main" xmlns:r="http://schemas.openxmlformats.org/officeDocument/2006/relationships" xmlns:p="http://schemas.openxmlformats.org/presentationml/2006/main">
   <p:cSld>
     <p:spTree>
@@ -13951,400 +13956,6 @@
     <p:extLst>
       <p:ext uri="{BB962C8B-B14F-4D97-AF65-F5344CB8AC3E}">
         <p14:creationId xmlns:p14="http://schemas.microsoft.com/office/powerpoint/2010/main" val="608795040"/>
-      </p:ext>
-    </p:extLst>
-  </p:cSld>
-  <p:clrMapOvr>
-    <a:masterClrMapping/>
-  </p:clrMapOvr>
-</p:sld>
-</file>
-
-<file path=ppt/slides/slide41.xml><?xml version="1.0" encoding="utf-8"?>
-<p:sld xmlns:a="http://schemas.openxmlformats.org/drawingml/2006/main" xmlns:r="http://schemas.openxmlformats.org/officeDocument/2006/relationships" xmlns:p="http://schemas.openxmlformats.org/presentationml/2006/main">
-  <p:cSld>
-    <p:spTree>
-      <p:nvGrpSpPr>
-        <p:cNvPr id="1" name=""/>
-        <p:cNvGrpSpPr/>
-        <p:nvPr/>
-      </p:nvGrpSpPr>
-      <p:grpSpPr>
-        <a:xfrm>
-          <a:off x="0" y="0"/>
-          <a:ext cx="0" cy="0"/>
-          <a:chOff x="0" y="0"/>
-          <a:chExt cx="0" cy="0"/>
-        </a:xfrm>
-      </p:grpSpPr>
-      <p:sp>
-        <p:nvSpPr>
-          <p:cNvPr id="2" name="Title 1"/>
-          <p:cNvSpPr>
-            <a:spLocks noGrp="1"/>
-          </p:cNvSpPr>
-          <p:nvPr>
-            <p:ph type="title"/>
-          </p:nvPr>
-        </p:nvSpPr>
-        <p:spPr/>
-        <p:txBody>
-          <a:bodyPr/>
-          <a:lstStyle/>
-          <a:p>
-            <a:r>
-              <a:rPr lang="en-US" dirty="0" smtClean="0"/>
-              <a:t>The Make approach</a:t>
-            </a:r>
-            <a:endParaRPr lang="en-US" dirty="0"/>
-          </a:p>
-        </p:txBody>
-      </p:sp>
-      <p:sp>
-        <p:nvSpPr>
-          <p:cNvPr id="3" name="Content Placeholder 2"/>
-          <p:cNvSpPr>
-            <a:spLocks noGrp="1"/>
-          </p:cNvSpPr>
-          <p:nvPr>
-            <p:ph idx="1"/>
-          </p:nvPr>
-        </p:nvSpPr>
-        <p:spPr>
-          <a:xfrm>
-            <a:off x="457200" y="1752600"/>
-            <a:ext cx="8101584" cy="4373563"/>
-          </a:xfrm>
-        </p:spPr>
-        <p:txBody>
-          <a:bodyPr/>
-          <a:lstStyle/>
-          <a:p>
-            <a:pPr marL="514350" marR="0" lvl="0" indent="-514350" defTabSz="914400" eaLnBrk="1" fontAlgn="auto" latinLnBrk="0" hangingPunct="1">
-              <a:lnSpc>
-                <a:spcPct val="100000"/>
-              </a:lnSpc>
-              <a:spcBef>
-                <a:spcPts val="0"/>
-              </a:spcBef>
-              <a:spcAft>
-                <a:spcPts val="0"/>
-              </a:spcAft>
-              <a:buClrTx/>
-              <a:buSzTx/>
-              <a:buFont typeface="+mj-lt"/>
-              <a:buAutoNum type="arabicPeriod"/>
-              <a:tabLst/>
-              <a:defRPr/>
-            </a:pPr>
-            <a:r>
-              <a:rPr lang="en-US" dirty="0" smtClean="0"/>
-              <a:t>Download and unzip/</a:t>
-            </a:r>
-            <a:r>
-              <a:rPr lang="en-US" dirty="0" err="1" smtClean="0"/>
-              <a:t>untar</a:t>
-            </a:r>
-            <a:r>
-              <a:rPr lang="en-US" dirty="0" smtClean="0"/>
-              <a:t> the source code</a:t>
-            </a:r>
-          </a:p>
-          <a:p>
-            <a:pPr marL="514350" marR="0" lvl="0" indent="-514350" defTabSz="914400" eaLnBrk="1" fontAlgn="auto" latinLnBrk="0" hangingPunct="1">
-              <a:lnSpc>
-                <a:spcPct val="100000"/>
-              </a:lnSpc>
-              <a:spcBef>
-                <a:spcPts val="0"/>
-              </a:spcBef>
-              <a:spcAft>
-                <a:spcPts val="0"/>
-              </a:spcAft>
-              <a:buClrTx/>
-              <a:buSzTx/>
-              <a:buFont typeface="+mj-lt"/>
-              <a:buAutoNum type="arabicPeriod"/>
-              <a:tabLst/>
-              <a:defRPr/>
-            </a:pPr>
-            <a:endParaRPr lang="en-US" dirty="0" smtClean="0"/>
-          </a:p>
-          <a:p>
-            <a:pPr marL="514350" marR="0" lvl="0" indent="-514350" defTabSz="914400" eaLnBrk="1" fontAlgn="auto" latinLnBrk="0" hangingPunct="1">
-              <a:lnSpc>
-                <a:spcPct val="100000"/>
-              </a:lnSpc>
-              <a:spcBef>
-                <a:spcPts val="0"/>
-              </a:spcBef>
-              <a:spcAft>
-                <a:spcPts val="0"/>
-              </a:spcAft>
-              <a:buClrTx/>
-              <a:buSzTx/>
-              <a:buFont typeface="+mj-lt"/>
-              <a:buAutoNum type="arabicPeriod"/>
-              <a:tabLst/>
-              <a:defRPr/>
-            </a:pPr>
-            <a:r>
-              <a:rPr lang="en-US" dirty="0" smtClean="0"/>
-              <a:t>Navigate into the source code directory with </a:t>
-            </a:r>
-            <a:r>
-              <a:rPr lang="en-US" dirty="0" smtClean="0">
-                <a:latin typeface="Monaco" charset="0"/>
-                <a:ea typeface="Monaco" charset="0"/>
-                <a:cs typeface="Monaco" charset="0"/>
-              </a:rPr>
-              <a:t>cd</a:t>
-            </a:r>
-          </a:p>
-          <a:p>
-            <a:pPr marL="514350" marR="0" lvl="0" indent="-514350" defTabSz="914400" eaLnBrk="1" fontAlgn="auto" latinLnBrk="0" hangingPunct="1">
-              <a:lnSpc>
-                <a:spcPct val="100000"/>
-              </a:lnSpc>
-              <a:spcBef>
-                <a:spcPts val="0"/>
-              </a:spcBef>
-              <a:spcAft>
-                <a:spcPts val="0"/>
-              </a:spcAft>
-              <a:buClrTx/>
-              <a:buSzTx/>
-              <a:buFont typeface="+mj-lt"/>
-              <a:buAutoNum type="arabicPeriod"/>
-              <a:tabLst/>
-              <a:defRPr/>
-            </a:pPr>
-            <a:endParaRPr lang="en-US" dirty="0" smtClean="0">
-              <a:latin typeface="Monaco" charset="0"/>
-              <a:ea typeface="Monaco" charset="0"/>
-              <a:cs typeface="Monaco" charset="0"/>
-            </a:endParaRPr>
-          </a:p>
-          <a:p>
-            <a:pPr marL="514350" lvl="0" indent="-514350">
-              <a:spcBef>
-                <a:spcPts val="0"/>
-              </a:spcBef>
-              <a:spcAft>
-                <a:spcPts val="0"/>
-              </a:spcAft>
-              <a:buFont typeface="+mj-lt"/>
-              <a:buAutoNum type="arabicPeriod"/>
-            </a:pPr>
-            <a:r>
-              <a:rPr lang="en-US" i="1" dirty="0" smtClean="0">
-                <a:ea typeface="Monaco" charset="0"/>
-                <a:cs typeface="Monaco" charset="0"/>
-              </a:rPr>
-              <a:t>Read the </a:t>
-            </a:r>
-            <a:r>
-              <a:rPr lang="en-US" dirty="0" smtClean="0">
-                <a:latin typeface="Monaco" charset="0"/>
-                <a:ea typeface="Monaco" charset="0"/>
-                <a:cs typeface="Monaco" charset="0"/>
-              </a:rPr>
-              <a:t>README </a:t>
-            </a:r>
-            <a:r>
-              <a:rPr lang="en-US" i="1" dirty="0" smtClean="0">
-                <a:ea typeface="Monaco" charset="0"/>
-                <a:cs typeface="Monaco" charset="0"/>
-              </a:rPr>
-              <a:t>(check also for </a:t>
-            </a:r>
-            <a:r>
-              <a:rPr lang="en-US" dirty="0" smtClean="0">
-                <a:latin typeface="Monaco" charset="0"/>
-                <a:ea typeface="Monaco" charset="0"/>
-                <a:cs typeface="Monaco" charset="0"/>
-              </a:rPr>
-              <a:t>INSTALL</a:t>
-            </a:r>
-            <a:r>
-              <a:rPr lang="en-US" i="1" dirty="0" smtClean="0">
-                <a:ea typeface="Monaco" charset="0"/>
-                <a:cs typeface="Monaco" charset="0"/>
-              </a:rPr>
-              <a:t>)</a:t>
-            </a:r>
-            <a:r>
-              <a:rPr lang="en-US" dirty="0" smtClean="0">
-                <a:latin typeface="Monaco" charset="0"/>
-                <a:ea typeface="Monaco" charset="0"/>
-                <a:cs typeface="Monaco" charset="0"/>
-              </a:rPr>
-              <a:t> </a:t>
-            </a:r>
-          </a:p>
-          <a:p>
-            <a:pPr marL="514350" marR="0" lvl="0" indent="-514350" defTabSz="914400" eaLnBrk="1" fontAlgn="auto" latinLnBrk="0" hangingPunct="1">
-              <a:lnSpc>
-                <a:spcPct val="100000"/>
-              </a:lnSpc>
-              <a:spcBef>
-                <a:spcPts val="0"/>
-              </a:spcBef>
-              <a:spcAft>
-                <a:spcPts val="0"/>
-              </a:spcAft>
-              <a:buClrTx/>
-              <a:buSzTx/>
-              <a:buFont typeface="+mj-lt"/>
-              <a:buAutoNum type="arabicPeriod"/>
-              <a:tabLst/>
-              <a:defRPr/>
-            </a:pPr>
-            <a:endParaRPr lang="en-US" i="1" dirty="0">
-              <a:ea typeface="Monaco" charset="0"/>
-              <a:cs typeface="Monaco" charset="0"/>
-            </a:endParaRPr>
-          </a:p>
-          <a:p>
-            <a:pPr marL="514350" marR="0" lvl="0" indent="-514350" defTabSz="914400" eaLnBrk="1" fontAlgn="auto" latinLnBrk="0" hangingPunct="1">
-              <a:lnSpc>
-                <a:spcPct val="100000"/>
-              </a:lnSpc>
-              <a:spcBef>
-                <a:spcPts val="0"/>
-              </a:spcBef>
-              <a:spcAft>
-                <a:spcPts val="0"/>
-              </a:spcAft>
-              <a:buClrTx/>
-              <a:buSzTx/>
-              <a:buFont typeface="+mj-lt"/>
-              <a:buAutoNum type="arabicPeriod"/>
-              <a:tabLst/>
-              <a:defRPr/>
-            </a:pPr>
-            <a:r>
-              <a:rPr lang="en-US" dirty="0" smtClean="0">
-                <a:ea typeface="Monaco" charset="0"/>
-                <a:cs typeface="Monaco" charset="0"/>
-              </a:rPr>
-              <a:t>Run:</a:t>
-            </a:r>
-          </a:p>
-          <a:p>
-            <a:pPr marL="514350" marR="0" lvl="0" indent="-514350" defTabSz="914400" eaLnBrk="1" fontAlgn="auto" latinLnBrk="0" hangingPunct="1">
-              <a:lnSpc>
-                <a:spcPct val="100000"/>
-              </a:lnSpc>
-              <a:spcBef>
-                <a:spcPts val="0"/>
-              </a:spcBef>
-              <a:spcAft>
-                <a:spcPts val="0"/>
-              </a:spcAft>
-              <a:buClrTx/>
-              <a:buSzTx/>
-              <a:buFont typeface="+mj-lt"/>
-              <a:buAutoNum type="arabicPeriod"/>
-              <a:tabLst/>
-              <a:defRPr/>
-            </a:pPr>
-            <a:endParaRPr lang="en-US" i="1" dirty="0" smtClean="0">
-              <a:ea typeface="Monaco" charset="0"/>
-              <a:cs typeface="Monaco" charset="0"/>
-            </a:endParaRPr>
-          </a:p>
-        </p:txBody>
-      </p:sp>
-      <p:sp>
-        <p:nvSpPr>
-          <p:cNvPr id="4" name="TextBox 3"/>
-          <p:cNvSpPr txBox="1"/>
-          <p:nvPr/>
-        </p:nvSpPr>
-        <p:spPr>
-          <a:xfrm>
-            <a:off x="1408176" y="5429329"/>
-            <a:ext cx="7406640" cy="1107996"/>
-          </a:xfrm>
-          <a:prstGeom prst="rect">
-            <a:avLst/>
-          </a:prstGeom>
-          <a:noFill/>
-        </p:spPr>
-        <p:txBody>
-          <a:bodyPr wrap="square" rtlCol="0">
-            <a:spAutoFit/>
-          </a:bodyPr>
-          <a:lstStyle/>
-          <a:p>
-            <a:r>
-              <a:rPr lang="en-US" sz="2200" dirty="0" smtClean="0">
-                <a:latin typeface="Monaco" charset="0"/>
-                <a:ea typeface="Monaco" charset="0"/>
-                <a:cs typeface="Monaco" charset="0"/>
-              </a:rPr>
-              <a:t>make         # compiles the </a:t>
-            </a:r>
-            <a:r>
-              <a:rPr lang="en-US" sz="2200" dirty="0" smtClean="0">
-                <a:solidFill>
-                  <a:srgbClr val="FF0000"/>
-                </a:solidFill>
-                <a:latin typeface="Monaco" charset="0"/>
-                <a:ea typeface="Monaco" charset="0"/>
-                <a:cs typeface="Monaco" charset="0"/>
-              </a:rPr>
-              <a:t>executable</a:t>
-            </a:r>
-          </a:p>
-          <a:p>
-            <a:r>
-              <a:rPr lang="en-US" sz="2200" strike="sngStrike" dirty="0">
-                <a:latin typeface="Monaco" charset="0"/>
-                <a:ea typeface="Monaco" charset="0"/>
-                <a:cs typeface="Monaco" charset="0"/>
-              </a:rPr>
-              <a:t>m</a:t>
-            </a:r>
-            <a:r>
-              <a:rPr lang="en-US" sz="2200" strike="sngStrike" dirty="0" smtClean="0">
-                <a:latin typeface="Monaco" charset="0"/>
-                <a:ea typeface="Monaco" charset="0"/>
-                <a:cs typeface="Monaco" charset="0"/>
-              </a:rPr>
-              <a:t>ake install </a:t>
-            </a:r>
-          </a:p>
-          <a:p>
-            <a:r>
-              <a:rPr lang="en-US" sz="2200" dirty="0" err="1" smtClean="0">
-                <a:latin typeface="Monaco" charset="0"/>
-                <a:ea typeface="Monaco" charset="0"/>
-                <a:cs typeface="Monaco" charset="0"/>
-              </a:rPr>
-              <a:t>sudo</a:t>
-            </a:r>
-            <a:r>
-              <a:rPr lang="en-US" sz="2200" dirty="0" smtClean="0">
-                <a:latin typeface="Monaco" charset="0"/>
-                <a:ea typeface="Monaco" charset="0"/>
-                <a:cs typeface="Monaco" charset="0"/>
-              </a:rPr>
-              <a:t> make install # moves exec to path</a:t>
-            </a:r>
-            <a:endParaRPr lang="en-US" sz="2200" dirty="0">
-              <a:latin typeface="Monaco" charset="0"/>
-              <a:ea typeface="Monaco" charset="0"/>
-              <a:cs typeface="Monaco" charset="0"/>
-            </a:endParaRPr>
-          </a:p>
-        </p:txBody>
-      </p:sp>
-    </p:spTree>
-    <p:extLst>
-      <p:ext uri="{BB962C8B-B14F-4D97-AF65-F5344CB8AC3E}">
-        <p14:creationId xmlns:p14="http://schemas.microsoft.com/office/powerpoint/2010/main" val="392767364"/>
       </p:ext>
     </p:extLst>
   </p:cSld>
@@ -14658,6 +14269,400 @@
         </p:nvSpPr>
         <p:spPr>
           <a:xfrm>
+            <a:off x="1408176" y="5429329"/>
+            <a:ext cx="7406640" cy="1107996"/>
+          </a:xfrm>
+          <a:prstGeom prst="rect">
+            <a:avLst/>
+          </a:prstGeom>
+          <a:noFill/>
+        </p:spPr>
+        <p:txBody>
+          <a:bodyPr wrap="square" rtlCol="0">
+            <a:spAutoFit/>
+          </a:bodyPr>
+          <a:lstStyle/>
+          <a:p>
+            <a:r>
+              <a:rPr lang="en-US" sz="2200" dirty="0" smtClean="0">
+                <a:latin typeface="Monaco" charset="0"/>
+                <a:ea typeface="Monaco" charset="0"/>
+                <a:cs typeface="Monaco" charset="0"/>
+              </a:rPr>
+              <a:t>make         # compiles the </a:t>
+            </a:r>
+            <a:r>
+              <a:rPr lang="en-US" sz="2200" dirty="0" smtClean="0">
+                <a:solidFill>
+                  <a:srgbClr val="FF0000"/>
+                </a:solidFill>
+                <a:latin typeface="Monaco" charset="0"/>
+                <a:ea typeface="Monaco" charset="0"/>
+                <a:cs typeface="Monaco" charset="0"/>
+              </a:rPr>
+              <a:t>executable</a:t>
+            </a:r>
+          </a:p>
+          <a:p>
+            <a:r>
+              <a:rPr lang="en-US" sz="2200" strike="sngStrike" dirty="0">
+                <a:latin typeface="Monaco" charset="0"/>
+                <a:ea typeface="Monaco" charset="0"/>
+                <a:cs typeface="Monaco" charset="0"/>
+              </a:rPr>
+              <a:t>m</a:t>
+            </a:r>
+            <a:r>
+              <a:rPr lang="en-US" sz="2200" strike="sngStrike" dirty="0" smtClean="0">
+                <a:latin typeface="Monaco" charset="0"/>
+                <a:ea typeface="Monaco" charset="0"/>
+                <a:cs typeface="Monaco" charset="0"/>
+              </a:rPr>
+              <a:t>ake install </a:t>
+            </a:r>
+          </a:p>
+          <a:p>
+            <a:r>
+              <a:rPr lang="en-US" sz="2200" dirty="0" err="1" smtClean="0">
+                <a:latin typeface="Monaco" charset="0"/>
+                <a:ea typeface="Monaco" charset="0"/>
+                <a:cs typeface="Monaco" charset="0"/>
+              </a:rPr>
+              <a:t>sudo</a:t>
+            </a:r>
+            <a:r>
+              <a:rPr lang="en-US" sz="2200" dirty="0" smtClean="0">
+                <a:latin typeface="Monaco" charset="0"/>
+                <a:ea typeface="Monaco" charset="0"/>
+                <a:cs typeface="Monaco" charset="0"/>
+              </a:rPr>
+              <a:t> make install # moves exec to path</a:t>
+            </a:r>
+            <a:endParaRPr lang="en-US" sz="2200" dirty="0">
+              <a:latin typeface="Monaco" charset="0"/>
+              <a:ea typeface="Monaco" charset="0"/>
+              <a:cs typeface="Monaco" charset="0"/>
+            </a:endParaRPr>
+          </a:p>
+        </p:txBody>
+      </p:sp>
+    </p:spTree>
+    <p:extLst>
+      <p:ext uri="{BB962C8B-B14F-4D97-AF65-F5344CB8AC3E}">
+        <p14:creationId xmlns:p14="http://schemas.microsoft.com/office/powerpoint/2010/main" val="392767364"/>
+      </p:ext>
+    </p:extLst>
+  </p:cSld>
+  <p:clrMapOvr>
+    <a:masterClrMapping/>
+  </p:clrMapOvr>
+</p:sld>
+</file>
+
+<file path=ppt/slides/slide43.xml><?xml version="1.0" encoding="utf-8"?>
+<p:sld xmlns:a="http://schemas.openxmlformats.org/drawingml/2006/main" xmlns:r="http://schemas.openxmlformats.org/officeDocument/2006/relationships" xmlns:p="http://schemas.openxmlformats.org/presentationml/2006/main">
+  <p:cSld>
+    <p:spTree>
+      <p:nvGrpSpPr>
+        <p:cNvPr id="1" name=""/>
+        <p:cNvGrpSpPr/>
+        <p:nvPr/>
+      </p:nvGrpSpPr>
+      <p:grpSpPr>
+        <a:xfrm>
+          <a:off x="0" y="0"/>
+          <a:ext cx="0" cy="0"/>
+          <a:chOff x="0" y="0"/>
+          <a:chExt cx="0" cy="0"/>
+        </a:xfrm>
+      </p:grpSpPr>
+      <p:sp>
+        <p:nvSpPr>
+          <p:cNvPr id="2" name="Title 1"/>
+          <p:cNvSpPr>
+            <a:spLocks noGrp="1"/>
+          </p:cNvSpPr>
+          <p:nvPr>
+            <p:ph type="title"/>
+          </p:nvPr>
+        </p:nvSpPr>
+        <p:spPr/>
+        <p:txBody>
+          <a:bodyPr/>
+          <a:lstStyle/>
+          <a:p>
+            <a:r>
+              <a:rPr lang="en-US" dirty="0" smtClean="0"/>
+              <a:t>The Make approach</a:t>
+            </a:r>
+            <a:endParaRPr lang="en-US" dirty="0"/>
+          </a:p>
+        </p:txBody>
+      </p:sp>
+      <p:sp>
+        <p:nvSpPr>
+          <p:cNvPr id="3" name="Content Placeholder 2"/>
+          <p:cNvSpPr>
+            <a:spLocks noGrp="1"/>
+          </p:cNvSpPr>
+          <p:nvPr>
+            <p:ph idx="1"/>
+          </p:nvPr>
+        </p:nvSpPr>
+        <p:spPr>
+          <a:xfrm>
+            <a:off x="457200" y="1752600"/>
+            <a:ext cx="8101584" cy="4373563"/>
+          </a:xfrm>
+        </p:spPr>
+        <p:txBody>
+          <a:bodyPr/>
+          <a:lstStyle/>
+          <a:p>
+            <a:pPr marL="514350" marR="0" lvl="0" indent="-514350" defTabSz="914400" eaLnBrk="1" fontAlgn="auto" latinLnBrk="0" hangingPunct="1">
+              <a:lnSpc>
+                <a:spcPct val="100000"/>
+              </a:lnSpc>
+              <a:spcBef>
+                <a:spcPts val="0"/>
+              </a:spcBef>
+              <a:spcAft>
+                <a:spcPts val="0"/>
+              </a:spcAft>
+              <a:buClrTx/>
+              <a:buSzTx/>
+              <a:buFont typeface="+mj-lt"/>
+              <a:buAutoNum type="arabicPeriod"/>
+              <a:tabLst/>
+              <a:defRPr/>
+            </a:pPr>
+            <a:r>
+              <a:rPr lang="en-US" dirty="0" smtClean="0"/>
+              <a:t>Download and unzip/</a:t>
+            </a:r>
+            <a:r>
+              <a:rPr lang="en-US" dirty="0" err="1" smtClean="0"/>
+              <a:t>untar</a:t>
+            </a:r>
+            <a:r>
+              <a:rPr lang="en-US" dirty="0" smtClean="0"/>
+              <a:t> the source code</a:t>
+            </a:r>
+          </a:p>
+          <a:p>
+            <a:pPr marL="514350" marR="0" lvl="0" indent="-514350" defTabSz="914400" eaLnBrk="1" fontAlgn="auto" latinLnBrk="0" hangingPunct="1">
+              <a:lnSpc>
+                <a:spcPct val="100000"/>
+              </a:lnSpc>
+              <a:spcBef>
+                <a:spcPts val="0"/>
+              </a:spcBef>
+              <a:spcAft>
+                <a:spcPts val="0"/>
+              </a:spcAft>
+              <a:buClrTx/>
+              <a:buSzTx/>
+              <a:buFont typeface="+mj-lt"/>
+              <a:buAutoNum type="arabicPeriod"/>
+              <a:tabLst/>
+              <a:defRPr/>
+            </a:pPr>
+            <a:endParaRPr lang="en-US" dirty="0" smtClean="0"/>
+          </a:p>
+          <a:p>
+            <a:pPr marL="514350" marR="0" lvl="0" indent="-514350" defTabSz="914400" eaLnBrk="1" fontAlgn="auto" latinLnBrk="0" hangingPunct="1">
+              <a:lnSpc>
+                <a:spcPct val="100000"/>
+              </a:lnSpc>
+              <a:spcBef>
+                <a:spcPts val="0"/>
+              </a:spcBef>
+              <a:spcAft>
+                <a:spcPts val="0"/>
+              </a:spcAft>
+              <a:buClrTx/>
+              <a:buSzTx/>
+              <a:buFont typeface="+mj-lt"/>
+              <a:buAutoNum type="arabicPeriod"/>
+              <a:tabLst/>
+              <a:defRPr/>
+            </a:pPr>
+            <a:r>
+              <a:rPr lang="en-US" dirty="0" smtClean="0"/>
+              <a:t>Navigate into the source code directory with </a:t>
+            </a:r>
+            <a:r>
+              <a:rPr lang="en-US" dirty="0" smtClean="0">
+                <a:latin typeface="Monaco" charset="0"/>
+                <a:ea typeface="Monaco" charset="0"/>
+                <a:cs typeface="Monaco" charset="0"/>
+              </a:rPr>
+              <a:t>cd</a:t>
+            </a:r>
+          </a:p>
+          <a:p>
+            <a:pPr marL="514350" marR="0" lvl="0" indent="-514350" defTabSz="914400" eaLnBrk="1" fontAlgn="auto" latinLnBrk="0" hangingPunct="1">
+              <a:lnSpc>
+                <a:spcPct val="100000"/>
+              </a:lnSpc>
+              <a:spcBef>
+                <a:spcPts val="0"/>
+              </a:spcBef>
+              <a:spcAft>
+                <a:spcPts val="0"/>
+              </a:spcAft>
+              <a:buClrTx/>
+              <a:buSzTx/>
+              <a:buFont typeface="+mj-lt"/>
+              <a:buAutoNum type="arabicPeriod"/>
+              <a:tabLst/>
+              <a:defRPr/>
+            </a:pPr>
+            <a:endParaRPr lang="en-US" dirty="0" smtClean="0">
+              <a:latin typeface="Monaco" charset="0"/>
+              <a:ea typeface="Monaco" charset="0"/>
+              <a:cs typeface="Monaco" charset="0"/>
+            </a:endParaRPr>
+          </a:p>
+          <a:p>
+            <a:pPr marL="514350" lvl="0" indent="-514350">
+              <a:spcBef>
+                <a:spcPts val="0"/>
+              </a:spcBef>
+              <a:spcAft>
+                <a:spcPts val="0"/>
+              </a:spcAft>
+              <a:buFont typeface="+mj-lt"/>
+              <a:buAutoNum type="arabicPeriod"/>
+            </a:pPr>
+            <a:r>
+              <a:rPr lang="en-US" i="1" dirty="0" smtClean="0">
+                <a:ea typeface="Monaco" charset="0"/>
+                <a:cs typeface="Monaco" charset="0"/>
+              </a:rPr>
+              <a:t>Read the </a:t>
+            </a:r>
+            <a:r>
+              <a:rPr lang="en-US" dirty="0" smtClean="0">
+                <a:latin typeface="Monaco" charset="0"/>
+                <a:ea typeface="Monaco" charset="0"/>
+                <a:cs typeface="Monaco" charset="0"/>
+              </a:rPr>
+              <a:t>README </a:t>
+            </a:r>
+            <a:r>
+              <a:rPr lang="en-US" i="1" dirty="0" smtClean="0">
+                <a:ea typeface="Monaco" charset="0"/>
+                <a:cs typeface="Monaco" charset="0"/>
+              </a:rPr>
+              <a:t>(check also for </a:t>
+            </a:r>
+            <a:r>
+              <a:rPr lang="en-US" dirty="0" smtClean="0">
+                <a:latin typeface="Monaco" charset="0"/>
+                <a:ea typeface="Monaco" charset="0"/>
+                <a:cs typeface="Monaco" charset="0"/>
+              </a:rPr>
+              <a:t>INSTALL</a:t>
+            </a:r>
+            <a:r>
+              <a:rPr lang="en-US" i="1" dirty="0" smtClean="0">
+                <a:ea typeface="Monaco" charset="0"/>
+                <a:cs typeface="Monaco" charset="0"/>
+              </a:rPr>
+              <a:t>)</a:t>
+            </a:r>
+            <a:r>
+              <a:rPr lang="en-US" dirty="0" smtClean="0">
+                <a:latin typeface="Monaco" charset="0"/>
+                <a:ea typeface="Monaco" charset="0"/>
+                <a:cs typeface="Monaco" charset="0"/>
+              </a:rPr>
+              <a:t> </a:t>
+            </a:r>
+          </a:p>
+          <a:p>
+            <a:pPr marL="514350" marR="0" lvl="0" indent="-514350" defTabSz="914400" eaLnBrk="1" fontAlgn="auto" latinLnBrk="0" hangingPunct="1">
+              <a:lnSpc>
+                <a:spcPct val="100000"/>
+              </a:lnSpc>
+              <a:spcBef>
+                <a:spcPts val="0"/>
+              </a:spcBef>
+              <a:spcAft>
+                <a:spcPts val="0"/>
+              </a:spcAft>
+              <a:buClrTx/>
+              <a:buSzTx/>
+              <a:buFont typeface="+mj-lt"/>
+              <a:buAutoNum type="arabicPeriod"/>
+              <a:tabLst/>
+              <a:defRPr/>
+            </a:pPr>
+            <a:endParaRPr lang="en-US" i="1" dirty="0">
+              <a:ea typeface="Monaco" charset="0"/>
+              <a:cs typeface="Monaco" charset="0"/>
+            </a:endParaRPr>
+          </a:p>
+          <a:p>
+            <a:pPr marL="514350" marR="0" lvl="0" indent="-514350" defTabSz="914400" eaLnBrk="1" fontAlgn="auto" latinLnBrk="0" hangingPunct="1">
+              <a:lnSpc>
+                <a:spcPct val="100000"/>
+              </a:lnSpc>
+              <a:spcBef>
+                <a:spcPts val="0"/>
+              </a:spcBef>
+              <a:spcAft>
+                <a:spcPts val="0"/>
+              </a:spcAft>
+              <a:buClrTx/>
+              <a:buSzTx/>
+              <a:buFont typeface="+mj-lt"/>
+              <a:buAutoNum type="arabicPeriod"/>
+              <a:tabLst/>
+              <a:defRPr/>
+            </a:pPr>
+            <a:r>
+              <a:rPr lang="en-US" dirty="0" smtClean="0">
+                <a:ea typeface="Monaco" charset="0"/>
+                <a:cs typeface="Monaco" charset="0"/>
+              </a:rPr>
+              <a:t>Run:</a:t>
+            </a:r>
+          </a:p>
+          <a:p>
+            <a:pPr marL="514350" marR="0" lvl="0" indent="-514350" defTabSz="914400" eaLnBrk="1" fontAlgn="auto" latinLnBrk="0" hangingPunct="1">
+              <a:lnSpc>
+                <a:spcPct val="100000"/>
+              </a:lnSpc>
+              <a:spcBef>
+                <a:spcPts val="0"/>
+              </a:spcBef>
+              <a:spcAft>
+                <a:spcPts val="0"/>
+              </a:spcAft>
+              <a:buClrTx/>
+              <a:buSzTx/>
+              <a:buFont typeface="+mj-lt"/>
+              <a:buAutoNum type="arabicPeriod"/>
+              <a:tabLst/>
+              <a:defRPr/>
+            </a:pPr>
+            <a:endParaRPr lang="en-US" i="1" dirty="0" smtClean="0">
+              <a:ea typeface="Monaco" charset="0"/>
+              <a:cs typeface="Monaco" charset="0"/>
+            </a:endParaRPr>
+          </a:p>
+        </p:txBody>
+      </p:sp>
+      <p:sp>
+        <p:nvSpPr>
+          <p:cNvPr id="4" name="TextBox 3"/>
+          <p:cNvSpPr txBox="1"/>
+          <p:nvPr/>
+        </p:nvSpPr>
+        <p:spPr>
+          <a:xfrm>
             <a:off x="1408176" y="5209873"/>
             <a:ext cx="7406640" cy="1446550"/>
           </a:xfrm>
@@ -14758,7 +14763,7 @@
 </p:sld>
 </file>
 
-<file path=ppt/slides/slide43.xml><?xml version="1.0" encoding="utf-8"?>
+<file path=ppt/slides/slide44.xml><?xml version="1.0" encoding="utf-8"?>
 <p:sld xmlns:a="http://schemas.openxmlformats.org/drawingml/2006/main" xmlns:r="http://schemas.openxmlformats.org/officeDocument/2006/relationships" xmlns:p="http://schemas.openxmlformats.org/presentationml/2006/main">
   <p:cSld>
     <p:spTree>
@@ -14964,7 +14969,7 @@
 </p:sld>
 </file>
 
-<file path=ppt/slides/slide44.xml><?xml version="1.0" encoding="utf-8"?>
+<file path=ppt/slides/slide45.xml><?xml version="1.0" encoding="utf-8"?>
 <p:sld xmlns:a="http://schemas.openxmlformats.org/drawingml/2006/main" xmlns:r="http://schemas.openxmlformats.org/officeDocument/2006/relationships" xmlns:p="http://schemas.openxmlformats.org/presentationml/2006/main">
   <p:cSld>
     <p:spTree>
